--- a/Auxiliary Files/Student Engagement & Retention Tool.pptx
+++ b/Auxiliary Files/Student Engagement & Retention Tool.pptx
@@ -1,33 +1,40 @@
 
 <file path=ppt/presentation.xml><?xml version="1.0" encoding="utf-8"?>
-<p:presentation xmlns:a="http://schemas.openxmlformats.org/drawingml/2006/main" xmlns:r="http://schemas.openxmlformats.org/officeDocument/2006/relationships" xmlns:mc="http://schemas.openxmlformats.org/markup-compatibility/2006" xmlns:mv="urn:schemas-microsoft-com:mac:vml" xmlns:p="http://schemas.openxmlformats.org/presentationml/2006/main" xmlns:c="http://schemas.openxmlformats.org/drawingml/2006/chart" xmlns:dgm="http://schemas.openxmlformats.org/drawingml/2006/diagram" xmlns:o="urn:schemas-microsoft-com:office:office" xmlns:v="urn:schemas-microsoft-com:vml" xmlns:pvml="urn:schemas-microsoft-com:office:powerpoint" xmlns:com="http://schemas.openxmlformats.org/drawingml/2006/compatibility" xmlns:p14="http://schemas.microsoft.com/office/powerpoint/2010/main" xmlns:p15="http://schemas.microsoft.com/office/powerpoint/2012/main" autoCompressPictures="0" embedTrueTypeFonts="1" strictFirstAndLastChars="0" saveSubsetFonts="1">
+<p:presentation xmlns:a="http://schemas.openxmlformats.org/drawingml/2006/main" xmlns:r="http://schemas.openxmlformats.org/officeDocument/2006/relationships" xmlns:p="http://schemas.openxmlformats.org/presentationml/2006/main" strictFirstAndLastChars="0" embedTrueTypeFonts="1" saveSubsetFonts="1" autoCompressPictures="0">
   <p:sldMasterIdLst>
-    <p:sldMasterId id="2147483659" r:id="rId5"/>
+    <p:sldMasterId id="2147483659" r:id="rId1"/>
   </p:sldMasterIdLst>
   <p:notesMasterIdLst>
-    <p:notesMasterId r:id="rId6"/>
+    <p:notesMasterId r:id="rId16"/>
   </p:notesMasterIdLst>
   <p:sldIdLst>
-    <p:sldId id="256" r:id="rId7"/>
-    <p:sldId id="257" r:id="rId8"/>
-    <p:sldId id="258" r:id="rId9"/>
-    <p:sldId id="259" r:id="rId10"/>
-    <p:sldId id="260" r:id="rId11"/>
-    <p:sldId id="261" r:id="rId12"/>
-    <p:sldId id="262" r:id="rId13"/>
-    <p:sldId id="263" r:id="rId14"/>
-    <p:sldId id="264" r:id="rId15"/>
-    <p:sldId id="265" r:id="rId16"/>
-    <p:sldId id="266" r:id="rId17"/>
-    <p:sldId id="267" r:id="rId18"/>
-    <p:sldId id="268" r:id="rId19"/>
-    <p:sldId id="269" r:id="rId20"/>
+    <p:sldId id="256" r:id="rId2"/>
+    <p:sldId id="257" r:id="rId3"/>
+    <p:sldId id="258" r:id="rId4"/>
+    <p:sldId id="259" r:id="rId5"/>
+    <p:sldId id="260" r:id="rId6"/>
+    <p:sldId id="261" r:id="rId7"/>
+    <p:sldId id="262" r:id="rId8"/>
+    <p:sldId id="263" r:id="rId9"/>
+    <p:sldId id="264" r:id="rId10"/>
+    <p:sldId id="265" r:id="rId11"/>
+    <p:sldId id="266" r:id="rId12"/>
+    <p:sldId id="267" r:id="rId13"/>
+    <p:sldId id="268" r:id="rId14"/>
+    <p:sldId id="269" r:id="rId15"/>
   </p:sldIdLst>
-  <p:sldSz cy="5143500" cx="9144000"/>
+  <p:sldSz cx="9144000" cy="5143500" type="screen16x9"/>
   <p:notesSz cx="6858000" cy="9144000"/>
   <p:embeddedFontLst>
     <p:embeddedFont>
-      <p:font typeface="Nunito"/>
+      <p:font typeface="Calibri" panose="020F0502020204030204" pitchFamily="34" charset="0"/>
+      <p:regular r:id="rId17"/>
+      <p:bold r:id="rId18"/>
+      <p:italic r:id="rId19"/>
+      <p:boldItalic r:id="rId20"/>
+    </p:embeddedFont>
+    <p:embeddedFont>
+      <p:font typeface="Nunito" panose="020B0604020202020204" charset="0"/>
       <p:regular r:id="rId21"/>
       <p:bold r:id="rId22"/>
       <p:italic r:id="rId23"/>
@@ -35,7 +42,7 @@
     </p:embeddedFont>
   </p:embeddedFontLst>
   <p:defaultTextStyle>
-    <a:defPPr lvl="0" marR="0" rtl="0" algn="l">
+    <a:defPPr marR="0" lvl="0" algn="l" rtl="0">
       <a:lnSpc>
         <a:spcPct val="100000"/>
       </a:lnSpc>
@@ -46,7 +53,7 @@
         <a:spcPts val="0"/>
       </a:spcAft>
     </a:defPPr>
-    <a:lvl1pPr lvl="0" marR="0" rtl="0" algn="l">
+    <a:lvl1pPr marR="0" lvl="0" algn="l" rtl="0">
       <a:lnSpc>
         <a:spcPct val="100000"/>
       </a:lnSpc>
@@ -60,7 +67,7 @@
         <a:srgbClr val="000000"/>
       </a:buClr>
       <a:buFont typeface="Arial"/>
-      <a:defRPr b="0" i="0" sz="1400" u="none" cap="none" strike="noStrike">
+      <a:defRPr sz="1400" b="0" i="0" u="none" strike="noStrike" cap="none">
         <a:solidFill>
           <a:srgbClr val="000000"/>
         </a:solidFill>
@@ -70,7 +77,7 @@
         <a:sym typeface="Arial"/>
       </a:defRPr>
     </a:lvl1pPr>
-    <a:lvl2pPr lvl="1" marR="0" rtl="0" algn="l">
+    <a:lvl2pPr marR="0" lvl="1" algn="l" rtl="0">
       <a:lnSpc>
         <a:spcPct val="100000"/>
       </a:lnSpc>
@@ -84,7 +91,7 @@
         <a:srgbClr val="000000"/>
       </a:buClr>
       <a:buFont typeface="Arial"/>
-      <a:defRPr b="0" i="0" sz="1400" u="none" cap="none" strike="noStrike">
+      <a:defRPr sz="1400" b="0" i="0" u="none" strike="noStrike" cap="none">
         <a:solidFill>
           <a:srgbClr val="000000"/>
         </a:solidFill>
@@ -94,7 +101,7 @@
         <a:sym typeface="Arial"/>
       </a:defRPr>
     </a:lvl2pPr>
-    <a:lvl3pPr lvl="2" marR="0" rtl="0" algn="l">
+    <a:lvl3pPr marR="0" lvl="2" algn="l" rtl="0">
       <a:lnSpc>
         <a:spcPct val="100000"/>
       </a:lnSpc>
@@ -108,7 +115,7 @@
         <a:srgbClr val="000000"/>
       </a:buClr>
       <a:buFont typeface="Arial"/>
-      <a:defRPr b="0" i="0" sz="1400" u="none" cap="none" strike="noStrike">
+      <a:defRPr sz="1400" b="0" i="0" u="none" strike="noStrike" cap="none">
         <a:solidFill>
           <a:srgbClr val="000000"/>
         </a:solidFill>
@@ -118,7 +125,7 @@
         <a:sym typeface="Arial"/>
       </a:defRPr>
     </a:lvl3pPr>
-    <a:lvl4pPr lvl="3" marR="0" rtl="0" algn="l">
+    <a:lvl4pPr marR="0" lvl="3" algn="l" rtl="0">
       <a:lnSpc>
         <a:spcPct val="100000"/>
       </a:lnSpc>
@@ -132,7 +139,7 @@
         <a:srgbClr val="000000"/>
       </a:buClr>
       <a:buFont typeface="Arial"/>
-      <a:defRPr b="0" i="0" sz="1400" u="none" cap="none" strike="noStrike">
+      <a:defRPr sz="1400" b="0" i="0" u="none" strike="noStrike" cap="none">
         <a:solidFill>
           <a:srgbClr val="000000"/>
         </a:solidFill>
@@ -142,7 +149,7 @@
         <a:sym typeface="Arial"/>
       </a:defRPr>
     </a:lvl4pPr>
-    <a:lvl5pPr lvl="4" marR="0" rtl="0" algn="l">
+    <a:lvl5pPr marR="0" lvl="4" algn="l" rtl="0">
       <a:lnSpc>
         <a:spcPct val="100000"/>
       </a:lnSpc>
@@ -156,7 +163,7 @@
         <a:srgbClr val="000000"/>
       </a:buClr>
       <a:buFont typeface="Arial"/>
-      <a:defRPr b="0" i="0" sz="1400" u="none" cap="none" strike="noStrike">
+      <a:defRPr sz="1400" b="0" i="0" u="none" strike="noStrike" cap="none">
         <a:solidFill>
           <a:srgbClr val="000000"/>
         </a:solidFill>
@@ -166,7 +173,7 @@
         <a:sym typeface="Arial"/>
       </a:defRPr>
     </a:lvl5pPr>
-    <a:lvl6pPr lvl="5" marR="0" rtl="0" algn="l">
+    <a:lvl6pPr marR="0" lvl="5" algn="l" rtl="0">
       <a:lnSpc>
         <a:spcPct val="100000"/>
       </a:lnSpc>
@@ -180,7 +187,7 @@
         <a:srgbClr val="000000"/>
       </a:buClr>
       <a:buFont typeface="Arial"/>
-      <a:defRPr b="0" i="0" sz="1400" u="none" cap="none" strike="noStrike">
+      <a:defRPr sz="1400" b="0" i="0" u="none" strike="noStrike" cap="none">
         <a:solidFill>
           <a:srgbClr val="000000"/>
         </a:solidFill>
@@ -190,7 +197,7 @@
         <a:sym typeface="Arial"/>
       </a:defRPr>
     </a:lvl6pPr>
-    <a:lvl7pPr lvl="6" marR="0" rtl="0" algn="l">
+    <a:lvl7pPr marR="0" lvl="6" algn="l" rtl="0">
       <a:lnSpc>
         <a:spcPct val="100000"/>
       </a:lnSpc>
@@ -204,7 +211,7 @@
         <a:srgbClr val="000000"/>
       </a:buClr>
       <a:buFont typeface="Arial"/>
-      <a:defRPr b="0" i="0" sz="1400" u="none" cap="none" strike="noStrike">
+      <a:defRPr sz="1400" b="0" i="0" u="none" strike="noStrike" cap="none">
         <a:solidFill>
           <a:srgbClr val="000000"/>
         </a:solidFill>
@@ -214,7 +221,7 @@
         <a:sym typeface="Arial"/>
       </a:defRPr>
     </a:lvl7pPr>
-    <a:lvl8pPr lvl="7" marR="0" rtl="0" algn="l">
+    <a:lvl8pPr marR="0" lvl="7" algn="l" rtl="0">
       <a:lnSpc>
         <a:spcPct val="100000"/>
       </a:lnSpc>
@@ -228,7 +235,7 @@
         <a:srgbClr val="000000"/>
       </a:buClr>
       <a:buFont typeface="Arial"/>
-      <a:defRPr b="0" i="0" sz="1400" u="none" cap="none" strike="noStrike">
+      <a:defRPr sz="1400" b="0" i="0" u="none" strike="noStrike" cap="none">
         <a:solidFill>
           <a:srgbClr val="000000"/>
         </a:solidFill>
@@ -238,7 +245,7 @@
         <a:sym typeface="Arial"/>
       </a:defRPr>
     </a:lvl8pPr>
-    <a:lvl9pPr lvl="8" marR="0" rtl="0" algn="l">
+    <a:lvl9pPr marR="0" lvl="8" algn="l" rtl="0">
       <a:lnSpc>
         <a:spcPct val="100000"/>
       </a:lnSpc>
@@ -252,7 +259,7 @@
         <a:srgbClr val="000000"/>
       </a:buClr>
       <a:buFont typeface="Arial"/>
-      <a:defRPr b="0" i="0" sz="1400" u="none" cap="none" strike="noStrike">
+      <a:defRPr sz="1400" b="0" i="0" u="none" strike="noStrike" cap="none">
         <a:solidFill>
           <a:srgbClr val="000000"/>
         </a:solidFill>
@@ -265,7 +272,7 @@
   </p:defaultTextStyle>
   <p:extLst>
     <p:ext uri="{EFAFB233-063F-42B5-8137-9DF3F51BA10A}">
-      <p15:sldGuideLst>
+      <p15:sldGuideLst xmlns:p15="http://schemas.microsoft.com/office/powerpoint/2012/main">
         <p15:guide id="1" orient="horz" pos="1620">
           <p15:clr>
             <a:srgbClr val="A4A3A4"/>
@@ -283,11 +290,16 @@
 </file>
 
 <file path=ppt/notesMasters/notesMaster1.xml><?xml version="1.0" encoding="utf-8"?>
-<p:notesMaster xmlns:a="http://schemas.openxmlformats.org/drawingml/2006/main" xmlns:r="http://schemas.openxmlformats.org/officeDocument/2006/relationships" xmlns:mc="http://schemas.openxmlformats.org/markup-compatibility/2006" xmlns:mv="urn:schemas-microsoft-com:mac:vml" xmlns:p="http://schemas.openxmlformats.org/presentationml/2006/main" xmlns:c="http://schemas.openxmlformats.org/drawingml/2006/chart" xmlns:dgm="http://schemas.openxmlformats.org/drawingml/2006/diagram" xmlns:o="urn:schemas-microsoft-com:office:office" xmlns:v="urn:schemas-microsoft-com:vml" xmlns:pvml="urn:schemas-microsoft-com:office:powerpoint" xmlns:com="http://schemas.openxmlformats.org/drawingml/2006/compatibility" xmlns:p14="http://schemas.microsoft.com/office/powerpoint/2010/main" xmlns:p15="http://schemas.microsoft.com/office/powerpoint/2012/main">
+<p:notesMaster xmlns:a="http://schemas.openxmlformats.org/drawingml/2006/main" xmlns:r="http://schemas.openxmlformats.org/officeDocument/2006/relationships" xmlns:p="http://schemas.openxmlformats.org/presentationml/2006/main">
   <p:cSld>
+    <p:bg>
+      <p:bgRef idx="1001">
+        <a:schemeClr val="bg1"/>
+      </p:bgRef>
+    </p:bg>
     <p:spTree>
       <p:nvGrpSpPr>
-        <p:cNvPr id="2" name="Shape 2"/>
+        <p:cNvPr id="1" name="Shape 2"/>
         <p:cNvGrpSpPr/>
         <p:nvPr/>
       </p:nvGrpSpPr>
@@ -302,9 +314,11 @@
       <p:sp>
         <p:nvSpPr>
           <p:cNvPr id="3" name="Google Shape;3;n"/>
-          <p:cNvSpPr/>
+          <p:cNvSpPr>
+            <a:spLocks noGrp="1" noRot="1" noChangeAspect="1"/>
+          </p:cNvSpPr>
           <p:nvPr>
-            <p:ph idx="2" type="sldImg"/>
+            <p:ph type="sldImg" idx="2"/>
           </p:nvPr>
         </p:nvSpPr>
         <p:spPr>
@@ -313,9 +327,13 @@
             <a:ext cx="6096075" cy="3429000"/>
           </a:xfrm>
           <a:custGeom>
-            <a:rect b="b" l="l" r="r" t="t"/>
+            <a:avLst/>
+            <a:gdLst/>
+            <a:ahLst/>
+            <a:cxnLst/>
+            <a:rect l="l" t="t" r="r" b="b"/>
             <a:pathLst>
-              <a:path extrusionOk="0" h="120000" w="120000">
+              <a:path w="120000" h="120000" extrusionOk="0">
                 <a:moveTo>
                   <a:pt x="0" y="0"/>
                 </a:moveTo>
@@ -333,23 +351,25 @@
             </a:pathLst>
           </a:custGeom>
           <a:noFill/>
-          <a:ln cap="flat" cmpd="sng" w="9525">
+          <a:ln w="9525" cap="flat" cmpd="sng">
             <a:solidFill>
               <a:srgbClr val="000000"/>
             </a:solidFill>
             <a:prstDash val="solid"/>
             <a:round/>
-            <a:headEnd len="sm" w="sm" type="none"/>
-            <a:tailEnd len="sm" w="sm" type="none"/>
+            <a:headEnd type="none" w="sm" len="sm"/>
+            <a:tailEnd type="none" w="sm" len="sm"/>
           </a:ln>
         </p:spPr>
       </p:sp>
       <p:sp>
         <p:nvSpPr>
           <p:cNvPr id="4" name="Google Shape;4;n"/>
-          <p:cNvSpPr txBox="1"/>
+          <p:cNvSpPr txBox="1">
+            <a:spLocks noGrp="1"/>
+          </p:cNvSpPr>
           <p:nvPr>
-            <p:ph idx="1" type="body"/>
+            <p:ph type="body" idx="1"/>
           </p:nvPr>
         </p:nvSpPr>
         <p:spPr>
@@ -366,11 +386,11 @@
           </a:ln>
         </p:spPr>
         <p:txBody>
-          <a:bodyPr anchorCtr="0" anchor="t" bIns="91425" lIns="91425" spcFirstLastPara="1" rIns="91425" wrap="square" tIns="91425">
+          <a:bodyPr spcFirstLastPara="1" wrap="square" lIns="91425" tIns="91425" rIns="91425" bIns="91425" anchor="t" anchorCtr="0">
             <a:noAutofit/>
           </a:bodyPr>
           <a:lstStyle>
-            <a:lvl1pPr indent="-298450" lvl="0" marL="457200">
+            <a:lvl1pPr marL="457200" lvl="0" indent="-298450">
               <a:spcBef>
                 <a:spcPts val="0"/>
               </a:spcBef>
@@ -381,7 +401,7 @@
               <a:buChar char="●"/>
               <a:defRPr sz="1100"/>
             </a:lvl1pPr>
-            <a:lvl2pPr indent="-298450" lvl="1" marL="914400">
+            <a:lvl2pPr marL="914400" lvl="1" indent="-298450">
               <a:spcBef>
                 <a:spcPts val="0"/>
               </a:spcBef>
@@ -392,7 +412,7 @@
               <a:buChar char="○"/>
               <a:defRPr sz="1100"/>
             </a:lvl2pPr>
-            <a:lvl3pPr indent="-298450" lvl="2" marL="1371600">
+            <a:lvl3pPr marL="1371600" lvl="2" indent="-298450">
               <a:spcBef>
                 <a:spcPts val="0"/>
               </a:spcBef>
@@ -403,7 +423,7 @@
               <a:buChar char="■"/>
               <a:defRPr sz="1100"/>
             </a:lvl3pPr>
-            <a:lvl4pPr indent="-298450" lvl="3" marL="1828800">
+            <a:lvl4pPr marL="1828800" lvl="3" indent="-298450">
               <a:spcBef>
                 <a:spcPts val="0"/>
               </a:spcBef>
@@ -414,7 +434,7 @@
               <a:buChar char="●"/>
               <a:defRPr sz="1100"/>
             </a:lvl4pPr>
-            <a:lvl5pPr indent="-298450" lvl="4" marL="2286000">
+            <a:lvl5pPr marL="2286000" lvl="4" indent="-298450">
               <a:spcBef>
                 <a:spcPts val="0"/>
               </a:spcBef>
@@ -425,7 +445,7 @@
               <a:buChar char="○"/>
               <a:defRPr sz="1100"/>
             </a:lvl5pPr>
-            <a:lvl6pPr indent="-298450" lvl="5" marL="2743200">
+            <a:lvl6pPr marL="2743200" lvl="5" indent="-298450">
               <a:spcBef>
                 <a:spcPts val="0"/>
               </a:spcBef>
@@ -436,7 +456,7 @@
               <a:buChar char="■"/>
               <a:defRPr sz="1100"/>
             </a:lvl6pPr>
-            <a:lvl7pPr indent="-298450" lvl="6" marL="3200400">
+            <a:lvl7pPr marL="3200400" lvl="6" indent="-298450">
               <a:spcBef>
                 <a:spcPts val="0"/>
               </a:spcBef>
@@ -447,7 +467,7 @@
               <a:buChar char="●"/>
               <a:defRPr sz="1100"/>
             </a:lvl7pPr>
-            <a:lvl8pPr indent="-298450" lvl="7" marL="3657600">
+            <a:lvl8pPr marL="3657600" lvl="7" indent="-298450">
               <a:spcBef>
                 <a:spcPts val="0"/>
               </a:spcBef>
@@ -458,7 +478,7 @@
               <a:buChar char="○"/>
               <a:defRPr sz="1100"/>
             </a:lvl8pPr>
-            <a:lvl9pPr indent="-298450" lvl="8" marL="4114800">
+            <a:lvl9pPr marL="4114800" lvl="8" indent="-298450">
               <a:spcBef>
                 <a:spcPts val="0"/>
               </a:spcBef>
@@ -470,14 +490,16 @@
               <a:defRPr sz="1100"/>
             </a:lvl9pPr>
           </a:lstStyle>
-          <a:p/>
+          <a:p>
+            <a:endParaRPr/>
+          </a:p>
         </p:txBody>
       </p:sp>
     </p:spTree>
   </p:cSld>
-  <p:clrMap accent1="accent1" accent2="accent2" accent3="accent3" accent4="accent4" accent5="accent5" accent6="accent6" bg1="lt1" bg2="dk2" tx1="dk1" tx2="lt2" folHlink="folHlink" hlink="hlink"/>
+  <p:clrMap bg1="lt1" tx1="dk1" bg2="dk2" tx2="lt2" accent1="accent1" accent2="accent2" accent3="accent3" accent4="accent4" accent5="accent5" accent6="accent6" hlink="hlink" folHlink="folHlink"/>
   <p:notesStyle>
-    <a:defPPr lvl="0" marR="0" rtl="0" algn="l">
+    <a:defPPr marR="0" lvl="0" algn="l" rtl="0">
       <a:lnSpc>
         <a:spcPct val="100000"/>
       </a:lnSpc>
@@ -488,7 +510,7 @@
         <a:spcPts val="0"/>
       </a:spcAft>
     </a:defPPr>
-    <a:lvl1pPr lvl="0" marR="0" rtl="0" algn="l">
+    <a:lvl1pPr marR="0" lvl="0" algn="l" rtl="0">
       <a:lnSpc>
         <a:spcPct val="100000"/>
       </a:lnSpc>
@@ -502,7 +524,7 @@
         <a:srgbClr val="000000"/>
       </a:buClr>
       <a:buFont typeface="Arial"/>
-      <a:defRPr b="0" i="0" sz="1400" u="none" cap="none" strike="noStrike">
+      <a:defRPr sz="1400" b="0" i="0" u="none" strike="noStrike" cap="none">
         <a:solidFill>
           <a:srgbClr val="000000"/>
         </a:solidFill>
@@ -512,7 +534,7 @@
         <a:sym typeface="Arial"/>
       </a:defRPr>
     </a:lvl1pPr>
-    <a:lvl2pPr lvl="1" marR="0" rtl="0" algn="l">
+    <a:lvl2pPr marR="0" lvl="1" algn="l" rtl="0">
       <a:lnSpc>
         <a:spcPct val="100000"/>
       </a:lnSpc>
@@ -526,7 +548,7 @@
         <a:srgbClr val="000000"/>
       </a:buClr>
       <a:buFont typeface="Arial"/>
-      <a:defRPr b="0" i="0" sz="1400" u="none" cap="none" strike="noStrike">
+      <a:defRPr sz="1400" b="0" i="0" u="none" strike="noStrike" cap="none">
         <a:solidFill>
           <a:srgbClr val="000000"/>
         </a:solidFill>
@@ -536,7 +558,7 @@
         <a:sym typeface="Arial"/>
       </a:defRPr>
     </a:lvl2pPr>
-    <a:lvl3pPr lvl="2" marR="0" rtl="0" algn="l">
+    <a:lvl3pPr marR="0" lvl="2" algn="l" rtl="0">
       <a:lnSpc>
         <a:spcPct val="100000"/>
       </a:lnSpc>
@@ -550,7 +572,7 @@
         <a:srgbClr val="000000"/>
       </a:buClr>
       <a:buFont typeface="Arial"/>
-      <a:defRPr b="0" i="0" sz="1400" u="none" cap="none" strike="noStrike">
+      <a:defRPr sz="1400" b="0" i="0" u="none" strike="noStrike" cap="none">
         <a:solidFill>
           <a:srgbClr val="000000"/>
         </a:solidFill>
@@ -560,7 +582,7 @@
         <a:sym typeface="Arial"/>
       </a:defRPr>
     </a:lvl3pPr>
-    <a:lvl4pPr lvl="3" marR="0" rtl="0" algn="l">
+    <a:lvl4pPr marR="0" lvl="3" algn="l" rtl="0">
       <a:lnSpc>
         <a:spcPct val="100000"/>
       </a:lnSpc>
@@ -574,7 +596,7 @@
         <a:srgbClr val="000000"/>
       </a:buClr>
       <a:buFont typeface="Arial"/>
-      <a:defRPr b="0" i="0" sz="1400" u="none" cap="none" strike="noStrike">
+      <a:defRPr sz="1400" b="0" i="0" u="none" strike="noStrike" cap="none">
         <a:solidFill>
           <a:srgbClr val="000000"/>
         </a:solidFill>
@@ -584,7 +606,7 @@
         <a:sym typeface="Arial"/>
       </a:defRPr>
     </a:lvl4pPr>
-    <a:lvl5pPr lvl="4" marR="0" rtl="0" algn="l">
+    <a:lvl5pPr marR="0" lvl="4" algn="l" rtl="0">
       <a:lnSpc>
         <a:spcPct val="100000"/>
       </a:lnSpc>
@@ -598,7 +620,7 @@
         <a:srgbClr val="000000"/>
       </a:buClr>
       <a:buFont typeface="Arial"/>
-      <a:defRPr b="0" i="0" sz="1400" u="none" cap="none" strike="noStrike">
+      <a:defRPr sz="1400" b="0" i="0" u="none" strike="noStrike" cap="none">
         <a:solidFill>
           <a:srgbClr val="000000"/>
         </a:solidFill>
@@ -608,7 +630,7 @@
         <a:sym typeface="Arial"/>
       </a:defRPr>
     </a:lvl5pPr>
-    <a:lvl6pPr lvl="5" marR="0" rtl="0" algn="l">
+    <a:lvl6pPr marR="0" lvl="5" algn="l" rtl="0">
       <a:lnSpc>
         <a:spcPct val="100000"/>
       </a:lnSpc>
@@ -622,7 +644,7 @@
         <a:srgbClr val="000000"/>
       </a:buClr>
       <a:buFont typeface="Arial"/>
-      <a:defRPr b="0" i="0" sz="1400" u="none" cap="none" strike="noStrike">
+      <a:defRPr sz="1400" b="0" i="0" u="none" strike="noStrike" cap="none">
         <a:solidFill>
           <a:srgbClr val="000000"/>
         </a:solidFill>
@@ -632,7 +654,7 @@
         <a:sym typeface="Arial"/>
       </a:defRPr>
     </a:lvl6pPr>
-    <a:lvl7pPr lvl="6" marR="0" rtl="0" algn="l">
+    <a:lvl7pPr marR="0" lvl="6" algn="l" rtl="0">
       <a:lnSpc>
         <a:spcPct val="100000"/>
       </a:lnSpc>
@@ -646,7 +668,7 @@
         <a:srgbClr val="000000"/>
       </a:buClr>
       <a:buFont typeface="Arial"/>
-      <a:defRPr b="0" i="0" sz="1400" u="none" cap="none" strike="noStrike">
+      <a:defRPr sz="1400" b="0" i="0" u="none" strike="noStrike" cap="none">
         <a:solidFill>
           <a:srgbClr val="000000"/>
         </a:solidFill>
@@ -656,7 +678,7 @@
         <a:sym typeface="Arial"/>
       </a:defRPr>
     </a:lvl7pPr>
-    <a:lvl8pPr lvl="7" marR="0" rtl="0" algn="l">
+    <a:lvl8pPr marR="0" lvl="7" algn="l" rtl="0">
       <a:lnSpc>
         <a:spcPct val="100000"/>
       </a:lnSpc>
@@ -670,7 +692,7 @@
         <a:srgbClr val="000000"/>
       </a:buClr>
       <a:buFont typeface="Arial"/>
-      <a:defRPr b="0" i="0" sz="1400" u="none" cap="none" strike="noStrike">
+      <a:defRPr sz="1400" b="0" i="0" u="none" strike="noStrike" cap="none">
         <a:solidFill>
           <a:srgbClr val="000000"/>
         </a:solidFill>
@@ -680,7 +702,7 @@
         <a:sym typeface="Arial"/>
       </a:defRPr>
     </a:lvl8pPr>
-    <a:lvl9pPr lvl="8" marR="0" rtl="0" algn="l">
+    <a:lvl9pPr marR="0" lvl="8" algn="l" rtl="0">
       <a:lnSpc>
         <a:spcPct val="100000"/>
       </a:lnSpc>
@@ -694,7 +716,7 @@
         <a:srgbClr val="000000"/>
       </a:buClr>
       <a:buFont typeface="Arial"/>
-      <a:defRPr b="0" i="0" sz="1400" u="none" cap="none" strike="noStrike">
+      <a:defRPr sz="1400" b="0" i="0" u="none" strike="noStrike" cap="none">
         <a:solidFill>
           <a:srgbClr val="000000"/>
         </a:solidFill>
@@ -709,11 +731,11 @@
 </file>
 
 <file path=ppt/notesSlides/notesSlide1.xml><?xml version="1.0" encoding="utf-8"?>
-<p:notes xmlns:a="http://schemas.openxmlformats.org/drawingml/2006/main" xmlns:r="http://schemas.openxmlformats.org/officeDocument/2006/relationships" xmlns:mc="http://schemas.openxmlformats.org/markup-compatibility/2006" xmlns:mv="urn:schemas-microsoft-com:mac:vml" xmlns:p="http://schemas.openxmlformats.org/presentationml/2006/main" xmlns:c="http://schemas.openxmlformats.org/drawingml/2006/chart" xmlns:dgm="http://schemas.openxmlformats.org/drawingml/2006/diagram" xmlns:o="urn:schemas-microsoft-com:office:office" xmlns:v="urn:schemas-microsoft-com:vml" xmlns:pvml="urn:schemas-microsoft-com:office:powerpoint" xmlns:com="http://schemas.openxmlformats.org/drawingml/2006/compatibility" xmlns:p14="http://schemas.microsoft.com/office/powerpoint/2010/main" xmlns:p15="http://schemas.microsoft.com/office/powerpoint/2012/main" showMasterPhAnim="0" showMasterSp="0">
+<p:notes xmlns:a="http://schemas.openxmlformats.org/drawingml/2006/main" xmlns:r="http://schemas.openxmlformats.org/officeDocument/2006/relationships" xmlns:p="http://schemas.openxmlformats.org/presentationml/2006/main" showMasterSp="0" showMasterPhAnim="0">
   <p:cSld>
     <p:spTree>
       <p:nvGrpSpPr>
-        <p:cNvPr id="124" name="Shape 124"/>
+        <p:cNvPr id="1" name="Shape 124"/>
         <p:cNvGrpSpPr/>
         <p:nvPr/>
       </p:nvGrpSpPr>
@@ -728,9 +750,11 @@
       <p:sp>
         <p:nvSpPr>
           <p:cNvPr id="125" name="Google Shape;125;p:notes"/>
-          <p:cNvSpPr/>
+          <p:cNvSpPr>
+            <a:spLocks noGrp="1" noRot="1" noChangeAspect="1"/>
+          </p:cNvSpPr>
           <p:nvPr>
-            <p:ph idx="2" type="sldImg"/>
+            <p:ph type="sldImg" idx="2"/>
           </p:nvPr>
         </p:nvSpPr>
         <p:spPr>
@@ -739,9 +763,13 @@
             <a:ext cx="6096075" cy="3429000"/>
           </a:xfrm>
           <a:custGeom>
-            <a:rect b="b" l="l" r="r" t="t"/>
+            <a:avLst/>
+            <a:gdLst/>
+            <a:ahLst/>
+            <a:cxnLst/>
+            <a:rect l="l" t="t" r="r" b="b"/>
             <a:pathLst>
-              <a:path extrusionOk="0" h="120000" w="120000">
+              <a:path w="120000" h="120000" extrusionOk="0">
                 <a:moveTo>
                   <a:pt x="0" y="0"/>
                 </a:moveTo>
@@ -763,9 +791,11 @@
       <p:sp>
         <p:nvSpPr>
           <p:cNvPr id="126" name="Google Shape;126;p:notes"/>
-          <p:cNvSpPr txBox="1"/>
+          <p:cNvSpPr txBox="1">
+            <a:spLocks noGrp="1"/>
+          </p:cNvSpPr>
           <p:nvPr>
-            <p:ph idx="1" type="body"/>
+            <p:ph type="body" idx="1"/>
           </p:nvPr>
         </p:nvSpPr>
         <p:spPr>
@@ -778,12 +808,12 @@
           </a:prstGeom>
         </p:spPr>
         <p:txBody>
-          <a:bodyPr anchorCtr="0" anchor="t" bIns="91425" lIns="91425" spcFirstLastPara="1" rIns="91425" wrap="square" tIns="91425">
+          <a:bodyPr spcFirstLastPara="1" wrap="square" lIns="91425" tIns="91425" rIns="91425" bIns="91425" anchor="t" anchorCtr="0">
             <a:noAutofit/>
           </a:bodyPr>
           <a:lstStyle/>
           <a:p>
-            <a:pPr indent="0" lvl="0" marL="0" rtl="0" algn="l">
+            <a:pPr marL="0" lvl="0" indent="0" algn="l" rtl="0">
               <a:spcBef>
                 <a:spcPts val="0"/>
               </a:spcBef>
@@ -792,9 +822,6 @@
               </a:spcAft>
               <a:buNone/>
             </a:pPr>
-            <a:r>
-              <a:t/>
-            </a:r>
             <a:endParaRPr/>
           </a:p>
         </p:txBody>
@@ -808,11 +835,11 @@
 </file>
 
 <file path=ppt/notesSlides/notesSlide10.xml><?xml version="1.0" encoding="utf-8"?>
-<p:notes xmlns:a="http://schemas.openxmlformats.org/drawingml/2006/main" xmlns:r="http://schemas.openxmlformats.org/officeDocument/2006/relationships" xmlns:mc="http://schemas.openxmlformats.org/markup-compatibility/2006" xmlns:mv="urn:schemas-microsoft-com:mac:vml" xmlns:p="http://schemas.openxmlformats.org/presentationml/2006/main" xmlns:c="http://schemas.openxmlformats.org/drawingml/2006/chart" xmlns:dgm="http://schemas.openxmlformats.org/drawingml/2006/diagram" xmlns:o="urn:schemas-microsoft-com:office:office" xmlns:v="urn:schemas-microsoft-com:vml" xmlns:pvml="urn:schemas-microsoft-com:office:powerpoint" xmlns:com="http://schemas.openxmlformats.org/drawingml/2006/compatibility" xmlns:p14="http://schemas.microsoft.com/office/powerpoint/2010/main" xmlns:p15="http://schemas.microsoft.com/office/powerpoint/2012/main" showMasterPhAnim="0" showMasterSp="0">
+<p:notes xmlns:a="http://schemas.openxmlformats.org/drawingml/2006/main" xmlns:r="http://schemas.openxmlformats.org/officeDocument/2006/relationships" xmlns:p="http://schemas.openxmlformats.org/presentationml/2006/main" showMasterSp="0" showMasterPhAnim="0">
   <p:cSld>
     <p:spTree>
       <p:nvGrpSpPr>
-        <p:cNvPr id="178" name="Shape 178"/>
+        <p:cNvPr id="1" name="Shape 178"/>
         <p:cNvGrpSpPr/>
         <p:nvPr/>
       </p:nvGrpSpPr>
@@ -827,20 +854,26 @@
       <p:sp>
         <p:nvSpPr>
           <p:cNvPr id="179" name="Google Shape;179;g650009f6d6_0_1:notes"/>
-          <p:cNvSpPr/>
+          <p:cNvSpPr>
+            <a:spLocks noGrp="1" noRot="1" noChangeAspect="1"/>
+          </p:cNvSpPr>
           <p:nvPr>
-            <p:ph idx="2" type="sldImg"/>
+            <p:ph type="sldImg" idx="2"/>
           </p:nvPr>
         </p:nvSpPr>
         <p:spPr>
           <a:xfrm>
-            <a:off x="381300" y="685800"/>
+            <a:off x="381000" y="685800"/>
             <a:ext cx="6096000" cy="3429000"/>
           </a:xfrm>
           <a:custGeom>
-            <a:rect b="b" l="l" r="r" t="t"/>
+            <a:avLst/>
+            <a:gdLst/>
+            <a:ahLst/>
+            <a:cxnLst/>
+            <a:rect l="l" t="t" r="r" b="b"/>
             <a:pathLst>
-              <a:path extrusionOk="0" h="120000" w="120000">
+              <a:path w="120000" h="120000" extrusionOk="0">
                 <a:moveTo>
                   <a:pt x="0" y="0"/>
                 </a:moveTo>
@@ -862,9 +895,11 @@
       <p:sp>
         <p:nvSpPr>
           <p:cNvPr id="180" name="Google Shape;180;g650009f6d6_0_1:notes"/>
-          <p:cNvSpPr txBox="1"/>
+          <p:cNvSpPr txBox="1">
+            <a:spLocks noGrp="1"/>
+          </p:cNvSpPr>
           <p:nvPr>
-            <p:ph idx="1" type="body"/>
+            <p:ph type="body" idx="1"/>
           </p:nvPr>
         </p:nvSpPr>
         <p:spPr>
@@ -877,12 +912,12 @@
           </a:prstGeom>
         </p:spPr>
         <p:txBody>
-          <a:bodyPr anchorCtr="0" anchor="t" bIns="91425" lIns="91425" spcFirstLastPara="1" rIns="91425" wrap="square" tIns="91425">
+          <a:bodyPr spcFirstLastPara="1" wrap="square" lIns="91425" tIns="91425" rIns="91425" bIns="91425" anchor="t" anchorCtr="0">
             <a:noAutofit/>
           </a:bodyPr>
           <a:lstStyle/>
           <a:p>
-            <a:pPr indent="0" lvl="0" marL="0" rtl="0" algn="l">
+            <a:pPr marL="0" lvl="0" indent="0" algn="l" rtl="0">
               <a:spcBef>
                 <a:spcPts val="0"/>
               </a:spcBef>
@@ -891,9 +926,6 @@
               </a:spcAft>
               <a:buNone/>
             </a:pPr>
-            <a:r>
-              <a:t/>
-            </a:r>
             <a:endParaRPr/>
           </a:p>
         </p:txBody>
@@ -907,11 +939,11 @@
 </file>
 
 <file path=ppt/notesSlides/notesSlide11.xml><?xml version="1.0" encoding="utf-8"?>
-<p:notes xmlns:a="http://schemas.openxmlformats.org/drawingml/2006/main" xmlns:r="http://schemas.openxmlformats.org/officeDocument/2006/relationships" xmlns:mc="http://schemas.openxmlformats.org/markup-compatibility/2006" xmlns:mv="urn:schemas-microsoft-com:mac:vml" xmlns:p="http://schemas.openxmlformats.org/presentationml/2006/main" xmlns:c="http://schemas.openxmlformats.org/drawingml/2006/chart" xmlns:dgm="http://schemas.openxmlformats.org/drawingml/2006/diagram" xmlns:o="urn:schemas-microsoft-com:office:office" xmlns:v="urn:schemas-microsoft-com:vml" xmlns:pvml="urn:schemas-microsoft-com:office:powerpoint" xmlns:com="http://schemas.openxmlformats.org/drawingml/2006/compatibility" xmlns:p14="http://schemas.microsoft.com/office/powerpoint/2010/main" xmlns:p15="http://schemas.microsoft.com/office/powerpoint/2012/main" showMasterPhAnim="0" showMasterSp="0">
+<p:notes xmlns:a="http://schemas.openxmlformats.org/drawingml/2006/main" xmlns:r="http://schemas.openxmlformats.org/officeDocument/2006/relationships" xmlns:p="http://schemas.openxmlformats.org/presentationml/2006/main" showMasterSp="0" showMasterPhAnim="0">
   <p:cSld>
     <p:spTree>
       <p:nvGrpSpPr>
-        <p:cNvPr id="184" name="Shape 184"/>
+        <p:cNvPr id="1" name="Shape 184"/>
         <p:cNvGrpSpPr/>
         <p:nvPr/>
       </p:nvGrpSpPr>
@@ -926,9 +958,11 @@
       <p:sp>
         <p:nvSpPr>
           <p:cNvPr id="185" name="Google Shape;185;g650009f6d6_0_15:notes"/>
-          <p:cNvSpPr/>
+          <p:cNvSpPr>
+            <a:spLocks noGrp="1" noRot="1" noChangeAspect="1"/>
+          </p:cNvSpPr>
           <p:nvPr>
-            <p:ph idx="2" type="sldImg"/>
+            <p:ph type="sldImg" idx="2"/>
           </p:nvPr>
         </p:nvSpPr>
         <p:spPr>
@@ -937,9 +971,13 @@
             <a:ext cx="6096000" cy="3429000"/>
           </a:xfrm>
           <a:custGeom>
-            <a:rect b="b" l="l" r="r" t="t"/>
+            <a:avLst/>
+            <a:gdLst/>
+            <a:ahLst/>
+            <a:cxnLst/>
+            <a:rect l="l" t="t" r="r" b="b"/>
             <a:pathLst>
-              <a:path extrusionOk="0" h="120000" w="120000">
+              <a:path w="120000" h="120000" extrusionOk="0">
                 <a:moveTo>
                   <a:pt x="0" y="0"/>
                 </a:moveTo>
@@ -961,9 +999,11 @@
       <p:sp>
         <p:nvSpPr>
           <p:cNvPr id="186" name="Google Shape;186;g650009f6d6_0_15:notes"/>
-          <p:cNvSpPr txBox="1"/>
+          <p:cNvSpPr txBox="1">
+            <a:spLocks noGrp="1"/>
+          </p:cNvSpPr>
           <p:nvPr>
-            <p:ph idx="1" type="body"/>
+            <p:ph type="body" idx="1"/>
           </p:nvPr>
         </p:nvSpPr>
         <p:spPr>
@@ -976,12 +1016,12 @@
           </a:prstGeom>
         </p:spPr>
         <p:txBody>
-          <a:bodyPr anchorCtr="0" anchor="t" bIns="91425" lIns="91425" spcFirstLastPara="1" rIns="91425" wrap="square" tIns="91425">
+          <a:bodyPr spcFirstLastPara="1" wrap="square" lIns="91425" tIns="91425" rIns="91425" bIns="91425" anchor="t" anchorCtr="0">
             <a:noAutofit/>
           </a:bodyPr>
           <a:lstStyle/>
           <a:p>
-            <a:pPr indent="0" lvl="0" marL="0" rtl="0" algn="l">
+            <a:pPr marL="0" lvl="0" indent="0" algn="l" rtl="0">
               <a:spcBef>
                 <a:spcPts val="0"/>
               </a:spcBef>
@@ -990,9 +1030,6 @@
               </a:spcAft>
               <a:buNone/>
             </a:pPr>
-            <a:r>
-              <a:t/>
-            </a:r>
             <a:endParaRPr/>
           </a:p>
         </p:txBody>
@@ -1006,11 +1043,11 @@
 </file>
 
 <file path=ppt/notesSlides/notesSlide12.xml><?xml version="1.0" encoding="utf-8"?>
-<p:notes xmlns:a="http://schemas.openxmlformats.org/drawingml/2006/main" xmlns:r="http://schemas.openxmlformats.org/officeDocument/2006/relationships" xmlns:mc="http://schemas.openxmlformats.org/markup-compatibility/2006" xmlns:mv="urn:schemas-microsoft-com:mac:vml" xmlns:p="http://schemas.openxmlformats.org/presentationml/2006/main" xmlns:c="http://schemas.openxmlformats.org/drawingml/2006/chart" xmlns:dgm="http://schemas.openxmlformats.org/drawingml/2006/diagram" xmlns:o="urn:schemas-microsoft-com:office:office" xmlns:v="urn:schemas-microsoft-com:vml" xmlns:pvml="urn:schemas-microsoft-com:office:powerpoint" xmlns:com="http://schemas.openxmlformats.org/drawingml/2006/compatibility" xmlns:p14="http://schemas.microsoft.com/office/powerpoint/2010/main" xmlns:p15="http://schemas.microsoft.com/office/powerpoint/2012/main" showMasterPhAnim="0" showMasterSp="0">
+<p:notes xmlns:a="http://schemas.openxmlformats.org/drawingml/2006/main" xmlns:r="http://schemas.openxmlformats.org/officeDocument/2006/relationships" xmlns:p="http://schemas.openxmlformats.org/presentationml/2006/main" showMasterSp="0" showMasterPhAnim="0">
   <p:cSld>
     <p:spTree>
       <p:nvGrpSpPr>
-        <p:cNvPr id="190" name="Shape 190"/>
+        <p:cNvPr id="1" name="Shape 190"/>
         <p:cNvGrpSpPr/>
         <p:nvPr/>
       </p:nvGrpSpPr>
@@ -1025,9 +1062,11 @@
       <p:sp>
         <p:nvSpPr>
           <p:cNvPr id="191" name="Google Shape;191;g64ff039e7e_0_4:notes"/>
-          <p:cNvSpPr/>
+          <p:cNvSpPr>
+            <a:spLocks noGrp="1" noRot="1" noChangeAspect="1"/>
+          </p:cNvSpPr>
           <p:nvPr>
-            <p:ph idx="2" type="sldImg"/>
+            <p:ph type="sldImg" idx="2"/>
           </p:nvPr>
         </p:nvSpPr>
         <p:spPr>
@@ -1036,9 +1075,13 @@
             <a:ext cx="6096000" cy="3429000"/>
           </a:xfrm>
           <a:custGeom>
-            <a:rect b="b" l="l" r="r" t="t"/>
+            <a:avLst/>
+            <a:gdLst/>
+            <a:ahLst/>
+            <a:cxnLst/>
+            <a:rect l="l" t="t" r="r" b="b"/>
             <a:pathLst>
-              <a:path extrusionOk="0" h="120000" w="120000">
+              <a:path w="120000" h="120000" extrusionOk="0">
                 <a:moveTo>
                   <a:pt x="0" y="0"/>
                 </a:moveTo>
@@ -1060,9 +1103,11 @@
       <p:sp>
         <p:nvSpPr>
           <p:cNvPr id="192" name="Google Shape;192;g64ff039e7e_0_4:notes"/>
-          <p:cNvSpPr txBox="1"/>
+          <p:cNvSpPr txBox="1">
+            <a:spLocks noGrp="1"/>
+          </p:cNvSpPr>
           <p:nvPr>
-            <p:ph idx="1" type="body"/>
+            <p:ph type="body" idx="1"/>
           </p:nvPr>
         </p:nvSpPr>
         <p:spPr>
@@ -1075,12 +1120,12 @@
           </a:prstGeom>
         </p:spPr>
         <p:txBody>
-          <a:bodyPr anchorCtr="0" anchor="t" bIns="91425" lIns="91425" spcFirstLastPara="1" rIns="91425" wrap="square" tIns="91425">
+          <a:bodyPr spcFirstLastPara="1" wrap="square" lIns="91425" tIns="91425" rIns="91425" bIns="91425" anchor="t" anchorCtr="0">
             <a:noAutofit/>
           </a:bodyPr>
           <a:lstStyle/>
           <a:p>
-            <a:pPr indent="0" lvl="0" marL="0" rtl="0" algn="l">
+            <a:pPr marL="0" lvl="0" indent="0" algn="l" rtl="0">
               <a:spcBef>
                 <a:spcPts val="0"/>
               </a:spcBef>
@@ -1089,9 +1134,6 @@
               </a:spcAft>
               <a:buNone/>
             </a:pPr>
-            <a:r>
-              <a:t/>
-            </a:r>
             <a:endParaRPr/>
           </a:p>
         </p:txBody>
@@ -1105,11 +1147,11 @@
 </file>
 
 <file path=ppt/notesSlides/notesSlide13.xml><?xml version="1.0" encoding="utf-8"?>
-<p:notes xmlns:a="http://schemas.openxmlformats.org/drawingml/2006/main" xmlns:r="http://schemas.openxmlformats.org/officeDocument/2006/relationships" xmlns:mc="http://schemas.openxmlformats.org/markup-compatibility/2006" xmlns:mv="urn:schemas-microsoft-com:mac:vml" xmlns:p="http://schemas.openxmlformats.org/presentationml/2006/main" xmlns:c="http://schemas.openxmlformats.org/drawingml/2006/chart" xmlns:dgm="http://schemas.openxmlformats.org/drawingml/2006/diagram" xmlns:o="urn:schemas-microsoft-com:office:office" xmlns:v="urn:schemas-microsoft-com:vml" xmlns:pvml="urn:schemas-microsoft-com:office:powerpoint" xmlns:com="http://schemas.openxmlformats.org/drawingml/2006/compatibility" xmlns:p14="http://schemas.microsoft.com/office/powerpoint/2010/main" xmlns:p15="http://schemas.microsoft.com/office/powerpoint/2012/main" showMasterPhAnim="0" showMasterSp="0">
+<p:notes xmlns:a="http://schemas.openxmlformats.org/drawingml/2006/main" xmlns:r="http://schemas.openxmlformats.org/officeDocument/2006/relationships" xmlns:p="http://schemas.openxmlformats.org/presentationml/2006/main" showMasterSp="0" showMasterPhAnim="0">
   <p:cSld>
     <p:spTree>
       <p:nvGrpSpPr>
-        <p:cNvPr id="196" name="Shape 196"/>
+        <p:cNvPr id="1" name="Shape 196"/>
         <p:cNvGrpSpPr/>
         <p:nvPr/>
       </p:nvGrpSpPr>
@@ -1124,9 +1166,11 @@
       <p:sp>
         <p:nvSpPr>
           <p:cNvPr id="197" name="Google Shape;197;g64ff039e7e_0_14:notes"/>
-          <p:cNvSpPr/>
+          <p:cNvSpPr>
+            <a:spLocks noGrp="1" noRot="1" noChangeAspect="1"/>
+          </p:cNvSpPr>
           <p:nvPr>
-            <p:ph idx="2" type="sldImg"/>
+            <p:ph type="sldImg" idx="2"/>
           </p:nvPr>
         </p:nvSpPr>
         <p:spPr>
@@ -1135,9 +1179,13 @@
             <a:ext cx="6096000" cy="3429000"/>
           </a:xfrm>
           <a:custGeom>
-            <a:rect b="b" l="l" r="r" t="t"/>
+            <a:avLst/>
+            <a:gdLst/>
+            <a:ahLst/>
+            <a:cxnLst/>
+            <a:rect l="l" t="t" r="r" b="b"/>
             <a:pathLst>
-              <a:path extrusionOk="0" h="120000" w="120000">
+              <a:path w="120000" h="120000" extrusionOk="0">
                 <a:moveTo>
                   <a:pt x="0" y="0"/>
                 </a:moveTo>
@@ -1159,9 +1207,11 @@
       <p:sp>
         <p:nvSpPr>
           <p:cNvPr id="198" name="Google Shape;198;g64ff039e7e_0_14:notes"/>
-          <p:cNvSpPr txBox="1"/>
+          <p:cNvSpPr txBox="1">
+            <a:spLocks noGrp="1"/>
+          </p:cNvSpPr>
           <p:nvPr>
-            <p:ph idx="1" type="body"/>
+            <p:ph type="body" idx="1"/>
           </p:nvPr>
         </p:nvSpPr>
         <p:spPr>
@@ -1174,12 +1224,12 @@
           </a:prstGeom>
         </p:spPr>
         <p:txBody>
-          <a:bodyPr anchorCtr="0" anchor="t" bIns="91425" lIns="91425" spcFirstLastPara="1" rIns="91425" wrap="square" tIns="91425">
+          <a:bodyPr spcFirstLastPara="1" wrap="square" lIns="91425" tIns="91425" rIns="91425" bIns="91425" anchor="t" anchorCtr="0">
             <a:noAutofit/>
           </a:bodyPr>
           <a:lstStyle/>
           <a:p>
-            <a:pPr indent="0" lvl="0" marL="0" rtl="0" algn="l">
+            <a:pPr marL="0" lvl="0" indent="0" algn="l" rtl="0">
               <a:spcBef>
                 <a:spcPts val="0"/>
               </a:spcBef>
@@ -1188,9 +1238,6 @@
               </a:spcAft>
               <a:buNone/>
             </a:pPr>
-            <a:r>
-              <a:t/>
-            </a:r>
             <a:endParaRPr/>
           </a:p>
         </p:txBody>
@@ -1204,11 +1251,11 @@
 </file>
 
 <file path=ppt/notesSlides/notesSlide14.xml><?xml version="1.0" encoding="utf-8"?>
-<p:notes xmlns:a="http://schemas.openxmlformats.org/drawingml/2006/main" xmlns:r="http://schemas.openxmlformats.org/officeDocument/2006/relationships" xmlns:mc="http://schemas.openxmlformats.org/markup-compatibility/2006" xmlns:mv="urn:schemas-microsoft-com:mac:vml" xmlns:p="http://schemas.openxmlformats.org/presentationml/2006/main" xmlns:c="http://schemas.openxmlformats.org/drawingml/2006/chart" xmlns:dgm="http://schemas.openxmlformats.org/drawingml/2006/diagram" xmlns:o="urn:schemas-microsoft-com:office:office" xmlns:v="urn:schemas-microsoft-com:vml" xmlns:pvml="urn:schemas-microsoft-com:office:powerpoint" xmlns:com="http://schemas.openxmlformats.org/drawingml/2006/compatibility" xmlns:p14="http://schemas.microsoft.com/office/powerpoint/2010/main" xmlns:p15="http://schemas.microsoft.com/office/powerpoint/2012/main" showMasterPhAnim="0" showMasterSp="0">
+<p:notes xmlns:a="http://schemas.openxmlformats.org/drawingml/2006/main" xmlns:r="http://schemas.openxmlformats.org/officeDocument/2006/relationships" xmlns:p="http://schemas.openxmlformats.org/presentationml/2006/main" showMasterSp="0" showMasterPhAnim="0">
   <p:cSld>
     <p:spTree>
       <p:nvGrpSpPr>
-        <p:cNvPr id="202" name="Shape 202"/>
+        <p:cNvPr id="1" name="Shape 202"/>
         <p:cNvGrpSpPr/>
         <p:nvPr/>
       </p:nvGrpSpPr>
@@ -1223,9 +1270,11 @@
       <p:sp>
         <p:nvSpPr>
           <p:cNvPr id="203" name="Google Shape;203;g650009f6d6_0_6:notes"/>
-          <p:cNvSpPr/>
+          <p:cNvSpPr>
+            <a:spLocks noGrp="1" noRot="1" noChangeAspect="1"/>
+          </p:cNvSpPr>
           <p:nvPr>
-            <p:ph idx="2" type="sldImg"/>
+            <p:ph type="sldImg" idx="2"/>
           </p:nvPr>
         </p:nvSpPr>
         <p:spPr>
@@ -1234,9 +1283,13 @@
             <a:ext cx="6096000" cy="3429000"/>
           </a:xfrm>
           <a:custGeom>
-            <a:rect b="b" l="l" r="r" t="t"/>
+            <a:avLst/>
+            <a:gdLst/>
+            <a:ahLst/>
+            <a:cxnLst/>
+            <a:rect l="l" t="t" r="r" b="b"/>
             <a:pathLst>
-              <a:path extrusionOk="0" h="120000" w="120000">
+              <a:path w="120000" h="120000" extrusionOk="0">
                 <a:moveTo>
                   <a:pt x="0" y="0"/>
                 </a:moveTo>
@@ -1258,9 +1311,11 @@
       <p:sp>
         <p:nvSpPr>
           <p:cNvPr id="204" name="Google Shape;204;g650009f6d6_0_6:notes"/>
-          <p:cNvSpPr txBox="1"/>
+          <p:cNvSpPr txBox="1">
+            <a:spLocks noGrp="1"/>
+          </p:cNvSpPr>
           <p:nvPr>
-            <p:ph idx="1" type="body"/>
+            <p:ph type="body" idx="1"/>
           </p:nvPr>
         </p:nvSpPr>
         <p:spPr>
@@ -1273,12 +1328,12 @@
           </a:prstGeom>
         </p:spPr>
         <p:txBody>
-          <a:bodyPr anchorCtr="0" anchor="t" bIns="91425" lIns="91425" spcFirstLastPara="1" rIns="91425" wrap="square" tIns="91425">
+          <a:bodyPr spcFirstLastPara="1" wrap="square" lIns="91425" tIns="91425" rIns="91425" bIns="91425" anchor="t" anchorCtr="0">
             <a:noAutofit/>
           </a:bodyPr>
           <a:lstStyle/>
           <a:p>
-            <a:pPr indent="0" lvl="0" marL="0" rtl="0" algn="l">
+            <a:pPr marL="0" lvl="0" indent="0" algn="l" rtl="0">
               <a:spcBef>
                 <a:spcPts val="0"/>
               </a:spcBef>
@@ -1287,9 +1342,6 @@
               </a:spcAft>
               <a:buNone/>
             </a:pPr>
-            <a:r>
-              <a:t/>
-            </a:r>
             <a:endParaRPr/>
           </a:p>
         </p:txBody>
@@ -1303,11 +1355,11 @@
 </file>
 
 <file path=ppt/notesSlides/notesSlide2.xml><?xml version="1.0" encoding="utf-8"?>
-<p:notes xmlns:a="http://schemas.openxmlformats.org/drawingml/2006/main" xmlns:r="http://schemas.openxmlformats.org/officeDocument/2006/relationships" xmlns:mc="http://schemas.openxmlformats.org/markup-compatibility/2006" xmlns:mv="urn:schemas-microsoft-com:mac:vml" xmlns:p="http://schemas.openxmlformats.org/presentationml/2006/main" xmlns:c="http://schemas.openxmlformats.org/drawingml/2006/chart" xmlns:dgm="http://schemas.openxmlformats.org/drawingml/2006/diagram" xmlns:o="urn:schemas-microsoft-com:office:office" xmlns:v="urn:schemas-microsoft-com:vml" xmlns:pvml="urn:schemas-microsoft-com:office:powerpoint" xmlns:com="http://schemas.openxmlformats.org/drawingml/2006/compatibility" xmlns:p14="http://schemas.microsoft.com/office/powerpoint/2010/main" xmlns:p15="http://schemas.microsoft.com/office/powerpoint/2012/main" showMasterPhAnim="0" showMasterSp="0">
+<p:notes xmlns:a="http://schemas.openxmlformats.org/drawingml/2006/main" xmlns:r="http://schemas.openxmlformats.org/officeDocument/2006/relationships" xmlns:p="http://schemas.openxmlformats.org/presentationml/2006/main" showMasterSp="0" showMasterPhAnim="0">
   <p:cSld>
     <p:spTree>
       <p:nvGrpSpPr>
-        <p:cNvPr id="130" name="Shape 130"/>
+        <p:cNvPr id="1" name="Shape 130"/>
         <p:cNvGrpSpPr/>
         <p:nvPr/>
       </p:nvGrpSpPr>
@@ -1322,9 +1374,11 @@
       <p:sp>
         <p:nvSpPr>
           <p:cNvPr id="131" name="Google Shape;131;g5d478bd7b5402b40_0:notes"/>
-          <p:cNvSpPr/>
+          <p:cNvSpPr>
+            <a:spLocks noGrp="1" noRot="1" noChangeAspect="1"/>
+          </p:cNvSpPr>
           <p:nvPr>
-            <p:ph idx="2" type="sldImg"/>
+            <p:ph type="sldImg" idx="2"/>
           </p:nvPr>
         </p:nvSpPr>
         <p:spPr>
@@ -1333,9 +1387,13 @@
             <a:ext cx="6096000" cy="3429000"/>
           </a:xfrm>
           <a:custGeom>
-            <a:rect b="b" l="l" r="r" t="t"/>
+            <a:avLst/>
+            <a:gdLst/>
+            <a:ahLst/>
+            <a:cxnLst/>
+            <a:rect l="l" t="t" r="r" b="b"/>
             <a:pathLst>
-              <a:path extrusionOk="0" h="120000" w="120000">
+              <a:path w="120000" h="120000" extrusionOk="0">
                 <a:moveTo>
                   <a:pt x="0" y="0"/>
                 </a:moveTo>
@@ -1357,9 +1415,11 @@
       <p:sp>
         <p:nvSpPr>
           <p:cNvPr id="132" name="Google Shape;132;g5d478bd7b5402b40_0:notes"/>
-          <p:cNvSpPr txBox="1"/>
+          <p:cNvSpPr txBox="1">
+            <a:spLocks noGrp="1"/>
+          </p:cNvSpPr>
           <p:nvPr>
-            <p:ph idx="1" type="body"/>
+            <p:ph type="body" idx="1"/>
           </p:nvPr>
         </p:nvSpPr>
         <p:spPr>
@@ -1372,12 +1432,12 @@
           </a:prstGeom>
         </p:spPr>
         <p:txBody>
-          <a:bodyPr anchorCtr="0" anchor="t" bIns="91425" lIns="91425" spcFirstLastPara="1" rIns="91425" wrap="square" tIns="91425">
+          <a:bodyPr spcFirstLastPara="1" wrap="square" lIns="91425" tIns="91425" rIns="91425" bIns="91425" anchor="t" anchorCtr="0">
             <a:noAutofit/>
           </a:bodyPr>
           <a:lstStyle/>
           <a:p>
-            <a:pPr indent="0" lvl="0" marL="0" rtl="0" algn="l">
+            <a:pPr marL="0" lvl="0" indent="0" algn="l" rtl="0">
               <a:spcBef>
                 <a:spcPts val="0"/>
               </a:spcBef>
@@ -1386,9 +1446,6 @@
               </a:spcAft>
               <a:buNone/>
             </a:pPr>
-            <a:r>
-              <a:t/>
-            </a:r>
             <a:endParaRPr/>
           </a:p>
         </p:txBody>
@@ -1402,11 +1459,11 @@
 </file>
 
 <file path=ppt/notesSlides/notesSlide3.xml><?xml version="1.0" encoding="utf-8"?>
-<p:notes xmlns:a="http://schemas.openxmlformats.org/drawingml/2006/main" xmlns:r="http://schemas.openxmlformats.org/officeDocument/2006/relationships" xmlns:mc="http://schemas.openxmlformats.org/markup-compatibility/2006" xmlns:mv="urn:schemas-microsoft-com:mac:vml" xmlns:p="http://schemas.openxmlformats.org/presentationml/2006/main" xmlns:c="http://schemas.openxmlformats.org/drawingml/2006/chart" xmlns:dgm="http://schemas.openxmlformats.org/drawingml/2006/diagram" xmlns:o="urn:schemas-microsoft-com:office:office" xmlns:v="urn:schemas-microsoft-com:vml" xmlns:pvml="urn:schemas-microsoft-com:office:powerpoint" xmlns:com="http://schemas.openxmlformats.org/drawingml/2006/compatibility" xmlns:p14="http://schemas.microsoft.com/office/powerpoint/2010/main" xmlns:p15="http://schemas.microsoft.com/office/powerpoint/2012/main" showMasterPhAnim="0" showMasterSp="0">
+<p:notes xmlns:a="http://schemas.openxmlformats.org/drawingml/2006/main" xmlns:r="http://schemas.openxmlformats.org/officeDocument/2006/relationships" xmlns:p="http://schemas.openxmlformats.org/presentationml/2006/main" showMasterSp="0" showMasterPhAnim="0">
   <p:cSld>
     <p:spTree>
       <p:nvGrpSpPr>
-        <p:cNvPr id="136" name="Shape 136"/>
+        <p:cNvPr id="1" name="Shape 136"/>
         <p:cNvGrpSpPr/>
         <p:nvPr/>
       </p:nvGrpSpPr>
@@ -1421,9 +1478,11 @@
       <p:sp>
         <p:nvSpPr>
           <p:cNvPr id="137" name="Google Shape;137;g5d478bd7b5402b40_4:notes"/>
-          <p:cNvSpPr/>
+          <p:cNvSpPr>
+            <a:spLocks noGrp="1" noRot="1" noChangeAspect="1"/>
+          </p:cNvSpPr>
           <p:nvPr>
-            <p:ph idx="2" type="sldImg"/>
+            <p:ph type="sldImg" idx="2"/>
           </p:nvPr>
         </p:nvSpPr>
         <p:spPr>
@@ -1432,9 +1491,13 @@
             <a:ext cx="6096000" cy="3429000"/>
           </a:xfrm>
           <a:custGeom>
-            <a:rect b="b" l="l" r="r" t="t"/>
+            <a:avLst/>
+            <a:gdLst/>
+            <a:ahLst/>
+            <a:cxnLst/>
+            <a:rect l="l" t="t" r="r" b="b"/>
             <a:pathLst>
-              <a:path extrusionOk="0" h="120000" w="120000">
+              <a:path w="120000" h="120000" extrusionOk="0">
                 <a:moveTo>
                   <a:pt x="0" y="0"/>
                 </a:moveTo>
@@ -1456,9 +1519,11 @@
       <p:sp>
         <p:nvSpPr>
           <p:cNvPr id="138" name="Google Shape;138;g5d478bd7b5402b40_4:notes"/>
-          <p:cNvSpPr txBox="1"/>
+          <p:cNvSpPr txBox="1">
+            <a:spLocks noGrp="1"/>
+          </p:cNvSpPr>
           <p:nvPr>
-            <p:ph idx="1" type="body"/>
+            <p:ph type="body" idx="1"/>
           </p:nvPr>
         </p:nvSpPr>
         <p:spPr>
@@ -1471,12 +1536,12 @@
           </a:prstGeom>
         </p:spPr>
         <p:txBody>
-          <a:bodyPr anchorCtr="0" anchor="t" bIns="91425" lIns="91425" spcFirstLastPara="1" rIns="91425" wrap="square" tIns="91425">
+          <a:bodyPr spcFirstLastPara="1" wrap="square" lIns="91425" tIns="91425" rIns="91425" bIns="91425" anchor="t" anchorCtr="0">
             <a:noAutofit/>
           </a:bodyPr>
           <a:lstStyle/>
           <a:p>
-            <a:pPr indent="0" lvl="0" marL="0" rtl="0" algn="l">
+            <a:pPr marL="0" lvl="0" indent="0" algn="l" rtl="0">
               <a:spcBef>
                 <a:spcPts val="0"/>
               </a:spcBef>
@@ -1485,9 +1550,6 @@
               </a:spcAft>
               <a:buNone/>
             </a:pPr>
-            <a:r>
-              <a:t/>
-            </a:r>
             <a:endParaRPr/>
           </a:p>
         </p:txBody>
@@ -1501,11 +1563,11 @@
 </file>
 
 <file path=ppt/notesSlides/notesSlide4.xml><?xml version="1.0" encoding="utf-8"?>
-<p:notes xmlns:a="http://schemas.openxmlformats.org/drawingml/2006/main" xmlns:r="http://schemas.openxmlformats.org/officeDocument/2006/relationships" xmlns:mc="http://schemas.openxmlformats.org/markup-compatibility/2006" xmlns:mv="urn:schemas-microsoft-com:mac:vml" xmlns:p="http://schemas.openxmlformats.org/presentationml/2006/main" xmlns:c="http://schemas.openxmlformats.org/drawingml/2006/chart" xmlns:dgm="http://schemas.openxmlformats.org/drawingml/2006/diagram" xmlns:o="urn:schemas-microsoft-com:office:office" xmlns:v="urn:schemas-microsoft-com:vml" xmlns:pvml="urn:schemas-microsoft-com:office:powerpoint" xmlns:com="http://schemas.openxmlformats.org/drawingml/2006/compatibility" xmlns:p14="http://schemas.microsoft.com/office/powerpoint/2010/main" xmlns:p15="http://schemas.microsoft.com/office/powerpoint/2012/main" showMasterPhAnim="0" showMasterSp="0">
+<p:notes xmlns:a="http://schemas.openxmlformats.org/drawingml/2006/main" xmlns:r="http://schemas.openxmlformats.org/officeDocument/2006/relationships" xmlns:p="http://schemas.openxmlformats.org/presentationml/2006/main" showMasterSp="0" showMasterPhAnim="0">
   <p:cSld>
     <p:spTree>
       <p:nvGrpSpPr>
-        <p:cNvPr id="144" name="Shape 144"/>
+        <p:cNvPr id="1" name="Shape 144"/>
         <p:cNvGrpSpPr/>
         <p:nvPr/>
       </p:nvGrpSpPr>
@@ -1520,9 +1582,11 @@
       <p:sp>
         <p:nvSpPr>
           <p:cNvPr id="145" name="Google Shape;145;g5d478bd7b5402b40_8:notes"/>
-          <p:cNvSpPr/>
+          <p:cNvSpPr>
+            <a:spLocks noGrp="1" noRot="1" noChangeAspect="1"/>
+          </p:cNvSpPr>
           <p:nvPr>
-            <p:ph idx="2" type="sldImg"/>
+            <p:ph type="sldImg" idx="2"/>
           </p:nvPr>
         </p:nvSpPr>
         <p:spPr>
@@ -1531,9 +1595,13 @@
             <a:ext cx="6096000" cy="3429000"/>
           </a:xfrm>
           <a:custGeom>
-            <a:rect b="b" l="l" r="r" t="t"/>
+            <a:avLst/>
+            <a:gdLst/>
+            <a:ahLst/>
+            <a:cxnLst/>
+            <a:rect l="l" t="t" r="r" b="b"/>
             <a:pathLst>
-              <a:path extrusionOk="0" h="120000" w="120000">
+              <a:path w="120000" h="120000" extrusionOk="0">
                 <a:moveTo>
                   <a:pt x="0" y="0"/>
                 </a:moveTo>
@@ -1555,9 +1623,11 @@
       <p:sp>
         <p:nvSpPr>
           <p:cNvPr id="146" name="Google Shape;146;g5d478bd7b5402b40_8:notes"/>
-          <p:cNvSpPr txBox="1"/>
+          <p:cNvSpPr txBox="1">
+            <a:spLocks noGrp="1"/>
+          </p:cNvSpPr>
           <p:nvPr>
-            <p:ph idx="1" type="body"/>
+            <p:ph type="body" idx="1"/>
           </p:nvPr>
         </p:nvSpPr>
         <p:spPr>
@@ -1570,12 +1640,12 @@
           </a:prstGeom>
         </p:spPr>
         <p:txBody>
-          <a:bodyPr anchorCtr="0" anchor="t" bIns="91425" lIns="91425" spcFirstLastPara="1" rIns="91425" wrap="square" tIns="91425">
+          <a:bodyPr spcFirstLastPara="1" wrap="square" lIns="91425" tIns="91425" rIns="91425" bIns="91425" anchor="t" anchorCtr="0">
             <a:noAutofit/>
           </a:bodyPr>
           <a:lstStyle/>
           <a:p>
-            <a:pPr indent="0" lvl="0" marL="0" rtl="0" algn="l">
+            <a:pPr marL="0" lvl="0" indent="0" algn="l" rtl="0">
               <a:spcBef>
                 <a:spcPts val="0"/>
               </a:spcBef>
@@ -1584,9 +1654,6 @@
               </a:spcAft>
               <a:buNone/>
             </a:pPr>
-            <a:r>
-              <a:t/>
-            </a:r>
             <a:endParaRPr/>
           </a:p>
         </p:txBody>
@@ -1600,11 +1667,11 @@
 </file>
 
 <file path=ppt/notesSlides/notesSlide5.xml><?xml version="1.0" encoding="utf-8"?>
-<p:notes xmlns:a="http://schemas.openxmlformats.org/drawingml/2006/main" xmlns:r="http://schemas.openxmlformats.org/officeDocument/2006/relationships" xmlns:mc="http://schemas.openxmlformats.org/markup-compatibility/2006" xmlns:mv="urn:schemas-microsoft-com:mac:vml" xmlns:p="http://schemas.openxmlformats.org/presentationml/2006/main" xmlns:c="http://schemas.openxmlformats.org/drawingml/2006/chart" xmlns:dgm="http://schemas.openxmlformats.org/drawingml/2006/diagram" xmlns:o="urn:schemas-microsoft-com:office:office" xmlns:v="urn:schemas-microsoft-com:vml" xmlns:pvml="urn:schemas-microsoft-com:office:powerpoint" xmlns:com="http://schemas.openxmlformats.org/drawingml/2006/compatibility" xmlns:p14="http://schemas.microsoft.com/office/powerpoint/2010/main" xmlns:p15="http://schemas.microsoft.com/office/powerpoint/2012/main" showMasterPhAnim="0" showMasterSp="0">
+<p:notes xmlns:a="http://schemas.openxmlformats.org/drawingml/2006/main" xmlns:r="http://schemas.openxmlformats.org/officeDocument/2006/relationships" xmlns:p="http://schemas.openxmlformats.org/presentationml/2006/main" showMasterSp="0" showMasterPhAnim="0">
   <p:cSld>
     <p:spTree>
       <p:nvGrpSpPr>
-        <p:cNvPr id="152" name="Shape 152"/>
+        <p:cNvPr id="1" name="Shape 152"/>
         <p:cNvGrpSpPr/>
         <p:nvPr/>
       </p:nvGrpSpPr>
@@ -1619,9 +1686,11 @@
       <p:sp>
         <p:nvSpPr>
           <p:cNvPr id="153" name="Google Shape;153;g64ff039e7e_0_19:notes"/>
-          <p:cNvSpPr/>
+          <p:cNvSpPr>
+            <a:spLocks noGrp="1" noRot="1" noChangeAspect="1"/>
+          </p:cNvSpPr>
           <p:nvPr>
-            <p:ph idx="2" type="sldImg"/>
+            <p:ph type="sldImg" idx="2"/>
           </p:nvPr>
         </p:nvSpPr>
         <p:spPr>
@@ -1630,9 +1699,13 @@
             <a:ext cx="6096000" cy="3429000"/>
           </a:xfrm>
           <a:custGeom>
-            <a:rect b="b" l="l" r="r" t="t"/>
+            <a:avLst/>
+            <a:gdLst/>
+            <a:ahLst/>
+            <a:cxnLst/>
+            <a:rect l="l" t="t" r="r" b="b"/>
             <a:pathLst>
-              <a:path extrusionOk="0" h="120000" w="120000">
+              <a:path w="120000" h="120000" extrusionOk="0">
                 <a:moveTo>
                   <a:pt x="0" y="0"/>
                 </a:moveTo>
@@ -1654,9 +1727,11 @@
       <p:sp>
         <p:nvSpPr>
           <p:cNvPr id="154" name="Google Shape;154;g64ff039e7e_0_19:notes"/>
-          <p:cNvSpPr txBox="1"/>
+          <p:cNvSpPr txBox="1">
+            <a:spLocks noGrp="1"/>
+          </p:cNvSpPr>
           <p:nvPr>
-            <p:ph idx="1" type="body"/>
+            <p:ph type="body" idx="1"/>
           </p:nvPr>
         </p:nvSpPr>
         <p:spPr>
@@ -1669,12 +1744,12 @@
           </a:prstGeom>
         </p:spPr>
         <p:txBody>
-          <a:bodyPr anchorCtr="0" anchor="t" bIns="91425" lIns="91425" spcFirstLastPara="1" rIns="91425" wrap="square" tIns="91425">
+          <a:bodyPr spcFirstLastPara="1" wrap="square" lIns="91425" tIns="91425" rIns="91425" bIns="91425" anchor="t" anchorCtr="0">
             <a:noAutofit/>
           </a:bodyPr>
           <a:lstStyle/>
           <a:p>
-            <a:pPr indent="-304800" lvl="0" marL="457200" rtl="0" algn="l">
+            <a:pPr marL="457200" lvl="0" indent="-304800" algn="l" rtl="0">
               <a:lnSpc>
                 <a:spcPct val="115000"/>
               </a:lnSpc>
@@ -1705,7 +1780,7 @@
             </a:endParaRPr>
           </a:p>
           <a:p>
-            <a:pPr indent="-304800" lvl="0" marL="457200" rtl="0" algn="l">
+            <a:pPr marL="457200" lvl="0" indent="-304800" algn="l" rtl="0">
               <a:lnSpc>
                 <a:spcPct val="115000"/>
               </a:lnSpc>
@@ -1736,7 +1811,7 @@
             </a:endParaRPr>
           </a:p>
           <a:p>
-            <a:pPr indent="-304800" lvl="0" marL="457200" rtl="0" algn="l">
+            <a:pPr marL="457200" lvl="0" indent="-304800" algn="l" rtl="0">
               <a:lnSpc>
                 <a:spcPct val="115000"/>
               </a:lnSpc>
@@ -1767,7 +1842,7 @@
             </a:endParaRPr>
           </a:p>
           <a:p>
-            <a:pPr indent="-304800" lvl="0" marL="457200" rtl="0" algn="l">
+            <a:pPr marL="457200" lvl="0" indent="-304800" algn="l" rtl="0">
               <a:lnSpc>
                 <a:spcPct val="115000"/>
               </a:lnSpc>
@@ -1798,7 +1873,7 @@
             </a:endParaRPr>
           </a:p>
           <a:p>
-            <a:pPr indent="-304800" lvl="0" marL="457200" rtl="0" algn="l">
+            <a:pPr marL="457200" lvl="0" indent="-304800" algn="l" rtl="0">
               <a:lnSpc>
                 <a:spcPct val="115000"/>
               </a:lnSpc>
@@ -1829,7 +1904,7 @@
             </a:endParaRPr>
           </a:p>
           <a:p>
-            <a:pPr indent="-304800" lvl="0" marL="457200" rtl="0" algn="l">
+            <a:pPr marL="457200" lvl="0" indent="-304800" algn="l" rtl="0">
               <a:lnSpc>
                 <a:spcPct val="115000"/>
               </a:lnSpc>
@@ -1860,7 +1935,7 @@
             </a:endParaRPr>
           </a:p>
           <a:p>
-            <a:pPr indent="0" lvl="0" marL="0" rtl="0" algn="l">
+            <a:pPr marL="0" lvl="0" indent="0" algn="l" rtl="0">
               <a:spcBef>
                 <a:spcPts val="1600"/>
               </a:spcBef>
@@ -1869,9 +1944,6 @@
               </a:spcAft>
               <a:buNone/>
             </a:pPr>
-            <a:r>
-              <a:t/>
-            </a:r>
             <a:endParaRPr/>
           </a:p>
         </p:txBody>
@@ -1885,11 +1957,11 @@
 </file>
 
 <file path=ppt/notesSlides/notesSlide6.xml><?xml version="1.0" encoding="utf-8"?>
-<p:notes xmlns:a="http://schemas.openxmlformats.org/drawingml/2006/main" xmlns:r="http://schemas.openxmlformats.org/officeDocument/2006/relationships" xmlns:mc="http://schemas.openxmlformats.org/markup-compatibility/2006" xmlns:mv="urn:schemas-microsoft-com:mac:vml" xmlns:p="http://schemas.openxmlformats.org/presentationml/2006/main" xmlns:c="http://schemas.openxmlformats.org/drawingml/2006/chart" xmlns:dgm="http://schemas.openxmlformats.org/drawingml/2006/diagram" xmlns:o="urn:schemas-microsoft-com:office:office" xmlns:v="urn:schemas-microsoft-com:vml" xmlns:pvml="urn:schemas-microsoft-com:office:powerpoint" xmlns:com="http://schemas.openxmlformats.org/drawingml/2006/compatibility" xmlns:p14="http://schemas.microsoft.com/office/powerpoint/2010/main" xmlns:p15="http://schemas.microsoft.com/office/powerpoint/2012/main" showMasterPhAnim="0" showMasterSp="0">
+<p:notes xmlns:a="http://schemas.openxmlformats.org/drawingml/2006/main" xmlns:r="http://schemas.openxmlformats.org/officeDocument/2006/relationships" xmlns:p="http://schemas.openxmlformats.org/presentationml/2006/main" showMasterSp="0" showMasterPhAnim="0">
   <p:cSld>
     <p:spTree>
       <p:nvGrpSpPr>
-        <p:cNvPr id="157" name="Shape 157"/>
+        <p:cNvPr id="1" name="Shape 157"/>
         <p:cNvGrpSpPr/>
         <p:nvPr/>
       </p:nvGrpSpPr>
@@ -1904,9 +1976,11 @@
       <p:sp>
         <p:nvSpPr>
           <p:cNvPr id="158" name="Google Shape;158;g71b133b2952a0cb6_4:notes"/>
-          <p:cNvSpPr/>
+          <p:cNvSpPr>
+            <a:spLocks noGrp="1" noRot="1" noChangeAspect="1"/>
+          </p:cNvSpPr>
           <p:nvPr>
-            <p:ph idx="2" type="sldImg"/>
+            <p:ph type="sldImg" idx="2"/>
           </p:nvPr>
         </p:nvSpPr>
         <p:spPr>
@@ -1915,9 +1989,13 @@
             <a:ext cx="6096000" cy="3429000"/>
           </a:xfrm>
           <a:custGeom>
-            <a:rect b="b" l="l" r="r" t="t"/>
+            <a:avLst/>
+            <a:gdLst/>
+            <a:ahLst/>
+            <a:cxnLst/>
+            <a:rect l="l" t="t" r="r" b="b"/>
             <a:pathLst>
-              <a:path extrusionOk="0" h="120000" w="120000">
+              <a:path w="120000" h="120000" extrusionOk="0">
                 <a:moveTo>
                   <a:pt x="0" y="0"/>
                 </a:moveTo>
@@ -1939,9 +2017,11 @@
       <p:sp>
         <p:nvSpPr>
           <p:cNvPr id="159" name="Google Shape;159;g71b133b2952a0cb6_4:notes"/>
-          <p:cNvSpPr txBox="1"/>
+          <p:cNvSpPr txBox="1">
+            <a:spLocks noGrp="1"/>
+          </p:cNvSpPr>
           <p:nvPr>
-            <p:ph idx="1" type="body"/>
+            <p:ph type="body" idx="1"/>
           </p:nvPr>
         </p:nvSpPr>
         <p:spPr>
@@ -1954,12 +2034,12 @@
           </a:prstGeom>
         </p:spPr>
         <p:txBody>
-          <a:bodyPr anchorCtr="0" anchor="t" bIns="91425" lIns="91425" spcFirstLastPara="1" rIns="91425" wrap="square" tIns="91425">
+          <a:bodyPr spcFirstLastPara="1" wrap="square" lIns="91425" tIns="91425" rIns="91425" bIns="91425" anchor="t" anchorCtr="0">
             <a:noAutofit/>
           </a:bodyPr>
           <a:lstStyle/>
           <a:p>
-            <a:pPr indent="0" lvl="0" marL="0" rtl="0" algn="l">
+            <a:pPr marL="0" lvl="0" indent="0" algn="l" rtl="0">
               <a:spcBef>
                 <a:spcPts val="0"/>
               </a:spcBef>
@@ -1968,9 +2048,6 @@
               </a:spcAft>
               <a:buNone/>
             </a:pPr>
-            <a:r>
-              <a:t/>
-            </a:r>
             <a:endParaRPr/>
           </a:p>
         </p:txBody>
@@ -1984,11 +2061,11 @@
 </file>
 
 <file path=ppt/notesSlides/notesSlide7.xml><?xml version="1.0" encoding="utf-8"?>
-<p:notes xmlns:a="http://schemas.openxmlformats.org/drawingml/2006/main" xmlns:r="http://schemas.openxmlformats.org/officeDocument/2006/relationships" xmlns:mc="http://schemas.openxmlformats.org/markup-compatibility/2006" xmlns:mv="urn:schemas-microsoft-com:mac:vml" xmlns:p="http://schemas.openxmlformats.org/presentationml/2006/main" xmlns:c="http://schemas.openxmlformats.org/drawingml/2006/chart" xmlns:dgm="http://schemas.openxmlformats.org/drawingml/2006/diagram" xmlns:o="urn:schemas-microsoft-com:office:office" xmlns:v="urn:schemas-microsoft-com:vml" xmlns:pvml="urn:schemas-microsoft-com:office:powerpoint" xmlns:com="http://schemas.openxmlformats.org/drawingml/2006/compatibility" xmlns:p14="http://schemas.microsoft.com/office/powerpoint/2010/main" xmlns:p15="http://schemas.microsoft.com/office/powerpoint/2012/main" showMasterPhAnim="0" showMasterSp="0">
+<p:notes xmlns:a="http://schemas.openxmlformats.org/drawingml/2006/main" xmlns:r="http://schemas.openxmlformats.org/officeDocument/2006/relationships" xmlns:p="http://schemas.openxmlformats.org/presentationml/2006/main" showMasterSp="0" showMasterPhAnim="0">
   <p:cSld>
     <p:spTree>
       <p:nvGrpSpPr>
-        <p:cNvPr id="164" name="Shape 164"/>
+        <p:cNvPr id="1" name="Shape 164"/>
         <p:cNvGrpSpPr/>
         <p:nvPr/>
       </p:nvGrpSpPr>
@@ -2003,9 +2080,11 @@
       <p:sp>
         <p:nvSpPr>
           <p:cNvPr id="165" name="Google Shape;165;g71b133b2952a0cb6_0:notes"/>
-          <p:cNvSpPr/>
+          <p:cNvSpPr>
+            <a:spLocks noGrp="1" noRot="1" noChangeAspect="1"/>
+          </p:cNvSpPr>
           <p:nvPr>
-            <p:ph idx="2" type="sldImg"/>
+            <p:ph type="sldImg" idx="2"/>
           </p:nvPr>
         </p:nvSpPr>
         <p:spPr>
@@ -2014,9 +2093,13 @@
             <a:ext cx="6096000" cy="3429000"/>
           </a:xfrm>
           <a:custGeom>
-            <a:rect b="b" l="l" r="r" t="t"/>
+            <a:avLst/>
+            <a:gdLst/>
+            <a:ahLst/>
+            <a:cxnLst/>
+            <a:rect l="l" t="t" r="r" b="b"/>
             <a:pathLst>
-              <a:path extrusionOk="0" h="120000" w="120000">
+              <a:path w="120000" h="120000" extrusionOk="0">
                 <a:moveTo>
                   <a:pt x="0" y="0"/>
                 </a:moveTo>
@@ -2038,9 +2121,11 @@
       <p:sp>
         <p:nvSpPr>
           <p:cNvPr id="166" name="Google Shape;166;g71b133b2952a0cb6_0:notes"/>
-          <p:cNvSpPr txBox="1"/>
+          <p:cNvSpPr txBox="1">
+            <a:spLocks noGrp="1"/>
+          </p:cNvSpPr>
           <p:nvPr>
-            <p:ph idx="1" type="body"/>
+            <p:ph type="body" idx="1"/>
           </p:nvPr>
         </p:nvSpPr>
         <p:spPr>
@@ -2053,12 +2138,12 @@
           </a:prstGeom>
         </p:spPr>
         <p:txBody>
-          <a:bodyPr anchorCtr="0" anchor="t" bIns="91425" lIns="91425" spcFirstLastPara="1" rIns="91425" wrap="square" tIns="91425">
+          <a:bodyPr spcFirstLastPara="1" wrap="square" lIns="91425" tIns="91425" rIns="91425" bIns="91425" anchor="t" anchorCtr="0">
             <a:noAutofit/>
           </a:bodyPr>
           <a:lstStyle/>
           <a:p>
-            <a:pPr indent="0" lvl="0" marL="0" rtl="0" algn="l">
+            <a:pPr marL="0" lvl="0" indent="0" algn="l" rtl="0">
               <a:spcBef>
                 <a:spcPts val="0"/>
               </a:spcBef>
@@ -2067,9 +2152,6 @@
               </a:spcAft>
               <a:buNone/>
             </a:pPr>
-            <a:r>
-              <a:t/>
-            </a:r>
             <a:endParaRPr/>
           </a:p>
         </p:txBody>
@@ -2083,11 +2165,11 @@
 </file>
 
 <file path=ppt/notesSlides/notesSlide8.xml><?xml version="1.0" encoding="utf-8"?>
-<p:notes xmlns:a="http://schemas.openxmlformats.org/drawingml/2006/main" xmlns:r="http://schemas.openxmlformats.org/officeDocument/2006/relationships" xmlns:mc="http://schemas.openxmlformats.org/markup-compatibility/2006" xmlns:mv="urn:schemas-microsoft-com:mac:vml" xmlns:p="http://schemas.openxmlformats.org/presentationml/2006/main" xmlns:c="http://schemas.openxmlformats.org/drawingml/2006/chart" xmlns:dgm="http://schemas.openxmlformats.org/drawingml/2006/diagram" xmlns:o="urn:schemas-microsoft-com:office:office" xmlns:v="urn:schemas-microsoft-com:vml" xmlns:pvml="urn:schemas-microsoft-com:office:powerpoint" xmlns:com="http://schemas.openxmlformats.org/drawingml/2006/compatibility" xmlns:p14="http://schemas.microsoft.com/office/powerpoint/2010/main" xmlns:p15="http://schemas.microsoft.com/office/powerpoint/2012/main" showMasterPhAnim="0" showMasterSp="0">
+<p:notes xmlns:a="http://schemas.openxmlformats.org/drawingml/2006/main" xmlns:r="http://schemas.openxmlformats.org/officeDocument/2006/relationships" xmlns:p="http://schemas.openxmlformats.org/presentationml/2006/main" showMasterSp="0" showMasterPhAnim="0">
   <p:cSld>
     <p:spTree>
       <p:nvGrpSpPr>
-        <p:cNvPr id="168" name="Shape 168"/>
+        <p:cNvPr id="1" name="Shape 168"/>
         <p:cNvGrpSpPr/>
         <p:nvPr/>
       </p:nvGrpSpPr>
@@ -2102,9 +2184,11 @@
       <p:sp>
         <p:nvSpPr>
           <p:cNvPr id="169" name="Google Shape;169;g64ff039e7e_0_10:notes"/>
-          <p:cNvSpPr/>
+          <p:cNvSpPr>
+            <a:spLocks noGrp="1" noRot="1" noChangeAspect="1"/>
+          </p:cNvSpPr>
           <p:nvPr>
-            <p:ph idx="2" type="sldImg"/>
+            <p:ph type="sldImg" idx="2"/>
           </p:nvPr>
         </p:nvSpPr>
         <p:spPr>
@@ -2113,9 +2197,13 @@
             <a:ext cx="6096000" cy="3429000"/>
           </a:xfrm>
           <a:custGeom>
-            <a:rect b="b" l="l" r="r" t="t"/>
+            <a:avLst/>
+            <a:gdLst/>
+            <a:ahLst/>
+            <a:cxnLst/>
+            <a:rect l="l" t="t" r="r" b="b"/>
             <a:pathLst>
-              <a:path extrusionOk="0" h="120000" w="120000">
+              <a:path w="120000" h="120000" extrusionOk="0">
                 <a:moveTo>
                   <a:pt x="0" y="0"/>
                 </a:moveTo>
@@ -2137,9 +2225,11 @@
       <p:sp>
         <p:nvSpPr>
           <p:cNvPr id="170" name="Google Shape;170;g64ff039e7e_0_10:notes"/>
-          <p:cNvSpPr txBox="1"/>
+          <p:cNvSpPr txBox="1">
+            <a:spLocks noGrp="1"/>
+          </p:cNvSpPr>
           <p:nvPr>
-            <p:ph idx="1" type="body"/>
+            <p:ph type="body" idx="1"/>
           </p:nvPr>
         </p:nvSpPr>
         <p:spPr>
@@ -2152,12 +2242,12 @@
           </a:prstGeom>
         </p:spPr>
         <p:txBody>
-          <a:bodyPr anchorCtr="0" anchor="t" bIns="91425" lIns="91425" spcFirstLastPara="1" rIns="91425" wrap="square" tIns="91425">
+          <a:bodyPr spcFirstLastPara="1" wrap="square" lIns="91425" tIns="91425" rIns="91425" bIns="91425" anchor="t" anchorCtr="0">
             <a:noAutofit/>
           </a:bodyPr>
           <a:lstStyle/>
           <a:p>
-            <a:pPr indent="-304800" lvl="0" marL="457200" rtl="0" algn="l">
+            <a:pPr marL="457200" lvl="0" indent="-304800" algn="l" rtl="0">
               <a:lnSpc>
                 <a:spcPct val="115000"/>
               </a:lnSpc>
@@ -2188,7 +2278,7 @@
             </a:endParaRPr>
           </a:p>
           <a:p>
-            <a:pPr indent="-304800" lvl="0" marL="457200" rtl="0" algn="l">
+            <a:pPr marL="457200" lvl="0" indent="-304800" algn="l" rtl="0">
               <a:lnSpc>
                 <a:spcPct val="115000"/>
               </a:lnSpc>
@@ -2219,7 +2309,7 @@
             </a:endParaRPr>
           </a:p>
           <a:p>
-            <a:pPr indent="-304800" lvl="0" marL="457200" rtl="0" algn="l">
+            <a:pPr marL="457200" lvl="0" indent="-304800" algn="l" rtl="0">
               <a:lnSpc>
                 <a:spcPct val="115000"/>
               </a:lnSpc>
@@ -2250,7 +2340,7 @@
             </a:endParaRPr>
           </a:p>
           <a:p>
-            <a:pPr indent="-304800" lvl="0" marL="457200" rtl="0" algn="l">
+            <a:pPr marL="457200" lvl="0" indent="-304800" algn="l" rtl="0">
               <a:lnSpc>
                 <a:spcPct val="115000"/>
               </a:lnSpc>
@@ -2281,7 +2371,7 @@
             </a:endParaRPr>
           </a:p>
           <a:p>
-            <a:pPr indent="-304800" lvl="0" marL="457200" rtl="0" algn="l">
+            <a:pPr marL="457200" lvl="0" indent="-304800" algn="l" rtl="0">
               <a:lnSpc>
                 <a:spcPct val="115000"/>
               </a:lnSpc>
@@ -2312,7 +2402,7 @@
             </a:endParaRPr>
           </a:p>
           <a:p>
-            <a:pPr indent="-304800" lvl="0" marL="457200" rtl="0" algn="l">
+            <a:pPr marL="457200" lvl="0" indent="-304800" algn="l" rtl="0">
               <a:lnSpc>
                 <a:spcPct val="115000"/>
               </a:lnSpc>
@@ -2343,7 +2433,7 @@
             </a:endParaRPr>
           </a:p>
           <a:p>
-            <a:pPr indent="0" lvl="0" marL="0" rtl="0" algn="l">
+            <a:pPr marL="0" lvl="0" indent="0" algn="l" rtl="0">
               <a:spcBef>
                 <a:spcPts val="1600"/>
               </a:spcBef>
@@ -2352,9 +2442,6 @@
               </a:spcAft>
               <a:buNone/>
             </a:pPr>
-            <a:r>
-              <a:t/>
-            </a:r>
             <a:endParaRPr/>
           </a:p>
         </p:txBody>
@@ -2368,11 +2455,11 @@
 </file>
 
 <file path=ppt/notesSlides/notesSlide9.xml><?xml version="1.0" encoding="utf-8"?>
-<p:notes xmlns:a="http://schemas.openxmlformats.org/drawingml/2006/main" xmlns:r="http://schemas.openxmlformats.org/officeDocument/2006/relationships" xmlns:mc="http://schemas.openxmlformats.org/markup-compatibility/2006" xmlns:mv="urn:schemas-microsoft-com:mac:vml" xmlns:p="http://schemas.openxmlformats.org/presentationml/2006/main" xmlns:c="http://schemas.openxmlformats.org/drawingml/2006/chart" xmlns:dgm="http://schemas.openxmlformats.org/drawingml/2006/diagram" xmlns:o="urn:schemas-microsoft-com:office:office" xmlns:v="urn:schemas-microsoft-com:vml" xmlns:pvml="urn:schemas-microsoft-com:office:powerpoint" xmlns:com="http://schemas.openxmlformats.org/drawingml/2006/compatibility" xmlns:p14="http://schemas.microsoft.com/office/powerpoint/2010/main" xmlns:p15="http://schemas.microsoft.com/office/powerpoint/2012/main" showMasterPhAnim="0" showMasterSp="0">
+<p:notes xmlns:a="http://schemas.openxmlformats.org/drawingml/2006/main" xmlns:r="http://schemas.openxmlformats.org/officeDocument/2006/relationships" xmlns:p="http://schemas.openxmlformats.org/presentationml/2006/main" showMasterSp="0" showMasterPhAnim="0">
   <p:cSld>
     <p:spTree>
       <p:nvGrpSpPr>
-        <p:cNvPr id="173" name="Shape 173"/>
+        <p:cNvPr id="1" name="Shape 173"/>
         <p:cNvGrpSpPr/>
         <p:nvPr/>
       </p:nvGrpSpPr>
@@ -2387,9 +2474,11 @@
       <p:sp>
         <p:nvSpPr>
           <p:cNvPr id="174" name="Google Shape;174;g71b133b2952a0cb6_15:notes"/>
-          <p:cNvSpPr/>
+          <p:cNvSpPr>
+            <a:spLocks noGrp="1" noRot="1" noChangeAspect="1"/>
+          </p:cNvSpPr>
           <p:nvPr>
-            <p:ph idx="2" type="sldImg"/>
+            <p:ph type="sldImg" idx="2"/>
           </p:nvPr>
         </p:nvSpPr>
         <p:spPr>
@@ -2398,9 +2487,13 @@
             <a:ext cx="6096000" cy="3429000"/>
           </a:xfrm>
           <a:custGeom>
-            <a:rect b="b" l="l" r="r" t="t"/>
+            <a:avLst/>
+            <a:gdLst/>
+            <a:ahLst/>
+            <a:cxnLst/>
+            <a:rect l="l" t="t" r="r" b="b"/>
             <a:pathLst>
-              <a:path extrusionOk="0" h="120000" w="120000">
+              <a:path w="120000" h="120000" extrusionOk="0">
                 <a:moveTo>
                   <a:pt x="0" y="0"/>
                 </a:moveTo>
@@ -2422,9 +2515,11 @@
       <p:sp>
         <p:nvSpPr>
           <p:cNvPr id="175" name="Google Shape;175;g71b133b2952a0cb6_15:notes"/>
-          <p:cNvSpPr txBox="1"/>
+          <p:cNvSpPr txBox="1">
+            <a:spLocks noGrp="1"/>
+          </p:cNvSpPr>
           <p:nvPr>
-            <p:ph idx="1" type="body"/>
+            <p:ph type="body" idx="1"/>
           </p:nvPr>
         </p:nvSpPr>
         <p:spPr>
@@ -2437,12 +2532,12 @@
           </a:prstGeom>
         </p:spPr>
         <p:txBody>
-          <a:bodyPr anchorCtr="0" anchor="t" bIns="91425" lIns="91425" spcFirstLastPara="1" rIns="91425" wrap="square" tIns="91425">
+          <a:bodyPr spcFirstLastPara="1" wrap="square" lIns="91425" tIns="91425" rIns="91425" bIns="91425" anchor="t" anchorCtr="0">
             <a:noAutofit/>
           </a:bodyPr>
           <a:lstStyle/>
           <a:p>
-            <a:pPr indent="0" lvl="0" marL="0" rtl="0" algn="l">
+            <a:pPr marL="0" lvl="0" indent="0" algn="l" rtl="0">
               <a:spcBef>
                 <a:spcPts val="0"/>
               </a:spcBef>
@@ -2451,9 +2546,6 @@
               </a:spcAft>
               <a:buNone/>
             </a:pPr>
-            <a:r>
-              <a:t/>
-            </a:r>
             <a:endParaRPr/>
           </a:p>
         </p:txBody>
@@ -2467,18 +2559,19 @@
 </file>
 
 <file path=ppt/slideLayouts/slideLayout1.xml><?xml version="1.0" encoding="utf-8"?>
-<p:sldLayout xmlns:a="http://schemas.openxmlformats.org/drawingml/2006/main" xmlns:r="http://schemas.openxmlformats.org/officeDocument/2006/relationships" xmlns:mc="http://schemas.openxmlformats.org/markup-compatibility/2006" xmlns:mv="urn:schemas-microsoft-com:mac:vml" xmlns:p="http://schemas.openxmlformats.org/presentationml/2006/main" xmlns:c="http://schemas.openxmlformats.org/drawingml/2006/chart" xmlns:dgm="http://schemas.openxmlformats.org/drawingml/2006/diagram" xmlns:o="urn:schemas-microsoft-com:office:office" xmlns:v="urn:schemas-microsoft-com:vml" xmlns:pvml="urn:schemas-microsoft-com:office:powerpoint" xmlns:com="http://schemas.openxmlformats.org/drawingml/2006/compatibility" xmlns:p14="http://schemas.microsoft.com/office/powerpoint/2010/main" xmlns:p15="http://schemas.microsoft.com/office/powerpoint/2012/main" matchingName="Title slide" type="title">
+<p:sldLayout xmlns:a="http://schemas.openxmlformats.org/drawingml/2006/main" xmlns:r="http://schemas.openxmlformats.org/officeDocument/2006/relationships" xmlns:p="http://schemas.openxmlformats.org/presentationml/2006/main" matchingName="Title slide" type="title">
   <p:cSld name="TITLE">
     <p:bg>
       <p:bgPr>
         <a:solidFill>
           <a:schemeClr val="accent6"/>
         </a:solidFill>
+        <a:effectLst/>
       </p:bgPr>
     </p:bg>
     <p:spTree>
       <p:nvGrpSpPr>
-        <p:cNvPr id="9" name="Shape 9"/>
+        <p:cNvPr id="1" name="Shape 9"/>
         <p:cNvGrpSpPr/>
         <p:nvPr/>
       </p:nvGrpSpPr>
@@ -2512,12 +2605,12 @@
           </a:ln>
         </p:spPr>
         <p:txBody>
-          <a:bodyPr anchorCtr="0" anchor="ctr" bIns="91425" lIns="91425" spcFirstLastPara="1" rIns="91425" wrap="square" tIns="91425">
+          <a:bodyPr spcFirstLastPara="1" wrap="square" lIns="91425" tIns="91425" rIns="91425" bIns="91425" anchor="ctr" anchorCtr="0">
             <a:noAutofit/>
           </a:bodyPr>
           <a:lstStyle/>
           <a:p>
-            <a:pPr indent="0" lvl="0" marL="0" rtl="0" algn="l">
+            <a:pPr marL="0" lvl="0" indent="0" algn="l" rtl="0">
               <a:spcBef>
                 <a:spcPts val="0"/>
               </a:spcBef>
@@ -2526,9 +2619,6 @@
               </a:spcAft>
               <a:buNone/>
             </a:pPr>
-            <a:r>
-              <a:t/>
-            </a:r>
             <a:endParaRPr/>
           </a:p>
         </p:txBody>
@@ -2555,12 +2645,12 @@
           </a:ln>
         </p:spPr>
         <p:txBody>
-          <a:bodyPr anchorCtr="0" anchor="ctr" bIns="91425" lIns="91425" spcFirstLastPara="1" rIns="91425" wrap="square" tIns="91425">
+          <a:bodyPr spcFirstLastPara="1" wrap="square" lIns="91425" tIns="91425" rIns="91425" bIns="91425" anchor="ctr" anchorCtr="0">
             <a:noAutofit/>
           </a:bodyPr>
           <a:lstStyle/>
           <a:p>
-            <a:pPr indent="0" lvl="0" marL="0" rtl="0" algn="l">
+            <a:pPr marL="0" lvl="0" indent="0" algn="l" rtl="0">
               <a:spcBef>
                 <a:spcPts val="0"/>
               </a:spcBef>
@@ -2569,9 +2659,6 @@
               </a:spcAft>
               <a:buNone/>
             </a:pPr>
-            <a:r>
-              <a:t/>
-            </a:r>
             <a:endParaRPr/>
           </a:p>
         </p:txBody>
@@ -2598,12 +2685,12 @@
           </a:ln>
         </p:spPr>
         <p:txBody>
-          <a:bodyPr anchorCtr="0" anchor="ctr" bIns="91425" lIns="91425" spcFirstLastPara="1" rIns="91425" wrap="square" tIns="91425">
+          <a:bodyPr spcFirstLastPara="1" wrap="square" lIns="91425" tIns="91425" rIns="91425" bIns="91425" anchor="ctr" anchorCtr="0">
             <a:noAutofit/>
           </a:bodyPr>
           <a:lstStyle/>
           <a:p>
-            <a:pPr indent="0" lvl="0" marL="0" rtl="0" algn="l">
+            <a:pPr marL="0" lvl="0" indent="0" algn="l" rtl="0">
               <a:spcBef>
                 <a:spcPts val="0"/>
               </a:spcBef>
@@ -2612,9 +2699,6 @@
               </a:spcAft>
               <a:buNone/>
             </a:pPr>
-            <a:r>
-              <a:t/>
-            </a:r>
             <a:endParaRPr/>
           </a:p>
         </p:txBody>
@@ -2640,7 +2724,7 @@
             <a:noFill/>
           </a:ln>
           <a:effectLst>
-            <a:outerShdw blurRad="228600" sx="101000" rotWithShape="0" algn="ctr" sy="101000">
+            <a:outerShdw blurRad="228600" sx="101000" sy="101000" algn="ctr" rotWithShape="0">
               <a:srgbClr val="000000">
                 <a:alpha val="40000"/>
               </a:srgbClr>
@@ -2648,12 +2732,12 @@
           </a:effectLst>
         </p:spPr>
         <p:txBody>
-          <a:bodyPr anchorCtr="0" anchor="ctr" bIns="91425" lIns="91425" spcFirstLastPara="1" rIns="91425" wrap="square" tIns="91425">
+          <a:bodyPr spcFirstLastPara="1" wrap="square" lIns="91425" tIns="91425" rIns="91425" bIns="91425" anchor="ctr" anchorCtr="0">
             <a:noAutofit/>
           </a:bodyPr>
           <a:lstStyle/>
           <a:p>
-            <a:pPr indent="0" lvl="0" marL="0" rtl="0" algn="l">
+            <a:pPr marL="0" lvl="0" indent="0" algn="l" rtl="0">
               <a:spcBef>
                 <a:spcPts val="0"/>
               </a:spcBef>
@@ -2662,9 +2746,6 @@
               </a:spcAft>
               <a:buNone/>
             </a:pPr>
-            <a:r>
-              <a:t/>
-            </a:r>
             <a:endParaRPr/>
           </a:p>
         </p:txBody>
@@ -2696,7 +2777,7 @@
             </a:xfrm>
             <a:prstGeom prst="parallelogram">
               <a:avLst>
-                <a:gd fmla="val 153193" name="adj"/>
+                <a:gd name="adj" fmla="val 153193"/>
               </a:avLst>
             </a:prstGeom>
             <a:solidFill>
@@ -2707,12 +2788,12 @@
             </a:ln>
           </p:spPr>
           <p:txBody>
-            <a:bodyPr anchorCtr="0" anchor="ctr" bIns="91425" lIns="91425" spcFirstLastPara="1" rIns="91425" wrap="square" tIns="91425">
+            <a:bodyPr spcFirstLastPara="1" wrap="square" lIns="91425" tIns="91425" rIns="91425" bIns="91425" anchor="ctr" anchorCtr="0">
               <a:noAutofit/>
             </a:bodyPr>
             <a:lstStyle/>
             <a:p>
-              <a:pPr indent="0" lvl="0" marL="0" rtl="0" algn="l">
+              <a:pPr marL="0" lvl="0" indent="0" algn="l" rtl="0">
                 <a:spcBef>
                   <a:spcPts val="0"/>
                 </a:spcBef>
@@ -2721,9 +2802,6 @@
                 </a:spcAft>
                 <a:buNone/>
               </a:pPr>
-              <a:r>
-                <a:t/>
-              </a:r>
               <a:endParaRPr/>
             </a:p>
           </p:txBody>
@@ -2741,7 +2819,7 @@
             </a:xfrm>
             <a:prstGeom prst="parallelogram">
               <a:avLst>
-                <a:gd fmla="val 153193" name="adj"/>
+                <a:gd name="adj" fmla="val 153193"/>
               </a:avLst>
             </a:prstGeom>
             <a:solidFill>
@@ -2752,12 +2830,12 @@
             </a:ln>
           </p:spPr>
           <p:txBody>
-            <a:bodyPr anchorCtr="0" anchor="ctr" bIns="91425" lIns="91425" spcFirstLastPara="1" rIns="91425" wrap="square" tIns="91425">
+            <a:bodyPr spcFirstLastPara="1" wrap="square" lIns="91425" tIns="91425" rIns="91425" bIns="91425" anchor="ctr" anchorCtr="0">
               <a:noAutofit/>
             </a:bodyPr>
             <a:lstStyle/>
             <a:p>
-              <a:pPr indent="0" lvl="0" marL="0" rtl="0" algn="l">
+              <a:pPr marL="0" lvl="0" indent="0" algn="l" rtl="0">
                 <a:spcBef>
                   <a:spcPts val="0"/>
                 </a:spcBef>
@@ -2766,9 +2844,6 @@
                 </a:spcAft>
                 <a:buNone/>
               </a:pPr>
-              <a:r>
-                <a:t/>
-              </a:r>
               <a:endParaRPr/>
             </a:p>
           </p:txBody>
@@ -2786,7 +2861,7 @@
             </a:xfrm>
             <a:prstGeom prst="parallelogram">
               <a:avLst>
-                <a:gd fmla="val 153193" name="adj"/>
+                <a:gd name="adj" fmla="val 153193"/>
               </a:avLst>
             </a:prstGeom>
             <a:solidFill>
@@ -2797,12 +2872,12 @@
             </a:ln>
           </p:spPr>
           <p:txBody>
-            <a:bodyPr anchorCtr="0" anchor="ctr" bIns="91425" lIns="91425" spcFirstLastPara="1" rIns="91425" wrap="square" tIns="91425">
+            <a:bodyPr spcFirstLastPara="1" wrap="square" lIns="91425" tIns="91425" rIns="91425" bIns="91425" anchor="ctr" anchorCtr="0">
               <a:noAutofit/>
             </a:bodyPr>
             <a:lstStyle/>
             <a:p>
-              <a:pPr indent="0" lvl="0" marL="0" rtl="0" algn="l">
+              <a:pPr marL="0" lvl="0" indent="0" algn="l" rtl="0">
                 <a:spcBef>
                   <a:spcPts val="0"/>
                 </a:spcBef>
@@ -2811,9 +2886,6 @@
                 </a:spcAft>
                 <a:buNone/>
               </a:pPr>
-              <a:r>
-                <a:t/>
-              </a:r>
               <a:endParaRPr/>
             </a:p>
           </p:txBody>
@@ -2846,7 +2918,7 @@
             </a:xfrm>
             <a:prstGeom prst="parallelogram">
               <a:avLst>
-                <a:gd fmla="val 153193" name="adj"/>
+                <a:gd name="adj" fmla="val 153193"/>
               </a:avLst>
             </a:prstGeom>
             <a:solidFill>
@@ -2857,12 +2929,12 @@
             </a:ln>
           </p:spPr>
           <p:txBody>
-            <a:bodyPr anchorCtr="0" anchor="ctr" bIns="91425" lIns="91425" spcFirstLastPara="1" rIns="91425" wrap="square" tIns="91425">
+            <a:bodyPr spcFirstLastPara="1" wrap="square" lIns="91425" tIns="91425" rIns="91425" bIns="91425" anchor="ctr" anchorCtr="0">
               <a:noAutofit/>
             </a:bodyPr>
             <a:lstStyle/>
             <a:p>
-              <a:pPr indent="0" lvl="0" marL="0" rtl="0" algn="l">
+              <a:pPr marL="0" lvl="0" indent="0" algn="l" rtl="0">
                 <a:spcBef>
                   <a:spcPts val="0"/>
                 </a:spcBef>
@@ -2871,9 +2943,6 @@
                 </a:spcAft>
                 <a:buNone/>
               </a:pPr>
-              <a:r>
-                <a:t/>
-              </a:r>
               <a:endParaRPr/>
             </a:p>
           </p:txBody>
@@ -2891,7 +2960,7 @@
             </a:xfrm>
             <a:prstGeom prst="parallelogram">
               <a:avLst>
-                <a:gd fmla="val 153193" name="adj"/>
+                <a:gd name="adj" fmla="val 153193"/>
               </a:avLst>
             </a:prstGeom>
             <a:solidFill>
@@ -2902,12 +2971,12 @@
             </a:ln>
           </p:spPr>
           <p:txBody>
-            <a:bodyPr anchorCtr="0" anchor="ctr" bIns="91425" lIns="91425" spcFirstLastPara="1" rIns="91425" wrap="square" tIns="91425">
+            <a:bodyPr spcFirstLastPara="1" wrap="square" lIns="91425" tIns="91425" rIns="91425" bIns="91425" anchor="ctr" anchorCtr="0">
               <a:noAutofit/>
             </a:bodyPr>
             <a:lstStyle/>
             <a:p>
-              <a:pPr indent="0" lvl="0" marL="0" rtl="0" algn="l">
+              <a:pPr marL="0" lvl="0" indent="0" algn="l" rtl="0">
                 <a:spcBef>
                   <a:spcPts val="0"/>
                 </a:spcBef>
@@ -2916,9 +2985,6 @@
                 </a:spcAft>
                 <a:buNone/>
               </a:pPr>
-              <a:r>
-                <a:t/>
-              </a:r>
               <a:endParaRPr/>
             </a:p>
           </p:txBody>
@@ -2936,7 +3002,7 @@
             </a:xfrm>
             <a:prstGeom prst="parallelogram">
               <a:avLst>
-                <a:gd fmla="val 153193" name="adj"/>
+                <a:gd name="adj" fmla="val 153193"/>
               </a:avLst>
             </a:prstGeom>
             <a:solidFill>
@@ -2947,12 +3013,12 @@
             </a:ln>
           </p:spPr>
           <p:txBody>
-            <a:bodyPr anchorCtr="0" anchor="ctr" bIns="91425" lIns="91425" spcFirstLastPara="1" rIns="91425" wrap="square" tIns="91425">
+            <a:bodyPr spcFirstLastPara="1" wrap="square" lIns="91425" tIns="91425" rIns="91425" bIns="91425" anchor="ctr" anchorCtr="0">
               <a:noAutofit/>
             </a:bodyPr>
             <a:lstStyle/>
             <a:p>
-              <a:pPr indent="0" lvl="0" marL="0" rtl="0" algn="l">
+              <a:pPr marL="0" lvl="0" indent="0" algn="l" rtl="0">
                 <a:spcBef>
                   <a:spcPts val="0"/>
                 </a:spcBef>
@@ -2961,9 +3027,6 @@
                 </a:spcAft>
                 <a:buNone/>
               </a:pPr>
-              <a:r>
-                <a:t/>
-              </a:r>
               <a:endParaRPr/>
             </a:p>
           </p:txBody>
@@ -2996,7 +3059,7 @@
             </a:xfrm>
             <a:prstGeom prst="parallelogram">
               <a:avLst>
-                <a:gd fmla="val 158024" name="adj"/>
+                <a:gd name="adj" fmla="val 158024"/>
               </a:avLst>
             </a:prstGeom>
             <a:solidFill>
@@ -3007,12 +3070,12 @@
             </a:ln>
           </p:spPr>
           <p:txBody>
-            <a:bodyPr anchorCtr="0" anchor="ctr" bIns="91425" lIns="91425" spcFirstLastPara="1" rIns="91425" wrap="square" tIns="91425">
+            <a:bodyPr spcFirstLastPara="1" wrap="square" lIns="91425" tIns="91425" rIns="91425" bIns="91425" anchor="ctr" anchorCtr="0">
               <a:noAutofit/>
             </a:bodyPr>
             <a:lstStyle/>
             <a:p>
-              <a:pPr indent="0" lvl="0" marL="0" rtl="0" algn="l">
+              <a:pPr marL="0" lvl="0" indent="0" algn="l" rtl="0">
                 <a:spcBef>
                   <a:spcPts val="0"/>
                 </a:spcBef>
@@ -3021,9 +3084,6 @@
                 </a:spcAft>
                 <a:buNone/>
               </a:pPr>
-              <a:r>
-                <a:t/>
-              </a:r>
               <a:endParaRPr/>
             </a:p>
           </p:txBody>
@@ -3041,7 +3101,7 @@
             </a:xfrm>
             <a:prstGeom prst="parallelogram">
               <a:avLst>
-                <a:gd fmla="val 158024" name="adj"/>
+                <a:gd name="adj" fmla="val 158024"/>
               </a:avLst>
             </a:prstGeom>
             <a:solidFill>
@@ -3052,12 +3112,12 @@
             </a:ln>
           </p:spPr>
           <p:txBody>
-            <a:bodyPr anchorCtr="0" anchor="ctr" bIns="91425" lIns="91425" spcFirstLastPara="1" rIns="91425" wrap="square" tIns="91425">
+            <a:bodyPr spcFirstLastPara="1" wrap="square" lIns="91425" tIns="91425" rIns="91425" bIns="91425" anchor="ctr" anchorCtr="0">
               <a:noAutofit/>
             </a:bodyPr>
             <a:lstStyle/>
             <a:p>
-              <a:pPr indent="0" lvl="0" marL="0" rtl="0" algn="l">
+              <a:pPr marL="0" lvl="0" indent="0" algn="l" rtl="0">
                 <a:spcBef>
                   <a:spcPts val="0"/>
                 </a:spcBef>
@@ -3066,9 +3126,6 @@
                 </a:spcAft>
                 <a:buNone/>
               </a:pPr>
-              <a:r>
-                <a:t/>
-              </a:r>
               <a:endParaRPr/>
             </a:p>
           </p:txBody>
@@ -3086,7 +3143,7 @@
             </a:xfrm>
             <a:prstGeom prst="parallelogram">
               <a:avLst>
-                <a:gd fmla="val 158024" name="adj"/>
+                <a:gd name="adj" fmla="val 158024"/>
               </a:avLst>
             </a:prstGeom>
             <a:solidFill>
@@ -3097,12 +3154,12 @@
             </a:ln>
           </p:spPr>
           <p:txBody>
-            <a:bodyPr anchorCtr="0" anchor="ctr" bIns="91425" lIns="91425" spcFirstLastPara="1" rIns="91425" wrap="square" tIns="91425">
+            <a:bodyPr spcFirstLastPara="1" wrap="square" lIns="91425" tIns="91425" rIns="91425" bIns="91425" anchor="ctr" anchorCtr="0">
               <a:noAutofit/>
             </a:bodyPr>
             <a:lstStyle/>
             <a:p>
-              <a:pPr indent="0" lvl="0" marL="0" rtl="0" algn="l">
+              <a:pPr marL="0" lvl="0" indent="0" algn="l" rtl="0">
                 <a:spcBef>
                   <a:spcPts val="0"/>
                 </a:spcBef>
@@ -3111,9 +3168,6 @@
                 </a:spcAft>
                 <a:buNone/>
               </a:pPr>
-              <a:r>
-                <a:t/>
-              </a:r>
               <a:endParaRPr/>
             </a:p>
           </p:txBody>
@@ -3146,7 +3200,7 @@
             </a:xfrm>
             <a:prstGeom prst="parallelogram">
               <a:avLst>
-                <a:gd fmla="val 158024" name="adj"/>
+                <a:gd name="adj" fmla="val 158024"/>
               </a:avLst>
             </a:prstGeom>
             <a:solidFill>
@@ -3157,12 +3211,12 @@
             </a:ln>
           </p:spPr>
           <p:txBody>
-            <a:bodyPr anchorCtr="0" anchor="ctr" bIns="91425" lIns="91425" spcFirstLastPara="1" rIns="91425" wrap="square" tIns="91425">
+            <a:bodyPr spcFirstLastPara="1" wrap="square" lIns="91425" tIns="91425" rIns="91425" bIns="91425" anchor="ctr" anchorCtr="0">
               <a:noAutofit/>
             </a:bodyPr>
             <a:lstStyle/>
             <a:p>
-              <a:pPr indent="0" lvl="0" marL="0" rtl="0" algn="l">
+              <a:pPr marL="0" lvl="0" indent="0" algn="l" rtl="0">
                 <a:spcBef>
                   <a:spcPts val="0"/>
                 </a:spcBef>
@@ -3171,9 +3225,6 @@
                 </a:spcAft>
                 <a:buNone/>
               </a:pPr>
-              <a:r>
-                <a:t/>
-              </a:r>
               <a:endParaRPr/>
             </a:p>
           </p:txBody>
@@ -3191,7 +3242,7 @@
             </a:xfrm>
             <a:prstGeom prst="parallelogram">
               <a:avLst>
-                <a:gd fmla="val 158024" name="adj"/>
+                <a:gd name="adj" fmla="val 158024"/>
               </a:avLst>
             </a:prstGeom>
             <a:solidFill>
@@ -3202,12 +3253,12 @@
             </a:ln>
           </p:spPr>
           <p:txBody>
-            <a:bodyPr anchorCtr="0" anchor="ctr" bIns="91425" lIns="91425" spcFirstLastPara="1" rIns="91425" wrap="square" tIns="91425">
+            <a:bodyPr spcFirstLastPara="1" wrap="square" lIns="91425" tIns="91425" rIns="91425" bIns="91425" anchor="ctr" anchorCtr="0">
               <a:noAutofit/>
             </a:bodyPr>
             <a:lstStyle/>
             <a:p>
-              <a:pPr indent="0" lvl="0" marL="0" rtl="0" algn="l">
+              <a:pPr marL="0" lvl="0" indent="0" algn="l" rtl="0">
                 <a:spcBef>
                   <a:spcPts val="0"/>
                 </a:spcBef>
@@ -3216,9 +3267,6 @@
                 </a:spcAft>
                 <a:buNone/>
               </a:pPr>
-              <a:r>
-                <a:t/>
-              </a:r>
               <a:endParaRPr/>
             </a:p>
           </p:txBody>
@@ -3236,7 +3284,7 @@
             </a:xfrm>
             <a:prstGeom prst="parallelogram">
               <a:avLst>
-                <a:gd fmla="val 158024" name="adj"/>
+                <a:gd name="adj" fmla="val 158024"/>
               </a:avLst>
             </a:prstGeom>
             <a:solidFill>
@@ -3247,12 +3295,12 @@
             </a:ln>
           </p:spPr>
           <p:txBody>
-            <a:bodyPr anchorCtr="0" anchor="ctr" bIns="91425" lIns="91425" spcFirstLastPara="1" rIns="91425" wrap="square" tIns="91425">
+            <a:bodyPr spcFirstLastPara="1" wrap="square" lIns="91425" tIns="91425" rIns="91425" bIns="91425" anchor="ctr" anchorCtr="0">
               <a:noAutofit/>
             </a:bodyPr>
             <a:lstStyle/>
             <a:p>
-              <a:pPr indent="0" lvl="0" marL="0" rtl="0" algn="l">
+              <a:pPr marL="0" lvl="0" indent="0" algn="l" rtl="0">
                 <a:spcBef>
                   <a:spcPts val="0"/>
                 </a:spcBef>
@@ -3261,9 +3309,6 @@
                 </a:spcAft>
                 <a:buNone/>
               </a:pPr>
-              <a:r>
-                <a:t/>
-              </a:r>
               <a:endParaRPr/>
             </a:p>
           </p:txBody>
@@ -3296,7 +3341,7 @@
             </a:xfrm>
             <a:prstGeom prst="parallelogram">
               <a:avLst>
-                <a:gd fmla="val 158024" name="adj"/>
+                <a:gd name="adj" fmla="val 158024"/>
               </a:avLst>
             </a:prstGeom>
             <a:solidFill>
@@ -3307,12 +3352,12 @@
             </a:ln>
           </p:spPr>
           <p:txBody>
-            <a:bodyPr anchorCtr="0" anchor="ctr" bIns="91425" lIns="91425" spcFirstLastPara="1" rIns="91425" wrap="square" tIns="91425">
+            <a:bodyPr spcFirstLastPara="1" wrap="square" lIns="91425" tIns="91425" rIns="91425" bIns="91425" anchor="ctr" anchorCtr="0">
               <a:noAutofit/>
             </a:bodyPr>
             <a:lstStyle/>
             <a:p>
-              <a:pPr indent="0" lvl="0" marL="0" rtl="0" algn="l">
+              <a:pPr marL="0" lvl="0" indent="0" algn="l" rtl="0">
                 <a:spcBef>
                   <a:spcPts val="0"/>
                 </a:spcBef>
@@ -3321,9 +3366,6 @@
                 </a:spcAft>
                 <a:buNone/>
               </a:pPr>
-              <a:r>
-                <a:t/>
-              </a:r>
               <a:endParaRPr/>
             </a:p>
           </p:txBody>
@@ -3341,7 +3383,7 @@
             </a:xfrm>
             <a:prstGeom prst="parallelogram">
               <a:avLst>
-                <a:gd fmla="val 158024" name="adj"/>
+                <a:gd name="adj" fmla="val 158024"/>
               </a:avLst>
             </a:prstGeom>
             <a:solidFill>
@@ -3352,12 +3394,12 @@
             </a:ln>
           </p:spPr>
           <p:txBody>
-            <a:bodyPr anchorCtr="0" anchor="ctr" bIns="91425" lIns="91425" spcFirstLastPara="1" rIns="91425" wrap="square" tIns="91425">
+            <a:bodyPr spcFirstLastPara="1" wrap="square" lIns="91425" tIns="91425" rIns="91425" bIns="91425" anchor="ctr" anchorCtr="0">
               <a:noAutofit/>
             </a:bodyPr>
             <a:lstStyle/>
             <a:p>
-              <a:pPr indent="0" lvl="0" marL="0" rtl="0" algn="l">
+              <a:pPr marL="0" lvl="0" indent="0" algn="l" rtl="0">
                 <a:spcBef>
                   <a:spcPts val="0"/>
                 </a:spcBef>
@@ -3366,9 +3408,6 @@
                 </a:spcAft>
                 <a:buNone/>
               </a:pPr>
-              <a:r>
-                <a:t/>
-              </a:r>
               <a:endParaRPr/>
             </a:p>
           </p:txBody>
@@ -3386,7 +3425,7 @@
             </a:xfrm>
             <a:prstGeom prst="parallelogram">
               <a:avLst>
-                <a:gd fmla="val 158024" name="adj"/>
+                <a:gd name="adj" fmla="val 158024"/>
               </a:avLst>
             </a:prstGeom>
             <a:solidFill>
@@ -3397,12 +3436,12 @@
             </a:ln>
           </p:spPr>
           <p:txBody>
-            <a:bodyPr anchorCtr="0" anchor="ctr" bIns="91425" lIns="91425" spcFirstLastPara="1" rIns="91425" wrap="square" tIns="91425">
+            <a:bodyPr spcFirstLastPara="1" wrap="square" lIns="91425" tIns="91425" rIns="91425" bIns="91425" anchor="ctr" anchorCtr="0">
               <a:noAutofit/>
             </a:bodyPr>
             <a:lstStyle/>
             <a:p>
-              <a:pPr indent="0" lvl="0" marL="0" rtl="0" algn="l">
+              <a:pPr marL="0" lvl="0" indent="0" algn="l" rtl="0">
                 <a:spcBef>
                   <a:spcPts val="0"/>
                 </a:spcBef>
@@ -3411,9 +3450,6 @@
                 </a:spcAft>
                 <a:buNone/>
               </a:pPr>
-              <a:r>
-                <a:t/>
-              </a:r>
               <a:endParaRPr/>
             </a:p>
           </p:txBody>
@@ -3422,7 +3458,9 @@
       <p:sp>
         <p:nvSpPr>
           <p:cNvPr id="34" name="Google Shape;34;p2"/>
-          <p:cNvSpPr txBox="1"/>
+          <p:cNvSpPr txBox="1">
+            <a:spLocks noGrp="1"/>
+          </p:cNvSpPr>
           <p:nvPr>
             <p:ph type="ctrTitle"/>
           </p:nvPr>
@@ -3437,7 +3475,7 @@
           </a:prstGeom>
         </p:spPr>
         <p:txBody>
-          <a:bodyPr anchorCtr="0" anchor="ctr" bIns="91425" lIns="91425" spcFirstLastPara="1" rIns="91425" wrap="square" tIns="91425">
+          <a:bodyPr spcFirstLastPara="1" wrap="square" lIns="91425" tIns="91425" rIns="91425" bIns="91425" anchor="ctr" anchorCtr="0">
             <a:noAutofit/>
           </a:bodyPr>
           <a:lstStyle>
@@ -3541,15 +3579,19 @@
               <a:defRPr sz="3800"/>
             </a:lvl9pPr>
           </a:lstStyle>
-          <a:p/>
+          <a:p>
+            <a:endParaRPr/>
+          </a:p>
         </p:txBody>
       </p:sp>
       <p:sp>
         <p:nvSpPr>
           <p:cNvPr id="35" name="Google Shape;35;p2"/>
-          <p:cNvSpPr txBox="1"/>
+          <p:cNvSpPr txBox="1">
+            <a:spLocks noGrp="1"/>
+          </p:cNvSpPr>
           <p:nvPr>
-            <p:ph idx="1" type="subTitle"/>
+            <p:ph type="subTitle" idx="1"/>
           </p:nvPr>
         </p:nvSpPr>
         <p:spPr>
@@ -3562,7 +3604,7 @@
           </a:prstGeom>
         </p:spPr>
         <p:txBody>
-          <a:bodyPr anchorCtr="0" anchor="t" bIns="91425" lIns="91425" spcFirstLastPara="1" rIns="91425" wrap="square" tIns="91425">
+          <a:bodyPr spcFirstLastPara="1" wrap="square" lIns="91425" tIns="91425" rIns="91425" bIns="91425" anchor="t" anchorCtr="0">
             <a:noAutofit/>
           </a:bodyPr>
           <a:lstStyle>
@@ -3756,15 +3798,19 @@
               </a:defRPr>
             </a:lvl9pPr>
           </a:lstStyle>
-          <a:p/>
+          <a:p>
+            <a:endParaRPr/>
+          </a:p>
         </p:txBody>
       </p:sp>
       <p:sp>
         <p:nvSpPr>
           <p:cNvPr id="36" name="Google Shape;36;p2"/>
-          <p:cNvSpPr txBox="1"/>
+          <p:cNvSpPr txBox="1">
+            <a:spLocks noGrp="1"/>
+          </p:cNvSpPr>
           <p:nvPr>
-            <p:ph idx="12" type="sldNum"/>
+            <p:ph type="sldNum" idx="12"/>
           </p:nvPr>
         </p:nvSpPr>
         <p:spPr>
@@ -3777,7 +3823,7 @@
           </a:prstGeom>
         </p:spPr>
         <p:txBody>
-          <a:bodyPr anchorCtr="0" anchor="ctr" bIns="91425" lIns="91425" spcFirstLastPara="1" rIns="91425" wrap="square" tIns="91425">
+          <a:bodyPr spcFirstLastPara="1" wrap="square" lIns="91425" tIns="91425" rIns="91425" bIns="91425" anchor="ctr" anchorCtr="0">
             <a:noAutofit/>
           </a:bodyPr>
           <a:lstStyle>
@@ -3819,7 +3865,7 @@
             </a:lvl9pPr>
           </a:lstStyle>
           <a:p>
-            <a:pPr indent="0" lvl="0" marL="0" rtl="0" algn="r">
+            <a:pPr marL="0" lvl="0" indent="0" algn="r" rtl="0">
               <a:spcBef>
                 <a:spcPts val="0"/>
               </a:spcBef>
@@ -3845,18 +3891,19 @@
 </file>
 
 <file path=ppt/slideLayouts/slideLayout10.xml><?xml version="1.0" encoding="utf-8"?>
-<p:sldLayout xmlns:a="http://schemas.openxmlformats.org/drawingml/2006/main" xmlns:r="http://schemas.openxmlformats.org/officeDocument/2006/relationships" xmlns:mc="http://schemas.openxmlformats.org/markup-compatibility/2006" xmlns:mv="urn:schemas-microsoft-com:mac:vml" xmlns:p="http://schemas.openxmlformats.org/presentationml/2006/main" xmlns:c="http://schemas.openxmlformats.org/drawingml/2006/chart" xmlns:dgm="http://schemas.openxmlformats.org/drawingml/2006/diagram" xmlns:o="urn:schemas-microsoft-com:office:office" xmlns:v="urn:schemas-microsoft-com:vml" xmlns:pvml="urn:schemas-microsoft-com:office:powerpoint" xmlns:com="http://schemas.openxmlformats.org/drawingml/2006/compatibility" xmlns:p14="http://schemas.microsoft.com/office/powerpoint/2010/main" xmlns:p15="http://schemas.microsoft.com/office/powerpoint/2012/main" matchingName="Big number">
+<p:sldLayout xmlns:a="http://schemas.openxmlformats.org/drawingml/2006/main" xmlns:r="http://schemas.openxmlformats.org/officeDocument/2006/relationships" xmlns:p="http://schemas.openxmlformats.org/presentationml/2006/main" matchingName="Big number">
   <p:cSld name="BIG_NUMBER">
     <p:bg>
       <p:bgPr>
         <a:solidFill>
           <a:schemeClr val="accent3"/>
         </a:solidFill>
+        <a:effectLst/>
       </p:bgPr>
     </p:bg>
     <p:spTree>
       <p:nvGrpSpPr>
-        <p:cNvPr id="109" name="Shape 109"/>
+        <p:cNvPr id="1" name="Shape 109"/>
         <p:cNvGrpSpPr/>
         <p:nvPr/>
       </p:nvGrpSpPr>
@@ -3890,12 +3937,12 @@
           </a:ln>
         </p:spPr>
         <p:txBody>
-          <a:bodyPr anchorCtr="0" anchor="ctr" bIns="91425" lIns="91425" spcFirstLastPara="1" rIns="91425" wrap="square" tIns="91425">
+          <a:bodyPr spcFirstLastPara="1" wrap="square" lIns="91425" tIns="91425" rIns="91425" bIns="91425" anchor="ctr" anchorCtr="0">
             <a:noAutofit/>
           </a:bodyPr>
           <a:lstStyle/>
           <a:p>
-            <a:pPr indent="0" lvl="0" marL="0" rtl="0" algn="l">
+            <a:pPr marL="0" lvl="0" indent="0" algn="l" rtl="0">
               <a:spcBef>
                 <a:spcPts val="0"/>
               </a:spcBef>
@@ -3904,9 +3951,6 @@
               </a:spcAft>
               <a:buNone/>
             </a:pPr>
-            <a:r>
-              <a:t/>
-            </a:r>
             <a:endParaRPr/>
           </a:p>
         </p:txBody>
@@ -3938,7 +3982,7 @@
             </a:xfrm>
             <a:prstGeom prst="parallelogram">
               <a:avLst>
-                <a:gd fmla="val 158024" name="adj"/>
+                <a:gd name="adj" fmla="val 158024"/>
               </a:avLst>
             </a:prstGeom>
             <a:solidFill>
@@ -3949,12 +3993,12 @@
             </a:ln>
           </p:spPr>
           <p:txBody>
-            <a:bodyPr anchorCtr="0" anchor="ctr" bIns="91425" lIns="91425" spcFirstLastPara="1" rIns="91425" wrap="square" tIns="91425">
+            <a:bodyPr spcFirstLastPara="1" wrap="square" lIns="91425" tIns="91425" rIns="91425" bIns="91425" anchor="ctr" anchorCtr="0">
               <a:noAutofit/>
             </a:bodyPr>
             <a:lstStyle/>
             <a:p>
-              <a:pPr indent="0" lvl="0" marL="0" rtl="0" algn="l">
+              <a:pPr marL="0" lvl="0" indent="0" algn="l" rtl="0">
                 <a:spcBef>
                   <a:spcPts val="0"/>
                 </a:spcBef>
@@ -3963,9 +4007,6 @@
                 </a:spcAft>
                 <a:buNone/>
               </a:pPr>
-              <a:r>
-                <a:t/>
-              </a:r>
               <a:endParaRPr/>
             </a:p>
           </p:txBody>
@@ -3983,7 +4024,7 @@
             </a:xfrm>
             <a:prstGeom prst="parallelogram">
               <a:avLst>
-                <a:gd fmla="val 158024" name="adj"/>
+                <a:gd name="adj" fmla="val 158024"/>
               </a:avLst>
             </a:prstGeom>
             <a:solidFill>
@@ -3994,12 +4035,12 @@
             </a:ln>
           </p:spPr>
           <p:txBody>
-            <a:bodyPr anchorCtr="0" anchor="ctr" bIns="91425" lIns="91425" spcFirstLastPara="1" rIns="91425" wrap="square" tIns="91425">
+            <a:bodyPr spcFirstLastPara="1" wrap="square" lIns="91425" tIns="91425" rIns="91425" bIns="91425" anchor="ctr" anchorCtr="0">
               <a:noAutofit/>
             </a:bodyPr>
             <a:lstStyle/>
             <a:p>
-              <a:pPr indent="0" lvl="0" marL="0" rtl="0" algn="l">
+              <a:pPr marL="0" lvl="0" indent="0" algn="l" rtl="0">
                 <a:spcBef>
                   <a:spcPts val="0"/>
                 </a:spcBef>
@@ -4008,9 +4049,6 @@
                 </a:spcAft>
                 <a:buNone/>
               </a:pPr>
-              <a:r>
-                <a:t/>
-              </a:r>
               <a:endParaRPr/>
             </a:p>
           </p:txBody>
@@ -4028,7 +4066,7 @@
             </a:xfrm>
             <a:prstGeom prst="parallelogram">
               <a:avLst>
-                <a:gd fmla="val 158024" name="adj"/>
+                <a:gd name="adj" fmla="val 158024"/>
               </a:avLst>
             </a:prstGeom>
             <a:solidFill>
@@ -4039,12 +4077,12 @@
             </a:ln>
           </p:spPr>
           <p:txBody>
-            <a:bodyPr anchorCtr="0" anchor="ctr" bIns="91425" lIns="91425" spcFirstLastPara="1" rIns="91425" wrap="square" tIns="91425">
+            <a:bodyPr spcFirstLastPara="1" wrap="square" lIns="91425" tIns="91425" rIns="91425" bIns="91425" anchor="ctr" anchorCtr="0">
               <a:noAutofit/>
             </a:bodyPr>
             <a:lstStyle/>
             <a:p>
-              <a:pPr indent="0" lvl="0" marL="0" rtl="0" algn="l">
+              <a:pPr marL="0" lvl="0" indent="0" algn="l" rtl="0">
                 <a:spcBef>
                   <a:spcPts val="0"/>
                 </a:spcBef>
@@ -4053,9 +4091,6 @@
                 </a:spcAft>
                 <a:buNone/>
               </a:pPr>
-              <a:r>
-                <a:t/>
-              </a:r>
               <a:endParaRPr/>
             </a:p>
           </p:txBody>
@@ -4088,7 +4123,7 @@
             </a:xfrm>
             <a:prstGeom prst="parallelogram">
               <a:avLst>
-                <a:gd fmla="val 158024" name="adj"/>
+                <a:gd name="adj" fmla="val 158024"/>
               </a:avLst>
             </a:prstGeom>
             <a:solidFill>
@@ -4099,12 +4134,12 @@
             </a:ln>
           </p:spPr>
           <p:txBody>
-            <a:bodyPr anchorCtr="0" anchor="ctr" bIns="91425" lIns="91425" spcFirstLastPara="1" rIns="91425" wrap="square" tIns="91425">
+            <a:bodyPr spcFirstLastPara="1" wrap="square" lIns="91425" tIns="91425" rIns="91425" bIns="91425" anchor="ctr" anchorCtr="0">
               <a:noAutofit/>
             </a:bodyPr>
             <a:lstStyle/>
             <a:p>
-              <a:pPr indent="0" lvl="0" marL="0" rtl="0" algn="l">
+              <a:pPr marL="0" lvl="0" indent="0" algn="l" rtl="0">
                 <a:spcBef>
                   <a:spcPts val="0"/>
                 </a:spcBef>
@@ -4113,9 +4148,6 @@
                 </a:spcAft>
                 <a:buNone/>
               </a:pPr>
-              <a:r>
-                <a:t/>
-              </a:r>
               <a:endParaRPr/>
             </a:p>
           </p:txBody>
@@ -4133,7 +4165,7 @@
             </a:xfrm>
             <a:prstGeom prst="parallelogram">
               <a:avLst>
-                <a:gd fmla="val 158024" name="adj"/>
+                <a:gd name="adj" fmla="val 158024"/>
               </a:avLst>
             </a:prstGeom>
             <a:solidFill>
@@ -4144,12 +4176,12 @@
             </a:ln>
           </p:spPr>
           <p:txBody>
-            <a:bodyPr anchorCtr="0" anchor="ctr" bIns="91425" lIns="91425" spcFirstLastPara="1" rIns="91425" wrap="square" tIns="91425">
+            <a:bodyPr spcFirstLastPara="1" wrap="square" lIns="91425" tIns="91425" rIns="91425" bIns="91425" anchor="ctr" anchorCtr="0">
               <a:noAutofit/>
             </a:bodyPr>
             <a:lstStyle/>
             <a:p>
-              <a:pPr indent="0" lvl="0" marL="0" rtl="0" algn="l">
+              <a:pPr marL="0" lvl="0" indent="0" algn="l" rtl="0">
                 <a:spcBef>
                   <a:spcPts val="0"/>
                 </a:spcBef>
@@ -4158,9 +4190,6 @@
                 </a:spcAft>
                 <a:buNone/>
               </a:pPr>
-              <a:r>
-                <a:t/>
-              </a:r>
               <a:endParaRPr/>
             </a:p>
           </p:txBody>
@@ -4178,7 +4207,7 @@
             </a:xfrm>
             <a:prstGeom prst="parallelogram">
               <a:avLst>
-                <a:gd fmla="val 158024" name="adj"/>
+                <a:gd name="adj" fmla="val 158024"/>
               </a:avLst>
             </a:prstGeom>
             <a:solidFill>
@@ -4189,12 +4218,12 @@
             </a:ln>
           </p:spPr>
           <p:txBody>
-            <a:bodyPr anchorCtr="0" anchor="ctr" bIns="91425" lIns="91425" spcFirstLastPara="1" rIns="91425" wrap="square" tIns="91425">
+            <a:bodyPr spcFirstLastPara="1" wrap="square" lIns="91425" tIns="91425" rIns="91425" bIns="91425" anchor="ctr" anchorCtr="0">
               <a:noAutofit/>
             </a:bodyPr>
             <a:lstStyle/>
             <a:p>
-              <a:pPr indent="0" lvl="0" marL="0" rtl="0" algn="l">
+              <a:pPr marL="0" lvl="0" indent="0" algn="l" rtl="0">
                 <a:spcBef>
                   <a:spcPts val="0"/>
                 </a:spcBef>
@@ -4203,9 +4232,6 @@
                 </a:spcAft>
                 <a:buNone/>
               </a:pPr>
-              <a:r>
-                <a:t/>
-              </a:r>
               <a:endParaRPr/>
             </a:p>
           </p:txBody>
@@ -4214,9 +4240,11 @@
       <p:sp>
         <p:nvSpPr>
           <p:cNvPr id="119" name="Google Shape;119;p11"/>
-          <p:cNvSpPr txBox="1"/>
+          <p:cNvSpPr txBox="1">
+            <a:spLocks noGrp="1"/>
+          </p:cNvSpPr>
           <p:nvPr>
-            <p:ph hasCustomPrompt="1" type="title"/>
+            <p:ph type="title" hasCustomPrompt="1"/>
           </p:nvPr>
         </p:nvSpPr>
         <p:spPr>
@@ -4229,7 +4257,7 @@
           </a:prstGeom>
         </p:spPr>
         <p:txBody>
-          <a:bodyPr anchorCtr="0" anchor="ctr" bIns="91425" lIns="91425" spcFirstLastPara="1" rIns="91425" wrap="square" tIns="91425">
+          <a:bodyPr spcFirstLastPara="1" wrap="square" lIns="91425" tIns="91425" rIns="91425" bIns="91425" anchor="ctr" anchorCtr="0">
             <a:noAutofit/>
           </a:bodyPr>
           <a:lstStyle>
@@ -4406,9 +4434,11 @@
       <p:sp>
         <p:nvSpPr>
           <p:cNvPr id="120" name="Google Shape;120;p11"/>
-          <p:cNvSpPr txBox="1"/>
+          <p:cNvSpPr txBox="1">
+            <a:spLocks noGrp="1"/>
+          </p:cNvSpPr>
           <p:nvPr>
-            <p:ph idx="1" type="body"/>
+            <p:ph type="body" idx="1"/>
           </p:nvPr>
         </p:nvSpPr>
         <p:spPr>
@@ -4421,11 +4451,11 @@
           </a:prstGeom>
         </p:spPr>
         <p:txBody>
-          <a:bodyPr anchorCtr="0" anchor="t" bIns="91425" lIns="91425" spcFirstLastPara="1" rIns="91425" wrap="square" tIns="91425">
+          <a:bodyPr spcFirstLastPara="1" wrap="square" lIns="91425" tIns="91425" rIns="91425" bIns="91425" anchor="t" anchorCtr="0">
             <a:noAutofit/>
           </a:bodyPr>
           <a:lstStyle>
-            <a:lvl1pPr indent="-311150" lvl="0" marL="457200" algn="ctr">
+            <a:lvl1pPr marL="457200" lvl="0" indent="-311150" algn="ctr">
               <a:spcBef>
                 <a:spcPts val="0"/>
               </a:spcBef>
@@ -4436,7 +4466,7 @@
               <a:buChar char="●"/>
               <a:defRPr/>
             </a:lvl1pPr>
-            <a:lvl2pPr indent="-298450" lvl="1" marL="914400" algn="ctr">
+            <a:lvl2pPr marL="914400" lvl="1" indent="-298450" algn="ctr">
               <a:spcBef>
                 <a:spcPts val="1600"/>
               </a:spcBef>
@@ -4447,7 +4477,7 @@
               <a:buChar char="○"/>
               <a:defRPr/>
             </a:lvl2pPr>
-            <a:lvl3pPr indent="-298450" lvl="2" marL="1371600" algn="ctr">
+            <a:lvl3pPr marL="1371600" lvl="2" indent="-298450" algn="ctr">
               <a:spcBef>
                 <a:spcPts val="1600"/>
               </a:spcBef>
@@ -4458,7 +4488,7 @@
               <a:buChar char="■"/>
               <a:defRPr/>
             </a:lvl3pPr>
-            <a:lvl4pPr indent="-298450" lvl="3" marL="1828800" algn="ctr">
+            <a:lvl4pPr marL="1828800" lvl="3" indent="-298450" algn="ctr">
               <a:spcBef>
                 <a:spcPts val="1600"/>
               </a:spcBef>
@@ -4469,7 +4499,7 @@
               <a:buChar char="●"/>
               <a:defRPr/>
             </a:lvl4pPr>
-            <a:lvl5pPr indent="-298450" lvl="4" marL="2286000" algn="ctr">
+            <a:lvl5pPr marL="2286000" lvl="4" indent="-298450" algn="ctr">
               <a:spcBef>
                 <a:spcPts val="1600"/>
               </a:spcBef>
@@ -4480,7 +4510,7 @@
               <a:buChar char="○"/>
               <a:defRPr/>
             </a:lvl5pPr>
-            <a:lvl6pPr indent="-298450" lvl="5" marL="2743200" algn="ctr">
+            <a:lvl6pPr marL="2743200" lvl="5" indent="-298450" algn="ctr">
               <a:spcBef>
                 <a:spcPts val="1600"/>
               </a:spcBef>
@@ -4491,7 +4521,7 @@
               <a:buChar char="■"/>
               <a:defRPr/>
             </a:lvl6pPr>
-            <a:lvl7pPr indent="-298450" lvl="6" marL="3200400" algn="ctr">
+            <a:lvl7pPr marL="3200400" lvl="6" indent="-298450" algn="ctr">
               <a:spcBef>
                 <a:spcPts val="1600"/>
               </a:spcBef>
@@ -4502,7 +4532,7 @@
               <a:buChar char="●"/>
               <a:defRPr/>
             </a:lvl7pPr>
-            <a:lvl8pPr indent="-298450" lvl="7" marL="3657600" algn="ctr">
+            <a:lvl8pPr marL="3657600" lvl="7" indent="-298450" algn="ctr">
               <a:spcBef>
                 <a:spcPts val="1600"/>
               </a:spcBef>
@@ -4513,7 +4543,7 @@
               <a:buChar char="○"/>
               <a:defRPr/>
             </a:lvl8pPr>
-            <a:lvl9pPr indent="-298450" lvl="8" marL="4114800" algn="ctr">
+            <a:lvl9pPr marL="4114800" lvl="8" indent="-298450" algn="ctr">
               <a:spcBef>
                 <a:spcPts val="1600"/>
               </a:spcBef>
@@ -4525,15 +4555,19 @@
               <a:defRPr/>
             </a:lvl9pPr>
           </a:lstStyle>
-          <a:p/>
+          <a:p>
+            <a:endParaRPr/>
+          </a:p>
         </p:txBody>
       </p:sp>
       <p:sp>
         <p:nvSpPr>
           <p:cNvPr id="121" name="Google Shape;121;p11"/>
-          <p:cNvSpPr txBox="1"/>
+          <p:cNvSpPr txBox="1">
+            <a:spLocks noGrp="1"/>
+          </p:cNvSpPr>
           <p:nvPr>
-            <p:ph idx="12" type="sldNum"/>
+            <p:ph type="sldNum" idx="12"/>
           </p:nvPr>
         </p:nvSpPr>
         <p:spPr>
@@ -4546,7 +4580,7 @@
           </a:prstGeom>
         </p:spPr>
         <p:txBody>
-          <a:bodyPr anchorCtr="0" anchor="ctr" bIns="91425" lIns="91425" spcFirstLastPara="1" rIns="91425" wrap="square" tIns="91425">
+          <a:bodyPr spcFirstLastPara="1" wrap="square" lIns="91425" tIns="91425" rIns="91425" bIns="91425" anchor="ctr" anchorCtr="0">
             <a:noAutofit/>
           </a:bodyPr>
           <a:lstStyle>
@@ -4588,7 +4622,7 @@
             </a:lvl9pPr>
           </a:lstStyle>
           <a:p>
-            <a:pPr indent="0" lvl="0" marL="0" rtl="0" algn="r">
+            <a:pPr marL="0" lvl="0" indent="0" algn="r" rtl="0">
               <a:spcBef>
                 <a:spcPts val="0"/>
               </a:spcBef>
@@ -4614,11 +4648,11 @@
 </file>
 
 <file path=ppt/slideLayouts/slideLayout11.xml><?xml version="1.0" encoding="utf-8"?>
-<p:sldLayout xmlns:a="http://schemas.openxmlformats.org/drawingml/2006/main" xmlns:r="http://schemas.openxmlformats.org/officeDocument/2006/relationships" xmlns:mc="http://schemas.openxmlformats.org/markup-compatibility/2006" xmlns:mv="urn:schemas-microsoft-com:mac:vml" xmlns:p="http://schemas.openxmlformats.org/presentationml/2006/main" xmlns:c="http://schemas.openxmlformats.org/drawingml/2006/chart" xmlns:dgm="http://schemas.openxmlformats.org/drawingml/2006/diagram" xmlns:o="urn:schemas-microsoft-com:office:office" xmlns:v="urn:schemas-microsoft-com:vml" xmlns:pvml="urn:schemas-microsoft-com:office:powerpoint" xmlns:com="http://schemas.openxmlformats.org/drawingml/2006/compatibility" xmlns:p14="http://schemas.microsoft.com/office/powerpoint/2010/main" xmlns:p15="http://schemas.microsoft.com/office/powerpoint/2012/main" matchingName="Blank" type="blank">
+<p:sldLayout xmlns:a="http://schemas.openxmlformats.org/drawingml/2006/main" xmlns:r="http://schemas.openxmlformats.org/officeDocument/2006/relationships" xmlns:p="http://schemas.openxmlformats.org/presentationml/2006/main" matchingName="Blank" type="blank">
   <p:cSld name="BLANK">
     <p:spTree>
       <p:nvGrpSpPr>
-        <p:cNvPr id="122" name="Shape 122"/>
+        <p:cNvPr id="1" name="Shape 122"/>
         <p:cNvGrpSpPr/>
         <p:nvPr/>
       </p:nvGrpSpPr>
@@ -4633,9 +4667,11 @@
       <p:sp>
         <p:nvSpPr>
           <p:cNvPr id="123" name="Google Shape;123;p12"/>
-          <p:cNvSpPr txBox="1"/>
+          <p:cNvSpPr txBox="1">
+            <a:spLocks noGrp="1"/>
+          </p:cNvSpPr>
           <p:nvPr>
-            <p:ph idx="12" type="sldNum"/>
+            <p:ph type="sldNum" idx="12"/>
           </p:nvPr>
         </p:nvSpPr>
         <p:spPr>
@@ -4648,7 +4684,7 @@
           </a:prstGeom>
         </p:spPr>
         <p:txBody>
-          <a:bodyPr anchorCtr="0" anchor="ctr" bIns="91425" lIns="91425" spcFirstLastPara="1" rIns="91425" wrap="square" tIns="91425">
+          <a:bodyPr spcFirstLastPara="1" wrap="square" lIns="91425" tIns="91425" rIns="91425" bIns="91425" anchor="ctr" anchorCtr="0">
             <a:noAutofit/>
           </a:bodyPr>
           <a:lstStyle>
@@ -4690,7 +4726,7 @@
             </a:lvl9pPr>
           </a:lstStyle>
           <a:p>
-            <a:pPr indent="0" lvl="0" marL="0" rtl="0" algn="r">
+            <a:pPr marL="0" lvl="0" indent="0" algn="r" rtl="0">
               <a:spcBef>
                 <a:spcPts val="0"/>
               </a:spcBef>
@@ -4716,18 +4752,19 @@
 </file>
 
 <file path=ppt/slideLayouts/slideLayout2.xml><?xml version="1.0" encoding="utf-8"?>
-<p:sldLayout xmlns:a="http://schemas.openxmlformats.org/drawingml/2006/main" xmlns:r="http://schemas.openxmlformats.org/officeDocument/2006/relationships" xmlns:mc="http://schemas.openxmlformats.org/markup-compatibility/2006" xmlns:mv="urn:schemas-microsoft-com:mac:vml" xmlns:p="http://schemas.openxmlformats.org/presentationml/2006/main" xmlns:c="http://schemas.openxmlformats.org/drawingml/2006/chart" xmlns:dgm="http://schemas.openxmlformats.org/drawingml/2006/diagram" xmlns:o="urn:schemas-microsoft-com:office:office" xmlns:v="urn:schemas-microsoft-com:vml" xmlns:pvml="urn:schemas-microsoft-com:office:powerpoint" xmlns:com="http://schemas.openxmlformats.org/drawingml/2006/compatibility" xmlns:p14="http://schemas.microsoft.com/office/powerpoint/2010/main" xmlns:p15="http://schemas.microsoft.com/office/powerpoint/2012/main" matchingName="Section header" type="secHead">
+<p:sldLayout xmlns:a="http://schemas.openxmlformats.org/drawingml/2006/main" xmlns:r="http://schemas.openxmlformats.org/officeDocument/2006/relationships" xmlns:p="http://schemas.openxmlformats.org/presentationml/2006/main" matchingName="Section header" type="secHead">
   <p:cSld name="SECTION_HEADER">
     <p:bg>
       <p:bgPr>
         <a:solidFill>
           <a:schemeClr val="accent3"/>
         </a:solidFill>
+        <a:effectLst/>
       </p:bgPr>
     </p:bg>
     <p:spTree>
       <p:nvGrpSpPr>
-        <p:cNvPr id="37" name="Shape 37"/>
+        <p:cNvPr id="1" name="Shape 37"/>
         <p:cNvGrpSpPr/>
         <p:nvPr/>
       </p:nvGrpSpPr>
@@ -4761,12 +4798,12 @@
           </a:ln>
         </p:spPr>
         <p:txBody>
-          <a:bodyPr anchorCtr="0" anchor="ctr" bIns="91425" lIns="91425" spcFirstLastPara="1" rIns="91425" wrap="square" tIns="91425">
+          <a:bodyPr spcFirstLastPara="1" wrap="square" lIns="91425" tIns="91425" rIns="91425" bIns="91425" anchor="ctr" anchorCtr="0">
             <a:noAutofit/>
           </a:bodyPr>
           <a:lstStyle/>
           <a:p>
-            <a:pPr indent="0" lvl="0" marL="0" rtl="0" algn="l">
+            <a:pPr marL="0" lvl="0" indent="0" algn="l" rtl="0">
               <a:spcBef>
                 <a:spcPts val="0"/>
               </a:spcBef>
@@ -4775,9 +4812,6 @@
               </a:spcAft>
               <a:buNone/>
             </a:pPr>
-            <a:r>
-              <a:t/>
-            </a:r>
             <a:endParaRPr/>
           </a:p>
         </p:txBody>
@@ -4809,7 +4843,7 @@
             </a:xfrm>
             <a:prstGeom prst="parallelogram">
               <a:avLst>
-                <a:gd fmla="val 158024" name="adj"/>
+                <a:gd name="adj" fmla="val 158024"/>
               </a:avLst>
             </a:prstGeom>
             <a:solidFill>
@@ -4820,12 +4854,12 @@
             </a:ln>
           </p:spPr>
           <p:txBody>
-            <a:bodyPr anchorCtr="0" anchor="ctr" bIns="91425" lIns="91425" spcFirstLastPara="1" rIns="91425" wrap="square" tIns="91425">
+            <a:bodyPr spcFirstLastPara="1" wrap="square" lIns="91425" tIns="91425" rIns="91425" bIns="91425" anchor="ctr" anchorCtr="0">
               <a:noAutofit/>
             </a:bodyPr>
             <a:lstStyle/>
             <a:p>
-              <a:pPr indent="0" lvl="0" marL="0" rtl="0" algn="l">
+              <a:pPr marL="0" lvl="0" indent="0" algn="l" rtl="0">
                 <a:spcBef>
                   <a:spcPts val="0"/>
                 </a:spcBef>
@@ -4834,9 +4868,6 @@
                 </a:spcAft>
                 <a:buNone/>
               </a:pPr>
-              <a:r>
-                <a:t/>
-              </a:r>
               <a:endParaRPr/>
             </a:p>
           </p:txBody>
@@ -4854,7 +4885,7 @@
             </a:xfrm>
             <a:prstGeom prst="parallelogram">
               <a:avLst>
-                <a:gd fmla="val 158024" name="adj"/>
+                <a:gd name="adj" fmla="val 158024"/>
               </a:avLst>
             </a:prstGeom>
             <a:solidFill>
@@ -4865,12 +4896,12 @@
             </a:ln>
           </p:spPr>
           <p:txBody>
-            <a:bodyPr anchorCtr="0" anchor="ctr" bIns="91425" lIns="91425" spcFirstLastPara="1" rIns="91425" wrap="square" tIns="91425">
+            <a:bodyPr spcFirstLastPara="1" wrap="square" lIns="91425" tIns="91425" rIns="91425" bIns="91425" anchor="ctr" anchorCtr="0">
               <a:noAutofit/>
             </a:bodyPr>
             <a:lstStyle/>
             <a:p>
-              <a:pPr indent="0" lvl="0" marL="0" rtl="0" algn="l">
+              <a:pPr marL="0" lvl="0" indent="0" algn="l" rtl="0">
                 <a:spcBef>
                   <a:spcPts val="0"/>
                 </a:spcBef>
@@ -4879,9 +4910,6 @@
                 </a:spcAft>
                 <a:buNone/>
               </a:pPr>
-              <a:r>
-                <a:t/>
-              </a:r>
               <a:endParaRPr/>
             </a:p>
           </p:txBody>
@@ -4899,7 +4927,7 @@
             </a:xfrm>
             <a:prstGeom prst="parallelogram">
               <a:avLst>
-                <a:gd fmla="val 158024" name="adj"/>
+                <a:gd name="adj" fmla="val 158024"/>
               </a:avLst>
             </a:prstGeom>
             <a:solidFill>
@@ -4910,12 +4938,12 @@
             </a:ln>
           </p:spPr>
           <p:txBody>
-            <a:bodyPr anchorCtr="0" anchor="ctr" bIns="91425" lIns="91425" spcFirstLastPara="1" rIns="91425" wrap="square" tIns="91425">
+            <a:bodyPr spcFirstLastPara="1" wrap="square" lIns="91425" tIns="91425" rIns="91425" bIns="91425" anchor="ctr" anchorCtr="0">
               <a:noAutofit/>
             </a:bodyPr>
             <a:lstStyle/>
             <a:p>
-              <a:pPr indent="0" lvl="0" marL="0" rtl="0" algn="l">
+              <a:pPr marL="0" lvl="0" indent="0" algn="l" rtl="0">
                 <a:spcBef>
                   <a:spcPts val="0"/>
                 </a:spcBef>
@@ -4924,9 +4952,6 @@
                 </a:spcAft>
                 <a:buNone/>
               </a:pPr>
-              <a:r>
-                <a:t/>
-              </a:r>
               <a:endParaRPr/>
             </a:p>
           </p:txBody>
@@ -4959,7 +4984,7 @@
             </a:xfrm>
             <a:prstGeom prst="parallelogram">
               <a:avLst>
-                <a:gd fmla="val 158024" name="adj"/>
+                <a:gd name="adj" fmla="val 158024"/>
               </a:avLst>
             </a:prstGeom>
             <a:solidFill>
@@ -4970,12 +4995,12 @@
             </a:ln>
           </p:spPr>
           <p:txBody>
-            <a:bodyPr anchorCtr="0" anchor="ctr" bIns="91425" lIns="91425" spcFirstLastPara="1" rIns="91425" wrap="square" tIns="91425">
+            <a:bodyPr spcFirstLastPara="1" wrap="square" lIns="91425" tIns="91425" rIns="91425" bIns="91425" anchor="ctr" anchorCtr="0">
               <a:noAutofit/>
             </a:bodyPr>
             <a:lstStyle/>
             <a:p>
-              <a:pPr indent="0" lvl="0" marL="0" rtl="0" algn="l">
+              <a:pPr marL="0" lvl="0" indent="0" algn="l" rtl="0">
                 <a:spcBef>
                   <a:spcPts val="0"/>
                 </a:spcBef>
@@ -4984,9 +5009,6 @@
                 </a:spcAft>
                 <a:buNone/>
               </a:pPr>
-              <a:r>
-                <a:t/>
-              </a:r>
               <a:endParaRPr/>
             </a:p>
           </p:txBody>
@@ -5004,7 +5026,7 @@
             </a:xfrm>
             <a:prstGeom prst="parallelogram">
               <a:avLst>
-                <a:gd fmla="val 158024" name="adj"/>
+                <a:gd name="adj" fmla="val 158024"/>
               </a:avLst>
             </a:prstGeom>
             <a:solidFill>
@@ -5015,12 +5037,12 @@
             </a:ln>
           </p:spPr>
           <p:txBody>
-            <a:bodyPr anchorCtr="0" anchor="ctr" bIns="91425" lIns="91425" spcFirstLastPara="1" rIns="91425" wrap="square" tIns="91425">
+            <a:bodyPr spcFirstLastPara="1" wrap="square" lIns="91425" tIns="91425" rIns="91425" bIns="91425" anchor="ctr" anchorCtr="0">
               <a:noAutofit/>
             </a:bodyPr>
             <a:lstStyle/>
             <a:p>
-              <a:pPr indent="0" lvl="0" marL="0" rtl="0" algn="l">
+              <a:pPr marL="0" lvl="0" indent="0" algn="l" rtl="0">
                 <a:spcBef>
                   <a:spcPts val="0"/>
                 </a:spcBef>
@@ -5029,9 +5051,6 @@
                 </a:spcAft>
                 <a:buNone/>
               </a:pPr>
-              <a:r>
-                <a:t/>
-              </a:r>
               <a:endParaRPr/>
             </a:p>
           </p:txBody>
@@ -5049,7 +5068,7 @@
             </a:xfrm>
             <a:prstGeom prst="parallelogram">
               <a:avLst>
-                <a:gd fmla="val 158024" name="adj"/>
+                <a:gd name="adj" fmla="val 158024"/>
               </a:avLst>
             </a:prstGeom>
             <a:solidFill>
@@ -5060,12 +5079,12 @@
             </a:ln>
           </p:spPr>
           <p:txBody>
-            <a:bodyPr anchorCtr="0" anchor="ctr" bIns="91425" lIns="91425" spcFirstLastPara="1" rIns="91425" wrap="square" tIns="91425">
+            <a:bodyPr spcFirstLastPara="1" wrap="square" lIns="91425" tIns="91425" rIns="91425" bIns="91425" anchor="ctr" anchorCtr="0">
               <a:noAutofit/>
             </a:bodyPr>
             <a:lstStyle/>
             <a:p>
-              <a:pPr indent="0" lvl="0" marL="0" rtl="0" algn="l">
+              <a:pPr marL="0" lvl="0" indent="0" algn="l" rtl="0">
                 <a:spcBef>
                   <a:spcPts val="0"/>
                 </a:spcBef>
@@ -5074,9 +5093,6 @@
                 </a:spcAft>
                 <a:buNone/>
               </a:pPr>
-              <a:r>
-                <a:t/>
-              </a:r>
               <a:endParaRPr/>
             </a:p>
           </p:txBody>
@@ -5085,7 +5101,9 @@
       <p:sp>
         <p:nvSpPr>
           <p:cNvPr id="47" name="Google Shape;47;p3"/>
-          <p:cNvSpPr txBox="1"/>
+          <p:cNvSpPr txBox="1">
+            <a:spLocks noGrp="1"/>
+          </p:cNvSpPr>
           <p:nvPr>
             <p:ph type="title"/>
           </p:nvPr>
@@ -5100,7 +5118,7 @@
           </a:prstGeom>
         </p:spPr>
         <p:txBody>
-          <a:bodyPr anchorCtr="0" anchor="ctr" bIns="91425" lIns="91425" spcFirstLastPara="1" rIns="91425" wrap="square" tIns="91425">
+          <a:bodyPr spcFirstLastPara="1" wrap="square" lIns="91425" tIns="91425" rIns="91425" bIns="91425" anchor="ctr" anchorCtr="0">
             <a:noAutofit/>
           </a:bodyPr>
           <a:lstStyle>
@@ -5267,15 +5285,19 @@
               </a:defRPr>
             </a:lvl9pPr>
           </a:lstStyle>
-          <a:p/>
+          <a:p>
+            <a:endParaRPr/>
+          </a:p>
         </p:txBody>
       </p:sp>
       <p:sp>
         <p:nvSpPr>
           <p:cNvPr id="48" name="Google Shape;48;p3"/>
-          <p:cNvSpPr txBox="1"/>
+          <p:cNvSpPr txBox="1">
+            <a:spLocks noGrp="1"/>
+          </p:cNvSpPr>
           <p:nvPr>
-            <p:ph idx="12" type="sldNum"/>
+            <p:ph type="sldNum" idx="12"/>
           </p:nvPr>
         </p:nvSpPr>
         <p:spPr>
@@ -5288,7 +5310,7 @@
           </a:prstGeom>
         </p:spPr>
         <p:txBody>
-          <a:bodyPr anchorCtr="0" anchor="ctr" bIns="91425" lIns="91425" spcFirstLastPara="1" rIns="91425" wrap="square" tIns="91425">
+          <a:bodyPr spcFirstLastPara="1" wrap="square" lIns="91425" tIns="91425" rIns="91425" bIns="91425" anchor="ctr" anchorCtr="0">
             <a:noAutofit/>
           </a:bodyPr>
           <a:lstStyle>
@@ -5330,7 +5352,7 @@
             </a:lvl9pPr>
           </a:lstStyle>
           <a:p>
-            <a:pPr indent="0" lvl="0" marL="0" rtl="0" algn="r">
+            <a:pPr marL="0" lvl="0" indent="0" algn="r" rtl="0">
               <a:spcBef>
                 <a:spcPts val="0"/>
               </a:spcBef>
@@ -5356,18 +5378,19 @@
 </file>
 
 <file path=ppt/slideLayouts/slideLayout3.xml><?xml version="1.0" encoding="utf-8"?>
-<p:sldLayout xmlns:a="http://schemas.openxmlformats.org/drawingml/2006/main" xmlns:r="http://schemas.openxmlformats.org/officeDocument/2006/relationships" xmlns:mc="http://schemas.openxmlformats.org/markup-compatibility/2006" xmlns:mv="urn:schemas-microsoft-com:mac:vml" xmlns:p="http://schemas.openxmlformats.org/presentationml/2006/main" xmlns:c="http://schemas.openxmlformats.org/drawingml/2006/chart" xmlns:dgm="http://schemas.openxmlformats.org/drawingml/2006/diagram" xmlns:o="urn:schemas-microsoft-com:office:office" xmlns:v="urn:schemas-microsoft-com:vml" xmlns:pvml="urn:schemas-microsoft-com:office:powerpoint" xmlns:com="http://schemas.openxmlformats.org/drawingml/2006/compatibility" xmlns:p14="http://schemas.microsoft.com/office/powerpoint/2010/main" xmlns:p15="http://schemas.microsoft.com/office/powerpoint/2012/main" matchingName="Title and body" type="tx">
+<p:sldLayout xmlns:a="http://schemas.openxmlformats.org/drawingml/2006/main" xmlns:r="http://schemas.openxmlformats.org/officeDocument/2006/relationships" xmlns:p="http://schemas.openxmlformats.org/presentationml/2006/main" matchingName="Title and body" type="tx">
   <p:cSld name="TITLE_AND_BODY">
     <p:bg>
       <p:bgPr>
         <a:solidFill>
           <a:schemeClr val="dk2"/>
         </a:solidFill>
+        <a:effectLst/>
       </p:bgPr>
     </p:bg>
     <p:spTree>
       <p:nvGrpSpPr>
-        <p:cNvPr id="49" name="Shape 49"/>
+        <p:cNvPr id="1" name="Shape 49"/>
         <p:cNvGrpSpPr/>
         <p:nvPr/>
       </p:nvGrpSpPr>
@@ -5401,12 +5424,12 @@
           </a:ln>
         </p:spPr>
         <p:txBody>
-          <a:bodyPr anchorCtr="0" anchor="ctr" bIns="91425" lIns="91425" spcFirstLastPara="1" rIns="91425" wrap="square" tIns="91425">
+          <a:bodyPr spcFirstLastPara="1" wrap="square" lIns="91425" tIns="91425" rIns="91425" bIns="91425" anchor="ctr" anchorCtr="0">
             <a:noAutofit/>
           </a:bodyPr>
           <a:lstStyle/>
           <a:p>
-            <a:pPr indent="0" lvl="0" marL="0" rtl="0" algn="l">
+            <a:pPr marL="0" lvl="0" indent="0" algn="l" rtl="0">
               <a:spcBef>
                 <a:spcPts val="0"/>
               </a:spcBef>
@@ -5415,9 +5438,6 @@
               </a:spcAft>
               <a:buNone/>
             </a:pPr>
-            <a:r>
-              <a:t/>
-            </a:r>
             <a:endParaRPr/>
           </a:p>
         </p:txBody>
@@ -5444,12 +5464,12 @@
           </a:ln>
         </p:spPr>
         <p:txBody>
-          <a:bodyPr anchorCtr="0" anchor="ctr" bIns="91425" lIns="91425" spcFirstLastPara="1" rIns="91425" wrap="square" tIns="91425">
+          <a:bodyPr spcFirstLastPara="1" wrap="square" lIns="91425" tIns="91425" rIns="91425" bIns="91425" anchor="ctr" anchorCtr="0">
             <a:noAutofit/>
           </a:bodyPr>
           <a:lstStyle/>
           <a:p>
-            <a:pPr indent="0" lvl="0" marL="0" rtl="0" algn="l">
+            <a:pPr marL="0" lvl="0" indent="0" algn="l" rtl="0">
               <a:spcBef>
                 <a:spcPts val="0"/>
               </a:spcBef>
@@ -5458,9 +5478,6 @@
               </a:spcAft>
               <a:buNone/>
             </a:pPr>
-            <a:r>
-              <a:t/>
-            </a:r>
             <a:endParaRPr/>
           </a:p>
         </p:txBody>
@@ -5486,7 +5503,7 @@
             <a:noFill/>
           </a:ln>
           <a:effectLst>
-            <a:outerShdw blurRad="228600" sx="101000" rotWithShape="0" algn="ctr" sy="101000">
+            <a:outerShdw blurRad="228600" sx="101000" sy="101000" algn="ctr" rotWithShape="0">
               <a:srgbClr val="000000">
                 <a:alpha val="40000"/>
               </a:srgbClr>
@@ -5494,12 +5511,12 @@
           </a:effectLst>
         </p:spPr>
         <p:txBody>
-          <a:bodyPr anchorCtr="0" anchor="ctr" bIns="91425" lIns="91425" spcFirstLastPara="1" rIns="91425" wrap="square" tIns="91425">
+          <a:bodyPr spcFirstLastPara="1" wrap="square" lIns="91425" tIns="91425" rIns="91425" bIns="91425" anchor="ctr" anchorCtr="0">
             <a:noAutofit/>
           </a:bodyPr>
           <a:lstStyle/>
           <a:p>
-            <a:pPr indent="0" lvl="0" marL="0" rtl="0" algn="l">
+            <a:pPr marL="0" lvl="0" indent="0" algn="l" rtl="0">
               <a:spcBef>
                 <a:spcPts val="0"/>
               </a:spcBef>
@@ -5508,9 +5525,6 @@
               </a:spcAft>
               <a:buNone/>
             </a:pPr>
-            <a:r>
-              <a:t/>
-            </a:r>
             <a:endParaRPr/>
           </a:p>
         </p:txBody>
@@ -5518,7 +5532,9 @@
       <p:sp>
         <p:nvSpPr>
           <p:cNvPr id="53" name="Google Shape;53;p4"/>
-          <p:cNvSpPr txBox="1"/>
+          <p:cNvSpPr txBox="1">
+            <a:spLocks noGrp="1"/>
+          </p:cNvSpPr>
           <p:nvPr>
             <p:ph type="title"/>
           </p:nvPr>
@@ -5533,7 +5549,7 @@
           </a:prstGeom>
         </p:spPr>
         <p:txBody>
-          <a:bodyPr anchorCtr="0" anchor="t" bIns="91425" lIns="91425" spcFirstLastPara="1" rIns="91425" wrap="square" tIns="91425">
+          <a:bodyPr spcFirstLastPara="1" wrap="square" lIns="91425" tIns="91425" rIns="91425" bIns="91425" anchor="t" anchorCtr="0">
             <a:noAutofit/>
           </a:bodyPr>
           <a:lstStyle>
@@ -5637,15 +5653,19 @@
               <a:defRPr sz="3000"/>
             </a:lvl9pPr>
           </a:lstStyle>
-          <a:p/>
+          <a:p>
+            <a:endParaRPr/>
+          </a:p>
         </p:txBody>
       </p:sp>
       <p:sp>
         <p:nvSpPr>
           <p:cNvPr id="54" name="Google Shape;54;p4"/>
-          <p:cNvSpPr txBox="1"/>
+          <p:cNvSpPr txBox="1">
+            <a:spLocks noGrp="1"/>
+          </p:cNvSpPr>
           <p:nvPr>
-            <p:ph idx="1" type="body"/>
+            <p:ph type="body" idx="1"/>
           </p:nvPr>
         </p:nvSpPr>
         <p:spPr>
@@ -5658,11 +5678,11 @@
           </a:prstGeom>
         </p:spPr>
         <p:txBody>
-          <a:bodyPr anchorCtr="0" anchor="t" bIns="91425" lIns="91425" spcFirstLastPara="1" rIns="91425" wrap="square" tIns="91425">
+          <a:bodyPr spcFirstLastPara="1" wrap="square" lIns="91425" tIns="91425" rIns="91425" bIns="91425" anchor="t" anchorCtr="0">
             <a:noAutofit/>
           </a:bodyPr>
           <a:lstStyle>
-            <a:lvl1pPr indent="-311150" lvl="0" marL="457200">
+            <a:lvl1pPr marL="457200" lvl="0" indent="-311150">
               <a:spcBef>
                 <a:spcPts val="0"/>
               </a:spcBef>
@@ -5673,7 +5693,7 @@
               <a:buChar char="●"/>
               <a:defRPr/>
             </a:lvl1pPr>
-            <a:lvl2pPr indent="-298450" lvl="1" marL="914400">
+            <a:lvl2pPr marL="914400" lvl="1" indent="-298450">
               <a:spcBef>
                 <a:spcPts val="1600"/>
               </a:spcBef>
@@ -5684,7 +5704,7 @@
               <a:buChar char="○"/>
               <a:defRPr/>
             </a:lvl2pPr>
-            <a:lvl3pPr indent="-298450" lvl="2" marL="1371600">
+            <a:lvl3pPr marL="1371600" lvl="2" indent="-298450">
               <a:spcBef>
                 <a:spcPts val="1600"/>
               </a:spcBef>
@@ -5695,7 +5715,7 @@
               <a:buChar char="■"/>
               <a:defRPr/>
             </a:lvl3pPr>
-            <a:lvl4pPr indent="-298450" lvl="3" marL="1828800">
+            <a:lvl4pPr marL="1828800" lvl="3" indent="-298450">
               <a:spcBef>
                 <a:spcPts val="1600"/>
               </a:spcBef>
@@ -5706,7 +5726,7 @@
               <a:buChar char="●"/>
               <a:defRPr/>
             </a:lvl4pPr>
-            <a:lvl5pPr indent="-298450" lvl="4" marL="2286000">
+            <a:lvl5pPr marL="2286000" lvl="4" indent="-298450">
               <a:spcBef>
                 <a:spcPts val="1600"/>
               </a:spcBef>
@@ -5717,7 +5737,7 @@
               <a:buChar char="○"/>
               <a:defRPr/>
             </a:lvl5pPr>
-            <a:lvl6pPr indent="-298450" lvl="5" marL="2743200">
+            <a:lvl6pPr marL="2743200" lvl="5" indent="-298450">
               <a:spcBef>
                 <a:spcPts val="1600"/>
               </a:spcBef>
@@ -5728,7 +5748,7 @@
               <a:buChar char="■"/>
               <a:defRPr/>
             </a:lvl6pPr>
-            <a:lvl7pPr indent="-298450" lvl="6" marL="3200400">
+            <a:lvl7pPr marL="3200400" lvl="6" indent="-298450">
               <a:spcBef>
                 <a:spcPts val="1600"/>
               </a:spcBef>
@@ -5739,7 +5759,7 @@
               <a:buChar char="●"/>
               <a:defRPr/>
             </a:lvl7pPr>
-            <a:lvl8pPr indent="-298450" lvl="7" marL="3657600">
+            <a:lvl8pPr marL="3657600" lvl="7" indent="-298450">
               <a:spcBef>
                 <a:spcPts val="1600"/>
               </a:spcBef>
@@ -5750,7 +5770,7 @@
               <a:buChar char="○"/>
               <a:defRPr/>
             </a:lvl8pPr>
-            <a:lvl9pPr indent="-298450" lvl="8" marL="4114800">
+            <a:lvl9pPr marL="4114800" lvl="8" indent="-298450">
               <a:spcBef>
                 <a:spcPts val="1600"/>
               </a:spcBef>
@@ -5762,15 +5782,19 @@
               <a:defRPr/>
             </a:lvl9pPr>
           </a:lstStyle>
-          <a:p/>
+          <a:p>
+            <a:endParaRPr/>
+          </a:p>
         </p:txBody>
       </p:sp>
       <p:sp>
         <p:nvSpPr>
           <p:cNvPr id="55" name="Google Shape;55;p4"/>
-          <p:cNvSpPr txBox="1"/>
+          <p:cNvSpPr txBox="1">
+            <a:spLocks noGrp="1"/>
+          </p:cNvSpPr>
           <p:nvPr>
-            <p:ph idx="12" type="sldNum"/>
+            <p:ph type="sldNum" idx="12"/>
           </p:nvPr>
         </p:nvSpPr>
         <p:spPr>
@@ -5783,7 +5807,7 @@
           </a:prstGeom>
         </p:spPr>
         <p:txBody>
-          <a:bodyPr anchorCtr="0" anchor="ctr" bIns="91425" lIns="91425" spcFirstLastPara="1" rIns="91425" wrap="square" tIns="91425">
+          <a:bodyPr spcFirstLastPara="1" wrap="square" lIns="91425" tIns="91425" rIns="91425" bIns="91425" anchor="ctr" anchorCtr="0">
             <a:noAutofit/>
           </a:bodyPr>
           <a:lstStyle>
@@ -5825,7 +5849,7 @@
             </a:lvl9pPr>
           </a:lstStyle>
           <a:p>
-            <a:pPr indent="0" lvl="0" marL="0" rtl="0" algn="r">
+            <a:pPr marL="0" lvl="0" indent="0" algn="r" rtl="0">
               <a:spcBef>
                 <a:spcPts val="0"/>
               </a:spcBef>
@@ -5851,18 +5875,19 @@
 </file>
 
 <file path=ppt/slideLayouts/slideLayout4.xml><?xml version="1.0" encoding="utf-8"?>
-<p:sldLayout xmlns:a="http://schemas.openxmlformats.org/drawingml/2006/main" xmlns:r="http://schemas.openxmlformats.org/officeDocument/2006/relationships" xmlns:mc="http://schemas.openxmlformats.org/markup-compatibility/2006" xmlns:mv="urn:schemas-microsoft-com:mac:vml" xmlns:p="http://schemas.openxmlformats.org/presentationml/2006/main" xmlns:c="http://schemas.openxmlformats.org/drawingml/2006/chart" xmlns:dgm="http://schemas.openxmlformats.org/drawingml/2006/diagram" xmlns:o="urn:schemas-microsoft-com:office:office" xmlns:v="urn:schemas-microsoft-com:vml" xmlns:pvml="urn:schemas-microsoft-com:office:powerpoint" xmlns:com="http://schemas.openxmlformats.org/drawingml/2006/compatibility" xmlns:p14="http://schemas.microsoft.com/office/powerpoint/2010/main" xmlns:p15="http://schemas.microsoft.com/office/powerpoint/2012/main" matchingName="Title and two columns" type="twoColTx">
+<p:sldLayout xmlns:a="http://schemas.openxmlformats.org/drawingml/2006/main" xmlns:r="http://schemas.openxmlformats.org/officeDocument/2006/relationships" xmlns:p="http://schemas.openxmlformats.org/presentationml/2006/main" matchingName="Title and two columns" type="twoColTx">
   <p:cSld name="TITLE_AND_TWO_COLUMNS">
     <p:bg>
       <p:bgPr>
         <a:solidFill>
           <a:schemeClr val="dk2"/>
         </a:solidFill>
+        <a:effectLst/>
       </p:bgPr>
     </p:bg>
     <p:spTree>
       <p:nvGrpSpPr>
-        <p:cNvPr id="56" name="Shape 56"/>
+        <p:cNvPr id="1" name="Shape 56"/>
         <p:cNvGrpSpPr/>
         <p:nvPr/>
       </p:nvGrpSpPr>
@@ -5896,12 +5921,12 @@
           </a:ln>
         </p:spPr>
         <p:txBody>
-          <a:bodyPr anchorCtr="0" anchor="ctr" bIns="91425" lIns="91425" spcFirstLastPara="1" rIns="91425" wrap="square" tIns="91425">
+          <a:bodyPr spcFirstLastPara="1" wrap="square" lIns="91425" tIns="91425" rIns="91425" bIns="91425" anchor="ctr" anchorCtr="0">
             <a:noAutofit/>
           </a:bodyPr>
           <a:lstStyle/>
           <a:p>
-            <a:pPr indent="0" lvl="0" marL="0" rtl="0" algn="l">
+            <a:pPr marL="0" lvl="0" indent="0" algn="l" rtl="0">
               <a:spcBef>
                 <a:spcPts val="0"/>
               </a:spcBef>
@@ -5910,9 +5935,6 @@
               </a:spcAft>
               <a:buNone/>
             </a:pPr>
-            <a:r>
-              <a:t/>
-            </a:r>
             <a:endParaRPr/>
           </a:p>
         </p:txBody>
@@ -5939,12 +5961,12 @@
           </a:ln>
         </p:spPr>
         <p:txBody>
-          <a:bodyPr anchorCtr="0" anchor="ctr" bIns="91425" lIns="91425" spcFirstLastPara="1" rIns="91425" wrap="square" tIns="91425">
+          <a:bodyPr spcFirstLastPara="1" wrap="square" lIns="91425" tIns="91425" rIns="91425" bIns="91425" anchor="ctr" anchorCtr="0">
             <a:noAutofit/>
           </a:bodyPr>
           <a:lstStyle/>
           <a:p>
-            <a:pPr indent="0" lvl="0" marL="0" rtl="0" algn="l">
+            <a:pPr marL="0" lvl="0" indent="0" algn="l" rtl="0">
               <a:spcBef>
                 <a:spcPts val="0"/>
               </a:spcBef>
@@ -5953,9 +5975,6 @@
               </a:spcAft>
               <a:buNone/>
             </a:pPr>
-            <a:r>
-              <a:t/>
-            </a:r>
             <a:endParaRPr/>
           </a:p>
         </p:txBody>
@@ -5981,7 +6000,7 @@
             <a:noFill/>
           </a:ln>
           <a:effectLst>
-            <a:outerShdw blurRad="228600" sx="101000" rotWithShape="0" algn="ctr" sy="101000">
+            <a:outerShdw blurRad="228600" sx="101000" sy="101000" algn="ctr" rotWithShape="0">
               <a:srgbClr val="000000">
                 <a:alpha val="40000"/>
               </a:srgbClr>
@@ -5989,12 +6008,12 @@
           </a:effectLst>
         </p:spPr>
         <p:txBody>
-          <a:bodyPr anchorCtr="0" anchor="ctr" bIns="91425" lIns="91425" spcFirstLastPara="1" rIns="91425" wrap="square" tIns="91425">
+          <a:bodyPr spcFirstLastPara="1" wrap="square" lIns="91425" tIns="91425" rIns="91425" bIns="91425" anchor="ctr" anchorCtr="0">
             <a:noAutofit/>
           </a:bodyPr>
           <a:lstStyle/>
           <a:p>
-            <a:pPr indent="0" lvl="0" marL="0" rtl="0" algn="l">
+            <a:pPr marL="0" lvl="0" indent="0" algn="l" rtl="0">
               <a:spcBef>
                 <a:spcPts val="0"/>
               </a:spcBef>
@@ -6003,9 +6022,6 @@
               </a:spcAft>
               <a:buNone/>
             </a:pPr>
-            <a:r>
-              <a:t/>
-            </a:r>
             <a:endParaRPr/>
           </a:p>
         </p:txBody>
@@ -6013,7 +6029,9 @@
       <p:sp>
         <p:nvSpPr>
           <p:cNvPr id="60" name="Google Shape;60;p5"/>
-          <p:cNvSpPr txBox="1"/>
+          <p:cNvSpPr txBox="1">
+            <a:spLocks noGrp="1"/>
+          </p:cNvSpPr>
           <p:nvPr>
             <p:ph type="title"/>
           </p:nvPr>
@@ -6028,7 +6046,7 @@
           </a:prstGeom>
         </p:spPr>
         <p:txBody>
-          <a:bodyPr anchorCtr="0" anchor="t" bIns="91425" lIns="91425" spcFirstLastPara="1" rIns="91425" wrap="square" tIns="91425">
+          <a:bodyPr spcFirstLastPara="1" wrap="square" lIns="91425" tIns="91425" rIns="91425" bIns="91425" anchor="t" anchorCtr="0">
             <a:noAutofit/>
           </a:bodyPr>
           <a:lstStyle>
@@ -6132,15 +6150,19 @@
               <a:defRPr sz="3000"/>
             </a:lvl9pPr>
           </a:lstStyle>
-          <a:p/>
+          <a:p>
+            <a:endParaRPr/>
+          </a:p>
         </p:txBody>
       </p:sp>
       <p:sp>
         <p:nvSpPr>
           <p:cNvPr id="61" name="Google Shape;61;p5"/>
-          <p:cNvSpPr txBox="1"/>
+          <p:cNvSpPr txBox="1">
+            <a:spLocks noGrp="1"/>
+          </p:cNvSpPr>
           <p:nvPr>
-            <p:ph idx="1" type="body"/>
+            <p:ph type="body" idx="1"/>
           </p:nvPr>
         </p:nvSpPr>
         <p:spPr>
@@ -6153,11 +6175,11 @@
           </a:prstGeom>
         </p:spPr>
         <p:txBody>
-          <a:bodyPr anchorCtr="0" anchor="t" bIns="91425" lIns="91425" spcFirstLastPara="1" rIns="91425" wrap="square" tIns="91425">
+          <a:bodyPr spcFirstLastPara="1" wrap="square" lIns="91425" tIns="91425" rIns="91425" bIns="91425" anchor="t" anchorCtr="0">
             <a:noAutofit/>
           </a:bodyPr>
           <a:lstStyle>
-            <a:lvl1pPr indent="-311150" lvl="0" marL="457200">
+            <a:lvl1pPr marL="457200" lvl="0" indent="-311150">
               <a:spcBef>
                 <a:spcPts val="0"/>
               </a:spcBef>
@@ -6168,7 +6190,7 @@
               <a:buChar char="●"/>
               <a:defRPr/>
             </a:lvl1pPr>
-            <a:lvl2pPr indent="-298450" lvl="1" marL="914400">
+            <a:lvl2pPr marL="914400" lvl="1" indent="-298450">
               <a:spcBef>
                 <a:spcPts val="1600"/>
               </a:spcBef>
@@ -6179,7 +6201,7 @@
               <a:buChar char="○"/>
               <a:defRPr/>
             </a:lvl2pPr>
-            <a:lvl3pPr indent="-298450" lvl="2" marL="1371600">
+            <a:lvl3pPr marL="1371600" lvl="2" indent="-298450">
               <a:spcBef>
                 <a:spcPts val="1600"/>
               </a:spcBef>
@@ -6190,7 +6212,7 @@
               <a:buChar char="■"/>
               <a:defRPr/>
             </a:lvl3pPr>
-            <a:lvl4pPr indent="-298450" lvl="3" marL="1828800">
+            <a:lvl4pPr marL="1828800" lvl="3" indent="-298450">
               <a:spcBef>
                 <a:spcPts val="1600"/>
               </a:spcBef>
@@ -6201,7 +6223,7 @@
               <a:buChar char="●"/>
               <a:defRPr/>
             </a:lvl4pPr>
-            <a:lvl5pPr indent="-298450" lvl="4" marL="2286000">
+            <a:lvl5pPr marL="2286000" lvl="4" indent="-298450">
               <a:spcBef>
                 <a:spcPts val="1600"/>
               </a:spcBef>
@@ -6212,7 +6234,7 @@
               <a:buChar char="○"/>
               <a:defRPr/>
             </a:lvl5pPr>
-            <a:lvl6pPr indent="-298450" lvl="5" marL="2743200">
+            <a:lvl6pPr marL="2743200" lvl="5" indent="-298450">
               <a:spcBef>
                 <a:spcPts val="1600"/>
               </a:spcBef>
@@ -6223,7 +6245,7 @@
               <a:buChar char="■"/>
               <a:defRPr/>
             </a:lvl6pPr>
-            <a:lvl7pPr indent="-298450" lvl="6" marL="3200400">
+            <a:lvl7pPr marL="3200400" lvl="6" indent="-298450">
               <a:spcBef>
                 <a:spcPts val="1600"/>
               </a:spcBef>
@@ -6234,7 +6256,7 @@
               <a:buChar char="●"/>
               <a:defRPr/>
             </a:lvl7pPr>
-            <a:lvl8pPr indent="-298450" lvl="7" marL="3657600">
+            <a:lvl8pPr marL="3657600" lvl="7" indent="-298450">
               <a:spcBef>
                 <a:spcPts val="1600"/>
               </a:spcBef>
@@ -6245,7 +6267,7 @@
               <a:buChar char="○"/>
               <a:defRPr/>
             </a:lvl8pPr>
-            <a:lvl9pPr indent="-298450" lvl="8" marL="4114800">
+            <a:lvl9pPr marL="4114800" lvl="8" indent="-298450">
               <a:spcBef>
                 <a:spcPts val="1600"/>
               </a:spcBef>
@@ -6257,15 +6279,19 @@
               <a:defRPr/>
             </a:lvl9pPr>
           </a:lstStyle>
-          <a:p/>
+          <a:p>
+            <a:endParaRPr/>
+          </a:p>
         </p:txBody>
       </p:sp>
       <p:sp>
         <p:nvSpPr>
           <p:cNvPr id="62" name="Google Shape;62;p5"/>
-          <p:cNvSpPr txBox="1"/>
+          <p:cNvSpPr txBox="1">
+            <a:spLocks noGrp="1"/>
+          </p:cNvSpPr>
           <p:nvPr>
-            <p:ph idx="2" type="body"/>
+            <p:ph type="body" idx="2"/>
           </p:nvPr>
         </p:nvSpPr>
         <p:spPr>
@@ -6278,11 +6304,11 @@
           </a:prstGeom>
         </p:spPr>
         <p:txBody>
-          <a:bodyPr anchorCtr="0" anchor="t" bIns="91425" lIns="91425" spcFirstLastPara="1" rIns="91425" wrap="square" tIns="91425">
+          <a:bodyPr spcFirstLastPara="1" wrap="square" lIns="91425" tIns="91425" rIns="91425" bIns="91425" anchor="t" anchorCtr="0">
             <a:noAutofit/>
           </a:bodyPr>
           <a:lstStyle>
-            <a:lvl1pPr indent="-311150" lvl="0" marL="457200">
+            <a:lvl1pPr marL="457200" lvl="0" indent="-311150">
               <a:spcBef>
                 <a:spcPts val="0"/>
               </a:spcBef>
@@ -6293,7 +6319,7 @@
               <a:buChar char="●"/>
               <a:defRPr/>
             </a:lvl1pPr>
-            <a:lvl2pPr indent="-298450" lvl="1" marL="914400">
+            <a:lvl2pPr marL="914400" lvl="1" indent="-298450">
               <a:spcBef>
                 <a:spcPts val="1600"/>
               </a:spcBef>
@@ -6304,7 +6330,7 @@
               <a:buChar char="○"/>
               <a:defRPr/>
             </a:lvl2pPr>
-            <a:lvl3pPr indent="-298450" lvl="2" marL="1371600">
+            <a:lvl3pPr marL="1371600" lvl="2" indent="-298450">
               <a:spcBef>
                 <a:spcPts val="1600"/>
               </a:spcBef>
@@ -6315,7 +6341,7 @@
               <a:buChar char="■"/>
               <a:defRPr/>
             </a:lvl3pPr>
-            <a:lvl4pPr indent="-298450" lvl="3" marL="1828800">
+            <a:lvl4pPr marL="1828800" lvl="3" indent="-298450">
               <a:spcBef>
                 <a:spcPts val="1600"/>
               </a:spcBef>
@@ -6326,7 +6352,7 @@
               <a:buChar char="●"/>
               <a:defRPr/>
             </a:lvl4pPr>
-            <a:lvl5pPr indent="-298450" lvl="4" marL="2286000">
+            <a:lvl5pPr marL="2286000" lvl="4" indent="-298450">
               <a:spcBef>
                 <a:spcPts val="1600"/>
               </a:spcBef>
@@ -6337,7 +6363,7 @@
               <a:buChar char="○"/>
               <a:defRPr/>
             </a:lvl5pPr>
-            <a:lvl6pPr indent="-298450" lvl="5" marL="2743200">
+            <a:lvl6pPr marL="2743200" lvl="5" indent="-298450">
               <a:spcBef>
                 <a:spcPts val="1600"/>
               </a:spcBef>
@@ -6348,7 +6374,7 @@
               <a:buChar char="■"/>
               <a:defRPr/>
             </a:lvl6pPr>
-            <a:lvl7pPr indent="-298450" lvl="6" marL="3200400">
+            <a:lvl7pPr marL="3200400" lvl="6" indent="-298450">
               <a:spcBef>
                 <a:spcPts val="1600"/>
               </a:spcBef>
@@ -6359,7 +6385,7 @@
               <a:buChar char="●"/>
               <a:defRPr/>
             </a:lvl7pPr>
-            <a:lvl8pPr indent="-298450" lvl="7" marL="3657600">
+            <a:lvl8pPr marL="3657600" lvl="7" indent="-298450">
               <a:spcBef>
                 <a:spcPts val="1600"/>
               </a:spcBef>
@@ -6370,7 +6396,7 @@
               <a:buChar char="○"/>
               <a:defRPr/>
             </a:lvl8pPr>
-            <a:lvl9pPr indent="-298450" lvl="8" marL="4114800">
+            <a:lvl9pPr marL="4114800" lvl="8" indent="-298450">
               <a:spcBef>
                 <a:spcPts val="1600"/>
               </a:spcBef>
@@ -6382,15 +6408,19 @@
               <a:defRPr/>
             </a:lvl9pPr>
           </a:lstStyle>
-          <a:p/>
+          <a:p>
+            <a:endParaRPr/>
+          </a:p>
         </p:txBody>
       </p:sp>
       <p:sp>
         <p:nvSpPr>
           <p:cNvPr id="63" name="Google Shape;63;p5"/>
-          <p:cNvSpPr txBox="1"/>
+          <p:cNvSpPr txBox="1">
+            <a:spLocks noGrp="1"/>
+          </p:cNvSpPr>
           <p:nvPr>
-            <p:ph idx="12" type="sldNum"/>
+            <p:ph type="sldNum" idx="12"/>
           </p:nvPr>
         </p:nvSpPr>
         <p:spPr>
@@ -6403,7 +6433,7 @@
           </a:prstGeom>
         </p:spPr>
         <p:txBody>
-          <a:bodyPr anchorCtr="0" anchor="ctr" bIns="91425" lIns="91425" spcFirstLastPara="1" rIns="91425" wrap="square" tIns="91425">
+          <a:bodyPr spcFirstLastPara="1" wrap="square" lIns="91425" tIns="91425" rIns="91425" bIns="91425" anchor="ctr" anchorCtr="0">
             <a:noAutofit/>
           </a:bodyPr>
           <a:lstStyle>
@@ -6445,7 +6475,7 @@
             </a:lvl9pPr>
           </a:lstStyle>
           <a:p>
-            <a:pPr indent="0" lvl="0" marL="0" rtl="0" algn="r">
+            <a:pPr marL="0" lvl="0" indent="0" algn="r" rtl="0">
               <a:spcBef>
                 <a:spcPts val="0"/>
               </a:spcBef>
@@ -6471,18 +6501,19 @@
 </file>
 
 <file path=ppt/slideLayouts/slideLayout5.xml><?xml version="1.0" encoding="utf-8"?>
-<p:sldLayout xmlns:a="http://schemas.openxmlformats.org/drawingml/2006/main" xmlns:r="http://schemas.openxmlformats.org/officeDocument/2006/relationships" xmlns:mc="http://schemas.openxmlformats.org/markup-compatibility/2006" xmlns:mv="urn:schemas-microsoft-com:mac:vml" xmlns:p="http://schemas.openxmlformats.org/presentationml/2006/main" xmlns:c="http://schemas.openxmlformats.org/drawingml/2006/chart" xmlns:dgm="http://schemas.openxmlformats.org/drawingml/2006/diagram" xmlns:o="urn:schemas-microsoft-com:office:office" xmlns:v="urn:schemas-microsoft-com:vml" xmlns:pvml="urn:schemas-microsoft-com:office:powerpoint" xmlns:com="http://schemas.openxmlformats.org/drawingml/2006/compatibility" xmlns:p14="http://schemas.microsoft.com/office/powerpoint/2010/main" xmlns:p15="http://schemas.microsoft.com/office/powerpoint/2012/main" matchingName="Title only" type="titleOnly">
+<p:sldLayout xmlns:a="http://schemas.openxmlformats.org/drawingml/2006/main" xmlns:r="http://schemas.openxmlformats.org/officeDocument/2006/relationships" xmlns:p="http://schemas.openxmlformats.org/presentationml/2006/main" matchingName="Title only" type="titleOnly">
   <p:cSld name="TITLE_ONLY">
     <p:bg>
       <p:bgPr>
         <a:solidFill>
           <a:schemeClr val="dk2"/>
         </a:solidFill>
+        <a:effectLst/>
       </p:bgPr>
     </p:bg>
     <p:spTree>
       <p:nvGrpSpPr>
-        <p:cNvPr id="64" name="Shape 64"/>
+        <p:cNvPr id="1" name="Shape 64"/>
         <p:cNvGrpSpPr/>
         <p:nvPr/>
       </p:nvGrpSpPr>
@@ -6516,12 +6547,12 @@
           </a:ln>
         </p:spPr>
         <p:txBody>
-          <a:bodyPr anchorCtr="0" anchor="ctr" bIns="91425" lIns="91425" spcFirstLastPara="1" rIns="91425" wrap="square" tIns="91425">
+          <a:bodyPr spcFirstLastPara="1" wrap="square" lIns="91425" tIns="91425" rIns="91425" bIns="91425" anchor="ctr" anchorCtr="0">
             <a:noAutofit/>
           </a:bodyPr>
           <a:lstStyle/>
           <a:p>
-            <a:pPr indent="0" lvl="0" marL="0" rtl="0" algn="l">
+            <a:pPr marL="0" lvl="0" indent="0" algn="l" rtl="0">
               <a:spcBef>
                 <a:spcPts val="0"/>
               </a:spcBef>
@@ -6530,9 +6561,6 @@
               </a:spcAft>
               <a:buNone/>
             </a:pPr>
-            <a:r>
-              <a:t/>
-            </a:r>
             <a:endParaRPr/>
           </a:p>
         </p:txBody>
@@ -6559,12 +6587,12 @@
           </a:ln>
         </p:spPr>
         <p:txBody>
-          <a:bodyPr anchorCtr="0" anchor="ctr" bIns="91425" lIns="91425" spcFirstLastPara="1" rIns="91425" wrap="square" tIns="91425">
+          <a:bodyPr spcFirstLastPara="1" wrap="square" lIns="91425" tIns="91425" rIns="91425" bIns="91425" anchor="ctr" anchorCtr="0">
             <a:noAutofit/>
           </a:bodyPr>
           <a:lstStyle/>
           <a:p>
-            <a:pPr indent="0" lvl="0" marL="0" rtl="0" algn="l">
+            <a:pPr marL="0" lvl="0" indent="0" algn="l" rtl="0">
               <a:spcBef>
                 <a:spcPts val="0"/>
               </a:spcBef>
@@ -6573,9 +6601,6 @@
               </a:spcAft>
               <a:buNone/>
             </a:pPr>
-            <a:r>
-              <a:t/>
-            </a:r>
             <a:endParaRPr/>
           </a:p>
         </p:txBody>
@@ -6601,7 +6626,7 @@
             <a:noFill/>
           </a:ln>
           <a:effectLst>
-            <a:outerShdw blurRad="228600" sx="101000" rotWithShape="0" algn="ctr" sy="101000">
+            <a:outerShdw blurRad="228600" sx="101000" sy="101000" algn="ctr" rotWithShape="0">
               <a:srgbClr val="000000">
                 <a:alpha val="40000"/>
               </a:srgbClr>
@@ -6609,12 +6634,12 @@
           </a:effectLst>
         </p:spPr>
         <p:txBody>
-          <a:bodyPr anchorCtr="0" anchor="ctr" bIns="91425" lIns="91425" spcFirstLastPara="1" rIns="91425" wrap="square" tIns="91425">
+          <a:bodyPr spcFirstLastPara="1" wrap="square" lIns="91425" tIns="91425" rIns="91425" bIns="91425" anchor="ctr" anchorCtr="0">
             <a:noAutofit/>
           </a:bodyPr>
           <a:lstStyle/>
           <a:p>
-            <a:pPr indent="0" lvl="0" marL="0" rtl="0" algn="l">
+            <a:pPr marL="0" lvl="0" indent="0" algn="l" rtl="0">
               <a:spcBef>
                 <a:spcPts val="0"/>
               </a:spcBef>
@@ -6623,9 +6648,6 @@
               </a:spcAft>
               <a:buNone/>
             </a:pPr>
-            <a:r>
-              <a:t/>
-            </a:r>
             <a:endParaRPr/>
           </a:p>
         </p:txBody>
@@ -6633,7 +6655,9 @@
       <p:sp>
         <p:nvSpPr>
           <p:cNvPr id="68" name="Google Shape;68;p6"/>
-          <p:cNvSpPr txBox="1"/>
+          <p:cNvSpPr txBox="1">
+            <a:spLocks noGrp="1"/>
+          </p:cNvSpPr>
           <p:nvPr>
             <p:ph type="title"/>
           </p:nvPr>
@@ -6648,7 +6672,7 @@
           </a:prstGeom>
         </p:spPr>
         <p:txBody>
-          <a:bodyPr anchorCtr="0" anchor="t" bIns="91425" lIns="91425" spcFirstLastPara="1" rIns="91425" wrap="square" tIns="91425">
+          <a:bodyPr spcFirstLastPara="1" wrap="square" lIns="91425" tIns="91425" rIns="91425" bIns="91425" anchor="t" anchorCtr="0">
             <a:noAutofit/>
           </a:bodyPr>
           <a:lstStyle>
@@ -6752,15 +6776,19 @@
               <a:defRPr sz="3000"/>
             </a:lvl9pPr>
           </a:lstStyle>
-          <a:p/>
+          <a:p>
+            <a:endParaRPr/>
+          </a:p>
         </p:txBody>
       </p:sp>
       <p:sp>
         <p:nvSpPr>
           <p:cNvPr id="69" name="Google Shape;69;p6"/>
-          <p:cNvSpPr txBox="1"/>
+          <p:cNvSpPr txBox="1">
+            <a:spLocks noGrp="1"/>
+          </p:cNvSpPr>
           <p:nvPr>
-            <p:ph idx="12" type="sldNum"/>
+            <p:ph type="sldNum" idx="12"/>
           </p:nvPr>
         </p:nvSpPr>
         <p:spPr>
@@ -6773,7 +6801,7 @@
           </a:prstGeom>
         </p:spPr>
         <p:txBody>
-          <a:bodyPr anchorCtr="0" anchor="ctr" bIns="91425" lIns="91425" spcFirstLastPara="1" rIns="91425" wrap="square" tIns="91425">
+          <a:bodyPr spcFirstLastPara="1" wrap="square" lIns="91425" tIns="91425" rIns="91425" bIns="91425" anchor="ctr" anchorCtr="0">
             <a:noAutofit/>
           </a:bodyPr>
           <a:lstStyle>
@@ -6815,7 +6843,7 @@
             </a:lvl9pPr>
           </a:lstStyle>
           <a:p>
-            <a:pPr indent="0" lvl="0" marL="0" rtl="0" algn="r">
+            <a:pPr marL="0" lvl="0" indent="0" algn="r" rtl="0">
               <a:spcBef>
                 <a:spcPts val="0"/>
               </a:spcBef>
@@ -6841,18 +6869,19 @@
 </file>
 
 <file path=ppt/slideLayouts/slideLayout6.xml><?xml version="1.0" encoding="utf-8"?>
-<p:sldLayout xmlns:a="http://schemas.openxmlformats.org/drawingml/2006/main" xmlns:r="http://schemas.openxmlformats.org/officeDocument/2006/relationships" xmlns:mc="http://schemas.openxmlformats.org/markup-compatibility/2006" xmlns:mv="urn:schemas-microsoft-com:mac:vml" xmlns:p="http://schemas.openxmlformats.org/presentationml/2006/main" xmlns:c="http://schemas.openxmlformats.org/drawingml/2006/chart" xmlns:dgm="http://schemas.openxmlformats.org/drawingml/2006/diagram" xmlns:o="urn:schemas-microsoft-com:office:office" xmlns:v="urn:schemas-microsoft-com:vml" xmlns:pvml="urn:schemas-microsoft-com:office:powerpoint" xmlns:com="http://schemas.openxmlformats.org/drawingml/2006/compatibility" xmlns:p14="http://schemas.microsoft.com/office/powerpoint/2010/main" xmlns:p15="http://schemas.microsoft.com/office/powerpoint/2012/main" matchingName="One column text">
+<p:sldLayout xmlns:a="http://schemas.openxmlformats.org/drawingml/2006/main" xmlns:r="http://schemas.openxmlformats.org/officeDocument/2006/relationships" xmlns:p="http://schemas.openxmlformats.org/presentationml/2006/main" matchingName="One column text">
   <p:cSld name="ONE_COLUMN_TEXT">
     <p:bg>
       <p:bgPr>
         <a:solidFill>
           <a:schemeClr val="accent3"/>
         </a:solidFill>
+        <a:effectLst/>
       </p:bgPr>
     </p:bg>
     <p:spTree>
       <p:nvGrpSpPr>
-        <p:cNvPr id="70" name="Shape 70"/>
+        <p:cNvPr id="1" name="Shape 70"/>
         <p:cNvGrpSpPr/>
         <p:nvPr/>
       </p:nvGrpSpPr>
@@ -6886,12 +6915,12 @@
           </a:ln>
         </p:spPr>
         <p:txBody>
-          <a:bodyPr anchorCtr="0" anchor="ctr" bIns="91425" lIns="91425" spcFirstLastPara="1" rIns="91425" wrap="square" tIns="91425">
+          <a:bodyPr spcFirstLastPara="1" wrap="square" lIns="91425" tIns="91425" rIns="91425" bIns="91425" anchor="ctr" anchorCtr="0">
             <a:noAutofit/>
           </a:bodyPr>
           <a:lstStyle/>
           <a:p>
-            <a:pPr indent="0" lvl="0" marL="0" rtl="0" algn="l">
+            <a:pPr marL="0" lvl="0" indent="0" algn="l" rtl="0">
               <a:spcBef>
                 <a:spcPts val="0"/>
               </a:spcBef>
@@ -6900,9 +6929,6 @@
               </a:spcAft>
               <a:buNone/>
             </a:pPr>
-            <a:r>
-              <a:t/>
-            </a:r>
             <a:endParaRPr/>
           </a:p>
         </p:txBody>
@@ -6929,12 +6955,12 @@
           </a:ln>
         </p:spPr>
         <p:txBody>
-          <a:bodyPr anchorCtr="0" anchor="ctr" bIns="91425" lIns="91425" spcFirstLastPara="1" rIns="91425" wrap="square" tIns="91425">
+          <a:bodyPr spcFirstLastPara="1" wrap="square" lIns="91425" tIns="91425" rIns="91425" bIns="91425" anchor="ctr" anchorCtr="0">
             <a:noAutofit/>
           </a:bodyPr>
           <a:lstStyle/>
           <a:p>
-            <a:pPr indent="0" lvl="0" marL="0" rtl="0" algn="l">
+            <a:pPr marL="0" lvl="0" indent="0" algn="l" rtl="0">
               <a:spcBef>
                 <a:spcPts val="0"/>
               </a:spcBef>
@@ -6943,9 +6969,6 @@
               </a:spcAft>
               <a:buNone/>
             </a:pPr>
-            <a:r>
-              <a:t/>
-            </a:r>
             <a:endParaRPr/>
           </a:p>
         </p:txBody>
@@ -6971,7 +6994,7 @@
             <a:noFill/>
           </a:ln>
           <a:effectLst>
-            <a:outerShdw blurRad="228600" sx="101000" rotWithShape="0" algn="ctr" sy="101000">
+            <a:outerShdw blurRad="228600" sx="101000" sy="101000" algn="ctr" rotWithShape="0">
               <a:srgbClr val="000000">
                 <a:alpha val="40000"/>
               </a:srgbClr>
@@ -6979,12 +7002,12 @@
           </a:effectLst>
         </p:spPr>
         <p:txBody>
-          <a:bodyPr anchorCtr="0" anchor="ctr" bIns="91425" lIns="91425" spcFirstLastPara="1" rIns="91425" wrap="square" tIns="91425">
+          <a:bodyPr spcFirstLastPara="1" wrap="square" lIns="91425" tIns="91425" rIns="91425" bIns="91425" anchor="ctr" anchorCtr="0">
             <a:noAutofit/>
           </a:bodyPr>
           <a:lstStyle/>
           <a:p>
-            <a:pPr indent="0" lvl="0" marL="0" rtl="0" algn="l">
+            <a:pPr marL="0" lvl="0" indent="0" algn="l" rtl="0">
               <a:spcBef>
                 <a:spcPts val="0"/>
               </a:spcBef>
@@ -6993,9 +7016,6 @@
               </a:spcAft>
               <a:buNone/>
             </a:pPr>
-            <a:r>
-              <a:t/>
-            </a:r>
             <a:endParaRPr/>
           </a:p>
         </p:txBody>
@@ -7003,7 +7023,9 @@
       <p:sp>
         <p:nvSpPr>
           <p:cNvPr id="74" name="Google Shape;74;p7"/>
-          <p:cNvSpPr txBox="1"/>
+          <p:cNvSpPr txBox="1">
+            <a:spLocks noGrp="1"/>
+          </p:cNvSpPr>
           <p:nvPr>
             <p:ph type="title"/>
           </p:nvPr>
@@ -7018,7 +7040,7 @@
           </a:prstGeom>
         </p:spPr>
         <p:txBody>
-          <a:bodyPr anchorCtr="0" anchor="t" bIns="91425" lIns="91425" spcFirstLastPara="1" rIns="91425" wrap="square" tIns="91425">
+          <a:bodyPr spcFirstLastPara="1" wrap="square" lIns="91425" tIns="91425" rIns="91425" bIns="91425" anchor="t" anchorCtr="0">
             <a:noAutofit/>
           </a:bodyPr>
           <a:lstStyle>
@@ -7122,15 +7144,19 @@
               <a:defRPr sz="3000"/>
             </a:lvl9pPr>
           </a:lstStyle>
-          <a:p/>
+          <a:p>
+            <a:endParaRPr/>
+          </a:p>
         </p:txBody>
       </p:sp>
       <p:sp>
         <p:nvSpPr>
           <p:cNvPr id="75" name="Google Shape;75;p7"/>
-          <p:cNvSpPr txBox="1"/>
+          <p:cNvSpPr txBox="1">
+            <a:spLocks noGrp="1"/>
+          </p:cNvSpPr>
           <p:nvPr>
-            <p:ph idx="1" type="body"/>
+            <p:ph type="body" idx="1"/>
           </p:nvPr>
         </p:nvSpPr>
         <p:spPr>
@@ -7143,11 +7169,11 @@
           </a:prstGeom>
         </p:spPr>
         <p:txBody>
-          <a:bodyPr anchorCtr="0" anchor="t" bIns="91425" lIns="91425" spcFirstLastPara="1" rIns="91425" wrap="square" tIns="91425">
+          <a:bodyPr spcFirstLastPara="1" wrap="square" lIns="91425" tIns="91425" rIns="91425" bIns="91425" anchor="t" anchorCtr="0">
             <a:noAutofit/>
           </a:bodyPr>
           <a:lstStyle>
-            <a:lvl1pPr indent="-311150" lvl="0" marL="457200">
+            <a:lvl1pPr marL="457200" lvl="0" indent="-311150">
               <a:spcBef>
                 <a:spcPts val="0"/>
               </a:spcBef>
@@ -7158,7 +7184,7 @@
               <a:buChar char="●"/>
               <a:defRPr/>
             </a:lvl1pPr>
-            <a:lvl2pPr indent="-298450" lvl="1" marL="914400">
+            <a:lvl2pPr marL="914400" lvl="1" indent="-298450">
               <a:spcBef>
                 <a:spcPts val="1600"/>
               </a:spcBef>
@@ -7169,7 +7195,7 @@
               <a:buChar char="○"/>
               <a:defRPr/>
             </a:lvl2pPr>
-            <a:lvl3pPr indent="-298450" lvl="2" marL="1371600">
+            <a:lvl3pPr marL="1371600" lvl="2" indent="-298450">
               <a:spcBef>
                 <a:spcPts val="1600"/>
               </a:spcBef>
@@ -7180,7 +7206,7 @@
               <a:buChar char="■"/>
               <a:defRPr/>
             </a:lvl3pPr>
-            <a:lvl4pPr indent="-298450" lvl="3" marL="1828800">
+            <a:lvl4pPr marL="1828800" lvl="3" indent="-298450">
               <a:spcBef>
                 <a:spcPts val="1600"/>
               </a:spcBef>
@@ -7191,7 +7217,7 @@
               <a:buChar char="●"/>
               <a:defRPr/>
             </a:lvl4pPr>
-            <a:lvl5pPr indent="-298450" lvl="4" marL="2286000">
+            <a:lvl5pPr marL="2286000" lvl="4" indent="-298450">
               <a:spcBef>
                 <a:spcPts val="1600"/>
               </a:spcBef>
@@ -7202,7 +7228,7 @@
               <a:buChar char="○"/>
               <a:defRPr/>
             </a:lvl5pPr>
-            <a:lvl6pPr indent="-298450" lvl="5" marL="2743200">
+            <a:lvl6pPr marL="2743200" lvl="5" indent="-298450">
               <a:spcBef>
                 <a:spcPts val="1600"/>
               </a:spcBef>
@@ -7213,7 +7239,7 @@
               <a:buChar char="■"/>
               <a:defRPr/>
             </a:lvl6pPr>
-            <a:lvl7pPr indent="-298450" lvl="6" marL="3200400">
+            <a:lvl7pPr marL="3200400" lvl="6" indent="-298450">
               <a:spcBef>
                 <a:spcPts val="1600"/>
               </a:spcBef>
@@ -7224,7 +7250,7 @@
               <a:buChar char="●"/>
               <a:defRPr/>
             </a:lvl7pPr>
-            <a:lvl8pPr indent="-298450" lvl="7" marL="3657600">
+            <a:lvl8pPr marL="3657600" lvl="7" indent="-298450">
               <a:spcBef>
                 <a:spcPts val="1600"/>
               </a:spcBef>
@@ -7235,7 +7261,7 @@
               <a:buChar char="○"/>
               <a:defRPr/>
             </a:lvl8pPr>
-            <a:lvl9pPr indent="-298450" lvl="8" marL="4114800">
+            <a:lvl9pPr marL="4114800" lvl="8" indent="-298450">
               <a:spcBef>
                 <a:spcPts val="1600"/>
               </a:spcBef>
@@ -7247,15 +7273,19 @@
               <a:defRPr/>
             </a:lvl9pPr>
           </a:lstStyle>
-          <a:p/>
+          <a:p>
+            <a:endParaRPr/>
+          </a:p>
         </p:txBody>
       </p:sp>
       <p:sp>
         <p:nvSpPr>
           <p:cNvPr id="76" name="Google Shape;76;p7"/>
-          <p:cNvSpPr txBox="1"/>
+          <p:cNvSpPr txBox="1">
+            <a:spLocks noGrp="1"/>
+          </p:cNvSpPr>
           <p:nvPr>
-            <p:ph idx="12" type="sldNum"/>
+            <p:ph type="sldNum" idx="12"/>
           </p:nvPr>
         </p:nvSpPr>
         <p:spPr>
@@ -7268,7 +7298,7 @@
           </a:prstGeom>
         </p:spPr>
         <p:txBody>
-          <a:bodyPr anchorCtr="0" anchor="ctr" bIns="91425" lIns="91425" spcFirstLastPara="1" rIns="91425" wrap="square" tIns="91425">
+          <a:bodyPr spcFirstLastPara="1" wrap="square" lIns="91425" tIns="91425" rIns="91425" bIns="91425" anchor="ctr" anchorCtr="0">
             <a:noAutofit/>
           </a:bodyPr>
           <a:lstStyle>
@@ -7310,7 +7340,7 @@
             </a:lvl9pPr>
           </a:lstStyle>
           <a:p>
-            <a:pPr indent="0" lvl="0" marL="0" rtl="0" algn="r">
+            <a:pPr marL="0" lvl="0" indent="0" algn="r" rtl="0">
               <a:spcBef>
                 <a:spcPts val="0"/>
               </a:spcBef>
@@ -7336,18 +7366,19 @@
 </file>
 
 <file path=ppt/slideLayouts/slideLayout7.xml><?xml version="1.0" encoding="utf-8"?>
-<p:sldLayout xmlns:a="http://schemas.openxmlformats.org/drawingml/2006/main" xmlns:r="http://schemas.openxmlformats.org/officeDocument/2006/relationships" xmlns:mc="http://schemas.openxmlformats.org/markup-compatibility/2006" xmlns:mv="urn:schemas-microsoft-com:mac:vml" xmlns:p="http://schemas.openxmlformats.org/presentationml/2006/main" xmlns:c="http://schemas.openxmlformats.org/drawingml/2006/chart" xmlns:dgm="http://schemas.openxmlformats.org/drawingml/2006/diagram" xmlns:o="urn:schemas-microsoft-com:office:office" xmlns:v="urn:schemas-microsoft-com:vml" xmlns:pvml="urn:schemas-microsoft-com:office:powerpoint" xmlns:com="http://schemas.openxmlformats.org/drawingml/2006/compatibility" xmlns:p14="http://schemas.microsoft.com/office/powerpoint/2010/main" xmlns:p15="http://schemas.microsoft.com/office/powerpoint/2012/main" matchingName="Main point">
+<p:sldLayout xmlns:a="http://schemas.openxmlformats.org/drawingml/2006/main" xmlns:r="http://schemas.openxmlformats.org/officeDocument/2006/relationships" xmlns:p="http://schemas.openxmlformats.org/presentationml/2006/main" matchingName="Main point">
   <p:cSld name="MAIN_POINT">
     <p:bg>
       <p:bgPr>
         <a:solidFill>
           <a:schemeClr val="accent1"/>
         </a:solidFill>
+        <a:effectLst/>
       </p:bgPr>
     </p:bg>
     <p:spTree>
       <p:nvGrpSpPr>
-        <p:cNvPr id="77" name="Shape 77"/>
+        <p:cNvPr id="1" name="Shape 77"/>
         <p:cNvGrpSpPr/>
         <p:nvPr/>
       </p:nvGrpSpPr>
@@ -7381,12 +7412,12 @@
           </a:ln>
         </p:spPr>
         <p:txBody>
-          <a:bodyPr anchorCtr="0" anchor="ctr" bIns="91425" lIns="91425" spcFirstLastPara="1" rIns="91425" wrap="square" tIns="91425">
+          <a:bodyPr spcFirstLastPara="1" wrap="square" lIns="91425" tIns="91425" rIns="91425" bIns="91425" anchor="ctr" anchorCtr="0">
             <a:noAutofit/>
           </a:bodyPr>
           <a:lstStyle/>
           <a:p>
-            <a:pPr indent="0" lvl="0" marL="0" rtl="0" algn="l">
+            <a:pPr marL="0" lvl="0" indent="0" algn="l" rtl="0">
               <a:spcBef>
                 <a:spcPts val="0"/>
               </a:spcBef>
@@ -7395,9 +7426,6 @@
               </a:spcAft>
               <a:buNone/>
             </a:pPr>
-            <a:r>
-              <a:t/>
-            </a:r>
             <a:endParaRPr/>
           </a:p>
         </p:txBody>
@@ -7424,12 +7452,12 @@
           </a:ln>
         </p:spPr>
         <p:txBody>
-          <a:bodyPr anchorCtr="0" anchor="ctr" bIns="91425" lIns="91425" spcFirstLastPara="1" rIns="91425" wrap="square" tIns="91425">
+          <a:bodyPr spcFirstLastPara="1" wrap="square" lIns="91425" tIns="91425" rIns="91425" bIns="91425" anchor="ctr" anchorCtr="0">
             <a:noAutofit/>
           </a:bodyPr>
           <a:lstStyle/>
           <a:p>
-            <a:pPr indent="0" lvl="0" marL="0" rtl="0" algn="l">
+            <a:pPr marL="0" lvl="0" indent="0" algn="l" rtl="0">
               <a:spcBef>
                 <a:spcPts val="0"/>
               </a:spcBef>
@@ -7438,9 +7466,6 @@
               </a:spcAft>
               <a:buNone/>
             </a:pPr>
-            <a:r>
-              <a:t/>
-            </a:r>
             <a:endParaRPr/>
           </a:p>
         </p:txBody>
@@ -7472,7 +7497,7 @@
             </a:xfrm>
             <a:prstGeom prst="parallelogram">
               <a:avLst>
-                <a:gd fmla="val 153193" name="adj"/>
+                <a:gd name="adj" fmla="val 153193"/>
               </a:avLst>
             </a:prstGeom>
             <a:solidFill>
@@ -7483,12 +7508,12 @@
             </a:ln>
           </p:spPr>
           <p:txBody>
-            <a:bodyPr anchorCtr="0" anchor="ctr" bIns="91425" lIns="91425" spcFirstLastPara="1" rIns="91425" wrap="square" tIns="91425">
+            <a:bodyPr spcFirstLastPara="1" wrap="square" lIns="91425" tIns="91425" rIns="91425" bIns="91425" anchor="ctr" anchorCtr="0">
               <a:noAutofit/>
             </a:bodyPr>
             <a:lstStyle/>
             <a:p>
-              <a:pPr indent="0" lvl="0" marL="0" rtl="0" algn="l">
+              <a:pPr marL="0" lvl="0" indent="0" algn="l" rtl="0">
                 <a:spcBef>
                   <a:spcPts val="0"/>
                 </a:spcBef>
@@ -7497,9 +7522,6 @@
                 </a:spcAft>
                 <a:buNone/>
               </a:pPr>
-              <a:r>
-                <a:t/>
-              </a:r>
               <a:endParaRPr/>
             </a:p>
           </p:txBody>
@@ -7517,7 +7539,7 @@
             </a:xfrm>
             <a:prstGeom prst="parallelogram">
               <a:avLst>
-                <a:gd fmla="val 153193" name="adj"/>
+                <a:gd name="adj" fmla="val 153193"/>
               </a:avLst>
             </a:prstGeom>
             <a:solidFill>
@@ -7528,12 +7550,12 @@
             </a:ln>
           </p:spPr>
           <p:txBody>
-            <a:bodyPr anchorCtr="0" anchor="ctr" bIns="91425" lIns="91425" spcFirstLastPara="1" rIns="91425" wrap="square" tIns="91425">
+            <a:bodyPr spcFirstLastPara="1" wrap="square" lIns="91425" tIns="91425" rIns="91425" bIns="91425" anchor="ctr" anchorCtr="0">
               <a:noAutofit/>
             </a:bodyPr>
             <a:lstStyle/>
             <a:p>
-              <a:pPr indent="0" lvl="0" marL="0" rtl="0" algn="l">
+              <a:pPr marL="0" lvl="0" indent="0" algn="l" rtl="0">
                 <a:spcBef>
                   <a:spcPts val="0"/>
                 </a:spcBef>
@@ -7542,9 +7564,6 @@
                 </a:spcAft>
                 <a:buNone/>
               </a:pPr>
-              <a:r>
-                <a:t/>
-              </a:r>
               <a:endParaRPr/>
             </a:p>
           </p:txBody>
@@ -7562,7 +7581,7 @@
             </a:xfrm>
             <a:prstGeom prst="parallelogram">
               <a:avLst>
-                <a:gd fmla="val 153193" name="adj"/>
+                <a:gd name="adj" fmla="val 153193"/>
               </a:avLst>
             </a:prstGeom>
             <a:solidFill>
@@ -7573,12 +7592,12 @@
             </a:ln>
           </p:spPr>
           <p:txBody>
-            <a:bodyPr anchorCtr="0" anchor="ctr" bIns="91425" lIns="91425" spcFirstLastPara="1" rIns="91425" wrap="square" tIns="91425">
+            <a:bodyPr spcFirstLastPara="1" wrap="square" lIns="91425" tIns="91425" rIns="91425" bIns="91425" anchor="ctr" anchorCtr="0">
               <a:noAutofit/>
             </a:bodyPr>
             <a:lstStyle/>
             <a:p>
-              <a:pPr indent="0" lvl="0" marL="0" rtl="0" algn="l">
+              <a:pPr marL="0" lvl="0" indent="0" algn="l" rtl="0">
                 <a:spcBef>
                   <a:spcPts val="0"/>
                 </a:spcBef>
@@ -7587,9 +7606,6 @@
                 </a:spcAft>
                 <a:buNone/>
               </a:pPr>
-              <a:r>
-                <a:t/>
-              </a:r>
               <a:endParaRPr/>
             </a:p>
           </p:txBody>
@@ -7616,7 +7632,7 @@
             <a:noFill/>
           </a:ln>
           <a:effectLst>
-            <a:outerShdw blurRad="228600" sx="101000" rotWithShape="0" algn="ctr" sy="101000">
+            <a:outerShdw blurRad="228600" sx="101000" sy="101000" algn="ctr" rotWithShape="0">
               <a:srgbClr val="000000">
                 <a:alpha val="40000"/>
               </a:srgbClr>
@@ -7624,12 +7640,12 @@
           </a:effectLst>
         </p:spPr>
         <p:txBody>
-          <a:bodyPr anchorCtr="0" anchor="ctr" bIns="91425" lIns="91425" spcFirstLastPara="1" rIns="91425" wrap="square" tIns="91425">
+          <a:bodyPr spcFirstLastPara="1" wrap="square" lIns="91425" tIns="91425" rIns="91425" bIns="91425" anchor="ctr" anchorCtr="0">
             <a:noAutofit/>
           </a:bodyPr>
           <a:lstStyle/>
           <a:p>
-            <a:pPr indent="0" lvl="0" marL="0" rtl="0" algn="l">
+            <a:pPr marL="0" lvl="0" indent="0" algn="l" rtl="0">
               <a:spcBef>
                 <a:spcPts val="0"/>
               </a:spcBef>
@@ -7638,9 +7654,6 @@
               </a:spcAft>
               <a:buNone/>
             </a:pPr>
-            <a:r>
-              <a:t/>
-            </a:r>
             <a:endParaRPr/>
           </a:p>
         </p:txBody>
@@ -7672,7 +7685,7 @@
             </a:xfrm>
             <a:prstGeom prst="parallelogram">
               <a:avLst>
-                <a:gd fmla="val 158024" name="adj"/>
+                <a:gd name="adj" fmla="val 158024"/>
               </a:avLst>
             </a:prstGeom>
             <a:solidFill>
@@ -7683,12 +7696,12 @@
             </a:ln>
           </p:spPr>
           <p:txBody>
-            <a:bodyPr anchorCtr="0" anchor="ctr" bIns="91425" lIns="91425" spcFirstLastPara="1" rIns="91425" wrap="square" tIns="91425">
+            <a:bodyPr spcFirstLastPara="1" wrap="square" lIns="91425" tIns="91425" rIns="91425" bIns="91425" anchor="ctr" anchorCtr="0">
               <a:noAutofit/>
             </a:bodyPr>
             <a:lstStyle/>
             <a:p>
-              <a:pPr indent="0" lvl="0" marL="0" rtl="0" algn="l">
+              <a:pPr marL="0" lvl="0" indent="0" algn="l" rtl="0">
                 <a:spcBef>
                   <a:spcPts val="0"/>
                 </a:spcBef>
@@ -7697,9 +7710,6 @@
                 </a:spcAft>
                 <a:buNone/>
               </a:pPr>
-              <a:r>
-                <a:t/>
-              </a:r>
               <a:endParaRPr/>
             </a:p>
           </p:txBody>
@@ -7717,7 +7727,7 @@
             </a:xfrm>
             <a:prstGeom prst="parallelogram">
               <a:avLst>
-                <a:gd fmla="val 158024" name="adj"/>
+                <a:gd name="adj" fmla="val 158024"/>
               </a:avLst>
             </a:prstGeom>
             <a:solidFill>
@@ -7728,12 +7738,12 @@
             </a:ln>
           </p:spPr>
           <p:txBody>
-            <a:bodyPr anchorCtr="0" anchor="ctr" bIns="91425" lIns="91425" spcFirstLastPara="1" rIns="91425" wrap="square" tIns="91425">
+            <a:bodyPr spcFirstLastPara="1" wrap="square" lIns="91425" tIns="91425" rIns="91425" bIns="91425" anchor="ctr" anchorCtr="0">
               <a:noAutofit/>
             </a:bodyPr>
             <a:lstStyle/>
             <a:p>
-              <a:pPr indent="0" lvl="0" marL="0" rtl="0" algn="l">
+              <a:pPr marL="0" lvl="0" indent="0" algn="l" rtl="0">
                 <a:spcBef>
                   <a:spcPts val="0"/>
                 </a:spcBef>
@@ -7742,9 +7752,6 @@
                 </a:spcAft>
                 <a:buNone/>
               </a:pPr>
-              <a:r>
-                <a:t/>
-              </a:r>
               <a:endParaRPr/>
             </a:p>
           </p:txBody>
@@ -7762,7 +7769,7 @@
             </a:xfrm>
             <a:prstGeom prst="parallelogram">
               <a:avLst>
-                <a:gd fmla="val 158024" name="adj"/>
+                <a:gd name="adj" fmla="val 158024"/>
               </a:avLst>
             </a:prstGeom>
             <a:solidFill>
@@ -7773,12 +7780,12 @@
             </a:ln>
           </p:spPr>
           <p:txBody>
-            <a:bodyPr anchorCtr="0" anchor="ctr" bIns="91425" lIns="91425" spcFirstLastPara="1" rIns="91425" wrap="square" tIns="91425">
+            <a:bodyPr spcFirstLastPara="1" wrap="square" lIns="91425" tIns="91425" rIns="91425" bIns="91425" anchor="ctr" anchorCtr="0">
               <a:noAutofit/>
             </a:bodyPr>
             <a:lstStyle/>
             <a:p>
-              <a:pPr indent="0" lvl="0" marL="0" rtl="0" algn="l">
+              <a:pPr marL="0" lvl="0" indent="0" algn="l" rtl="0">
                 <a:spcBef>
                   <a:spcPts val="0"/>
                 </a:spcBef>
@@ -7787,9 +7794,6 @@
                 </a:spcAft>
                 <a:buNone/>
               </a:pPr>
-              <a:r>
-                <a:t/>
-              </a:r>
               <a:endParaRPr/>
             </a:p>
           </p:txBody>
@@ -7822,7 +7826,7 @@
             </a:xfrm>
             <a:prstGeom prst="parallelogram">
               <a:avLst>
-                <a:gd fmla="val 158024" name="adj"/>
+                <a:gd name="adj" fmla="val 158024"/>
               </a:avLst>
             </a:prstGeom>
             <a:solidFill>
@@ -7833,12 +7837,12 @@
             </a:ln>
           </p:spPr>
           <p:txBody>
-            <a:bodyPr anchorCtr="0" anchor="ctr" bIns="91425" lIns="91425" spcFirstLastPara="1" rIns="91425" wrap="square" tIns="91425">
+            <a:bodyPr spcFirstLastPara="1" wrap="square" lIns="91425" tIns="91425" rIns="91425" bIns="91425" anchor="ctr" anchorCtr="0">
               <a:noAutofit/>
             </a:bodyPr>
             <a:lstStyle/>
             <a:p>
-              <a:pPr indent="0" lvl="0" marL="0" rtl="0" algn="l">
+              <a:pPr marL="0" lvl="0" indent="0" algn="l" rtl="0">
                 <a:spcBef>
                   <a:spcPts val="0"/>
                 </a:spcBef>
@@ -7847,9 +7851,6 @@
                 </a:spcAft>
                 <a:buNone/>
               </a:pPr>
-              <a:r>
-                <a:t/>
-              </a:r>
               <a:endParaRPr/>
             </a:p>
           </p:txBody>
@@ -7867,7 +7868,7 @@
             </a:xfrm>
             <a:prstGeom prst="parallelogram">
               <a:avLst>
-                <a:gd fmla="val 158024" name="adj"/>
+                <a:gd name="adj" fmla="val 158024"/>
               </a:avLst>
             </a:prstGeom>
             <a:solidFill>
@@ -7878,12 +7879,12 @@
             </a:ln>
           </p:spPr>
           <p:txBody>
-            <a:bodyPr anchorCtr="0" anchor="ctr" bIns="91425" lIns="91425" spcFirstLastPara="1" rIns="91425" wrap="square" tIns="91425">
+            <a:bodyPr spcFirstLastPara="1" wrap="square" lIns="91425" tIns="91425" rIns="91425" bIns="91425" anchor="ctr" anchorCtr="0">
               <a:noAutofit/>
             </a:bodyPr>
             <a:lstStyle/>
             <a:p>
-              <a:pPr indent="0" lvl="0" marL="0" rtl="0" algn="l">
+              <a:pPr marL="0" lvl="0" indent="0" algn="l" rtl="0">
                 <a:spcBef>
                   <a:spcPts val="0"/>
                 </a:spcBef>
@@ -7892,9 +7893,6 @@
                 </a:spcAft>
                 <a:buNone/>
               </a:pPr>
-              <a:r>
-                <a:t/>
-              </a:r>
               <a:endParaRPr/>
             </a:p>
           </p:txBody>
@@ -7912,7 +7910,7 @@
             </a:xfrm>
             <a:prstGeom prst="parallelogram">
               <a:avLst>
-                <a:gd fmla="val 158024" name="adj"/>
+                <a:gd name="adj" fmla="val 158024"/>
               </a:avLst>
             </a:prstGeom>
             <a:solidFill>
@@ -7923,12 +7921,12 @@
             </a:ln>
           </p:spPr>
           <p:txBody>
-            <a:bodyPr anchorCtr="0" anchor="ctr" bIns="91425" lIns="91425" spcFirstLastPara="1" rIns="91425" wrap="square" tIns="91425">
+            <a:bodyPr spcFirstLastPara="1" wrap="square" lIns="91425" tIns="91425" rIns="91425" bIns="91425" anchor="ctr" anchorCtr="0">
               <a:noAutofit/>
             </a:bodyPr>
             <a:lstStyle/>
             <a:p>
-              <a:pPr indent="0" lvl="0" marL="0" rtl="0" algn="l">
+              <a:pPr marL="0" lvl="0" indent="0" algn="l" rtl="0">
                 <a:spcBef>
                   <a:spcPts val="0"/>
                 </a:spcBef>
@@ -7937,9 +7935,6 @@
                 </a:spcAft>
                 <a:buNone/>
               </a:pPr>
-              <a:r>
-                <a:t/>
-              </a:r>
               <a:endParaRPr/>
             </a:p>
           </p:txBody>
@@ -7948,7 +7943,9 @@
       <p:sp>
         <p:nvSpPr>
           <p:cNvPr id="93" name="Google Shape;93;p8"/>
-          <p:cNvSpPr txBox="1"/>
+          <p:cNvSpPr txBox="1">
+            <a:spLocks noGrp="1"/>
+          </p:cNvSpPr>
           <p:nvPr>
             <p:ph type="title"/>
           </p:nvPr>
@@ -7963,7 +7960,7 @@
           </a:prstGeom>
         </p:spPr>
         <p:txBody>
-          <a:bodyPr anchorCtr="0" anchor="ctr" bIns="91425" lIns="91425" spcFirstLastPara="1" rIns="91425" wrap="square" tIns="91425">
+          <a:bodyPr spcFirstLastPara="1" wrap="square" lIns="91425" tIns="91425" rIns="91425" bIns="91425" anchor="ctr" anchorCtr="0">
             <a:noAutofit/>
           </a:bodyPr>
           <a:lstStyle>
@@ -8067,15 +8064,19 @@
               <a:defRPr sz="3200"/>
             </a:lvl9pPr>
           </a:lstStyle>
-          <a:p/>
+          <a:p>
+            <a:endParaRPr/>
+          </a:p>
         </p:txBody>
       </p:sp>
       <p:sp>
         <p:nvSpPr>
           <p:cNvPr id="94" name="Google Shape;94;p8"/>
-          <p:cNvSpPr txBox="1"/>
+          <p:cNvSpPr txBox="1">
+            <a:spLocks noGrp="1"/>
+          </p:cNvSpPr>
           <p:nvPr>
-            <p:ph idx="12" type="sldNum"/>
+            <p:ph type="sldNum" idx="12"/>
           </p:nvPr>
         </p:nvSpPr>
         <p:spPr>
@@ -8088,7 +8089,7 @@
           </a:prstGeom>
         </p:spPr>
         <p:txBody>
-          <a:bodyPr anchorCtr="0" anchor="ctr" bIns="91425" lIns="91425" spcFirstLastPara="1" rIns="91425" wrap="square" tIns="91425">
+          <a:bodyPr spcFirstLastPara="1" wrap="square" lIns="91425" tIns="91425" rIns="91425" bIns="91425" anchor="ctr" anchorCtr="0">
             <a:noAutofit/>
           </a:bodyPr>
           <a:lstStyle>
@@ -8130,7 +8131,7 @@
             </a:lvl9pPr>
           </a:lstStyle>
           <a:p>
-            <a:pPr indent="0" lvl="0" marL="0" rtl="0" algn="r">
+            <a:pPr marL="0" lvl="0" indent="0" algn="r" rtl="0">
               <a:spcBef>
                 <a:spcPts val="0"/>
               </a:spcBef>
@@ -8156,18 +8157,19 @@
 </file>
 
 <file path=ppt/slideLayouts/slideLayout8.xml><?xml version="1.0" encoding="utf-8"?>
-<p:sldLayout xmlns:a="http://schemas.openxmlformats.org/drawingml/2006/main" xmlns:r="http://schemas.openxmlformats.org/officeDocument/2006/relationships" xmlns:mc="http://schemas.openxmlformats.org/markup-compatibility/2006" xmlns:mv="urn:schemas-microsoft-com:mac:vml" xmlns:p="http://schemas.openxmlformats.org/presentationml/2006/main" xmlns:c="http://schemas.openxmlformats.org/drawingml/2006/chart" xmlns:dgm="http://schemas.openxmlformats.org/drawingml/2006/diagram" xmlns:o="urn:schemas-microsoft-com:office:office" xmlns:v="urn:schemas-microsoft-com:vml" xmlns:pvml="urn:schemas-microsoft-com:office:powerpoint" xmlns:com="http://schemas.openxmlformats.org/drawingml/2006/compatibility" xmlns:p14="http://schemas.microsoft.com/office/powerpoint/2010/main" xmlns:p15="http://schemas.microsoft.com/office/powerpoint/2012/main" matchingName="Section title and description">
+<p:sldLayout xmlns:a="http://schemas.openxmlformats.org/drawingml/2006/main" xmlns:r="http://schemas.openxmlformats.org/officeDocument/2006/relationships" xmlns:p="http://schemas.openxmlformats.org/presentationml/2006/main" matchingName="Section title and description">
   <p:cSld name="SECTION_TITLE_AND_DESCRIPTION">
     <p:bg>
       <p:bgPr>
         <a:solidFill>
           <a:schemeClr val="dk2"/>
         </a:solidFill>
+        <a:effectLst/>
       </p:bgPr>
     </p:bg>
     <p:spTree>
       <p:nvGrpSpPr>
-        <p:cNvPr id="95" name="Shape 95"/>
+        <p:cNvPr id="1" name="Shape 95"/>
         <p:cNvGrpSpPr/>
         <p:nvPr/>
       </p:nvGrpSpPr>
@@ -8201,12 +8203,12 @@
           </a:ln>
         </p:spPr>
         <p:txBody>
-          <a:bodyPr anchorCtr="0" anchor="ctr" bIns="91425" lIns="91425" spcFirstLastPara="1" rIns="91425" wrap="square" tIns="91425">
+          <a:bodyPr spcFirstLastPara="1" wrap="square" lIns="91425" tIns="91425" rIns="91425" bIns="91425" anchor="ctr" anchorCtr="0">
             <a:noAutofit/>
           </a:bodyPr>
           <a:lstStyle/>
           <a:p>
-            <a:pPr indent="0" lvl="0" marL="0" rtl="0" algn="l">
+            <a:pPr marL="0" lvl="0" indent="0" algn="l" rtl="0">
               <a:spcBef>
                 <a:spcPts val="0"/>
               </a:spcBef>
@@ -8215,9 +8217,6 @@
               </a:spcAft>
               <a:buNone/>
             </a:pPr>
-            <a:r>
-              <a:t/>
-            </a:r>
             <a:endParaRPr/>
           </a:p>
         </p:txBody>
@@ -8244,12 +8243,12 @@
           </a:ln>
         </p:spPr>
         <p:txBody>
-          <a:bodyPr anchorCtr="0" anchor="ctr" bIns="91425" lIns="91425" spcFirstLastPara="1" rIns="91425" wrap="square" tIns="91425">
+          <a:bodyPr spcFirstLastPara="1" wrap="square" lIns="91425" tIns="91425" rIns="91425" bIns="91425" anchor="ctr" anchorCtr="0">
             <a:noAutofit/>
           </a:bodyPr>
           <a:lstStyle/>
           <a:p>
-            <a:pPr indent="0" lvl="0" marL="0" rtl="0" algn="l">
+            <a:pPr marL="0" lvl="0" indent="0" algn="l" rtl="0">
               <a:spcBef>
                 <a:spcPts val="0"/>
               </a:spcBef>
@@ -8258,9 +8257,6 @@
               </a:spcAft>
               <a:buNone/>
             </a:pPr>
-            <a:r>
-              <a:t/>
-            </a:r>
             <a:endParaRPr/>
           </a:p>
         </p:txBody>
@@ -8286,7 +8282,7 @@
             <a:noFill/>
           </a:ln>
           <a:effectLst>
-            <a:outerShdw blurRad="228600" sx="101000" rotWithShape="0" algn="ctr" sy="101000">
+            <a:outerShdw blurRad="228600" sx="101000" sy="101000" algn="ctr" rotWithShape="0">
               <a:srgbClr val="000000">
                 <a:alpha val="40000"/>
               </a:srgbClr>
@@ -8294,12 +8290,12 @@
           </a:effectLst>
         </p:spPr>
         <p:txBody>
-          <a:bodyPr anchorCtr="0" anchor="ctr" bIns="91425" lIns="91425" spcFirstLastPara="1" rIns="91425" wrap="square" tIns="91425">
+          <a:bodyPr spcFirstLastPara="1" wrap="square" lIns="91425" tIns="91425" rIns="91425" bIns="91425" anchor="ctr" anchorCtr="0">
             <a:noAutofit/>
           </a:bodyPr>
           <a:lstStyle/>
           <a:p>
-            <a:pPr indent="0" lvl="0" marL="0" rtl="0" algn="l">
+            <a:pPr marL="0" lvl="0" indent="0" algn="l" rtl="0">
               <a:spcBef>
                 <a:spcPts val="0"/>
               </a:spcBef>
@@ -8308,9 +8304,6 @@
               </a:spcAft>
               <a:buNone/>
             </a:pPr>
-            <a:r>
-              <a:t/>
-            </a:r>
             <a:endParaRPr/>
           </a:p>
         </p:txBody>
@@ -8318,7 +8311,9 @@
       <p:sp>
         <p:nvSpPr>
           <p:cNvPr id="99" name="Google Shape;99;p9"/>
-          <p:cNvSpPr txBox="1"/>
+          <p:cNvSpPr txBox="1">
+            <a:spLocks noGrp="1"/>
+          </p:cNvSpPr>
           <p:nvPr>
             <p:ph type="title"/>
           </p:nvPr>
@@ -8333,7 +8328,7 @@
           </a:prstGeom>
         </p:spPr>
         <p:txBody>
-          <a:bodyPr anchorCtr="0" anchor="t" bIns="91425" lIns="91425" spcFirstLastPara="1" rIns="91425" wrap="square" tIns="91425">
+          <a:bodyPr spcFirstLastPara="1" wrap="square" lIns="91425" tIns="91425" rIns="91425" bIns="91425" anchor="t" anchorCtr="0">
             <a:noAutofit/>
           </a:bodyPr>
           <a:lstStyle>
@@ -8437,15 +8432,19 @@
               <a:defRPr sz="3000"/>
             </a:lvl9pPr>
           </a:lstStyle>
-          <a:p/>
+          <a:p>
+            <a:endParaRPr/>
+          </a:p>
         </p:txBody>
       </p:sp>
       <p:sp>
         <p:nvSpPr>
           <p:cNvPr id="100" name="Google Shape;100;p9"/>
-          <p:cNvSpPr txBox="1"/>
+          <p:cNvSpPr txBox="1">
+            <a:spLocks noGrp="1"/>
+          </p:cNvSpPr>
           <p:nvPr>
-            <p:ph idx="1" type="subTitle"/>
+            <p:ph type="subTitle" idx="1"/>
           </p:nvPr>
         </p:nvSpPr>
         <p:spPr>
@@ -8458,7 +8457,7 @@
           </a:prstGeom>
         </p:spPr>
         <p:txBody>
-          <a:bodyPr anchorCtr="0" anchor="t" bIns="91425" lIns="91425" spcFirstLastPara="1" rIns="91425" wrap="square" tIns="91425">
+          <a:bodyPr spcFirstLastPara="1" wrap="square" lIns="91425" tIns="91425" rIns="91425" bIns="91425" anchor="t" anchorCtr="0">
             <a:noAutofit/>
           </a:bodyPr>
           <a:lstStyle>
@@ -8652,15 +8651,19 @@
               </a:defRPr>
             </a:lvl9pPr>
           </a:lstStyle>
-          <a:p/>
+          <a:p>
+            <a:endParaRPr/>
+          </a:p>
         </p:txBody>
       </p:sp>
       <p:sp>
         <p:nvSpPr>
           <p:cNvPr id="101" name="Google Shape;101;p9"/>
-          <p:cNvSpPr txBox="1"/>
+          <p:cNvSpPr txBox="1">
+            <a:spLocks noGrp="1"/>
+          </p:cNvSpPr>
           <p:nvPr>
-            <p:ph idx="2" type="body"/>
+            <p:ph type="body" idx="2"/>
           </p:nvPr>
         </p:nvSpPr>
         <p:spPr>
@@ -8673,11 +8676,11 @@
           </a:prstGeom>
         </p:spPr>
         <p:txBody>
-          <a:bodyPr anchorCtr="0" anchor="t" bIns="91425" lIns="91425" spcFirstLastPara="1" rIns="91425" wrap="square" tIns="91425">
+          <a:bodyPr spcFirstLastPara="1" wrap="square" lIns="91425" tIns="91425" rIns="91425" bIns="91425" anchor="t" anchorCtr="0">
             <a:noAutofit/>
           </a:bodyPr>
           <a:lstStyle>
-            <a:lvl1pPr indent="-311150" lvl="0" marL="457200">
+            <a:lvl1pPr marL="457200" lvl="0" indent="-311150">
               <a:spcBef>
                 <a:spcPts val="0"/>
               </a:spcBef>
@@ -8688,7 +8691,7 @@
               <a:buChar char="●"/>
               <a:defRPr/>
             </a:lvl1pPr>
-            <a:lvl2pPr indent="-298450" lvl="1" marL="914400">
+            <a:lvl2pPr marL="914400" lvl="1" indent="-298450">
               <a:spcBef>
                 <a:spcPts val="1600"/>
               </a:spcBef>
@@ -8699,7 +8702,7 @@
               <a:buChar char="○"/>
               <a:defRPr/>
             </a:lvl2pPr>
-            <a:lvl3pPr indent="-298450" lvl="2" marL="1371600">
+            <a:lvl3pPr marL="1371600" lvl="2" indent="-298450">
               <a:spcBef>
                 <a:spcPts val="1600"/>
               </a:spcBef>
@@ -8710,7 +8713,7 @@
               <a:buChar char="■"/>
               <a:defRPr/>
             </a:lvl3pPr>
-            <a:lvl4pPr indent="-298450" lvl="3" marL="1828800">
+            <a:lvl4pPr marL="1828800" lvl="3" indent="-298450">
               <a:spcBef>
                 <a:spcPts val="1600"/>
               </a:spcBef>
@@ -8721,7 +8724,7 @@
               <a:buChar char="●"/>
               <a:defRPr/>
             </a:lvl4pPr>
-            <a:lvl5pPr indent="-298450" lvl="4" marL="2286000">
+            <a:lvl5pPr marL="2286000" lvl="4" indent="-298450">
               <a:spcBef>
                 <a:spcPts val="1600"/>
               </a:spcBef>
@@ -8732,7 +8735,7 @@
               <a:buChar char="○"/>
               <a:defRPr/>
             </a:lvl5pPr>
-            <a:lvl6pPr indent="-298450" lvl="5" marL="2743200">
+            <a:lvl6pPr marL="2743200" lvl="5" indent="-298450">
               <a:spcBef>
                 <a:spcPts val="1600"/>
               </a:spcBef>
@@ -8743,7 +8746,7 @@
               <a:buChar char="■"/>
               <a:defRPr/>
             </a:lvl6pPr>
-            <a:lvl7pPr indent="-298450" lvl="6" marL="3200400">
+            <a:lvl7pPr marL="3200400" lvl="6" indent="-298450">
               <a:spcBef>
                 <a:spcPts val="1600"/>
               </a:spcBef>
@@ -8754,7 +8757,7 @@
               <a:buChar char="●"/>
               <a:defRPr/>
             </a:lvl7pPr>
-            <a:lvl8pPr indent="-298450" lvl="7" marL="3657600">
+            <a:lvl8pPr marL="3657600" lvl="7" indent="-298450">
               <a:spcBef>
                 <a:spcPts val="1600"/>
               </a:spcBef>
@@ -8765,7 +8768,7 @@
               <a:buChar char="○"/>
               <a:defRPr/>
             </a:lvl8pPr>
-            <a:lvl9pPr indent="-298450" lvl="8" marL="4114800">
+            <a:lvl9pPr marL="4114800" lvl="8" indent="-298450">
               <a:spcBef>
                 <a:spcPts val="1600"/>
               </a:spcBef>
@@ -8777,15 +8780,19 @@
               <a:defRPr/>
             </a:lvl9pPr>
           </a:lstStyle>
-          <a:p/>
+          <a:p>
+            <a:endParaRPr/>
+          </a:p>
         </p:txBody>
       </p:sp>
       <p:sp>
         <p:nvSpPr>
           <p:cNvPr id="102" name="Google Shape;102;p9"/>
-          <p:cNvSpPr txBox="1"/>
+          <p:cNvSpPr txBox="1">
+            <a:spLocks noGrp="1"/>
+          </p:cNvSpPr>
           <p:nvPr>
-            <p:ph idx="12" type="sldNum"/>
+            <p:ph type="sldNum" idx="12"/>
           </p:nvPr>
         </p:nvSpPr>
         <p:spPr>
@@ -8798,7 +8805,7 @@
           </a:prstGeom>
         </p:spPr>
         <p:txBody>
-          <a:bodyPr anchorCtr="0" anchor="ctr" bIns="91425" lIns="91425" spcFirstLastPara="1" rIns="91425" wrap="square" tIns="91425">
+          <a:bodyPr spcFirstLastPara="1" wrap="square" lIns="91425" tIns="91425" rIns="91425" bIns="91425" anchor="ctr" anchorCtr="0">
             <a:noAutofit/>
           </a:bodyPr>
           <a:lstStyle>
@@ -8840,7 +8847,7 @@
             </a:lvl9pPr>
           </a:lstStyle>
           <a:p>
-            <a:pPr indent="0" lvl="0" marL="0" rtl="0" algn="r">
+            <a:pPr marL="0" lvl="0" indent="0" algn="r" rtl="0">
               <a:spcBef>
                 <a:spcPts val="0"/>
               </a:spcBef>
@@ -8866,18 +8873,19 @@
 </file>
 
 <file path=ppt/slideLayouts/slideLayout9.xml><?xml version="1.0" encoding="utf-8"?>
-<p:sldLayout xmlns:a="http://schemas.openxmlformats.org/drawingml/2006/main" xmlns:r="http://schemas.openxmlformats.org/officeDocument/2006/relationships" xmlns:mc="http://schemas.openxmlformats.org/markup-compatibility/2006" xmlns:mv="urn:schemas-microsoft-com:mac:vml" xmlns:p="http://schemas.openxmlformats.org/presentationml/2006/main" xmlns:c="http://schemas.openxmlformats.org/drawingml/2006/chart" xmlns:dgm="http://schemas.openxmlformats.org/drawingml/2006/diagram" xmlns:o="urn:schemas-microsoft-com:office:office" xmlns:v="urn:schemas-microsoft-com:vml" xmlns:pvml="urn:schemas-microsoft-com:office:powerpoint" xmlns:com="http://schemas.openxmlformats.org/drawingml/2006/compatibility" xmlns:p14="http://schemas.microsoft.com/office/powerpoint/2010/main" xmlns:p15="http://schemas.microsoft.com/office/powerpoint/2012/main" matchingName="Caption">
+<p:sldLayout xmlns:a="http://schemas.openxmlformats.org/drawingml/2006/main" xmlns:r="http://schemas.openxmlformats.org/officeDocument/2006/relationships" xmlns:p="http://schemas.openxmlformats.org/presentationml/2006/main" matchingName="Caption">
   <p:cSld name="CAPTION_ONLY">
     <p:bg>
       <p:bgPr>
         <a:solidFill>
           <a:schemeClr val="accent1"/>
         </a:solidFill>
+        <a:effectLst/>
       </p:bgPr>
     </p:bg>
     <p:spTree>
       <p:nvGrpSpPr>
-        <p:cNvPr id="103" name="Shape 103"/>
+        <p:cNvPr id="1" name="Shape 103"/>
         <p:cNvGrpSpPr/>
         <p:nvPr/>
       </p:nvGrpSpPr>
@@ -8911,12 +8919,12 @@
           </a:ln>
         </p:spPr>
         <p:txBody>
-          <a:bodyPr anchorCtr="0" anchor="ctr" bIns="91425" lIns="91425" spcFirstLastPara="1" rIns="91425" wrap="square" tIns="91425">
+          <a:bodyPr spcFirstLastPara="1" wrap="square" lIns="91425" tIns="91425" rIns="91425" bIns="91425" anchor="ctr" anchorCtr="0">
             <a:noAutofit/>
           </a:bodyPr>
           <a:lstStyle/>
           <a:p>
-            <a:pPr indent="0" lvl="0" marL="0" rtl="0" algn="l">
+            <a:pPr marL="0" lvl="0" indent="0" algn="l" rtl="0">
               <a:spcBef>
                 <a:spcPts val="0"/>
               </a:spcBef>
@@ -8925,9 +8933,6 @@
               </a:spcAft>
               <a:buNone/>
             </a:pPr>
-            <a:r>
-              <a:t/>
-            </a:r>
             <a:endParaRPr/>
           </a:p>
         </p:txBody>
@@ -8954,12 +8959,12 @@
           </a:ln>
         </p:spPr>
         <p:txBody>
-          <a:bodyPr anchorCtr="0" anchor="ctr" bIns="91425" lIns="91425" spcFirstLastPara="1" rIns="91425" wrap="square" tIns="91425">
+          <a:bodyPr spcFirstLastPara="1" wrap="square" lIns="91425" tIns="91425" rIns="91425" bIns="91425" anchor="ctr" anchorCtr="0">
             <a:noAutofit/>
           </a:bodyPr>
           <a:lstStyle/>
           <a:p>
-            <a:pPr indent="0" lvl="0" marL="0" rtl="0" algn="l">
+            <a:pPr marL="0" lvl="0" indent="0" algn="l" rtl="0">
               <a:spcBef>
                 <a:spcPts val="0"/>
               </a:spcBef>
@@ -8968,9 +8973,6 @@
               </a:spcAft>
               <a:buNone/>
             </a:pPr>
-            <a:r>
-              <a:t/>
-            </a:r>
             <a:endParaRPr/>
           </a:p>
         </p:txBody>
@@ -8996,7 +8998,7 @@
             <a:noFill/>
           </a:ln>
           <a:effectLst>
-            <a:outerShdw blurRad="228600" sx="101000" rotWithShape="0" algn="ctr" sy="101000">
+            <a:outerShdw blurRad="228600" sx="101000" sy="101000" algn="ctr" rotWithShape="0">
               <a:srgbClr val="000000">
                 <a:alpha val="40000"/>
               </a:srgbClr>
@@ -9004,12 +9006,12 @@
           </a:effectLst>
         </p:spPr>
         <p:txBody>
-          <a:bodyPr anchorCtr="0" anchor="ctr" bIns="91425" lIns="91425" spcFirstLastPara="1" rIns="91425" wrap="square" tIns="91425">
+          <a:bodyPr spcFirstLastPara="1" wrap="square" lIns="91425" tIns="91425" rIns="91425" bIns="91425" anchor="ctr" anchorCtr="0">
             <a:noAutofit/>
           </a:bodyPr>
           <a:lstStyle/>
           <a:p>
-            <a:pPr indent="0" lvl="0" marL="0" rtl="0" algn="l">
+            <a:pPr marL="0" lvl="0" indent="0" algn="l" rtl="0">
               <a:spcBef>
                 <a:spcPts val="0"/>
               </a:spcBef>
@@ -9018,9 +9020,6 @@
               </a:spcAft>
               <a:buNone/>
             </a:pPr>
-            <a:r>
-              <a:t/>
-            </a:r>
             <a:endParaRPr/>
           </a:p>
         </p:txBody>
@@ -9028,9 +9027,11 @@
       <p:sp>
         <p:nvSpPr>
           <p:cNvPr id="107" name="Google Shape;107;p10"/>
-          <p:cNvSpPr txBox="1"/>
+          <p:cNvSpPr txBox="1">
+            <a:spLocks noGrp="1"/>
+          </p:cNvSpPr>
           <p:nvPr>
-            <p:ph idx="1" type="body"/>
+            <p:ph type="body" idx="1"/>
           </p:nvPr>
         </p:nvSpPr>
         <p:spPr>
@@ -9043,11 +9044,11 @@
           </a:prstGeom>
         </p:spPr>
         <p:txBody>
-          <a:bodyPr anchorCtr="0" anchor="b" bIns="91425" lIns="91425" spcFirstLastPara="1" rIns="91425" wrap="square" tIns="91425">
+          <a:bodyPr spcFirstLastPara="1" wrap="square" lIns="91425" tIns="91425" rIns="91425" bIns="91425" anchor="b" anchorCtr="0">
             <a:noAutofit/>
           </a:bodyPr>
           <a:lstStyle>
-            <a:lvl1pPr indent="-228600" lvl="0" marL="457200">
+            <a:lvl1pPr marL="457200" lvl="0" indent="-228600">
               <a:lnSpc>
                 <a:spcPct val="100000"/>
               </a:lnSpc>
@@ -9062,15 +9063,19 @@
               <a:defRPr/>
             </a:lvl1pPr>
           </a:lstStyle>
-          <a:p/>
+          <a:p>
+            <a:endParaRPr/>
+          </a:p>
         </p:txBody>
       </p:sp>
       <p:sp>
         <p:nvSpPr>
           <p:cNvPr id="108" name="Google Shape;108;p10"/>
-          <p:cNvSpPr txBox="1"/>
+          <p:cNvSpPr txBox="1">
+            <a:spLocks noGrp="1"/>
+          </p:cNvSpPr>
           <p:nvPr>
-            <p:ph idx="12" type="sldNum"/>
+            <p:ph type="sldNum" idx="12"/>
           </p:nvPr>
         </p:nvSpPr>
         <p:spPr>
@@ -9083,7 +9088,7 @@
           </a:prstGeom>
         </p:spPr>
         <p:txBody>
-          <a:bodyPr anchorCtr="0" anchor="ctr" bIns="91425" lIns="91425" spcFirstLastPara="1" rIns="91425" wrap="square" tIns="91425">
+          <a:bodyPr spcFirstLastPara="1" wrap="square" lIns="91425" tIns="91425" rIns="91425" bIns="91425" anchor="ctr" anchorCtr="0">
             <a:noAutofit/>
           </a:bodyPr>
           <a:lstStyle>
@@ -9125,7 +9130,7 @@
             </a:lvl9pPr>
           </a:lstStyle>
           <a:p>
-            <a:pPr indent="0" lvl="0" marL="0" rtl="0" algn="r">
+            <a:pPr marL="0" lvl="0" indent="0" algn="r" rtl="0">
               <a:spcBef>
                 <a:spcPts val="0"/>
               </a:spcBef>
@@ -9151,18 +9156,19 @@
 </file>
 
 <file path=ppt/slideMasters/slideMaster1.xml><?xml version="1.0" encoding="utf-8"?>
-<p:sldMaster xmlns:a="http://schemas.openxmlformats.org/drawingml/2006/main" xmlns:r="http://schemas.openxmlformats.org/officeDocument/2006/relationships" xmlns:mc="http://schemas.openxmlformats.org/markup-compatibility/2006" xmlns:mv="urn:schemas-microsoft-com:mac:vml" xmlns:p="http://schemas.openxmlformats.org/presentationml/2006/main" xmlns:c="http://schemas.openxmlformats.org/drawingml/2006/chart" xmlns:dgm="http://schemas.openxmlformats.org/drawingml/2006/diagram" xmlns:o="urn:schemas-microsoft-com:office:office" xmlns:v="urn:schemas-microsoft-com:vml" xmlns:pvml="urn:schemas-microsoft-com:office:powerpoint" xmlns:com="http://schemas.openxmlformats.org/drawingml/2006/compatibility" xmlns:p14="http://schemas.microsoft.com/office/powerpoint/2010/main" xmlns:p15="http://schemas.microsoft.com/office/powerpoint/2012/main">
+<p:sldMaster xmlns:a="http://schemas.openxmlformats.org/drawingml/2006/main" xmlns:r="http://schemas.openxmlformats.org/officeDocument/2006/relationships" xmlns:p="http://schemas.openxmlformats.org/presentationml/2006/main">
   <p:cSld name="shift">
     <p:bg>
       <p:bgPr>
         <a:solidFill>
           <a:schemeClr val="dk1"/>
         </a:solidFill>
+        <a:effectLst/>
       </p:bgPr>
     </p:bg>
     <p:spTree>
       <p:nvGrpSpPr>
-        <p:cNvPr id="5" name="Shape 5"/>
+        <p:cNvPr id="1" name="Shape 5"/>
         <p:cNvGrpSpPr/>
         <p:nvPr/>
       </p:nvGrpSpPr>
@@ -9177,7 +9183,9 @@
       <p:sp>
         <p:nvSpPr>
           <p:cNvPr id="6" name="Google Shape;6;p1"/>
-          <p:cNvSpPr txBox="1"/>
+          <p:cNvSpPr txBox="1">
+            <a:spLocks noGrp="1"/>
+          </p:cNvSpPr>
           <p:nvPr>
             <p:ph type="title"/>
           </p:nvPr>
@@ -9196,7 +9204,7 @@
           </a:ln>
         </p:spPr>
         <p:txBody>
-          <a:bodyPr anchorCtr="0" anchor="t" bIns="91425" lIns="91425" spcFirstLastPara="1" rIns="91425" wrap="square" tIns="91425">
+          <a:bodyPr spcFirstLastPara="1" wrap="square" lIns="91425" tIns="91425" rIns="91425" bIns="91425" anchor="t" anchorCtr="0">
             <a:noAutofit/>
           </a:bodyPr>
           <a:lstStyle>
@@ -9408,15 +9416,19 @@
               </a:defRPr>
             </a:lvl9pPr>
           </a:lstStyle>
-          <a:p/>
+          <a:p>
+            <a:endParaRPr/>
+          </a:p>
         </p:txBody>
       </p:sp>
       <p:sp>
         <p:nvSpPr>
           <p:cNvPr id="7" name="Google Shape;7;p1"/>
-          <p:cNvSpPr txBox="1"/>
+          <p:cNvSpPr txBox="1">
+            <a:spLocks noGrp="1"/>
+          </p:cNvSpPr>
           <p:nvPr>
-            <p:ph idx="1" type="body"/>
+            <p:ph type="body" idx="1"/>
           </p:nvPr>
         </p:nvSpPr>
         <p:spPr>
@@ -9433,11 +9445,11 @@
           </a:ln>
         </p:spPr>
         <p:txBody>
-          <a:bodyPr anchorCtr="0" anchor="t" bIns="91425" lIns="91425" spcFirstLastPara="1" rIns="91425" wrap="square" tIns="91425">
+          <a:bodyPr spcFirstLastPara="1" wrap="square" lIns="91425" tIns="91425" rIns="91425" bIns="91425" anchor="t" anchorCtr="0">
             <a:noAutofit/>
           </a:bodyPr>
           <a:lstStyle>
-            <a:lvl1pPr indent="-311150" lvl="0" marL="457200">
+            <a:lvl1pPr marL="457200" lvl="0" indent="-311150">
               <a:lnSpc>
                 <a:spcPct val="115000"/>
               </a:lnSpc>
@@ -9463,7 +9475,7 @@
                 <a:sym typeface="Calibri"/>
               </a:defRPr>
             </a:lvl1pPr>
-            <a:lvl2pPr indent="-298450" lvl="1" marL="914400">
+            <a:lvl2pPr marL="914400" lvl="1" indent="-298450">
               <a:lnSpc>
                 <a:spcPct val="115000"/>
               </a:lnSpc>
@@ -9489,7 +9501,7 @@
                 <a:sym typeface="Calibri"/>
               </a:defRPr>
             </a:lvl2pPr>
-            <a:lvl3pPr indent="-298450" lvl="2" marL="1371600">
+            <a:lvl3pPr marL="1371600" lvl="2" indent="-298450">
               <a:lnSpc>
                 <a:spcPct val="115000"/>
               </a:lnSpc>
@@ -9515,7 +9527,7 @@
                 <a:sym typeface="Calibri"/>
               </a:defRPr>
             </a:lvl3pPr>
-            <a:lvl4pPr indent="-298450" lvl="3" marL="1828800">
+            <a:lvl4pPr marL="1828800" lvl="3" indent="-298450">
               <a:lnSpc>
                 <a:spcPct val="115000"/>
               </a:lnSpc>
@@ -9541,7 +9553,7 @@
                 <a:sym typeface="Calibri"/>
               </a:defRPr>
             </a:lvl4pPr>
-            <a:lvl5pPr indent="-298450" lvl="4" marL="2286000">
+            <a:lvl5pPr marL="2286000" lvl="4" indent="-298450">
               <a:lnSpc>
                 <a:spcPct val="115000"/>
               </a:lnSpc>
@@ -9567,7 +9579,7 @@
                 <a:sym typeface="Calibri"/>
               </a:defRPr>
             </a:lvl5pPr>
-            <a:lvl6pPr indent="-298450" lvl="5" marL="2743200">
+            <a:lvl6pPr marL="2743200" lvl="5" indent="-298450">
               <a:lnSpc>
                 <a:spcPct val="115000"/>
               </a:lnSpc>
@@ -9593,7 +9605,7 @@
                 <a:sym typeface="Calibri"/>
               </a:defRPr>
             </a:lvl6pPr>
-            <a:lvl7pPr indent="-298450" lvl="6" marL="3200400">
+            <a:lvl7pPr marL="3200400" lvl="6" indent="-298450">
               <a:lnSpc>
                 <a:spcPct val="115000"/>
               </a:lnSpc>
@@ -9619,7 +9631,7 @@
                 <a:sym typeface="Calibri"/>
               </a:defRPr>
             </a:lvl7pPr>
-            <a:lvl8pPr indent="-298450" lvl="7" marL="3657600">
+            <a:lvl8pPr marL="3657600" lvl="7" indent="-298450">
               <a:lnSpc>
                 <a:spcPct val="115000"/>
               </a:lnSpc>
@@ -9645,7 +9657,7 @@
                 <a:sym typeface="Calibri"/>
               </a:defRPr>
             </a:lvl8pPr>
-            <a:lvl9pPr indent="-298450" lvl="8" marL="4114800">
+            <a:lvl9pPr marL="4114800" lvl="8" indent="-298450">
               <a:lnSpc>
                 <a:spcPct val="115000"/>
               </a:lnSpc>
@@ -9672,15 +9684,19 @@
               </a:defRPr>
             </a:lvl9pPr>
           </a:lstStyle>
-          <a:p/>
+          <a:p>
+            <a:endParaRPr/>
+          </a:p>
         </p:txBody>
       </p:sp>
       <p:sp>
         <p:nvSpPr>
           <p:cNvPr id="8" name="Google Shape;8;p1"/>
-          <p:cNvSpPr txBox="1"/>
+          <p:cNvSpPr txBox="1">
+            <a:spLocks noGrp="1"/>
+          </p:cNvSpPr>
           <p:nvPr>
-            <p:ph idx="12" type="sldNum"/>
+            <p:ph type="sldNum" idx="12"/>
           </p:nvPr>
         </p:nvSpPr>
         <p:spPr>
@@ -9697,7 +9713,7 @@
           </a:ln>
         </p:spPr>
         <p:txBody>
-          <a:bodyPr anchorCtr="0" anchor="ctr" bIns="91425" lIns="91425" spcFirstLastPara="1" rIns="91425" wrap="square" tIns="91425">
+          <a:bodyPr spcFirstLastPara="1" wrap="square" lIns="91425" tIns="91425" rIns="91425" bIns="91425" anchor="ctr" anchorCtr="0">
             <a:noAutofit/>
           </a:bodyPr>
           <a:lstStyle>
@@ -9811,7 +9827,7 @@
             </a:lvl9pPr>
           </a:lstStyle>
           <a:p>
-            <a:pPr indent="0" lvl="0" marL="0" rtl="0" algn="r">
+            <a:pPr marL="0" lvl="0" indent="0" algn="r" rtl="0">
               <a:spcBef>
                 <a:spcPts val="0"/>
               </a:spcBef>
@@ -9830,7 +9846,7 @@
       </p:sp>
     </p:spTree>
   </p:cSld>
-  <p:clrMap accent1="accent1" accent2="accent2" accent3="accent3" accent4="accent4" accent5="accent5" accent6="accent6" bg1="lt1" bg2="dk2" tx1="dk1" tx2="lt2" folHlink="folHlink" hlink="hlink"/>
+  <p:clrMap bg1="lt1" tx1="dk1" bg2="dk2" tx2="lt2" accent1="accent1" accent2="accent2" accent3="accent3" accent4="accent4" accent5="accent5" accent6="accent6" hlink="hlink" folHlink="folHlink"/>
   <p:sldLayoutIdLst>
     <p:sldLayoutId id="2147483648" r:id="rId1"/>
     <p:sldLayoutId id="2147483649" r:id="rId2"/>
@@ -9844,10 +9860,10 @@
     <p:sldLayoutId id="2147483657" r:id="rId10"/>
     <p:sldLayoutId id="2147483658" r:id="rId11"/>
   </p:sldLayoutIdLst>
-  <p:hf dt="0" ftr="0" hdr="0" sldNum="0"/>
+  <p:hf sldNum="0" hdr="0" ftr="0" dt="0"/>
   <p:txStyles>
     <p:titleStyle>
-      <a:defPPr lvl="0" marR="0" rtl="0" algn="l">
+      <a:defPPr marR="0" lvl="0" algn="l" rtl="0">
         <a:lnSpc>
           <a:spcPct val="100000"/>
         </a:lnSpc>
@@ -9858,7 +9874,7 @@
           <a:spcPts val="0"/>
         </a:spcAft>
       </a:defPPr>
-      <a:lvl1pPr lvl="0" marR="0" rtl="0" algn="l">
+      <a:lvl1pPr marR="0" lvl="0" algn="l" rtl="0">
         <a:lnSpc>
           <a:spcPct val="100000"/>
         </a:lnSpc>
@@ -9872,7 +9888,7 @@
           <a:srgbClr val="000000"/>
         </a:buClr>
         <a:buFont typeface="Arial"/>
-        <a:defRPr b="0" i="0" sz="1400" u="none" cap="none" strike="noStrike">
+        <a:defRPr sz="1400" b="0" i="0" u="none" strike="noStrike" cap="none">
           <a:solidFill>
             <a:srgbClr val="000000"/>
           </a:solidFill>
@@ -9882,7 +9898,7 @@
           <a:sym typeface="Arial"/>
         </a:defRPr>
       </a:lvl1pPr>
-      <a:lvl2pPr lvl="1" marR="0" rtl="0" algn="l">
+      <a:lvl2pPr marR="0" lvl="1" algn="l" rtl="0">
         <a:lnSpc>
           <a:spcPct val="100000"/>
         </a:lnSpc>
@@ -9896,7 +9912,7 @@
           <a:srgbClr val="000000"/>
         </a:buClr>
         <a:buFont typeface="Arial"/>
-        <a:defRPr b="0" i="0" sz="1400" u="none" cap="none" strike="noStrike">
+        <a:defRPr sz="1400" b="0" i="0" u="none" strike="noStrike" cap="none">
           <a:solidFill>
             <a:srgbClr val="000000"/>
           </a:solidFill>
@@ -9906,7 +9922,7 @@
           <a:sym typeface="Arial"/>
         </a:defRPr>
       </a:lvl2pPr>
-      <a:lvl3pPr lvl="2" marR="0" rtl="0" algn="l">
+      <a:lvl3pPr marR="0" lvl="2" algn="l" rtl="0">
         <a:lnSpc>
           <a:spcPct val="100000"/>
         </a:lnSpc>
@@ -9920,7 +9936,7 @@
           <a:srgbClr val="000000"/>
         </a:buClr>
         <a:buFont typeface="Arial"/>
-        <a:defRPr b="0" i="0" sz="1400" u="none" cap="none" strike="noStrike">
+        <a:defRPr sz="1400" b="0" i="0" u="none" strike="noStrike" cap="none">
           <a:solidFill>
             <a:srgbClr val="000000"/>
           </a:solidFill>
@@ -9930,7 +9946,7 @@
           <a:sym typeface="Arial"/>
         </a:defRPr>
       </a:lvl3pPr>
-      <a:lvl4pPr lvl="3" marR="0" rtl="0" algn="l">
+      <a:lvl4pPr marR="0" lvl="3" algn="l" rtl="0">
         <a:lnSpc>
           <a:spcPct val="100000"/>
         </a:lnSpc>
@@ -9944,7 +9960,7 @@
           <a:srgbClr val="000000"/>
         </a:buClr>
         <a:buFont typeface="Arial"/>
-        <a:defRPr b="0" i="0" sz="1400" u="none" cap="none" strike="noStrike">
+        <a:defRPr sz="1400" b="0" i="0" u="none" strike="noStrike" cap="none">
           <a:solidFill>
             <a:srgbClr val="000000"/>
           </a:solidFill>
@@ -9954,7 +9970,7 @@
           <a:sym typeface="Arial"/>
         </a:defRPr>
       </a:lvl4pPr>
-      <a:lvl5pPr lvl="4" marR="0" rtl="0" algn="l">
+      <a:lvl5pPr marR="0" lvl="4" algn="l" rtl="0">
         <a:lnSpc>
           <a:spcPct val="100000"/>
         </a:lnSpc>
@@ -9968,7 +9984,7 @@
           <a:srgbClr val="000000"/>
         </a:buClr>
         <a:buFont typeface="Arial"/>
-        <a:defRPr b="0" i="0" sz="1400" u="none" cap="none" strike="noStrike">
+        <a:defRPr sz="1400" b="0" i="0" u="none" strike="noStrike" cap="none">
           <a:solidFill>
             <a:srgbClr val="000000"/>
           </a:solidFill>
@@ -9978,7 +9994,7 @@
           <a:sym typeface="Arial"/>
         </a:defRPr>
       </a:lvl5pPr>
-      <a:lvl6pPr lvl="5" marR="0" rtl="0" algn="l">
+      <a:lvl6pPr marR="0" lvl="5" algn="l" rtl="0">
         <a:lnSpc>
           <a:spcPct val="100000"/>
         </a:lnSpc>
@@ -9992,7 +10008,7 @@
           <a:srgbClr val="000000"/>
         </a:buClr>
         <a:buFont typeface="Arial"/>
-        <a:defRPr b="0" i="0" sz="1400" u="none" cap="none" strike="noStrike">
+        <a:defRPr sz="1400" b="0" i="0" u="none" strike="noStrike" cap="none">
           <a:solidFill>
             <a:srgbClr val="000000"/>
           </a:solidFill>
@@ -10002,7 +10018,7 @@
           <a:sym typeface="Arial"/>
         </a:defRPr>
       </a:lvl6pPr>
-      <a:lvl7pPr lvl="6" marR="0" rtl="0" algn="l">
+      <a:lvl7pPr marR="0" lvl="6" algn="l" rtl="0">
         <a:lnSpc>
           <a:spcPct val="100000"/>
         </a:lnSpc>
@@ -10016,7 +10032,7 @@
           <a:srgbClr val="000000"/>
         </a:buClr>
         <a:buFont typeface="Arial"/>
-        <a:defRPr b="0" i="0" sz="1400" u="none" cap="none" strike="noStrike">
+        <a:defRPr sz="1400" b="0" i="0" u="none" strike="noStrike" cap="none">
           <a:solidFill>
             <a:srgbClr val="000000"/>
           </a:solidFill>
@@ -10026,7 +10042,7 @@
           <a:sym typeface="Arial"/>
         </a:defRPr>
       </a:lvl7pPr>
-      <a:lvl8pPr lvl="7" marR="0" rtl="0" algn="l">
+      <a:lvl8pPr marR="0" lvl="7" algn="l" rtl="0">
         <a:lnSpc>
           <a:spcPct val="100000"/>
         </a:lnSpc>
@@ -10040,7 +10056,7 @@
           <a:srgbClr val="000000"/>
         </a:buClr>
         <a:buFont typeface="Arial"/>
-        <a:defRPr b="0" i="0" sz="1400" u="none" cap="none" strike="noStrike">
+        <a:defRPr sz="1400" b="0" i="0" u="none" strike="noStrike" cap="none">
           <a:solidFill>
             <a:srgbClr val="000000"/>
           </a:solidFill>
@@ -10050,7 +10066,7 @@
           <a:sym typeface="Arial"/>
         </a:defRPr>
       </a:lvl8pPr>
-      <a:lvl9pPr lvl="8" marR="0" rtl="0" algn="l">
+      <a:lvl9pPr marR="0" lvl="8" algn="l" rtl="0">
         <a:lnSpc>
           <a:spcPct val="100000"/>
         </a:lnSpc>
@@ -10064,7 +10080,7 @@
           <a:srgbClr val="000000"/>
         </a:buClr>
         <a:buFont typeface="Arial"/>
-        <a:defRPr b="0" i="0" sz="1400" u="none" cap="none" strike="noStrike">
+        <a:defRPr sz="1400" b="0" i="0" u="none" strike="noStrike" cap="none">
           <a:solidFill>
             <a:srgbClr val="000000"/>
           </a:solidFill>
@@ -10076,7 +10092,7 @@
       </a:lvl9pPr>
     </p:titleStyle>
     <p:bodyStyle>
-      <a:defPPr lvl="0" marR="0" rtl="0" algn="l">
+      <a:defPPr marR="0" lvl="0" algn="l" rtl="0">
         <a:lnSpc>
           <a:spcPct val="100000"/>
         </a:lnSpc>
@@ -10087,7 +10103,7 @@
           <a:spcPts val="0"/>
         </a:spcAft>
       </a:defPPr>
-      <a:lvl1pPr lvl="0" marR="0" rtl="0" algn="l">
+      <a:lvl1pPr marR="0" lvl="0" algn="l" rtl="0">
         <a:lnSpc>
           <a:spcPct val="100000"/>
         </a:lnSpc>
@@ -10101,7 +10117,7 @@
           <a:srgbClr val="000000"/>
         </a:buClr>
         <a:buFont typeface="Arial"/>
-        <a:defRPr b="0" i="0" sz="1400" u="none" cap="none" strike="noStrike">
+        <a:defRPr sz="1400" b="0" i="0" u="none" strike="noStrike" cap="none">
           <a:solidFill>
             <a:srgbClr val="000000"/>
           </a:solidFill>
@@ -10111,7 +10127,7 @@
           <a:sym typeface="Arial"/>
         </a:defRPr>
       </a:lvl1pPr>
-      <a:lvl2pPr lvl="1" marR="0" rtl="0" algn="l">
+      <a:lvl2pPr marR="0" lvl="1" algn="l" rtl="0">
         <a:lnSpc>
           <a:spcPct val="100000"/>
         </a:lnSpc>
@@ -10125,7 +10141,7 @@
           <a:srgbClr val="000000"/>
         </a:buClr>
         <a:buFont typeface="Arial"/>
-        <a:defRPr b="0" i="0" sz="1400" u="none" cap="none" strike="noStrike">
+        <a:defRPr sz="1400" b="0" i="0" u="none" strike="noStrike" cap="none">
           <a:solidFill>
             <a:srgbClr val="000000"/>
           </a:solidFill>
@@ -10135,7 +10151,7 @@
           <a:sym typeface="Arial"/>
         </a:defRPr>
       </a:lvl2pPr>
-      <a:lvl3pPr lvl="2" marR="0" rtl="0" algn="l">
+      <a:lvl3pPr marR="0" lvl="2" algn="l" rtl="0">
         <a:lnSpc>
           <a:spcPct val="100000"/>
         </a:lnSpc>
@@ -10149,7 +10165,7 @@
           <a:srgbClr val="000000"/>
         </a:buClr>
         <a:buFont typeface="Arial"/>
-        <a:defRPr b="0" i="0" sz="1400" u="none" cap="none" strike="noStrike">
+        <a:defRPr sz="1400" b="0" i="0" u="none" strike="noStrike" cap="none">
           <a:solidFill>
             <a:srgbClr val="000000"/>
           </a:solidFill>
@@ -10159,7 +10175,7 @@
           <a:sym typeface="Arial"/>
         </a:defRPr>
       </a:lvl3pPr>
-      <a:lvl4pPr lvl="3" marR="0" rtl="0" algn="l">
+      <a:lvl4pPr marR="0" lvl="3" algn="l" rtl="0">
         <a:lnSpc>
           <a:spcPct val="100000"/>
         </a:lnSpc>
@@ -10173,7 +10189,7 @@
           <a:srgbClr val="000000"/>
         </a:buClr>
         <a:buFont typeface="Arial"/>
-        <a:defRPr b="0" i="0" sz="1400" u="none" cap="none" strike="noStrike">
+        <a:defRPr sz="1400" b="0" i="0" u="none" strike="noStrike" cap="none">
           <a:solidFill>
             <a:srgbClr val="000000"/>
           </a:solidFill>
@@ -10183,7 +10199,7 @@
           <a:sym typeface="Arial"/>
         </a:defRPr>
       </a:lvl4pPr>
-      <a:lvl5pPr lvl="4" marR="0" rtl="0" algn="l">
+      <a:lvl5pPr marR="0" lvl="4" algn="l" rtl="0">
         <a:lnSpc>
           <a:spcPct val="100000"/>
         </a:lnSpc>
@@ -10197,7 +10213,7 @@
           <a:srgbClr val="000000"/>
         </a:buClr>
         <a:buFont typeface="Arial"/>
-        <a:defRPr b="0" i="0" sz="1400" u="none" cap="none" strike="noStrike">
+        <a:defRPr sz="1400" b="0" i="0" u="none" strike="noStrike" cap="none">
           <a:solidFill>
             <a:srgbClr val="000000"/>
           </a:solidFill>
@@ -10207,7 +10223,7 @@
           <a:sym typeface="Arial"/>
         </a:defRPr>
       </a:lvl5pPr>
-      <a:lvl6pPr lvl="5" marR="0" rtl="0" algn="l">
+      <a:lvl6pPr marR="0" lvl="5" algn="l" rtl="0">
         <a:lnSpc>
           <a:spcPct val="100000"/>
         </a:lnSpc>
@@ -10221,7 +10237,7 @@
           <a:srgbClr val="000000"/>
         </a:buClr>
         <a:buFont typeface="Arial"/>
-        <a:defRPr b="0" i="0" sz="1400" u="none" cap="none" strike="noStrike">
+        <a:defRPr sz="1400" b="0" i="0" u="none" strike="noStrike" cap="none">
           <a:solidFill>
             <a:srgbClr val="000000"/>
           </a:solidFill>
@@ -10231,7 +10247,7 @@
           <a:sym typeface="Arial"/>
         </a:defRPr>
       </a:lvl6pPr>
-      <a:lvl7pPr lvl="6" marR="0" rtl="0" algn="l">
+      <a:lvl7pPr marR="0" lvl="6" algn="l" rtl="0">
         <a:lnSpc>
           <a:spcPct val="100000"/>
         </a:lnSpc>
@@ -10245,7 +10261,7 @@
           <a:srgbClr val="000000"/>
         </a:buClr>
         <a:buFont typeface="Arial"/>
-        <a:defRPr b="0" i="0" sz="1400" u="none" cap="none" strike="noStrike">
+        <a:defRPr sz="1400" b="0" i="0" u="none" strike="noStrike" cap="none">
           <a:solidFill>
             <a:srgbClr val="000000"/>
           </a:solidFill>
@@ -10255,7 +10271,7 @@
           <a:sym typeface="Arial"/>
         </a:defRPr>
       </a:lvl7pPr>
-      <a:lvl8pPr lvl="7" marR="0" rtl="0" algn="l">
+      <a:lvl8pPr marR="0" lvl="7" algn="l" rtl="0">
         <a:lnSpc>
           <a:spcPct val="100000"/>
         </a:lnSpc>
@@ -10269,7 +10285,7 @@
           <a:srgbClr val="000000"/>
         </a:buClr>
         <a:buFont typeface="Arial"/>
-        <a:defRPr b="0" i="0" sz="1400" u="none" cap="none" strike="noStrike">
+        <a:defRPr sz="1400" b="0" i="0" u="none" strike="noStrike" cap="none">
           <a:solidFill>
             <a:srgbClr val="000000"/>
           </a:solidFill>
@@ -10279,7 +10295,7 @@
           <a:sym typeface="Arial"/>
         </a:defRPr>
       </a:lvl8pPr>
-      <a:lvl9pPr lvl="8" marR="0" rtl="0" algn="l">
+      <a:lvl9pPr marR="0" lvl="8" algn="l" rtl="0">
         <a:lnSpc>
           <a:spcPct val="100000"/>
         </a:lnSpc>
@@ -10293,7 +10309,7 @@
           <a:srgbClr val="000000"/>
         </a:buClr>
         <a:buFont typeface="Arial"/>
-        <a:defRPr b="0" i="0" sz="1400" u="none" cap="none" strike="noStrike">
+        <a:defRPr sz="1400" b="0" i="0" u="none" strike="noStrike" cap="none">
           <a:solidFill>
             <a:srgbClr val="000000"/>
           </a:solidFill>
@@ -10305,7 +10321,7 @@
       </a:lvl9pPr>
     </p:bodyStyle>
     <p:otherStyle>
-      <a:defPPr lvl="0" marR="0" rtl="0" algn="l">
+      <a:defPPr marR="0" lvl="0" algn="l" rtl="0">
         <a:lnSpc>
           <a:spcPct val="100000"/>
         </a:lnSpc>
@@ -10316,7 +10332,7 @@
           <a:spcPts val="0"/>
         </a:spcAft>
       </a:defPPr>
-      <a:lvl1pPr lvl="0" marR="0" rtl="0" algn="l">
+      <a:lvl1pPr marR="0" lvl="0" algn="l" rtl="0">
         <a:lnSpc>
           <a:spcPct val="100000"/>
         </a:lnSpc>
@@ -10330,7 +10346,7 @@
           <a:srgbClr val="000000"/>
         </a:buClr>
         <a:buFont typeface="Arial"/>
-        <a:defRPr b="0" i="0" sz="1400" u="none" cap="none" strike="noStrike">
+        <a:defRPr sz="1400" b="0" i="0" u="none" strike="noStrike" cap="none">
           <a:solidFill>
             <a:srgbClr val="000000"/>
           </a:solidFill>
@@ -10340,7 +10356,7 @@
           <a:sym typeface="Arial"/>
         </a:defRPr>
       </a:lvl1pPr>
-      <a:lvl2pPr lvl="1" marR="0" rtl="0" algn="l">
+      <a:lvl2pPr marR="0" lvl="1" algn="l" rtl="0">
         <a:lnSpc>
           <a:spcPct val="100000"/>
         </a:lnSpc>
@@ -10354,7 +10370,7 @@
           <a:srgbClr val="000000"/>
         </a:buClr>
         <a:buFont typeface="Arial"/>
-        <a:defRPr b="0" i="0" sz="1400" u="none" cap="none" strike="noStrike">
+        <a:defRPr sz="1400" b="0" i="0" u="none" strike="noStrike" cap="none">
           <a:solidFill>
             <a:srgbClr val="000000"/>
           </a:solidFill>
@@ -10364,7 +10380,7 @@
           <a:sym typeface="Arial"/>
         </a:defRPr>
       </a:lvl2pPr>
-      <a:lvl3pPr lvl="2" marR="0" rtl="0" algn="l">
+      <a:lvl3pPr marR="0" lvl="2" algn="l" rtl="0">
         <a:lnSpc>
           <a:spcPct val="100000"/>
         </a:lnSpc>
@@ -10378,7 +10394,7 @@
           <a:srgbClr val="000000"/>
         </a:buClr>
         <a:buFont typeface="Arial"/>
-        <a:defRPr b="0" i="0" sz="1400" u="none" cap="none" strike="noStrike">
+        <a:defRPr sz="1400" b="0" i="0" u="none" strike="noStrike" cap="none">
           <a:solidFill>
             <a:srgbClr val="000000"/>
           </a:solidFill>
@@ -10388,7 +10404,7 @@
           <a:sym typeface="Arial"/>
         </a:defRPr>
       </a:lvl3pPr>
-      <a:lvl4pPr lvl="3" marR="0" rtl="0" algn="l">
+      <a:lvl4pPr marR="0" lvl="3" algn="l" rtl="0">
         <a:lnSpc>
           <a:spcPct val="100000"/>
         </a:lnSpc>
@@ -10402,7 +10418,7 @@
           <a:srgbClr val="000000"/>
         </a:buClr>
         <a:buFont typeface="Arial"/>
-        <a:defRPr b="0" i="0" sz="1400" u="none" cap="none" strike="noStrike">
+        <a:defRPr sz="1400" b="0" i="0" u="none" strike="noStrike" cap="none">
           <a:solidFill>
             <a:srgbClr val="000000"/>
           </a:solidFill>
@@ -10412,7 +10428,7 @@
           <a:sym typeface="Arial"/>
         </a:defRPr>
       </a:lvl4pPr>
-      <a:lvl5pPr lvl="4" marR="0" rtl="0" algn="l">
+      <a:lvl5pPr marR="0" lvl="4" algn="l" rtl="0">
         <a:lnSpc>
           <a:spcPct val="100000"/>
         </a:lnSpc>
@@ -10426,7 +10442,7 @@
           <a:srgbClr val="000000"/>
         </a:buClr>
         <a:buFont typeface="Arial"/>
-        <a:defRPr b="0" i="0" sz="1400" u="none" cap="none" strike="noStrike">
+        <a:defRPr sz="1400" b="0" i="0" u="none" strike="noStrike" cap="none">
           <a:solidFill>
             <a:srgbClr val="000000"/>
           </a:solidFill>
@@ -10436,7 +10452,7 @@
           <a:sym typeface="Arial"/>
         </a:defRPr>
       </a:lvl5pPr>
-      <a:lvl6pPr lvl="5" marR="0" rtl="0" algn="l">
+      <a:lvl6pPr marR="0" lvl="5" algn="l" rtl="0">
         <a:lnSpc>
           <a:spcPct val="100000"/>
         </a:lnSpc>
@@ -10450,7 +10466,7 @@
           <a:srgbClr val="000000"/>
         </a:buClr>
         <a:buFont typeface="Arial"/>
-        <a:defRPr b="0" i="0" sz="1400" u="none" cap="none" strike="noStrike">
+        <a:defRPr sz="1400" b="0" i="0" u="none" strike="noStrike" cap="none">
           <a:solidFill>
             <a:srgbClr val="000000"/>
           </a:solidFill>
@@ -10460,7 +10476,7 @@
           <a:sym typeface="Arial"/>
         </a:defRPr>
       </a:lvl6pPr>
-      <a:lvl7pPr lvl="6" marR="0" rtl="0" algn="l">
+      <a:lvl7pPr marR="0" lvl="6" algn="l" rtl="0">
         <a:lnSpc>
           <a:spcPct val="100000"/>
         </a:lnSpc>
@@ -10474,7 +10490,7 @@
           <a:srgbClr val="000000"/>
         </a:buClr>
         <a:buFont typeface="Arial"/>
-        <a:defRPr b="0" i="0" sz="1400" u="none" cap="none" strike="noStrike">
+        <a:defRPr sz="1400" b="0" i="0" u="none" strike="noStrike" cap="none">
           <a:solidFill>
             <a:srgbClr val="000000"/>
           </a:solidFill>
@@ -10484,7 +10500,7 @@
           <a:sym typeface="Arial"/>
         </a:defRPr>
       </a:lvl7pPr>
-      <a:lvl8pPr lvl="7" marR="0" rtl="0" algn="l">
+      <a:lvl8pPr marR="0" lvl="7" algn="l" rtl="0">
         <a:lnSpc>
           <a:spcPct val="100000"/>
         </a:lnSpc>
@@ -10498,7 +10514,7 @@
           <a:srgbClr val="000000"/>
         </a:buClr>
         <a:buFont typeface="Arial"/>
-        <a:defRPr b="0" i="0" sz="1400" u="none" cap="none" strike="noStrike">
+        <a:defRPr sz="1400" b="0" i="0" u="none" strike="noStrike" cap="none">
           <a:solidFill>
             <a:srgbClr val="000000"/>
           </a:solidFill>
@@ -10508,7 +10524,7 @@
           <a:sym typeface="Arial"/>
         </a:defRPr>
       </a:lvl8pPr>
-      <a:lvl9pPr lvl="8" marR="0" rtl="0" algn="l">
+      <a:lvl9pPr marR="0" lvl="8" algn="l" rtl="0">
         <a:lnSpc>
           <a:spcPct val="100000"/>
         </a:lnSpc>
@@ -10522,7 +10538,7 @@
           <a:srgbClr val="000000"/>
         </a:buClr>
         <a:buFont typeface="Arial"/>
-        <a:defRPr b="0" i="0" sz="1400" u="none" cap="none" strike="noStrike">
+        <a:defRPr sz="1400" b="0" i="0" u="none" strike="noStrike" cap="none">
           <a:solidFill>
             <a:srgbClr val="000000"/>
           </a:solidFill>
@@ -10538,11 +10554,11 @@
 </file>
 
 <file path=ppt/slides/slide1.xml><?xml version="1.0" encoding="utf-8"?>
-<p:sld xmlns:a="http://schemas.openxmlformats.org/drawingml/2006/main" xmlns:r="http://schemas.openxmlformats.org/officeDocument/2006/relationships" xmlns:mc="http://schemas.openxmlformats.org/markup-compatibility/2006" xmlns:mv="urn:schemas-microsoft-com:mac:vml" xmlns:p="http://schemas.openxmlformats.org/presentationml/2006/main" xmlns:c="http://schemas.openxmlformats.org/drawingml/2006/chart" xmlns:dgm="http://schemas.openxmlformats.org/drawingml/2006/diagram" xmlns:o="urn:schemas-microsoft-com:office:office" xmlns:v="urn:schemas-microsoft-com:vml" xmlns:pvml="urn:schemas-microsoft-com:office:powerpoint" xmlns:com="http://schemas.openxmlformats.org/drawingml/2006/compatibility" xmlns:p14="http://schemas.microsoft.com/office/powerpoint/2010/main" xmlns:p15="http://schemas.microsoft.com/office/powerpoint/2012/main">
+<p:sld xmlns:a="http://schemas.openxmlformats.org/drawingml/2006/main" xmlns:r="http://schemas.openxmlformats.org/officeDocument/2006/relationships" xmlns:p="http://schemas.openxmlformats.org/presentationml/2006/main">
   <p:cSld>
     <p:spTree>
       <p:nvGrpSpPr>
-        <p:cNvPr id="127" name="Shape 127"/>
+        <p:cNvPr id="1" name="Shape 127"/>
         <p:cNvGrpSpPr/>
         <p:nvPr/>
       </p:nvGrpSpPr>
@@ -10557,7 +10573,9 @@
       <p:sp>
         <p:nvSpPr>
           <p:cNvPr id="128" name="Google Shape;128;p13"/>
-          <p:cNvSpPr txBox="1"/>
+          <p:cNvSpPr txBox="1">
+            <a:spLocks noGrp="1"/>
+          </p:cNvSpPr>
           <p:nvPr>
             <p:ph type="ctrTitle"/>
           </p:nvPr>
@@ -10572,12 +10590,12 @@
           </a:prstGeom>
         </p:spPr>
         <p:txBody>
-          <a:bodyPr anchorCtr="0" anchor="ctr" bIns="91425" lIns="91425" spcFirstLastPara="1" rIns="91425" wrap="square" tIns="91425">
+          <a:bodyPr spcFirstLastPara="1" wrap="square" lIns="91425" tIns="91425" rIns="91425" bIns="91425" anchor="ctr" anchorCtr="0">
             <a:noAutofit/>
           </a:bodyPr>
           <a:lstStyle/>
           <a:p>
-            <a:pPr indent="0" lvl="0" marL="0" rtl="0" algn="ctr">
+            <a:pPr marL="0" lvl="0" indent="0" algn="ctr" rtl="0">
               <a:spcBef>
                 <a:spcPts val="0"/>
               </a:spcBef>
@@ -10597,9 +10615,11 @@
       <p:sp>
         <p:nvSpPr>
           <p:cNvPr id="129" name="Google Shape;129;p13"/>
-          <p:cNvSpPr txBox="1"/>
+          <p:cNvSpPr txBox="1">
+            <a:spLocks noGrp="1"/>
+          </p:cNvSpPr>
           <p:nvPr>
-            <p:ph idx="1" type="subTitle"/>
+            <p:ph type="subTitle" idx="1"/>
           </p:nvPr>
         </p:nvSpPr>
         <p:spPr>
@@ -10612,12 +10632,12 @@
           </a:prstGeom>
         </p:spPr>
         <p:txBody>
-          <a:bodyPr anchorCtr="0" anchor="t" bIns="91425" lIns="91425" spcFirstLastPara="1" rIns="91425" wrap="square" tIns="91425">
+          <a:bodyPr spcFirstLastPara="1" wrap="square" lIns="91425" tIns="91425" rIns="91425" bIns="91425" anchor="t" anchorCtr="0">
             <a:noAutofit/>
           </a:bodyPr>
           <a:lstStyle/>
           <a:p>
-            <a:pPr indent="0" lvl="0" marL="0" rtl="0" algn="just">
+            <a:pPr marL="0" lvl="0" indent="0" algn="just" rtl="0">
               <a:spcBef>
                 <a:spcPts val="0"/>
               </a:spcBef>
@@ -10633,7 +10653,7 @@
             <a:endParaRPr sz="1800"/>
           </a:p>
           <a:p>
-            <a:pPr indent="0" lvl="0" marL="0" rtl="0" algn="just">
+            <a:pPr marL="0" lvl="0" indent="0" algn="just" rtl="0">
               <a:spcBef>
                 <a:spcPts val="0"/>
               </a:spcBef>
@@ -10649,7 +10669,7 @@
             <a:endParaRPr sz="1800"/>
           </a:p>
           <a:p>
-            <a:pPr indent="0" lvl="0" marL="0" rtl="0" algn="just">
+            <a:pPr marL="0" lvl="0" indent="0" algn="just" rtl="0">
               <a:spcBef>
                 <a:spcPts val="0"/>
               </a:spcBef>
@@ -10675,11 +10695,11 @@
 </file>
 
 <file path=ppt/slides/slide10.xml><?xml version="1.0" encoding="utf-8"?>
-<p:sld xmlns:a="http://schemas.openxmlformats.org/drawingml/2006/main" xmlns:r="http://schemas.openxmlformats.org/officeDocument/2006/relationships" xmlns:mc="http://schemas.openxmlformats.org/markup-compatibility/2006" xmlns:mv="urn:schemas-microsoft-com:mac:vml" xmlns:p="http://schemas.openxmlformats.org/presentationml/2006/main" xmlns:c="http://schemas.openxmlformats.org/drawingml/2006/chart" xmlns:dgm="http://schemas.openxmlformats.org/drawingml/2006/diagram" xmlns:o="urn:schemas-microsoft-com:office:office" xmlns:v="urn:schemas-microsoft-com:vml" xmlns:pvml="urn:schemas-microsoft-com:office:powerpoint" xmlns:com="http://schemas.openxmlformats.org/drawingml/2006/compatibility" xmlns:p14="http://schemas.microsoft.com/office/powerpoint/2010/main" xmlns:p15="http://schemas.microsoft.com/office/powerpoint/2012/main">
+<p:sld xmlns:a="http://schemas.openxmlformats.org/drawingml/2006/main" xmlns:r="http://schemas.openxmlformats.org/officeDocument/2006/relationships" xmlns:p="http://schemas.openxmlformats.org/presentationml/2006/main">
   <p:cSld>
     <p:spTree>
       <p:nvGrpSpPr>
-        <p:cNvPr id="181" name="Shape 181"/>
+        <p:cNvPr id="1" name="Shape 181"/>
         <p:cNvGrpSpPr/>
         <p:nvPr/>
       </p:nvGrpSpPr>
@@ -10691,38 +10711,12 @@
           <a:chExt cx="0" cy="0"/>
         </a:xfrm>
       </p:grpSpPr>
-      <p:pic>
-        <p:nvPicPr>
-          <p:cNvPr id="182" name="Google Shape;182;p22"/>
-          <p:cNvPicPr preferRelativeResize="0"/>
-          <p:nvPr/>
-        </p:nvPicPr>
-        <p:blipFill>
-          <a:blip r:embed="rId3">
-            <a:alphaModFix/>
-          </a:blip>
-          <a:stretch>
-            <a:fillRect/>
-          </a:stretch>
-        </p:blipFill>
-        <p:spPr>
-          <a:xfrm>
-            <a:off x="3890450" y="432275"/>
-            <a:ext cx="4361026" cy="4332951"/>
-          </a:xfrm>
-          <a:prstGeom prst="rect">
-            <a:avLst/>
-          </a:prstGeom>
-          <a:noFill/>
-          <a:ln>
-            <a:noFill/>
-          </a:ln>
-        </p:spPr>
-      </p:pic>
       <p:sp>
         <p:nvSpPr>
           <p:cNvPr id="183" name="Google Shape;183;p22"/>
-          <p:cNvSpPr txBox="1"/>
+          <p:cNvSpPr txBox="1">
+            <a:spLocks noGrp="1"/>
+          </p:cNvSpPr>
           <p:nvPr>
             <p:ph type="title"/>
           </p:nvPr>
@@ -10737,12 +10731,12 @@
           </a:prstGeom>
         </p:spPr>
         <p:txBody>
-          <a:bodyPr anchorCtr="0" anchor="t" bIns="91425" lIns="91425" spcFirstLastPara="1" rIns="91425" wrap="square" tIns="91425">
+          <a:bodyPr spcFirstLastPara="1" wrap="square" lIns="91425" tIns="91425" rIns="91425" bIns="91425" anchor="t" anchorCtr="0">
             <a:noAutofit/>
           </a:bodyPr>
           <a:lstStyle/>
           <a:p>
-            <a:pPr indent="0" lvl="0" marL="0" rtl="0" algn="l">
+            <a:pPr marL="0" lvl="0" indent="0" algn="l" rtl="0">
               <a:spcBef>
                 <a:spcPts val="0"/>
               </a:spcBef>
@@ -10759,6 +10753,53 @@
           </a:p>
         </p:txBody>
       </p:sp>
+      <p:pic>
+        <p:nvPicPr>
+          <p:cNvPr id="1026" name="Picture 2">
+            <a:extLst>
+              <a:ext uri="{FF2B5EF4-FFF2-40B4-BE49-F238E27FC236}">
+                <a16:creationId xmlns:a16="http://schemas.microsoft.com/office/drawing/2014/main" id="{26150385-EA04-478E-8701-1498E16BC7A6}"/>
+              </a:ext>
+            </a:extLst>
+          </p:cNvPr>
+          <p:cNvPicPr>
+            <a:picLocks noChangeAspect="1" noChangeArrowheads="1"/>
+          </p:cNvPicPr>
+          <p:nvPr/>
+        </p:nvPicPr>
+        <p:blipFill>
+          <a:blip r:embed="rId3">
+            <a:extLst>
+              <a:ext uri="{28A0092B-C50C-407E-A947-70E740481C1C}">
+                <a14:useLocalDpi xmlns:a14="http://schemas.microsoft.com/office/drawing/2010/main" val="0"/>
+              </a:ext>
+            </a:extLst>
+          </a:blip>
+          <a:srcRect/>
+          <a:stretch>
+            <a:fillRect/>
+          </a:stretch>
+        </p:blipFill>
+        <p:spPr bwMode="auto">
+          <a:xfrm>
+            <a:off x="5364046" y="0"/>
+            <a:ext cx="3575050" cy="5143500"/>
+          </a:xfrm>
+          <a:prstGeom prst="rect">
+            <a:avLst/>
+          </a:prstGeom>
+          <a:noFill/>
+          <a:extLst>
+            <a:ext uri="{909E8E84-426E-40DD-AFC4-6F175D3DCCD1}">
+              <a14:hiddenFill xmlns:a14="http://schemas.microsoft.com/office/drawing/2010/main">
+                <a:solidFill>
+                  <a:srgbClr val="FFFFFF"/>
+                </a:solidFill>
+              </a14:hiddenFill>
+            </a:ext>
+          </a:extLst>
+        </p:spPr>
+      </p:pic>
     </p:spTree>
   </p:cSld>
   <p:clrMapOvr>
@@ -10768,11 +10809,11 @@
 </file>
 
 <file path=ppt/slides/slide11.xml><?xml version="1.0" encoding="utf-8"?>
-<p:sld xmlns:a="http://schemas.openxmlformats.org/drawingml/2006/main" xmlns:r="http://schemas.openxmlformats.org/officeDocument/2006/relationships" xmlns:mc="http://schemas.openxmlformats.org/markup-compatibility/2006" xmlns:mv="urn:schemas-microsoft-com:mac:vml" xmlns:p="http://schemas.openxmlformats.org/presentationml/2006/main" xmlns:c="http://schemas.openxmlformats.org/drawingml/2006/chart" xmlns:dgm="http://schemas.openxmlformats.org/drawingml/2006/diagram" xmlns:o="urn:schemas-microsoft-com:office:office" xmlns:v="urn:schemas-microsoft-com:vml" xmlns:pvml="urn:schemas-microsoft-com:office:powerpoint" xmlns:com="http://schemas.openxmlformats.org/drawingml/2006/compatibility" xmlns:p14="http://schemas.microsoft.com/office/powerpoint/2010/main" xmlns:p15="http://schemas.microsoft.com/office/powerpoint/2012/main">
+<p:sld xmlns:a="http://schemas.openxmlformats.org/drawingml/2006/main" xmlns:r="http://schemas.openxmlformats.org/officeDocument/2006/relationships" xmlns:p="http://schemas.openxmlformats.org/presentationml/2006/main">
   <p:cSld>
     <p:spTree>
       <p:nvGrpSpPr>
-        <p:cNvPr id="187" name="Shape 187"/>
+        <p:cNvPr id="1" name="Shape 187"/>
         <p:cNvGrpSpPr/>
         <p:nvPr/>
       </p:nvGrpSpPr>
@@ -10787,7 +10828,9 @@
       <p:sp>
         <p:nvSpPr>
           <p:cNvPr id="188" name="Google Shape;188;p23"/>
-          <p:cNvSpPr txBox="1"/>
+          <p:cNvSpPr txBox="1">
+            <a:spLocks noGrp="1"/>
+          </p:cNvSpPr>
           <p:nvPr>
             <p:ph type="title"/>
           </p:nvPr>
@@ -10802,12 +10845,12 @@
           </a:prstGeom>
         </p:spPr>
         <p:txBody>
-          <a:bodyPr anchorCtr="0" anchor="t" bIns="91425" lIns="91425" spcFirstLastPara="1" rIns="91425" wrap="square" tIns="91425">
+          <a:bodyPr spcFirstLastPara="1" wrap="square" lIns="91425" tIns="91425" rIns="91425" bIns="91425" anchor="t" anchorCtr="0">
             <a:noAutofit/>
           </a:bodyPr>
           <a:lstStyle/>
           <a:p>
-            <a:pPr indent="0" lvl="0" marL="0" rtl="0" algn="l">
+            <a:pPr marL="0" lvl="0" indent="0" algn="l" rtl="0">
               <a:spcBef>
                 <a:spcPts val="0"/>
               </a:spcBef>
@@ -10827,9 +10870,11 @@
       <p:sp>
         <p:nvSpPr>
           <p:cNvPr id="189" name="Google Shape;189;p23"/>
-          <p:cNvSpPr txBox="1"/>
+          <p:cNvSpPr txBox="1">
+            <a:spLocks noGrp="1"/>
+          </p:cNvSpPr>
           <p:nvPr>
-            <p:ph idx="1" type="body"/>
+            <p:ph type="body" idx="1"/>
           </p:nvPr>
         </p:nvSpPr>
         <p:spPr>
@@ -10842,12 +10887,12 @@
           </a:prstGeom>
         </p:spPr>
         <p:txBody>
-          <a:bodyPr anchorCtr="0" anchor="t" bIns="91425" lIns="91425" spcFirstLastPara="1" rIns="91425" wrap="square" tIns="91425">
+          <a:bodyPr spcFirstLastPara="1" wrap="square" lIns="91425" tIns="91425" rIns="91425" bIns="91425" anchor="t" anchorCtr="0">
             <a:noAutofit/>
           </a:bodyPr>
           <a:lstStyle/>
           <a:p>
-            <a:pPr indent="-342900" lvl="0" marL="457200" rtl="0" algn="l">
+            <a:pPr marL="457200" lvl="0" indent="-342900" algn="l" rtl="0">
               <a:spcBef>
                 <a:spcPts val="0"/>
               </a:spcBef>
@@ -10882,7 +10927,7 @@
             </a:endParaRPr>
           </a:p>
           <a:p>
-            <a:pPr indent="-342900" lvl="0" marL="457200" rtl="0" algn="l">
+            <a:pPr marL="457200" lvl="0" indent="-342900" algn="l" rtl="0">
               <a:spcBef>
                 <a:spcPts val="0"/>
               </a:spcBef>
@@ -10934,7 +10979,7 @@
             </a:endParaRPr>
           </a:p>
           <a:p>
-            <a:pPr indent="-342900" lvl="0" marL="457200" rtl="0" algn="l">
+            <a:pPr marL="457200" lvl="0" indent="-342900" algn="l" rtl="0">
               <a:spcBef>
                 <a:spcPts val="0"/>
               </a:spcBef>
@@ -10978,11 +11023,11 @@
 </file>
 
 <file path=ppt/slides/slide12.xml><?xml version="1.0" encoding="utf-8"?>
-<p:sld xmlns:a="http://schemas.openxmlformats.org/drawingml/2006/main" xmlns:r="http://schemas.openxmlformats.org/officeDocument/2006/relationships" xmlns:mc="http://schemas.openxmlformats.org/markup-compatibility/2006" xmlns:mv="urn:schemas-microsoft-com:mac:vml" xmlns:p="http://schemas.openxmlformats.org/presentationml/2006/main" xmlns:c="http://schemas.openxmlformats.org/drawingml/2006/chart" xmlns:dgm="http://schemas.openxmlformats.org/drawingml/2006/diagram" xmlns:o="urn:schemas-microsoft-com:office:office" xmlns:v="urn:schemas-microsoft-com:vml" xmlns:pvml="urn:schemas-microsoft-com:office:powerpoint" xmlns:com="http://schemas.openxmlformats.org/drawingml/2006/compatibility" xmlns:p14="http://schemas.microsoft.com/office/powerpoint/2010/main" xmlns:p15="http://schemas.microsoft.com/office/powerpoint/2012/main">
+<p:sld xmlns:a="http://schemas.openxmlformats.org/drawingml/2006/main" xmlns:r="http://schemas.openxmlformats.org/officeDocument/2006/relationships" xmlns:p="http://schemas.openxmlformats.org/presentationml/2006/main">
   <p:cSld>
     <p:spTree>
       <p:nvGrpSpPr>
-        <p:cNvPr id="193" name="Shape 193"/>
+        <p:cNvPr id="1" name="Shape 193"/>
         <p:cNvGrpSpPr/>
         <p:nvPr/>
       </p:nvGrpSpPr>
@@ -10997,7 +11042,9 @@
       <p:sp>
         <p:nvSpPr>
           <p:cNvPr id="194" name="Google Shape;194;p24"/>
-          <p:cNvSpPr txBox="1"/>
+          <p:cNvSpPr txBox="1">
+            <a:spLocks noGrp="1"/>
+          </p:cNvSpPr>
           <p:nvPr>
             <p:ph type="title"/>
           </p:nvPr>
@@ -11012,12 +11059,12 @@
           </a:prstGeom>
         </p:spPr>
         <p:txBody>
-          <a:bodyPr anchorCtr="0" anchor="t" bIns="91425" lIns="91425" spcFirstLastPara="1" rIns="91425" wrap="square" tIns="91425">
+          <a:bodyPr spcFirstLastPara="1" wrap="square" lIns="91425" tIns="91425" rIns="91425" bIns="91425" anchor="t" anchorCtr="0">
             <a:noAutofit/>
           </a:bodyPr>
           <a:lstStyle/>
           <a:p>
-            <a:pPr indent="0" lvl="0" marL="0" rtl="0" algn="l">
+            <a:pPr marL="0" lvl="0" indent="0" algn="l" rtl="0">
               <a:spcBef>
                 <a:spcPts val="0"/>
               </a:spcBef>
@@ -11037,9 +11084,11 @@
       <p:sp>
         <p:nvSpPr>
           <p:cNvPr id="195" name="Google Shape;195;p24"/>
-          <p:cNvSpPr txBox="1"/>
+          <p:cNvSpPr txBox="1">
+            <a:spLocks noGrp="1"/>
+          </p:cNvSpPr>
           <p:nvPr>
-            <p:ph idx="1" type="body"/>
+            <p:ph type="body" idx="1"/>
           </p:nvPr>
         </p:nvSpPr>
         <p:spPr>
@@ -11052,12 +11101,12 @@
           </a:prstGeom>
         </p:spPr>
         <p:txBody>
-          <a:bodyPr anchorCtr="0" anchor="t" bIns="91425" lIns="91425" spcFirstLastPara="1" rIns="91425" wrap="square" tIns="91425">
+          <a:bodyPr spcFirstLastPara="1" wrap="square" lIns="91425" tIns="91425" rIns="91425" bIns="91425" anchor="t" anchorCtr="0">
             <a:noAutofit/>
           </a:bodyPr>
           <a:lstStyle/>
           <a:p>
-            <a:pPr indent="-342900" lvl="0" marL="457200" rtl="0" algn="l">
+            <a:pPr marL="457200" lvl="0" indent="-342900" algn="l" rtl="0">
               <a:spcBef>
                 <a:spcPts val="0"/>
               </a:spcBef>
@@ -11074,7 +11123,7 @@
             <a:endParaRPr sz="1800"/>
           </a:p>
           <a:p>
-            <a:pPr indent="-317500" lvl="1" marL="914400" rtl="0" algn="l">
+            <a:pPr marL="914400" lvl="1" indent="-317500" algn="l" rtl="0">
               <a:spcBef>
                 <a:spcPts val="0"/>
               </a:spcBef>
@@ -11091,7 +11140,7 @@
             <a:endParaRPr sz="1400"/>
           </a:p>
           <a:p>
-            <a:pPr indent="-317500" lvl="1" marL="914400" rtl="0" algn="l">
+            <a:pPr marL="914400" lvl="1" indent="-317500" algn="l" rtl="0">
               <a:spcBef>
                 <a:spcPts val="0"/>
               </a:spcBef>
@@ -11111,7 +11160,7 @@
             <a:endParaRPr sz="1400"/>
           </a:p>
           <a:p>
-            <a:pPr indent="-342900" lvl="0" marL="457200" rtl="0" algn="l">
+            <a:pPr marL="457200" lvl="0" indent="-342900" algn="l" rtl="0">
               <a:spcBef>
                 <a:spcPts val="0"/>
               </a:spcBef>
@@ -11128,7 +11177,7 @@
             <a:endParaRPr sz="1800"/>
           </a:p>
           <a:p>
-            <a:pPr indent="-317500" lvl="1" marL="914400" rtl="0" algn="l">
+            <a:pPr marL="914400" lvl="1" indent="-317500" algn="l" rtl="0">
               <a:spcBef>
                 <a:spcPts val="0"/>
               </a:spcBef>
@@ -11145,7 +11194,7 @@
             <a:endParaRPr sz="1400"/>
           </a:p>
           <a:p>
-            <a:pPr indent="-317500" lvl="1" marL="914400" rtl="0" algn="l">
+            <a:pPr marL="914400" lvl="1" indent="-317500" algn="l" rtl="0">
               <a:spcBef>
                 <a:spcPts val="0"/>
               </a:spcBef>
@@ -11172,11 +11221,11 @@
 </file>
 
 <file path=ppt/slides/slide13.xml><?xml version="1.0" encoding="utf-8"?>
-<p:sld xmlns:a="http://schemas.openxmlformats.org/drawingml/2006/main" xmlns:r="http://schemas.openxmlformats.org/officeDocument/2006/relationships" xmlns:mc="http://schemas.openxmlformats.org/markup-compatibility/2006" xmlns:mv="urn:schemas-microsoft-com:mac:vml" xmlns:p="http://schemas.openxmlformats.org/presentationml/2006/main" xmlns:c="http://schemas.openxmlformats.org/drawingml/2006/chart" xmlns:dgm="http://schemas.openxmlformats.org/drawingml/2006/diagram" xmlns:o="urn:schemas-microsoft-com:office:office" xmlns:v="urn:schemas-microsoft-com:vml" xmlns:pvml="urn:schemas-microsoft-com:office:powerpoint" xmlns:com="http://schemas.openxmlformats.org/drawingml/2006/compatibility" xmlns:p14="http://schemas.microsoft.com/office/powerpoint/2010/main" xmlns:p15="http://schemas.microsoft.com/office/powerpoint/2012/main">
+<p:sld xmlns:a="http://schemas.openxmlformats.org/drawingml/2006/main" xmlns:r="http://schemas.openxmlformats.org/officeDocument/2006/relationships" xmlns:p="http://schemas.openxmlformats.org/presentationml/2006/main">
   <p:cSld>
     <p:spTree>
       <p:nvGrpSpPr>
-        <p:cNvPr id="199" name="Shape 199"/>
+        <p:cNvPr id="1" name="Shape 199"/>
         <p:cNvGrpSpPr/>
         <p:nvPr/>
       </p:nvGrpSpPr>
@@ -11191,7 +11240,9 @@
       <p:sp>
         <p:nvSpPr>
           <p:cNvPr id="200" name="Google Shape;200;p25"/>
-          <p:cNvSpPr txBox="1"/>
+          <p:cNvSpPr txBox="1">
+            <a:spLocks noGrp="1"/>
+          </p:cNvSpPr>
           <p:nvPr>
             <p:ph type="title"/>
           </p:nvPr>
@@ -11206,12 +11257,12 @@
           </a:prstGeom>
         </p:spPr>
         <p:txBody>
-          <a:bodyPr anchorCtr="0" anchor="t" bIns="91425" lIns="91425" spcFirstLastPara="1" rIns="91425" wrap="square" tIns="91425">
+          <a:bodyPr spcFirstLastPara="1" wrap="square" lIns="91425" tIns="91425" rIns="91425" bIns="91425" anchor="t" anchorCtr="0">
             <a:noAutofit/>
           </a:bodyPr>
           <a:lstStyle/>
           <a:p>
-            <a:pPr indent="0" lvl="0" marL="0" rtl="0" algn="l">
+            <a:pPr marL="0" lvl="0" indent="0" algn="l" rtl="0">
               <a:spcBef>
                 <a:spcPts val="0"/>
               </a:spcBef>
@@ -11231,9 +11282,11 @@
       <p:sp>
         <p:nvSpPr>
           <p:cNvPr id="201" name="Google Shape;201;p25"/>
-          <p:cNvSpPr txBox="1"/>
+          <p:cNvSpPr txBox="1">
+            <a:spLocks noGrp="1"/>
+          </p:cNvSpPr>
           <p:nvPr>
-            <p:ph idx="1" type="body"/>
+            <p:ph type="body" idx="1"/>
           </p:nvPr>
         </p:nvSpPr>
         <p:spPr>
@@ -11246,12 +11299,12 @@
           </a:prstGeom>
         </p:spPr>
         <p:txBody>
-          <a:bodyPr anchorCtr="0" anchor="t" bIns="91425" lIns="91425" spcFirstLastPara="1" rIns="91425" wrap="square" tIns="91425">
+          <a:bodyPr spcFirstLastPara="1" wrap="square" lIns="91425" tIns="91425" rIns="91425" bIns="91425" anchor="t" anchorCtr="0">
             <a:noAutofit/>
           </a:bodyPr>
           <a:lstStyle/>
           <a:p>
-            <a:pPr indent="-342900" lvl="0" marL="457200" rtl="0" algn="l">
+            <a:pPr marL="457200" lvl="0" indent="-342900" algn="l" rtl="0">
               <a:spcBef>
                 <a:spcPts val="0"/>
               </a:spcBef>
@@ -11271,7 +11324,7 @@
             <a:endParaRPr sz="1800"/>
           </a:p>
           <a:p>
-            <a:pPr indent="-342900" lvl="0" marL="457200" rtl="0" algn="l">
+            <a:pPr marL="457200" lvl="0" indent="-342900" algn="l" rtl="0">
               <a:spcBef>
                 <a:spcPts val="0"/>
               </a:spcBef>
@@ -11291,7 +11344,7 @@
             <a:endParaRPr sz="1800"/>
           </a:p>
           <a:p>
-            <a:pPr indent="-342900" lvl="0" marL="457200" rtl="0" algn="l">
+            <a:pPr marL="457200" lvl="0" indent="-342900" algn="l" rtl="0">
               <a:spcBef>
                 <a:spcPts val="0"/>
               </a:spcBef>
@@ -11318,11 +11371,11 @@
 </file>
 
 <file path=ppt/slides/slide14.xml><?xml version="1.0" encoding="utf-8"?>
-<p:sld xmlns:a="http://schemas.openxmlformats.org/drawingml/2006/main" xmlns:r="http://schemas.openxmlformats.org/officeDocument/2006/relationships" xmlns:mc="http://schemas.openxmlformats.org/markup-compatibility/2006" xmlns:mv="urn:schemas-microsoft-com:mac:vml" xmlns:p="http://schemas.openxmlformats.org/presentationml/2006/main" xmlns:c="http://schemas.openxmlformats.org/drawingml/2006/chart" xmlns:dgm="http://schemas.openxmlformats.org/drawingml/2006/diagram" xmlns:o="urn:schemas-microsoft-com:office:office" xmlns:v="urn:schemas-microsoft-com:vml" xmlns:pvml="urn:schemas-microsoft-com:office:powerpoint" xmlns:com="http://schemas.openxmlformats.org/drawingml/2006/compatibility" xmlns:p14="http://schemas.microsoft.com/office/powerpoint/2010/main" xmlns:p15="http://schemas.microsoft.com/office/powerpoint/2012/main">
+<p:sld xmlns:a="http://schemas.openxmlformats.org/drawingml/2006/main" xmlns:r="http://schemas.openxmlformats.org/officeDocument/2006/relationships" xmlns:p="http://schemas.openxmlformats.org/presentationml/2006/main">
   <p:cSld>
     <p:spTree>
       <p:nvGrpSpPr>
-        <p:cNvPr id="205" name="Shape 205"/>
+        <p:cNvPr id="1" name="Shape 205"/>
         <p:cNvGrpSpPr/>
         <p:nvPr/>
       </p:nvGrpSpPr>
@@ -11371,11 +11424,11 @@
 </file>
 
 <file path=ppt/slides/slide2.xml><?xml version="1.0" encoding="utf-8"?>
-<p:sld xmlns:a="http://schemas.openxmlformats.org/drawingml/2006/main" xmlns:r="http://schemas.openxmlformats.org/officeDocument/2006/relationships" xmlns:mc="http://schemas.openxmlformats.org/markup-compatibility/2006" xmlns:mv="urn:schemas-microsoft-com:mac:vml" xmlns:p="http://schemas.openxmlformats.org/presentationml/2006/main" xmlns:c="http://schemas.openxmlformats.org/drawingml/2006/chart" xmlns:dgm="http://schemas.openxmlformats.org/drawingml/2006/diagram" xmlns:o="urn:schemas-microsoft-com:office:office" xmlns:v="urn:schemas-microsoft-com:vml" xmlns:pvml="urn:schemas-microsoft-com:office:powerpoint" xmlns:com="http://schemas.openxmlformats.org/drawingml/2006/compatibility" xmlns:p14="http://schemas.microsoft.com/office/powerpoint/2010/main" xmlns:p15="http://schemas.microsoft.com/office/powerpoint/2012/main">
+<p:sld xmlns:a="http://schemas.openxmlformats.org/drawingml/2006/main" xmlns:r="http://schemas.openxmlformats.org/officeDocument/2006/relationships" xmlns:p="http://schemas.openxmlformats.org/presentationml/2006/main">
   <p:cSld>
     <p:spTree>
       <p:nvGrpSpPr>
-        <p:cNvPr id="133" name="Shape 133"/>
+        <p:cNvPr id="1" name="Shape 133"/>
         <p:cNvGrpSpPr/>
         <p:nvPr/>
       </p:nvGrpSpPr>
@@ -11390,7 +11443,9 @@
       <p:sp>
         <p:nvSpPr>
           <p:cNvPr id="134" name="Google Shape;134;p14"/>
-          <p:cNvSpPr txBox="1"/>
+          <p:cNvSpPr txBox="1">
+            <a:spLocks noGrp="1"/>
+          </p:cNvSpPr>
           <p:nvPr>
             <p:ph type="title"/>
           </p:nvPr>
@@ -11405,12 +11460,12 @@
           </a:prstGeom>
         </p:spPr>
         <p:txBody>
-          <a:bodyPr anchorCtr="0" anchor="t" bIns="91425" lIns="91425" spcFirstLastPara="1" rIns="91425" wrap="square" tIns="91425">
+          <a:bodyPr spcFirstLastPara="1" wrap="square" lIns="91425" tIns="91425" rIns="91425" bIns="91425" anchor="t" anchorCtr="0">
             <a:noAutofit/>
           </a:bodyPr>
           <a:lstStyle/>
           <a:p>
-            <a:pPr indent="0" lvl="0" marL="0" rtl="0" algn="l">
+            <a:pPr marL="0" lvl="0" indent="0" algn="l" rtl="0">
               <a:spcBef>
                 <a:spcPts val="0"/>
               </a:spcBef>
@@ -11445,8 +11500,20 @@
                 <a:tableStyleId>{AFAD48E7-7A2E-4B27-A5C6-AD9FF7BAE5BB}</a:tableStyleId>
               </a:tblPr>
               <a:tblGrid>
-                <a:gridCol w="2177825"/>
-                <a:gridCol w="1972375"/>
+                <a:gridCol w="2177825">
+                  <a:extLst>
+                    <a:ext uri="{9D8B030D-6E8A-4147-A177-3AD203B41FA5}">
+                      <a16:colId xmlns:a16="http://schemas.microsoft.com/office/drawing/2014/main" val="20000"/>
+                    </a:ext>
+                  </a:extLst>
+                </a:gridCol>
+                <a:gridCol w="1972375">
+                  <a:extLst>
+                    <a:ext uri="{9D8B030D-6E8A-4147-A177-3AD203B41FA5}">
+                      <a16:colId xmlns:a16="http://schemas.microsoft.com/office/drawing/2014/main" val="20001"/>
+                    </a:ext>
+                  </a:extLst>
+                </a:gridCol>
               </a:tblGrid>
               <a:tr h="665450">
                 <a:tc>
@@ -11454,7 +11521,7 @@
                     <a:bodyPr/>
                     <a:lstStyle/>
                     <a:p>
-                      <a:pPr indent="0" lvl="0" marL="0" rtl="0" algn="r">
+                      <a:pPr marL="0" lvl="0" indent="0" algn="r" rtl="0">
                         <a:spcBef>
                           <a:spcPts val="0"/>
                         </a:spcBef>
@@ -11464,14 +11531,14 @@
                         <a:buNone/>
                       </a:pPr>
                       <a:r>
-                        <a:rPr b="1" lang="en" sz="1700"/>
+                        <a:rPr lang="en" sz="1700" b="1"/>
                         <a:t>Where I am From:</a:t>
                       </a:r>
-                      <a:endParaRPr b="1" sz="1700"/>
+                      <a:endParaRPr sz="1700" b="1"/>
                     </a:p>
                   </a:txBody>
-                  <a:tcPr marT="91425" marB="91425" marR="91425" marL="91425">
-                    <a:lnL cap="flat" cmpd="sng" w="9525">
+                  <a:tcPr marL="91425" marR="91425" marT="91425" marB="91425">
+                    <a:lnL w="9525" cap="flat" cmpd="sng">
                       <a:solidFill>
                         <a:srgbClr val="9E9E9E">
                           <a:alpha val="0"/>
@@ -11479,10 +11546,10 @@
                       </a:solidFill>
                       <a:prstDash val="solid"/>
                       <a:round/>
-                      <a:headEnd len="sm" w="sm" type="none"/>
-                      <a:tailEnd len="sm" w="sm" type="none"/>
+                      <a:headEnd type="none" w="sm" len="sm"/>
+                      <a:tailEnd type="none" w="sm" len="sm"/>
                     </a:lnL>
-                    <a:lnR cap="flat" cmpd="sng" w="9525">
+                    <a:lnR w="9525" cap="flat" cmpd="sng">
                       <a:solidFill>
                         <a:srgbClr val="9E9E9E">
                           <a:alpha val="0"/>
@@ -11490,10 +11557,10 @@
                       </a:solidFill>
                       <a:prstDash val="solid"/>
                       <a:round/>
-                      <a:headEnd len="sm" w="sm" type="none"/>
-                      <a:tailEnd len="sm" w="sm" type="none"/>
+                      <a:headEnd type="none" w="sm" len="sm"/>
+                      <a:tailEnd type="none" w="sm" len="sm"/>
                     </a:lnR>
-                    <a:lnT cap="flat" cmpd="sng" w="9525">
+                    <a:lnT w="9525" cap="flat" cmpd="sng">
                       <a:solidFill>
                         <a:srgbClr val="9E9E9E">
                           <a:alpha val="0"/>
@@ -11501,10 +11568,10 @@
                       </a:solidFill>
                       <a:prstDash val="solid"/>
                       <a:round/>
-                      <a:headEnd len="sm" w="sm" type="none"/>
-                      <a:tailEnd len="sm" w="sm" type="none"/>
+                      <a:headEnd type="none" w="sm" len="sm"/>
+                      <a:tailEnd type="none" w="sm" len="sm"/>
                     </a:lnT>
-                    <a:lnB cap="flat" cmpd="sng" w="9525">
+                    <a:lnB w="9525" cap="flat" cmpd="sng">
                       <a:solidFill>
                         <a:srgbClr val="9E9E9E">
                           <a:alpha val="0"/>
@@ -11512,8 +11579,8 @@
                       </a:solidFill>
                       <a:prstDash val="solid"/>
                       <a:round/>
-                      <a:headEnd len="sm" w="sm" type="none"/>
-                      <a:tailEnd len="sm" w="sm" type="none"/>
+                      <a:headEnd type="none" w="sm" len="sm"/>
+                      <a:tailEnd type="none" w="sm" len="sm"/>
                     </a:lnB>
                   </a:tcPr>
                 </a:tc>
@@ -11522,7 +11589,7 @@
                     <a:bodyPr/>
                     <a:lstStyle/>
                     <a:p>
-                      <a:pPr indent="0" lvl="0" marL="0" rtl="0" algn="l">
+                      <a:pPr marL="0" lvl="0" indent="0" algn="l" rtl="0">
                         <a:spcBef>
                           <a:spcPts val="0"/>
                         </a:spcBef>
@@ -11538,8 +11605,8 @@
                       <a:endParaRPr sz="1700"/>
                     </a:p>
                   </a:txBody>
-                  <a:tcPr marT="91425" marB="91425" marR="91425" marL="91425">
-                    <a:lnL cap="flat" cmpd="sng" w="9525">
+                  <a:tcPr marL="91425" marR="91425" marT="91425" marB="91425">
+                    <a:lnL w="9525" cap="flat" cmpd="sng">
                       <a:solidFill>
                         <a:srgbClr val="9E9E9E">
                           <a:alpha val="0"/>
@@ -11547,10 +11614,10 @@
                       </a:solidFill>
                       <a:prstDash val="solid"/>
                       <a:round/>
-                      <a:headEnd len="sm" w="sm" type="none"/>
-                      <a:tailEnd len="sm" w="sm" type="none"/>
+                      <a:headEnd type="none" w="sm" len="sm"/>
+                      <a:tailEnd type="none" w="sm" len="sm"/>
                     </a:lnL>
-                    <a:lnR cap="flat" cmpd="sng" w="9525">
+                    <a:lnR w="9525" cap="flat" cmpd="sng">
                       <a:solidFill>
                         <a:srgbClr val="9E9E9E">
                           <a:alpha val="0"/>
@@ -11558,10 +11625,10 @@
                       </a:solidFill>
                       <a:prstDash val="solid"/>
                       <a:round/>
-                      <a:headEnd len="sm" w="sm" type="none"/>
-                      <a:tailEnd len="sm" w="sm" type="none"/>
+                      <a:headEnd type="none" w="sm" len="sm"/>
+                      <a:tailEnd type="none" w="sm" len="sm"/>
                     </a:lnR>
-                    <a:lnT cap="flat" cmpd="sng" w="9525">
+                    <a:lnT w="9525" cap="flat" cmpd="sng">
                       <a:solidFill>
                         <a:srgbClr val="9E9E9E">
                           <a:alpha val="0"/>
@@ -11569,10 +11636,10 @@
                       </a:solidFill>
                       <a:prstDash val="solid"/>
                       <a:round/>
-                      <a:headEnd len="sm" w="sm" type="none"/>
-                      <a:tailEnd len="sm" w="sm" type="none"/>
+                      <a:headEnd type="none" w="sm" len="sm"/>
+                      <a:tailEnd type="none" w="sm" len="sm"/>
                     </a:lnT>
-                    <a:lnB cap="flat" cmpd="sng" w="9525">
+                    <a:lnB w="9525" cap="flat" cmpd="sng">
                       <a:solidFill>
                         <a:srgbClr val="9E9E9E">
                           <a:alpha val="0"/>
@@ -11580,11 +11647,16 @@
                       </a:solidFill>
                       <a:prstDash val="solid"/>
                       <a:round/>
-                      <a:headEnd len="sm" w="sm" type="none"/>
-                      <a:tailEnd len="sm" w="sm" type="none"/>
+                      <a:headEnd type="none" w="sm" len="sm"/>
+                      <a:tailEnd type="none" w="sm" len="sm"/>
                     </a:lnB>
                   </a:tcPr>
                 </a:tc>
+                <a:extLst>
+                  <a:ext uri="{0D108BD9-81ED-4DB2-BD59-A6C34878D82A}">
+                    <a16:rowId xmlns:a16="http://schemas.microsoft.com/office/drawing/2014/main" val="10000"/>
+                  </a:ext>
+                </a:extLst>
               </a:tr>
               <a:tr h="665450">
                 <a:tc>
@@ -11592,7 +11664,7 @@
                     <a:bodyPr/>
                     <a:lstStyle/>
                     <a:p>
-                      <a:pPr indent="0" lvl="0" marL="0" rtl="0" algn="r">
+                      <a:pPr marL="0" lvl="0" indent="0" algn="r" rtl="0">
                         <a:spcBef>
                           <a:spcPts val="0"/>
                         </a:spcBef>
@@ -11602,14 +11674,14 @@
                         <a:buNone/>
                       </a:pPr>
                       <a:r>
-                        <a:rPr b="1" lang="en" sz="1700"/>
+                        <a:rPr lang="en" sz="1700" b="1"/>
                         <a:t>Age:</a:t>
                       </a:r>
-                      <a:endParaRPr b="1" sz="1700"/>
+                      <a:endParaRPr sz="1700" b="1"/>
                     </a:p>
                   </a:txBody>
-                  <a:tcPr marT="91425" marB="91425" marR="91425" marL="91425">
-                    <a:lnL cap="flat" cmpd="sng" w="9525">
+                  <a:tcPr marL="91425" marR="91425" marT="91425" marB="91425">
+                    <a:lnL w="9525" cap="flat" cmpd="sng">
                       <a:solidFill>
                         <a:srgbClr val="9E9E9E">
                           <a:alpha val="0"/>
@@ -11617,10 +11689,10 @@
                       </a:solidFill>
                       <a:prstDash val="solid"/>
                       <a:round/>
-                      <a:headEnd len="sm" w="sm" type="none"/>
-                      <a:tailEnd len="sm" w="sm" type="none"/>
+                      <a:headEnd type="none" w="sm" len="sm"/>
+                      <a:tailEnd type="none" w="sm" len="sm"/>
                     </a:lnL>
-                    <a:lnR cap="flat" cmpd="sng" w="9525">
+                    <a:lnR w="9525" cap="flat" cmpd="sng">
                       <a:solidFill>
                         <a:srgbClr val="9E9E9E">
                           <a:alpha val="0"/>
@@ -11628,10 +11700,10 @@
                       </a:solidFill>
                       <a:prstDash val="solid"/>
                       <a:round/>
-                      <a:headEnd len="sm" w="sm" type="none"/>
-                      <a:tailEnd len="sm" w="sm" type="none"/>
+                      <a:headEnd type="none" w="sm" len="sm"/>
+                      <a:tailEnd type="none" w="sm" len="sm"/>
                     </a:lnR>
-                    <a:lnT cap="flat" cmpd="sng" w="9525">
+                    <a:lnT w="9525" cap="flat" cmpd="sng">
                       <a:solidFill>
                         <a:srgbClr val="9E9E9E">
                           <a:alpha val="0"/>
@@ -11639,10 +11711,10 @@
                       </a:solidFill>
                       <a:prstDash val="solid"/>
                       <a:round/>
-                      <a:headEnd len="sm" w="sm" type="none"/>
-                      <a:tailEnd len="sm" w="sm" type="none"/>
+                      <a:headEnd type="none" w="sm" len="sm"/>
+                      <a:tailEnd type="none" w="sm" len="sm"/>
                     </a:lnT>
-                    <a:lnB cap="flat" cmpd="sng" w="9525">
+                    <a:lnB w="9525" cap="flat" cmpd="sng">
                       <a:solidFill>
                         <a:srgbClr val="9E9E9E">
                           <a:alpha val="0"/>
@@ -11650,8 +11722,8 @@
                       </a:solidFill>
                       <a:prstDash val="solid"/>
                       <a:round/>
-                      <a:headEnd len="sm" w="sm" type="none"/>
-                      <a:tailEnd len="sm" w="sm" type="none"/>
+                      <a:headEnd type="none" w="sm" len="sm"/>
+                      <a:tailEnd type="none" w="sm" len="sm"/>
                     </a:lnB>
                   </a:tcPr>
                 </a:tc>
@@ -11660,7 +11732,7 @@
                     <a:bodyPr/>
                     <a:lstStyle/>
                     <a:p>
-                      <a:pPr indent="0" lvl="0" marL="0" rtl="0" algn="l">
+                      <a:pPr marL="0" lvl="0" indent="0" algn="l" rtl="0">
                         <a:spcBef>
                           <a:spcPts val="0"/>
                         </a:spcBef>
@@ -11676,8 +11748,8 @@
                       <a:endParaRPr sz="1700"/>
                     </a:p>
                   </a:txBody>
-                  <a:tcPr marT="91425" marB="91425" marR="91425" marL="91425">
-                    <a:lnL cap="flat" cmpd="sng" w="9525">
+                  <a:tcPr marL="91425" marR="91425" marT="91425" marB="91425">
+                    <a:lnL w="9525" cap="flat" cmpd="sng">
                       <a:solidFill>
                         <a:srgbClr val="9E9E9E">
                           <a:alpha val="0"/>
@@ -11685,10 +11757,10 @@
                       </a:solidFill>
                       <a:prstDash val="solid"/>
                       <a:round/>
-                      <a:headEnd len="sm" w="sm" type="none"/>
-                      <a:tailEnd len="sm" w="sm" type="none"/>
+                      <a:headEnd type="none" w="sm" len="sm"/>
+                      <a:tailEnd type="none" w="sm" len="sm"/>
                     </a:lnL>
-                    <a:lnR cap="flat" cmpd="sng" w="9525">
+                    <a:lnR w="9525" cap="flat" cmpd="sng">
                       <a:solidFill>
                         <a:srgbClr val="9E9E9E">
                           <a:alpha val="0"/>
@@ -11696,10 +11768,10 @@
                       </a:solidFill>
                       <a:prstDash val="solid"/>
                       <a:round/>
-                      <a:headEnd len="sm" w="sm" type="none"/>
-                      <a:tailEnd len="sm" w="sm" type="none"/>
+                      <a:headEnd type="none" w="sm" len="sm"/>
+                      <a:tailEnd type="none" w="sm" len="sm"/>
                     </a:lnR>
-                    <a:lnT cap="flat" cmpd="sng" w="9525">
+                    <a:lnT w="9525" cap="flat" cmpd="sng">
                       <a:solidFill>
                         <a:srgbClr val="9E9E9E">
                           <a:alpha val="0"/>
@@ -11707,10 +11779,10 @@
                       </a:solidFill>
                       <a:prstDash val="solid"/>
                       <a:round/>
-                      <a:headEnd len="sm" w="sm" type="none"/>
-                      <a:tailEnd len="sm" w="sm" type="none"/>
+                      <a:headEnd type="none" w="sm" len="sm"/>
+                      <a:tailEnd type="none" w="sm" len="sm"/>
                     </a:lnT>
-                    <a:lnB cap="flat" cmpd="sng" w="9525">
+                    <a:lnB w="9525" cap="flat" cmpd="sng">
                       <a:solidFill>
                         <a:srgbClr val="9E9E9E">
                           <a:alpha val="0"/>
@@ -11718,11 +11790,16 @@
                       </a:solidFill>
                       <a:prstDash val="solid"/>
                       <a:round/>
-                      <a:headEnd len="sm" w="sm" type="none"/>
-                      <a:tailEnd len="sm" w="sm" type="none"/>
+                      <a:headEnd type="none" w="sm" len="sm"/>
+                      <a:tailEnd type="none" w="sm" len="sm"/>
                     </a:lnB>
                   </a:tcPr>
                 </a:tc>
+                <a:extLst>
+                  <a:ext uri="{0D108BD9-81ED-4DB2-BD59-A6C34878D82A}">
+                    <a16:rowId xmlns:a16="http://schemas.microsoft.com/office/drawing/2014/main" val="10001"/>
+                  </a:ext>
+                </a:extLst>
               </a:tr>
               <a:tr h="665450">
                 <a:tc>
@@ -11730,7 +11807,7 @@
                     <a:bodyPr/>
                     <a:lstStyle/>
                     <a:p>
-                      <a:pPr indent="0" lvl="0" marL="0" rtl="0" algn="r">
+                      <a:pPr marL="0" lvl="0" indent="0" algn="r" rtl="0">
                         <a:spcBef>
                           <a:spcPts val="0"/>
                         </a:spcBef>
@@ -11740,14 +11817,14 @@
                         <a:buNone/>
                       </a:pPr>
                       <a:r>
-                        <a:rPr b="1" lang="en" sz="1700"/>
+                        <a:rPr lang="en" sz="1700" b="1"/>
                         <a:t>Major:</a:t>
                       </a:r>
-                      <a:endParaRPr b="1" sz="1700"/>
+                      <a:endParaRPr sz="1700" b="1"/>
                     </a:p>
                   </a:txBody>
-                  <a:tcPr marT="91425" marB="91425" marR="91425" marL="91425">
-                    <a:lnL cap="flat" cmpd="sng" w="9525">
+                  <a:tcPr marL="91425" marR="91425" marT="91425" marB="91425">
+                    <a:lnL w="9525" cap="flat" cmpd="sng">
                       <a:solidFill>
                         <a:srgbClr val="9E9E9E">
                           <a:alpha val="0"/>
@@ -11755,10 +11832,10 @@
                       </a:solidFill>
                       <a:prstDash val="solid"/>
                       <a:round/>
-                      <a:headEnd len="sm" w="sm" type="none"/>
-                      <a:tailEnd len="sm" w="sm" type="none"/>
+                      <a:headEnd type="none" w="sm" len="sm"/>
+                      <a:tailEnd type="none" w="sm" len="sm"/>
                     </a:lnL>
-                    <a:lnR cap="flat" cmpd="sng" w="9525">
+                    <a:lnR w="9525" cap="flat" cmpd="sng">
                       <a:solidFill>
                         <a:srgbClr val="9E9E9E">
                           <a:alpha val="0"/>
@@ -11766,10 +11843,10 @@
                       </a:solidFill>
                       <a:prstDash val="solid"/>
                       <a:round/>
-                      <a:headEnd len="sm" w="sm" type="none"/>
-                      <a:tailEnd len="sm" w="sm" type="none"/>
+                      <a:headEnd type="none" w="sm" len="sm"/>
+                      <a:tailEnd type="none" w="sm" len="sm"/>
                     </a:lnR>
-                    <a:lnT cap="flat" cmpd="sng" w="9525">
+                    <a:lnT w="9525" cap="flat" cmpd="sng">
                       <a:solidFill>
                         <a:srgbClr val="9E9E9E">
                           <a:alpha val="0"/>
@@ -11777,10 +11854,10 @@
                       </a:solidFill>
                       <a:prstDash val="solid"/>
                       <a:round/>
-                      <a:headEnd len="sm" w="sm" type="none"/>
-                      <a:tailEnd len="sm" w="sm" type="none"/>
+                      <a:headEnd type="none" w="sm" len="sm"/>
+                      <a:tailEnd type="none" w="sm" len="sm"/>
                     </a:lnT>
-                    <a:lnB cap="flat" cmpd="sng" w="9525">
+                    <a:lnB w="9525" cap="flat" cmpd="sng">
                       <a:solidFill>
                         <a:srgbClr val="9E9E9E">
                           <a:alpha val="0"/>
@@ -11788,8 +11865,8 @@
                       </a:solidFill>
                       <a:prstDash val="solid"/>
                       <a:round/>
-                      <a:headEnd len="sm" w="sm" type="none"/>
-                      <a:tailEnd len="sm" w="sm" type="none"/>
+                      <a:headEnd type="none" w="sm" len="sm"/>
+                      <a:tailEnd type="none" w="sm" len="sm"/>
                     </a:lnB>
                   </a:tcPr>
                 </a:tc>
@@ -11798,7 +11875,7 @@
                     <a:bodyPr/>
                     <a:lstStyle/>
                     <a:p>
-                      <a:pPr indent="0" lvl="0" marL="0" rtl="0" algn="l">
+                      <a:pPr marL="0" lvl="0" indent="0" algn="l" rtl="0">
                         <a:spcBef>
                           <a:spcPts val="0"/>
                         </a:spcBef>
@@ -11814,8 +11891,8 @@
                       <a:endParaRPr sz="1700"/>
                     </a:p>
                   </a:txBody>
-                  <a:tcPr marT="91425" marB="91425" marR="91425" marL="91425">
-                    <a:lnL cap="flat" cmpd="sng" w="9525">
+                  <a:tcPr marL="91425" marR="91425" marT="91425" marB="91425">
+                    <a:lnL w="9525" cap="flat" cmpd="sng">
                       <a:solidFill>
                         <a:srgbClr val="9E9E9E">
                           <a:alpha val="0"/>
@@ -11823,10 +11900,10 @@
                       </a:solidFill>
                       <a:prstDash val="solid"/>
                       <a:round/>
-                      <a:headEnd len="sm" w="sm" type="none"/>
-                      <a:tailEnd len="sm" w="sm" type="none"/>
+                      <a:headEnd type="none" w="sm" len="sm"/>
+                      <a:tailEnd type="none" w="sm" len="sm"/>
                     </a:lnL>
-                    <a:lnR cap="flat" cmpd="sng" w="9525">
+                    <a:lnR w="9525" cap="flat" cmpd="sng">
                       <a:solidFill>
                         <a:srgbClr val="9E9E9E">
                           <a:alpha val="0"/>
@@ -11834,10 +11911,10 @@
                       </a:solidFill>
                       <a:prstDash val="solid"/>
                       <a:round/>
-                      <a:headEnd len="sm" w="sm" type="none"/>
-                      <a:tailEnd len="sm" w="sm" type="none"/>
+                      <a:headEnd type="none" w="sm" len="sm"/>
+                      <a:tailEnd type="none" w="sm" len="sm"/>
                     </a:lnR>
-                    <a:lnT cap="flat" cmpd="sng" w="9525">
+                    <a:lnT w="9525" cap="flat" cmpd="sng">
                       <a:solidFill>
                         <a:srgbClr val="9E9E9E">
                           <a:alpha val="0"/>
@@ -11845,10 +11922,10 @@
                       </a:solidFill>
                       <a:prstDash val="solid"/>
                       <a:round/>
-                      <a:headEnd len="sm" w="sm" type="none"/>
-                      <a:tailEnd len="sm" w="sm" type="none"/>
+                      <a:headEnd type="none" w="sm" len="sm"/>
+                      <a:tailEnd type="none" w="sm" len="sm"/>
                     </a:lnT>
-                    <a:lnB cap="flat" cmpd="sng" w="9525">
+                    <a:lnB w="9525" cap="flat" cmpd="sng">
                       <a:solidFill>
                         <a:srgbClr val="9E9E9E">
                           <a:alpha val="0"/>
@@ -11856,11 +11933,16 @@
                       </a:solidFill>
                       <a:prstDash val="solid"/>
                       <a:round/>
-                      <a:headEnd len="sm" w="sm" type="none"/>
-                      <a:tailEnd len="sm" w="sm" type="none"/>
+                      <a:headEnd type="none" w="sm" len="sm"/>
+                      <a:tailEnd type="none" w="sm" len="sm"/>
                     </a:lnB>
                   </a:tcPr>
                 </a:tc>
+                <a:extLst>
+                  <a:ext uri="{0D108BD9-81ED-4DB2-BD59-A6C34878D82A}">
+                    <a16:rowId xmlns:a16="http://schemas.microsoft.com/office/drawing/2014/main" val="10002"/>
+                  </a:ext>
+                </a:extLst>
               </a:tr>
               <a:tr h="665450">
                 <a:tc>
@@ -11868,7 +11950,7 @@
                     <a:bodyPr/>
                     <a:lstStyle/>
                     <a:p>
-                      <a:pPr indent="0" lvl="0" marL="0" rtl="0" algn="r">
+                      <a:pPr marL="0" lvl="0" indent="0" algn="r" rtl="0">
                         <a:spcBef>
                           <a:spcPts val="0"/>
                         </a:spcBef>
@@ -11878,14 +11960,14 @@
                         <a:buNone/>
                       </a:pPr>
                       <a:r>
-                        <a:rPr b="1" lang="en" sz="1700"/>
+                        <a:rPr lang="en" sz="1700" b="1"/>
                         <a:t>Hobbies:</a:t>
                       </a:r>
-                      <a:endParaRPr b="1" sz="1700"/>
+                      <a:endParaRPr sz="1700" b="1"/>
                     </a:p>
                   </a:txBody>
-                  <a:tcPr marT="91425" marB="91425" marR="91425" marL="91425">
-                    <a:lnL cap="flat" cmpd="sng" w="9525">
+                  <a:tcPr marL="91425" marR="91425" marT="91425" marB="91425">
+                    <a:lnL w="9525" cap="flat" cmpd="sng">
                       <a:solidFill>
                         <a:srgbClr val="9E9E9E">
                           <a:alpha val="0"/>
@@ -11893,10 +11975,10 @@
                       </a:solidFill>
                       <a:prstDash val="solid"/>
                       <a:round/>
-                      <a:headEnd len="sm" w="sm" type="none"/>
-                      <a:tailEnd len="sm" w="sm" type="none"/>
+                      <a:headEnd type="none" w="sm" len="sm"/>
+                      <a:tailEnd type="none" w="sm" len="sm"/>
                     </a:lnL>
-                    <a:lnR cap="flat" cmpd="sng" w="9525">
+                    <a:lnR w="9525" cap="flat" cmpd="sng">
                       <a:solidFill>
                         <a:srgbClr val="9E9E9E">
                           <a:alpha val="0"/>
@@ -11904,10 +11986,10 @@
                       </a:solidFill>
                       <a:prstDash val="solid"/>
                       <a:round/>
-                      <a:headEnd len="sm" w="sm" type="none"/>
-                      <a:tailEnd len="sm" w="sm" type="none"/>
+                      <a:headEnd type="none" w="sm" len="sm"/>
+                      <a:tailEnd type="none" w="sm" len="sm"/>
                     </a:lnR>
-                    <a:lnT cap="flat" cmpd="sng" w="9525">
+                    <a:lnT w="9525" cap="flat" cmpd="sng">
                       <a:solidFill>
                         <a:srgbClr val="9E9E9E">
                           <a:alpha val="0"/>
@@ -11915,10 +11997,10 @@
                       </a:solidFill>
                       <a:prstDash val="solid"/>
                       <a:round/>
-                      <a:headEnd len="sm" w="sm" type="none"/>
-                      <a:tailEnd len="sm" w="sm" type="none"/>
+                      <a:headEnd type="none" w="sm" len="sm"/>
+                      <a:tailEnd type="none" w="sm" len="sm"/>
                     </a:lnT>
-                    <a:lnB cap="flat" cmpd="sng" w="9525">
+                    <a:lnB w="9525" cap="flat" cmpd="sng">
                       <a:solidFill>
                         <a:srgbClr val="9E9E9E">
                           <a:alpha val="0"/>
@@ -11926,8 +12008,8 @@
                       </a:solidFill>
                       <a:prstDash val="solid"/>
                       <a:round/>
-                      <a:headEnd len="sm" w="sm" type="none"/>
-                      <a:tailEnd len="sm" w="sm" type="none"/>
+                      <a:headEnd type="none" w="sm" len="sm"/>
+                      <a:tailEnd type="none" w="sm" len="sm"/>
                     </a:lnB>
                   </a:tcPr>
                 </a:tc>
@@ -11936,7 +12018,7 @@
                     <a:bodyPr/>
                     <a:lstStyle/>
                     <a:p>
-                      <a:pPr indent="0" lvl="0" marL="0" rtl="0" algn="l">
+                      <a:pPr marL="0" lvl="0" indent="0" algn="l" rtl="0">
                         <a:spcBef>
                           <a:spcPts val="0"/>
                         </a:spcBef>
@@ -11952,7 +12034,7 @@
                       <a:endParaRPr sz="1700"/>
                     </a:p>
                     <a:p>
-                      <a:pPr indent="0" lvl="0" marL="0" rtl="0" algn="l">
+                      <a:pPr marL="0" lvl="0" indent="0" algn="l" rtl="0">
                         <a:spcBef>
                           <a:spcPts val="0"/>
                         </a:spcBef>
@@ -11968,7 +12050,7 @@
                       <a:endParaRPr sz="1700"/>
                     </a:p>
                     <a:p>
-                      <a:pPr indent="0" lvl="0" marL="0" rtl="0" algn="l">
+                      <a:pPr marL="0" lvl="0" indent="0" algn="l" rtl="0">
                         <a:spcBef>
                           <a:spcPts val="0"/>
                         </a:spcBef>
@@ -11984,8 +12066,8 @@
                       <a:endParaRPr sz="1700"/>
                     </a:p>
                   </a:txBody>
-                  <a:tcPr marT="91425" marB="91425" marR="91425" marL="91425">
-                    <a:lnL cap="flat" cmpd="sng" w="9525">
+                  <a:tcPr marL="91425" marR="91425" marT="91425" marB="91425">
+                    <a:lnL w="9525" cap="flat" cmpd="sng">
                       <a:solidFill>
                         <a:srgbClr val="9E9E9E">
                           <a:alpha val="0"/>
@@ -11993,10 +12075,10 @@
                       </a:solidFill>
                       <a:prstDash val="solid"/>
                       <a:round/>
-                      <a:headEnd len="sm" w="sm" type="none"/>
-                      <a:tailEnd len="sm" w="sm" type="none"/>
+                      <a:headEnd type="none" w="sm" len="sm"/>
+                      <a:tailEnd type="none" w="sm" len="sm"/>
                     </a:lnL>
-                    <a:lnR cap="flat" cmpd="sng" w="9525">
+                    <a:lnR w="9525" cap="flat" cmpd="sng">
                       <a:solidFill>
                         <a:srgbClr val="9E9E9E">
                           <a:alpha val="0"/>
@@ -12004,10 +12086,10 @@
                       </a:solidFill>
                       <a:prstDash val="solid"/>
                       <a:round/>
-                      <a:headEnd len="sm" w="sm" type="none"/>
-                      <a:tailEnd len="sm" w="sm" type="none"/>
+                      <a:headEnd type="none" w="sm" len="sm"/>
+                      <a:tailEnd type="none" w="sm" len="sm"/>
                     </a:lnR>
-                    <a:lnT cap="flat" cmpd="sng" w="9525">
+                    <a:lnT w="9525" cap="flat" cmpd="sng">
                       <a:solidFill>
                         <a:srgbClr val="9E9E9E">
                           <a:alpha val="0"/>
@@ -12015,10 +12097,10 @@
                       </a:solidFill>
                       <a:prstDash val="solid"/>
                       <a:round/>
-                      <a:headEnd len="sm" w="sm" type="none"/>
-                      <a:tailEnd len="sm" w="sm" type="none"/>
+                      <a:headEnd type="none" w="sm" len="sm"/>
+                      <a:tailEnd type="none" w="sm" len="sm"/>
                     </a:lnT>
-                    <a:lnB cap="flat" cmpd="sng" w="9525">
+                    <a:lnB w="9525" cap="flat" cmpd="sng">
                       <a:solidFill>
                         <a:srgbClr val="9E9E9E">
                           <a:alpha val="0"/>
@@ -12026,11 +12108,16 @@
                       </a:solidFill>
                       <a:prstDash val="solid"/>
                       <a:round/>
-                      <a:headEnd len="sm" w="sm" type="none"/>
-                      <a:tailEnd len="sm" w="sm" type="none"/>
+                      <a:headEnd type="none" w="sm" len="sm"/>
+                      <a:tailEnd type="none" w="sm" len="sm"/>
                     </a:lnB>
                   </a:tcPr>
                 </a:tc>
+                <a:extLst>
+                  <a:ext uri="{0D108BD9-81ED-4DB2-BD59-A6C34878D82A}">
+                    <a16:rowId xmlns:a16="http://schemas.microsoft.com/office/drawing/2014/main" val="10003"/>
+                  </a:ext>
+                </a:extLst>
               </a:tr>
             </a:tbl>
           </a:graphicData>
@@ -12045,11 +12132,11 @@
 </file>
 
 <file path=ppt/slides/slide3.xml><?xml version="1.0" encoding="utf-8"?>
-<p:sld xmlns:a="http://schemas.openxmlformats.org/drawingml/2006/main" xmlns:r="http://schemas.openxmlformats.org/officeDocument/2006/relationships" xmlns:mc="http://schemas.openxmlformats.org/markup-compatibility/2006" xmlns:mv="urn:schemas-microsoft-com:mac:vml" xmlns:p="http://schemas.openxmlformats.org/presentationml/2006/main" xmlns:c="http://schemas.openxmlformats.org/drawingml/2006/chart" xmlns:dgm="http://schemas.openxmlformats.org/drawingml/2006/diagram" xmlns:o="urn:schemas-microsoft-com:office:office" xmlns:v="urn:schemas-microsoft-com:vml" xmlns:pvml="urn:schemas-microsoft-com:office:powerpoint" xmlns:com="http://schemas.openxmlformats.org/drawingml/2006/compatibility" xmlns:p14="http://schemas.microsoft.com/office/powerpoint/2010/main" xmlns:p15="http://schemas.microsoft.com/office/powerpoint/2012/main">
+<p:sld xmlns:a="http://schemas.openxmlformats.org/drawingml/2006/main" xmlns:r="http://schemas.openxmlformats.org/officeDocument/2006/relationships" xmlns:p="http://schemas.openxmlformats.org/presentationml/2006/main">
   <p:cSld>
     <p:spTree>
       <p:nvGrpSpPr>
-        <p:cNvPr id="139" name="Shape 139"/>
+        <p:cNvPr id="1" name="Shape 139"/>
         <p:cNvGrpSpPr/>
         <p:nvPr/>
       </p:nvGrpSpPr>
@@ -12064,7 +12151,9 @@
       <p:sp>
         <p:nvSpPr>
           <p:cNvPr id="140" name="Google Shape;140;p15"/>
-          <p:cNvSpPr txBox="1"/>
+          <p:cNvSpPr txBox="1">
+            <a:spLocks noGrp="1"/>
+          </p:cNvSpPr>
           <p:nvPr>
             <p:ph type="title"/>
           </p:nvPr>
@@ -12079,12 +12168,12 @@
           </a:prstGeom>
         </p:spPr>
         <p:txBody>
-          <a:bodyPr anchorCtr="0" anchor="t" bIns="91425" lIns="91425" spcFirstLastPara="1" rIns="91425" wrap="square" tIns="91425">
+          <a:bodyPr spcFirstLastPara="1" wrap="square" lIns="91425" tIns="91425" rIns="91425" bIns="91425" anchor="t" anchorCtr="0">
             <a:noAutofit/>
           </a:bodyPr>
           <a:lstStyle/>
           <a:p>
-            <a:pPr indent="0" lvl="0" marL="0" rtl="0" algn="l">
+            <a:pPr marL="0" lvl="0" indent="0" algn="l" rtl="0">
               <a:spcBef>
                 <a:spcPts val="0"/>
               </a:spcBef>
@@ -12121,12 +12210,12 @@
           </a:ln>
         </p:spPr>
         <p:txBody>
-          <a:bodyPr anchorCtr="0" anchor="t" bIns="91425" lIns="91425" spcFirstLastPara="1" rIns="91425" wrap="square" tIns="91425">
+          <a:bodyPr spcFirstLastPara="1" wrap="square" lIns="91425" tIns="91425" rIns="91425" bIns="91425" anchor="t" anchorCtr="0">
             <a:noAutofit/>
           </a:bodyPr>
           <a:lstStyle/>
           <a:p>
-            <a:pPr indent="0" lvl="0" marL="0" rtl="0" algn="l">
+            <a:pPr marL="0" lvl="0" indent="0" algn="l" rtl="0">
               <a:spcBef>
                 <a:spcPts val="0"/>
               </a:spcBef>
@@ -12135,9 +12224,6 @@
               </a:spcAft>
               <a:buNone/>
             </a:pPr>
-            <a:r>
-              <a:t/>
-            </a:r>
             <a:endParaRPr sz="1700"/>
           </a:p>
         </p:txBody>
@@ -12188,8 +12274,20 @@
                 <a:tableStyleId>{AFAD48E7-7A2E-4B27-A5C6-AD9FF7BAE5BB}</a:tableStyleId>
               </a:tblPr>
               <a:tblGrid>
-                <a:gridCol w="2177825"/>
-                <a:gridCol w="1972375"/>
+                <a:gridCol w="2177825">
+                  <a:extLst>
+                    <a:ext uri="{9D8B030D-6E8A-4147-A177-3AD203B41FA5}">
+                      <a16:colId xmlns:a16="http://schemas.microsoft.com/office/drawing/2014/main" val="20000"/>
+                    </a:ext>
+                  </a:extLst>
+                </a:gridCol>
+                <a:gridCol w="1972375">
+                  <a:extLst>
+                    <a:ext uri="{9D8B030D-6E8A-4147-A177-3AD203B41FA5}">
+                      <a16:colId xmlns:a16="http://schemas.microsoft.com/office/drawing/2014/main" val="20001"/>
+                    </a:ext>
+                  </a:extLst>
+                </a:gridCol>
               </a:tblGrid>
               <a:tr h="665450">
                 <a:tc>
@@ -12197,7 +12295,7 @@
                     <a:bodyPr/>
                     <a:lstStyle/>
                     <a:p>
-                      <a:pPr indent="0" lvl="0" marL="0" rtl="0" algn="r">
+                      <a:pPr marL="0" lvl="0" indent="0" algn="r" rtl="0">
                         <a:spcBef>
                           <a:spcPts val="0"/>
                         </a:spcBef>
@@ -12207,14 +12305,14 @@
                         <a:buNone/>
                       </a:pPr>
                       <a:r>
-                        <a:rPr b="1" lang="en" sz="1700"/>
+                        <a:rPr lang="en" sz="1700" b="1"/>
                         <a:t>Where I am From:</a:t>
                       </a:r>
-                      <a:endParaRPr b="1" sz="1700"/>
+                      <a:endParaRPr sz="1700" b="1"/>
                     </a:p>
                   </a:txBody>
-                  <a:tcPr marT="91425" marB="91425" marR="91425" marL="91425">
-                    <a:lnL cap="flat" cmpd="sng" w="9525">
+                  <a:tcPr marL="91425" marR="91425" marT="91425" marB="91425">
+                    <a:lnL w="9525" cap="flat" cmpd="sng">
                       <a:solidFill>
                         <a:srgbClr val="9E9E9E">
                           <a:alpha val="0"/>
@@ -12222,10 +12320,10 @@
                       </a:solidFill>
                       <a:prstDash val="solid"/>
                       <a:round/>
-                      <a:headEnd len="sm" w="sm" type="none"/>
-                      <a:tailEnd len="sm" w="sm" type="none"/>
+                      <a:headEnd type="none" w="sm" len="sm"/>
+                      <a:tailEnd type="none" w="sm" len="sm"/>
                     </a:lnL>
-                    <a:lnR cap="flat" cmpd="sng" w="9525">
+                    <a:lnR w="9525" cap="flat" cmpd="sng">
                       <a:solidFill>
                         <a:srgbClr val="9E9E9E">
                           <a:alpha val="0"/>
@@ -12233,10 +12331,10 @@
                       </a:solidFill>
                       <a:prstDash val="solid"/>
                       <a:round/>
-                      <a:headEnd len="sm" w="sm" type="none"/>
-                      <a:tailEnd len="sm" w="sm" type="none"/>
+                      <a:headEnd type="none" w="sm" len="sm"/>
+                      <a:tailEnd type="none" w="sm" len="sm"/>
                     </a:lnR>
-                    <a:lnT cap="flat" cmpd="sng" w="9525">
+                    <a:lnT w="9525" cap="flat" cmpd="sng">
                       <a:solidFill>
                         <a:srgbClr val="9E9E9E">
                           <a:alpha val="0"/>
@@ -12244,10 +12342,10 @@
                       </a:solidFill>
                       <a:prstDash val="solid"/>
                       <a:round/>
-                      <a:headEnd len="sm" w="sm" type="none"/>
-                      <a:tailEnd len="sm" w="sm" type="none"/>
+                      <a:headEnd type="none" w="sm" len="sm"/>
+                      <a:tailEnd type="none" w="sm" len="sm"/>
                     </a:lnT>
-                    <a:lnB cap="flat" cmpd="sng" w="9525">
+                    <a:lnB w="9525" cap="flat" cmpd="sng">
                       <a:solidFill>
                         <a:srgbClr val="9E9E9E">
                           <a:alpha val="0"/>
@@ -12255,8 +12353,8 @@
                       </a:solidFill>
                       <a:prstDash val="solid"/>
                       <a:round/>
-                      <a:headEnd len="sm" w="sm" type="none"/>
-                      <a:tailEnd len="sm" w="sm" type="none"/>
+                      <a:headEnd type="none" w="sm" len="sm"/>
+                      <a:tailEnd type="none" w="sm" len="sm"/>
                     </a:lnB>
                   </a:tcPr>
                 </a:tc>
@@ -12265,7 +12363,7 @@
                     <a:bodyPr/>
                     <a:lstStyle/>
                     <a:p>
-                      <a:pPr indent="0" lvl="0" marL="0" rtl="0" algn="l">
+                      <a:pPr marL="0" lvl="0" indent="0" algn="l" rtl="0">
                         <a:spcBef>
                           <a:spcPts val="0"/>
                         </a:spcBef>
@@ -12281,8 +12379,8 @@
                       <a:endParaRPr sz="1700"/>
                     </a:p>
                   </a:txBody>
-                  <a:tcPr marT="91425" marB="91425" marR="91425" marL="91425">
-                    <a:lnL cap="flat" cmpd="sng" w="9525">
+                  <a:tcPr marL="91425" marR="91425" marT="91425" marB="91425">
+                    <a:lnL w="9525" cap="flat" cmpd="sng">
                       <a:solidFill>
                         <a:srgbClr val="9E9E9E">
                           <a:alpha val="0"/>
@@ -12290,10 +12388,10 @@
                       </a:solidFill>
                       <a:prstDash val="solid"/>
                       <a:round/>
-                      <a:headEnd len="sm" w="sm" type="none"/>
-                      <a:tailEnd len="sm" w="sm" type="none"/>
+                      <a:headEnd type="none" w="sm" len="sm"/>
+                      <a:tailEnd type="none" w="sm" len="sm"/>
                     </a:lnL>
-                    <a:lnR cap="flat" cmpd="sng" w="9525">
+                    <a:lnR w="9525" cap="flat" cmpd="sng">
                       <a:solidFill>
                         <a:srgbClr val="9E9E9E">
                           <a:alpha val="0"/>
@@ -12301,10 +12399,10 @@
                       </a:solidFill>
                       <a:prstDash val="solid"/>
                       <a:round/>
-                      <a:headEnd len="sm" w="sm" type="none"/>
-                      <a:tailEnd len="sm" w="sm" type="none"/>
+                      <a:headEnd type="none" w="sm" len="sm"/>
+                      <a:tailEnd type="none" w="sm" len="sm"/>
                     </a:lnR>
-                    <a:lnT cap="flat" cmpd="sng" w="9525">
+                    <a:lnT w="9525" cap="flat" cmpd="sng">
                       <a:solidFill>
                         <a:srgbClr val="9E9E9E">
                           <a:alpha val="0"/>
@@ -12312,10 +12410,10 @@
                       </a:solidFill>
                       <a:prstDash val="solid"/>
                       <a:round/>
-                      <a:headEnd len="sm" w="sm" type="none"/>
-                      <a:tailEnd len="sm" w="sm" type="none"/>
+                      <a:headEnd type="none" w="sm" len="sm"/>
+                      <a:tailEnd type="none" w="sm" len="sm"/>
                     </a:lnT>
-                    <a:lnB cap="flat" cmpd="sng" w="9525">
+                    <a:lnB w="9525" cap="flat" cmpd="sng">
                       <a:solidFill>
                         <a:srgbClr val="9E9E9E">
                           <a:alpha val="0"/>
@@ -12323,11 +12421,16 @@
                       </a:solidFill>
                       <a:prstDash val="solid"/>
                       <a:round/>
-                      <a:headEnd len="sm" w="sm" type="none"/>
-                      <a:tailEnd len="sm" w="sm" type="none"/>
+                      <a:headEnd type="none" w="sm" len="sm"/>
+                      <a:tailEnd type="none" w="sm" len="sm"/>
                     </a:lnB>
                   </a:tcPr>
                 </a:tc>
+                <a:extLst>
+                  <a:ext uri="{0D108BD9-81ED-4DB2-BD59-A6C34878D82A}">
+                    <a16:rowId xmlns:a16="http://schemas.microsoft.com/office/drawing/2014/main" val="10000"/>
+                  </a:ext>
+                </a:extLst>
               </a:tr>
               <a:tr h="665450">
                 <a:tc>
@@ -12335,7 +12438,7 @@
                     <a:bodyPr/>
                     <a:lstStyle/>
                     <a:p>
-                      <a:pPr indent="0" lvl="0" marL="0" rtl="0" algn="r">
+                      <a:pPr marL="0" lvl="0" indent="0" algn="r" rtl="0">
                         <a:spcBef>
                           <a:spcPts val="0"/>
                         </a:spcBef>
@@ -12345,14 +12448,14 @@
                         <a:buNone/>
                       </a:pPr>
                       <a:r>
-                        <a:rPr b="1" lang="en" sz="1700"/>
+                        <a:rPr lang="en" sz="1700" b="1"/>
                         <a:t>Age:</a:t>
                       </a:r>
-                      <a:endParaRPr b="1" sz="1700"/>
+                      <a:endParaRPr sz="1700" b="1"/>
                     </a:p>
                   </a:txBody>
-                  <a:tcPr marT="91425" marB="91425" marR="91425" marL="91425">
-                    <a:lnL cap="flat" cmpd="sng" w="9525">
+                  <a:tcPr marL="91425" marR="91425" marT="91425" marB="91425">
+                    <a:lnL w="9525" cap="flat" cmpd="sng">
                       <a:solidFill>
                         <a:srgbClr val="9E9E9E">
                           <a:alpha val="0"/>
@@ -12360,10 +12463,10 @@
                       </a:solidFill>
                       <a:prstDash val="solid"/>
                       <a:round/>
-                      <a:headEnd len="sm" w="sm" type="none"/>
-                      <a:tailEnd len="sm" w="sm" type="none"/>
+                      <a:headEnd type="none" w="sm" len="sm"/>
+                      <a:tailEnd type="none" w="sm" len="sm"/>
                     </a:lnL>
-                    <a:lnR cap="flat" cmpd="sng" w="9525">
+                    <a:lnR w="9525" cap="flat" cmpd="sng">
                       <a:solidFill>
                         <a:srgbClr val="9E9E9E">
                           <a:alpha val="0"/>
@@ -12371,10 +12474,10 @@
                       </a:solidFill>
                       <a:prstDash val="solid"/>
                       <a:round/>
-                      <a:headEnd len="sm" w="sm" type="none"/>
-                      <a:tailEnd len="sm" w="sm" type="none"/>
+                      <a:headEnd type="none" w="sm" len="sm"/>
+                      <a:tailEnd type="none" w="sm" len="sm"/>
                     </a:lnR>
-                    <a:lnT cap="flat" cmpd="sng" w="9525">
+                    <a:lnT w="9525" cap="flat" cmpd="sng">
                       <a:solidFill>
                         <a:srgbClr val="9E9E9E">
                           <a:alpha val="0"/>
@@ -12382,10 +12485,10 @@
                       </a:solidFill>
                       <a:prstDash val="solid"/>
                       <a:round/>
-                      <a:headEnd len="sm" w="sm" type="none"/>
-                      <a:tailEnd len="sm" w="sm" type="none"/>
+                      <a:headEnd type="none" w="sm" len="sm"/>
+                      <a:tailEnd type="none" w="sm" len="sm"/>
                     </a:lnT>
-                    <a:lnB cap="flat" cmpd="sng" w="9525">
+                    <a:lnB w="9525" cap="flat" cmpd="sng">
                       <a:solidFill>
                         <a:srgbClr val="9E9E9E">
                           <a:alpha val="0"/>
@@ -12393,8 +12496,8 @@
                       </a:solidFill>
                       <a:prstDash val="solid"/>
                       <a:round/>
-                      <a:headEnd len="sm" w="sm" type="none"/>
-                      <a:tailEnd len="sm" w="sm" type="none"/>
+                      <a:headEnd type="none" w="sm" len="sm"/>
+                      <a:tailEnd type="none" w="sm" len="sm"/>
                     </a:lnB>
                   </a:tcPr>
                 </a:tc>
@@ -12403,7 +12506,7 @@
                     <a:bodyPr/>
                     <a:lstStyle/>
                     <a:p>
-                      <a:pPr indent="0" lvl="0" marL="0" rtl="0" algn="l">
+                      <a:pPr marL="0" lvl="0" indent="0" algn="l" rtl="0">
                         <a:spcBef>
                           <a:spcPts val="0"/>
                         </a:spcBef>
@@ -12419,8 +12522,8 @@
                       <a:endParaRPr sz="1700"/>
                     </a:p>
                   </a:txBody>
-                  <a:tcPr marT="91425" marB="91425" marR="91425" marL="91425">
-                    <a:lnL cap="flat" cmpd="sng" w="9525">
+                  <a:tcPr marL="91425" marR="91425" marT="91425" marB="91425">
+                    <a:lnL w="9525" cap="flat" cmpd="sng">
                       <a:solidFill>
                         <a:srgbClr val="9E9E9E">
                           <a:alpha val="0"/>
@@ -12428,10 +12531,10 @@
                       </a:solidFill>
                       <a:prstDash val="solid"/>
                       <a:round/>
-                      <a:headEnd len="sm" w="sm" type="none"/>
-                      <a:tailEnd len="sm" w="sm" type="none"/>
+                      <a:headEnd type="none" w="sm" len="sm"/>
+                      <a:tailEnd type="none" w="sm" len="sm"/>
                     </a:lnL>
-                    <a:lnR cap="flat" cmpd="sng" w="9525">
+                    <a:lnR w="9525" cap="flat" cmpd="sng">
                       <a:solidFill>
                         <a:srgbClr val="9E9E9E">
                           <a:alpha val="0"/>
@@ -12439,10 +12542,10 @@
                       </a:solidFill>
                       <a:prstDash val="solid"/>
                       <a:round/>
-                      <a:headEnd len="sm" w="sm" type="none"/>
-                      <a:tailEnd len="sm" w="sm" type="none"/>
+                      <a:headEnd type="none" w="sm" len="sm"/>
+                      <a:tailEnd type="none" w="sm" len="sm"/>
                     </a:lnR>
-                    <a:lnT cap="flat" cmpd="sng" w="9525">
+                    <a:lnT w="9525" cap="flat" cmpd="sng">
                       <a:solidFill>
                         <a:srgbClr val="9E9E9E">
                           <a:alpha val="0"/>
@@ -12450,10 +12553,10 @@
                       </a:solidFill>
                       <a:prstDash val="solid"/>
                       <a:round/>
-                      <a:headEnd len="sm" w="sm" type="none"/>
-                      <a:tailEnd len="sm" w="sm" type="none"/>
+                      <a:headEnd type="none" w="sm" len="sm"/>
+                      <a:tailEnd type="none" w="sm" len="sm"/>
                     </a:lnT>
-                    <a:lnB cap="flat" cmpd="sng" w="9525">
+                    <a:lnB w="9525" cap="flat" cmpd="sng">
                       <a:solidFill>
                         <a:srgbClr val="9E9E9E">
                           <a:alpha val="0"/>
@@ -12461,11 +12564,16 @@
                       </a:solidFill>
                       <a:prstDash val="solid"/>
                       <a:round/>
-                      <a:headEnd len="sm" w="sm" type="none"/>
-                      <a:tailEnd len="sm" w="sm" type="none"/>
+                      <a:headEnd type="none" w="sm" len="sm"/>
+                      <a:tailEnd type="none" w="sm" len="sm"/>
                     </a:lnB>
                   </a:tcPr>
                 </a:tc>
+                <a:extLst>
+                  <a:ext uri="{0D108BD9-81ED-4DB2-BD59-A6C34878D82A}">
+                    <a16:rowId xmlns:a16="http://schemas.microsoft.com/office/drawing/2014/main" val="10001"/>
+                  </a:ext>
+                </a:extLst>
               </a:tr>
               <a:tr h="665450">
                 <a:tc>
@@ -12473,7 +12581,7 @@
                     <a:bodyPr/>
                     <a:lstStyle/>
                     <a:p>
-                      <a:pPr indent="0" lvl="0" marL="0" rtl="0" algn="r">
+                      <a:pPr marL="0" lvl="0" indent="0" algn="r" rtl="0">
                         <a:spcBef>
                           <a:spcPts val="0"/>
                         </a:spcBef>
@@ -12483,14 +12591,14 @@
                         <a:buNone/>
                       </a:pPr>
                       <a:r>
-                        <a:rPr b="1" lang="en" sz="1700"/>
+                        <a:rPr lang="en" sz="1700" b="1"/>
                         <a:t>Major:</a:t>
                       </a:r>
-                      <a:endParaRPr b="1" sz="1700"/>
+                      <a:endParaRPr sz="1700" b="1"/>
                     </a:p>
                   </a:txBody>
-                  <a:tcPr marT="91425" marB="91425" marR="91425" marL="91425">
-                    <a:lnL cap="flat" cmpd="sng" w="9525">
+                  <a:tcPr marL="91425" marR="91425" marT="91425" marB="91425">
+                    <a:lnL w="9525" cap="flat" cmpd="sng">
                       <a:solidFill>
                         <a:srgbClr val="9E9E9E">
                           <a:alpha val="0"/>
@@ -12498,10 +12606,10 @@
                       </a:solidFill>
                       <a:prstDash val="solid"/>
                       <a:round/>
-                      <a:headEnd len="sm" w="sm" type="none"/>
-                      <a:tailEnd len="sm" w="sm" type="none"/>
+                      <a:headEnd type="none" w="sm" len="sm"/>
+                      <a:tailEnd type="none" w="sm" len="sm"/>
                     </a:lnL>
-                    <a:lnR cap="flat" cmpd="sng" w="9525">
+                    <a:lnR w="9525" cap="flat" cmpd="sng">
                       <a:solidFill>
                         <a:srgbClr val="9E9E9E">
                           <a:alpha val="0"/>
@@ -12509,10 +12617,10 @@
                       </a:solidFill>
                       <a:prstDash val="solid"/>
                       <a:round/>
-                      <a:headEnd len="sm" w="sm" type="none"/>
-                      <a:tailEnd len="sm" w="sm" type="none"/>
+                      <a:headEnd type="none" w="sm" len="sm"/>
+                      <a:tailEnd type="none" w="sm" len="sm"/>
                     </a:lnR>
-                    <a:lnT cap="flat" cmpd="sng" w="9525">
+                    <a:lnT w="9525" cap="flat" cmpd="sng">
                       <a:solidFill>
                         <a:srgbClr val="9E9E9E">
                           <a:alpha val="0"/>
@@ -12520,10 +12628,10 @@
                       </a:solidFill>
                       <a:prstDash val="solid"/>
                       <a:round/>
-                      <a:headEnd len="sm" w="sm" type="none"/>
-                      <a:tailEnd len="sm" w="sm" type="none"/>
+                      <a:headEnd type="none" w="sm" len="sm"/>
+                      <a:tailEnd type="none" w="sm" len="sm"/>
                     </a:lnT>
-                    <a:lnB cap="flat" cmpd="sng" w="9525">
+                    <a:lnB w="9525" cap="flat" cmpd="sng">
                       <a:solidFill>
                         <a:srgbClr val="9E9E9E">
                           <a:alpha val="0"/>
@@ -12531,8 +12639,8 @@
                       </a:solidFill>
                       <a:prstDash val="solid"/>
                       <a:round/>
-                      <a:headEnd len="sm" w="sm" type="none"/>
-                      <a:tailEnd len="sm" w="sm" type="none"/>
+                      <a:headEnd type="none" w="sm" len="sm"/>
+                      <a:tailEnd type="none" w="sm" len="sm"/>
                     </a:lnB>
                   </a:tcPr>
                 </a:tc>
@@ -12541,7 +12649,7 @@
                     <a:bodyPr/>
                     <a:lstStyle/>
                     <a:p>
-                      <a:pPr indent="0" lvl="0" marL="0" rtl="0" algn="l">
+                      <a:pPr marL="0" lvl="0" indent="0" algn="l" rtl="0">
                         <a:spcBef>
                           <a:spcPts val="0"/>
                         </a:spcBef>
@@ -12557,8 +12665,8 @@
                       <a:endParaRPr sz="1700"/>
                     </a:p>
                   </a:txBody>
-                  <a:tcPr marT="91425" marB="91425" marR="91425" marL="91425">
-                    <a:lnL cap="flat" cmpd="sng" w="9525">
+                  <a:tcPr marL="91425" marR="91425" marT="91425" marB="91425">
+                    <a:lnL w="9525" cap="flat" cmpd="sng">
                       <a:solidFill>
                         <a:srgbClr val="9E9E9E">
                           <a:alpha val="0"/>
@@ -12566,10 +12674,10 @@
                       </a:solidFill>
                       <a:prstDash val="solid"/>
                       <a:round/>
-                      <a:headEnd len="sm" w="sm" type="none"/>
-                      <a:tailEnd len="sm" w="sm" type="none"/>
+                      <a:headEnd type="none" w="sm" len="sm"/>
+                      <a:tailEnd type="none" w="sm" len="sm"/>
                     </a:lnL>
-                    <a:lnR cap="flat" cmpd="sng" w="9525">
+                    <a:lnR w="9525" cap="flat" cmpd="sng">
                       <a:solidFill>
                         <a:srgbClr val="9E9E9E">
                           <a:alpha val="0"/>
@@ -12577,10 +12685,10 @@
                       </a:solidFill>
                       <a:prstDash val="solid"/>
                       <a:round/>
-                      <a:headEnd len="sm" w="sm" type="none"/>
-                      <a:tailEnd len="sm" w="sm" type="none"/>
+                      <a:headEnd type="none" w="sm" len="sm"/>
+                      <a:tailEnd type="none" w="sm" len="sm"/>
                     </a:lnR>
-                    <a:lnT cap="flat" cmpd="sng" w="9525">
+                    <a:lnT w="9525" cap="flat" cmpd="sng">
                       <a:solidFill>
                         <a:srgbClr val="9E9E9E">
                           <a:alpha val="0"/>
@@ -12588,10 +12696,10 @@
                       </a:solidFill>
                       <a:prstDash val="solid"/>
                       <a:round/>
-                      <a:headEnd len="sm" w="sm" type="none"/>
-                      <a:tailEnd len="sm" w="sm" type="none"/>
+                      <a:headEnd type="none" w="sm" len="sm"/>
+                      <a:tailEnd type="none" w="sm" len="sm"/>
                     </a:lnT>
-                    <a:lnB cap="flat" cmpd="sng" w="9525">
+                    <a:lnB w="9525" cap="flat" cmpd="sng">
                       <a:solidFill>
                         <a:srgbClr val="9E9E9E">
                           <a:alpha val="0"/>
@@ -12599,11 +12707,16 @@
                       </a:solidFill>
                       <a:prstDash val="solid"/>
                       <a:round/>
-                      <a:headEnd len="sm" w="sm" type="none"/>
-                      <a:tailEnd len="sm" w="sm" type="none"/>
+                      <a:headEnd type="none" w="sm" len="sm"/>
+                      <a:tailEnd type="none" w="sm" len="sm"/>
                     </a:lnB>
                   </a:tcPr>
                 </a:tc>
+                <a:extLst>
+                  <a:ext uri="{0D108BD9-81ED-4DB2-BD59-A6C34878D82A}">
+                    <a16:rowId xmlns:a16="http://schemas.microsoft.com/office/drawing/2014/main" val="10002"/>
+                  </a:ext>
+                </a:extLst>
               </a:tr>
               <a:tr h="665450">
                 <a:tc>
@@ -12611,7 +12724,7 @@
                     <a:bodyPr/>
                     <a:lstStyle/>
                     <a:p>
-                      <a:pPr indent="0" lvl="0" marL="0" rtl="0" algn="r">
+                      <a:pPr marL="0" lvl="0" indent="0" algn="r" rtl="0">
                         <a:spcBef>
                           <a:spcPts val="0"/>
                         </a:spcBef>
@@ -12621,14 +12734,14 @@
                         <a:buNone/>
                       </a:pPr>
                       <a:r>
-                        <a:rPr b="1" lang="en" sz="1700"/>
+                        <a:rPr lang="en" sz="1700" b="1"/>
                         <a:t>Hobbies:</a:t>
                       </a:r>
-                      <a:endParaRPr b="1" sz="1700"/>
+                      <a:endParaRPr sz="1700" b="1"/>
                     </a:p>
                   </a:txBody>
-                  <a:tcPr marT="91425" marB="91425" marR="91425" marL="91425">
-                    <a:lnL cap="flat" cmpd="sng" w="9525">
+                  <a:tcPr marL="91425" marR="91425" marT="91425" marB="91425">
+                    <a:lnL w="9525" cap="flat" cmpd="sng">
                       <a:solidFill>
                         <a:srgbClr val="9E9E9E">
                           <a:alpha val="0"/>
@@ -12636,10 +12749,10 @@
                       </a:solidFill>
                       <a:prstDash val="solid"/>
                       <a:round/>
-                      <a:headEnd len="sm" w="sm" type="none"/>
-                      <a:tailEnd len="sm" w="sm" type="none"/>
+                      <a:headEnd type="none" w="sm" len="sm"/>
+                      <a:tailEnd type="none" w="sm" len="sm"/>
                     </a:lnL>
-                    <a:lnR cap="flat" cmpd="sng" w="9525">
+                    <a:lnR w="9525" cap="flat" cmpd="sng">
                       <a:solidFill>
                         <a:srgbClr val="9E9E9E">
                           <a:alpha val="0"/>
@@ -12647,10 +12760,10 @@
                       </a:solidFill>
                       <a:prstDash val="solid"/>
                       <a:round/>
-                      <a:headEnd len="sm" w="sm" type="none"/>
-                      <a:tailEnd len="sm" w="sm" type="none"/>
+                      <a:headEnd type="none" w="sm" len="sm"/>
+                      <a:tailEnd type="none" w="sm" len="sm"/>
                     </a:lnR>
-                    <a:lnT cap="flat" cmpd="sng" w="9525">
+                    <a:lnT w="9525" cap="flat" cmpd="sng">
                       <a:solidFill>
                         <a:srgbClr val="9E9E9E">
                           <a:alpha val="0"/>
@@ -12658,10 +12771,10 @@
                       </a:solidFill>
                       <a:prstDash val="solid"/>
                       <a:round/>
-                      <a:headEnd len="sm" w="sm" type="none"/>
-                      <a:tailEnd len="sm" w="sm" type="none"/>
+                      <a:headEnd type="none" w="sm" len="sm"/>
+                      <a:tailEnd type="none" w="sm" len="sm"/>
                     </a:lnT>
-                    <a:lnB cap="flat" cmpd="sng" w="9525">
+                    <a:lnB w="9525" cap="flat" cmpd="sng">
                       <a:solidFill>
                         <a:srgbClr val="9E9E9E">
                           <a:alpha val="0"/>
@@ -12669,8 +12782,8 @@
                       </a:solidFill>
                       <a:prstDash val="solid"/>
                       <a:round/>
-                      <a:headEnd len="sm" w="sm" type="none"/>
-                      <a:tailEnd len="sm" w="sm" type="none"/>
+                      <a:headEnd type="none" w="sm" len="sm"/>
+                      <a:tailEnd type="none" w="sm" len="sm"/>
                     </a:lnB>
                   </a:tcPr>
                 </a:tc>
@@ -12679,7 +12792,7 @@
                     <a:bodyPr/>
                     <a:lstStyle/>
                     <a:p>
-                      <a:pPr indent="0" lvl="0" marL="0" rtl="0" algn="l">
+                      <a:pPr marL="0" lvl="0" indent="0" algn="l" rtl="0">
                         <a:spcBef>
                           <a:spcPts val="0"/>
                         </a:spcBef>
@@ -12695,7 +12808,7 @@
                       <a:endParaRPr sz="1700"/>
                     </a:p>
                     <a:p>
-                      <a:pPr indent="0" lvl="0" marL="0" rtl="0" algn="l">
+                      <a:pPr marL="0" lvl="0" indent="0" algn="l" rtl="0">
                         <a:spcBef>
                           <a:spcPts val="0"/>
                         </a:spcBef>
@@ -12711,7 +12824,7 @@
                       <a:endParaRPr sz="1700"/>
                     </a:p>
                     <a:p>
-                      <a:pPr indent="0" lvl="0" marL="0" rtl="0" algn="l">
+                      <a:pPr marL="0" lvl="0" indent="0" algn="l" rtl="0">
                         <a:spcBef>
                           <a:spcPts val="0"/>
                         </a:spcBef>
@@ -12727,8 +12840,8 @@
                       <a:endParaRPr sz="1700"/>
                     </a:p>
                   </a:txBody>
-                  <a:tcPr marT="91425" marB="91425" marR="91425" marL="91425">
-                    <a:lnL cap="flat" cmpd="sng" w="9525">
+                  <a:tcPr marL="91425" marR="91425" marT="91425" marB="91425">
+                    <a:lnL w="9525" cap="flat" cmpd="sng">
                       <a:solidFill>
                         <a:srgbClr val="9E9E9E">
                           <a:alpha val="0"/>
@@ -12736,10 +12849,10 @@
                       </a:solidFill>
                       <a:prstDash val="solid"/>
                       <a:round/>
-                      <a:headEnd len="sm" w="sm" type="none"/>
-                      <a:tailEnd len="sm" w="sm" type="none"/>
+                      <a:headEnd type="none" w="sm" len="sm"/>
+                      <a:tailEnd type="none" w="sm" len="sm"/>
                     </a:lnL>
-                    <a:lnR cap="flat" cmpd="sng" w="9525">
+                    <a:lnR w="9525" cap="flat" cmpd="sng">
                       <a:solidFill>
                         <a:srgbClr val="9E9E9E">
                           <a:alpha val="0"/>
@@ -12747,10 +12860,10 @@
                       </a:solidFill>
                       <a:prstDash val="solid"/>
                       <a:round/>
-                      <a:headEnd len="sm" w="sm" type="none"/>
-                      <a:tailEnd len="sm" w="sm" type="none"/>
+                      <a:headEnd type="none" w="sm" len="sm"/>
+                      <a:tailEnd type="none" w="sm" len="sm"/>
                     </a:lnR>
-                    <a:lnT cap="flat" cmpd="sng" w="9525">
+                    <a:lnT w="9525" cap="flat" cmpd="sng">
                       <a:solidFill>
                         <a:srgbClr val="9E9E9E">
                           <a:alpha val="0"/>
@@ -12758,10 +12871,10 @@
                       </a:solidFill>
                       <a:prstDash val="solid"/>
                       <a:round/>
-                      <a:headEnd len="sm" w="sm" type="none"/>
-                      <a:tailEnd len="sm" w="sm" type="none"/>
+                      <a:headEnd type="none" w="sm" len="sm"/>
+                      <a:tailEnd type="none" w="sm" len="sm"/>
                     </a:lnT>
-                    <a:lnB cap="flat" cmpd="sng" w="9525">
+                    <a:lnB w="9525" cap="flat" cmpd="sng">
                       <a:solidFill>
                         <a:srgbClr val="9E9E9E">
                           <a:alpha val="0"/>
@@ -12769,11 +12882,16 @@
                       </a:solidFill>
                       <a:prstDash val="solid"/>
                       <a:round/>
-                      <a:headEnd len="sm" w="sm" type="none"/>
-                      <a:tailEnd len="sm" w="sm" type="none"/>
+                      <a:headEnd type="none" w="sm" len="sm"/>
+                      <a:tailEnd type="none" w="sm" len="sm"/>
                     </a:lnB>
                   </a:tcPr>
                 </a:tc>
+                <a:extLst>
+                  <a:ext uri="{0D108BD9-81ED-4DB2-BD59-A6C34878D82A}">
+                    <a16:rowId xmlns:a16="http://schemas.microsoft.com/office/drawing/2014/main" val="10003"/>
+                  </a:ext>
+                </a:extLst>
               </a:tr>
             </a:tbl>
           </a:graphicData>
@@ -12788,11 +12906,11 @@
 </file>
 
 <file path=ppt/slides/slide4.xml><?xml version="1.0" encoding="utf-8"?>
-<p:sld xmlns:a="http://schemas.openxmlformats.org/drawingml/2006/main" xmlns:r="http://schemas.openxmlformats.org/officeDocument/2006/relationships" xmlns:mc="http://schemas.openxmlformats.org/markup-compatibility/2006" xmlns:mv="urn:schemas-microsoft-com:mac:vml" xmlns:p="http://schemas.openxmlformats.org/presentationml/2006/main" xmlns:c="http://schemas.openxmlformats.org/drawingml/2006/chart" xmlns:dgm="http://schemas.openxmlformats.org/drawingml/2006/diagram" xmlns:o="urn:schemas-microsoft-com:office:office" xmlns:v="urn:schemas-microsoft-com:vml" xmlns:pvml="urn:schemas-microsoft-com:office:powerpoint" xmlns:com="http://schemas.openxmlformats.org/drawingml/2006/compatibility" xmlns:p14="http://schemas.microsoft.com/office/powerpoint/2010/main" xmlns:p15="http://schemas.microsoft.com/office/powerpoint/2012/main">
+<p:sld xmlns:a="http://schemas.openxmlformats.org/drawingml/2006/main" xmlns:r="http://schemas.openxmlformats.org/officeDocument/2006/relationships" xmlns:p="http://schemas.openxmlformats.org/presentationml/2006/main">
   <p:cSld>
     <p:spTree>
       <p:nvGrpSpPr>
-        <p:cNvPr id="147" name="Shape 147"/>
+        <p:cNvPr id="1" name="Shape 147"/>
         <p:cNvGrpSpPr/>
         <p:nvPr/>
       </p:nvGrpSpPr>
@@ -12807,7 +12925,9 @@
       <p:sp>
         <p:nvSpPr>
           <p:cNvPr id="148" name="Google Shape;148;p16"/>
-          <p:cNvSpPr txBox="1"/>
+          <p:cNvSpPr txBox="1">
+            <a:spLocks noGrp="1"/>
+          </p:cNvSpPr>
           <p:nvPr>
             <p:ph type="title"/>
           </p:nvPr>
@@ -12822,12 +12942,12 @@
           </a:prstGeom>
         </p:spPr>
         <p:txBody>
-          <a:bodyPr anchorCtr="0" anchor="t" bIns="91425" lIns="91425" spcFirstLastPara="1" rIns="91425" wrap="square" tIns="91425">
+          <a:bodyPr spcFirstLastPara="1" wrap="square" lIns="91425" tIns="91425" rIns="91425" bIns="91425" anchor="t" anchorCtr="0">
             <a:noAutofit/>
           </a:bodyPr>
           <a:lstStyle/>
           <a:p>
-            <a:pPr indent="0" lvl="0" marL="0" rtl="0" algn="l">
+            <a:pPr marL="0" lvl="0" indent="0" algn="l" rtl="0">
               <a:spcBef>
                 <a:spcPts val="0"/>
               </a:spcBef>
@@ -12862,8 +12982,20 @@
                 <a:tableStyleId>{AFAD48E7-7A2E-4B27-A5C6-AD9FF7BAE5BB}</a:tableStyleId>
               </a:tblPr>
               <a:tblGrid>
-                <a:gridCol w="2177825"/>
-                <a:gridCol w="1972375"/>
+                <a:gridCol w="2177825">
+                  <a:extLst>
+                    <a:ext uri="{9D8B030D-6E8A-4147-A177-3AD203B41FA5}">
+                      <a16:colId xmlns:a16="http://schemas.microsoft.com/office/drawing/2014/main" val="20000"/>
+                    </a:ext>
+                  </a:extLst>
+                </a:gridCol>
+                <a:gridCol w="1972375">
+                  <a:extLst>
+                    <a:ext uri="{9D8B030D-6E8A-4147-A177-3AD203B41FA5}">
+                      <a16:colId xmlns:a16="http://schemas.microsoft.com/office/drawing/2014/main" val="20001"/>
+                    </a:ext>
+                  </a:extLst>
+                </a:gridCol>
               </a:tblGrid>
               <a:tr h="665450">
                 <a:tc>
@@ -12871,7 +13003,7 @@
                     <a:bodyPr/>
                     <a:lstStyle/>
                     <a:p>
-                      <a:pPr indent="0" lvl="0" marL="0" rtl="0" algn="r">
+                      <a:pPr marL="0" lvl="0" indent="0" algn="r" rtl="0">
                         <a:spcBef>
                           <a:spcPts val="0"/>
                         </a:spcBef>
@@ -12881,14 +13013,14 @@
                         <a:buNone/>
                       </a:pPr>
                       <a:r>
-                        <a:rPr b="1" lang="en" sz="1700"/>
+                        <a:rPr lang="en" sz="1700" b="1"/>
                         <a:t>Where I am From:</a:t>
                       </a:r>
-                      <a:endParaRPr b="1" sz="1700"/>
+                      <a:endParaRPr sz="1700" b="1"/>
                     </a:p>
                   </a:txBody>
-                  <a:tcPr marT="91425" marB="91425" marR="91425" marL="91425">
-                    <a:lnL cap="flat" cmpd="sng" w="9525">
+                  <a:tcPr marL="91425" marR="91425" marT="91425" marB="91425">
+                    <a:lnL w="9525" cap="flat" cmpd="sng">
                       <a:solidFill>
                         <a:srgbClr val="9E9E9E">
                           <a:alpha val="0"/>
@@ -12896,10 +13028,10 @@
                       </a:solidFill>
                       <a:prstDash val="solid"/>
                       <a:round/>
-                      <a:headEnd len="sm" w="sm" type="none"/>
-                      <a:tailEnd len="sm" w="sm" type="none"/>
+                      <a:headEnd type="none" w="sm" len="sm"/>
+                      <a:tailEnd type="none" w="sm" len="sm"/>
                     </a:lnL>
-                    <a:lnR cap="flat" cmpd="sng" w="9525">
+                    <a:lnR w="9525" cap="flat" cmpd="sng">
                       <a:solidFill>
                         <a:srgbClr val="9E9E9E">
                           <a:alpha val="0"/>
@@ -12907,10 +13039,10 @@
                       </a:solidFill>
                       <a:prstDash val="solid"/>
                       <a:round/>
-                      <a:headEnd len="sm" w="sm" type="none"/>
-                      <a:tailEnd len="sm" w="sm" type="none"/>
+                      <a:headEnd type="none" w="sm" len="sm"/>
+                      <a:tailEnd type="none" w="sm" len="sm"/>
                     </a:lnR>
-                    <a:lnT cap="flat" cmpd="sng" w="9525">
+                    <a:lnT w="9525" cap="flat" cmpd="sng">
                       <a:solidFill>
                         <a:srgbClr val="9E9E9E">
                           <a:alpha val="0"/>
@@ -12918,10 +13050,10 @@
                       </a:solidFill>
                       <a:prstDash val="solid"/>
                       <a:round/>
-                      <a:headEnd len="sm" w="sm" type="none"/>
-                      <a:tailEnd len="sm" w="sm" type="none"/>
+                      <a:headEnd type="none" w="sm" len="sm"/>
+                      <a:tailEnd type="none" w="sm" len="sm"/>
                     </a:lnT>
-                    <a:lnB cap="flat" cmpd="sng" w="9525">
+                    <a:lnB w="9525" cap="flat" cmpd="sng">
                       <a:solidFill>
                         <a:srgbClr val="9E9E9E">
                           <a:alpha val="0"/>
@@ -12929,8 +13061,8 @@
                       </a:solidFill>
                       <a:prstDash val="solid"/>
                       <a:round/>
-                      <a:headEnd len="sm" w="sm" type="none"/>
-                      <a:tailEnd len="sm" w="sm" type="none"/>
+                      <a:headEnd type="none" w="sm" len="sm"/>
+                      <a:tailEnd type="none" w="sm" len="sm"/>
                     </a:lnB>
                   </a:tcPr>
                 </a:tc>
@@ -12939,7 +13071,7 @@
                     <a:bodyPr/>
                     <a:lstStyle/>
                     <a:p>
-                      <a:pPr indent="0" lvl="0" marL="0" rtl="0" algn="l">
+                      <a:pPr marL="0" lvl="0" indent="0" algn="l" rtl="0">
                         <a:spcBef>
                           <a:spcPts val="0"/>
                         </a:spcBef>
@@ -12955,8 +13087,8 @@
                       <a:endParaRPr sz="1700"/>
                     </a:p>
                   </a:txBody>
-                  <a:tcPr marT="91425" marB="91425" marR="91425" marL="91425">
-                    <a:lnL cap="flat" cmpd="sng" w="9525">
+                  <a:tcPr marL="91425" marR="91425" marT="91425" marB="91425">
+                    <a:lnL w="9525" cap="flat" cmpd="sng">
                       <a:solidFill>
                         <a:srgbClr val="9E9E9E">
                           <a:alpha val="0"/>
@@ -12964,10 +13096,10 @@
                       </a:solidFill>
                       <a:prstDash val="solid"/>
                       <a:round/>
-                      <a:headEnd len="sm" w="sm" type="none"/>
-                      <a:tailEnd len="sm" w="sm" type="none"/>
+                      <a:headEnd type="none" w="sm" len="sm"/>
+                      <a:tailEnd type="none" w="sm" len="sm"/>
                     </a:lnL>
-                    <a:lnR cap="flat" cmpd="sng" w="9525">
+                    <a:lnR w="9525" cap="flat" cmpd="sng">
                       <a:solidFill>
                         <a:srgbClr val="9E9E9E">
                           <a:alpha val="0"/>
@@ -12975,10 +13107,10 @@
                       </a:solidFill>
                       <a:prstDash val="solid"/>
                       <a:round/>
-                      <a:headEnd len="sm" w="sm" type="none"/>
-                      <a:tailEnd len="sm" w="sm" type="none"/>
+                      <a:headEnd type="none" w="sm" len="sm"/>
+                      <a:tailEnd type="none" w="sm" len="sm"/>
                     </a:lnR>
-                    <a:lnT cap="flat" cmpd="sng" w="9525">
+                    <a:lnT w="9525" cap="flat" cmpd="sng">
                       <a:solidFill>
                         <a:srgbClr val="9E9E9E">
                           <a:alpha val="0"/>
@@ -12986,10 +13118,10 @@
                       </a:solidFill>
                       <a:prstDash val="solid"/>
                       <a:round/>
-                      <a:headEnd len="sm" w="sm" type="none"/>
-                      <a:tailEnd len="sm" w="sm" type="none"/>
+                      <a:headEnd type="none" w="sm" len="sm"/>
+                      <a:tailEnd type="none" w="sm" len="sm"/>
                     </a:lnT>
-                    <a:lnB cap="flat" cmpd="sng" w="9525">
+                    <a:lnB w="9525" cap="flat" cmpd="sng">
                       <a:solidFill>
                         <a:srgbClr val="9E9E9E">
                           <a:alpha val="0"/>
@@ -12997,11 +13129,16 @@
                       </a:solidFill>
                       <a:prstDash val="solid"/>
                       <a:round/>
-                      <a:headEnd len="sm" w="sm" type="none"/>
-                      <a:tailEnd len="sm" w="sm" type="none"/>
+                      <a:headEnd type="none" w="sm" len="sm"/>
+                      <a:tailEnd type="none" w="sm" len="sm"/>
                     </a:lnB>
                   </a:tcPr>
                 </a:tc>
+                <a:extLst>
+                  <a:ext uri="{0D108BD9-81ED-4DB2-BD59-A6C34878D82A}">
+                    <a16:rowId xmlns:a16="http://schemas.microsoft.com/office/drawing/2014/main" val="10000"/>
+                  </a:ext>
+                </a:extLst>
               </a:tr>
               <a:tr h="665450">
                 <a:tc>
@@ -13009,7 +13146,7 @@
                     <a:bodyPr/>
                     <a:lstStyle/>
                     <a:p>
-                      <a:pPr indent="0" lvl="0" marL="0" rtl="0" algn="r">
+                      <a:pPr marL="0" lvl="0" indent="0" algn="r" rtl="0">
                         <a:spcBef>
                           <a:spcPts val="0"/>
                         </a:spcBef>
@@ -13019,14 +13156,14 @@
                         <a:buNone/>
                       </a:pPr>
                       <a:r>
-                        <a:rPr b="1" lang="en" sz="1700"/>
+                        <a:rPr lang="en" sz="1700" b="1"/>
                         <a:t>Age:</a:t>
                       </a:r>
-                      <a:endParaRPr b="1" sz="1700"/>
+                      <a:endParaRPr sz="1700" b="1"/>
                     </a:p>
                   </a:txBody>
-                  <a:tcPr marT="91425" marB="91425" marR="91425" marL="91425">
-                    <a:lnL cap="flat" cmpd="sng" w="9525">
+                  <a:tcPr marL="91425" marR="91425" marT="91425" marB="91425">
+                    <a:lnL w="9525" cap="flat" cmpd="sng">
                       <a:solidFill>
                         <a:srgbClr val="9E9E9E">
                           <a:alpha val="0"/>
@@ -13034,10 +13171,10 @@
                       </a:solidFill>
                       <a:prstDash val="solid"/>
                       <a:round/>
-                      <a:headEnd len="sm" w="sm" type="none"/>
-                      <a:tailEnd len="sm" w="sm" type="none"/>
+                      <a:headEnd type="none" w="sm" len="sm"/>
+                      <a:tailEnd type="none" w="sm" len="sm"/>
                     </a:lnL>
-                    <a:lnR cap="flat" cmpd="sng" w="9525">
+                    <a:lnR w="9525" cap="flat" cmpd="sng">
                       <a:solidFill>
                         <a:srgbClr val="9E9E9E">
                           <a:alpha val="0"/>
@@ -13045,10 +13182,10 @@
                       </a:solidFill>
                       <a:prstDash val="solid"/>
                       <a:round/>
-                      <a:headEnd len="sm" w="sm" type="none"/>
-                      <a:tailEnd len="sm" w="sm" type="none"/>
+                      <a:headEnd type="none" w="sm" len="sm"/>
+                      <a:tailEnd type="none" w="sm" len="sm"/>
                     </a:lnR>
-                    <a:lnT cap="flat" cmpd="sng" w="9525">
+                    <a:lnT w="9525" cap="flat" cmpd="sng">
                       <a:solidFill>
                         <a:srgbClr val="9E9E9E">
                           <a:alpha val="0"/>
@@ -13056,10 +13193,10 @@
                       </a:solidFill>
                       <a:prstDash val="solid"/>
                       <a:round/>
-                      <a:headEnd len="sm" w="sm" type="none"/>
-                      <a:tailEnd len="sm" w="sm" type="none"/>
+                      <a:headEnd type="none" w="sm" len="sm"/>
+                      <a:tailEnd type="none" w="sm" len="sm"/>
                     </a:lnT>
-                    <a:lnB cap="flat" cmpd="sng" w="9525">
+                    <a:lnB w="9525" cap="flat" cmpd="sng">
                       <a:solidFill>
                         <a:srgbClr val="9E9E9E">
                           <a:alpha val="0"/>
@@ -13067,8 +13204,8 @@
                       </a:solidFill>
                       <a:prstDash val="solid"/>
                       <a:round/>
-                      <a:headEnd len="sm" w="sm" type="none"/>
-                      <a:tailEnd len="sm" w="sm" type="none"/>
+                      <a:headEnd type="none" w="sm" len="sm"/>
+                      <a:tailEnd type="none" w="sm" len="sm"/>
                     </a:lnB>
                   </a:tcPr>
                 </a:tc>
@@ -13077,7 +13214,7 @@
                     <a:bodyPr/>
                     <a:lstStyle/>
                     <a:p>
-                      <a:pPr indent="0" lvl="0" marL="0" rtl="0" algn="l">
+                      <a:pPr marL="0" lvl="0" indent="0" algn="l" rtl="0">
                         <a:spcBef>
                           <a:spcPts val="0"/>
                         </a:spcBef>
@@ -13093,8 +13230,8 @@
                       <a:endParaRPr sz="1700"/>
                     </a:p>
                   </a:txBody>
-                  <a:tcPr marT="91425" marB="91425" marR="91425" marL="91425">
-                    <a:lnL cap="flat" cmpd="sng" w="9525">
+                  <a:tcPr marL="91425" marR="91425" marT="91425" marB="91425">
+                    <a:lnL w="9525" cap="flat" cmpd="sng">
                       <a:solidFill>
                         <a:srgbClr val="9E9E9E">
                           <a:alpha val="0"/>
@@ -13102,10 +13239,10 @@
                       </a:solidFill>
                       <a:prstDash val="solid"/>
                       <a:round/>
-                      <a:headEnd len="sm" w="sm" type="none"/>
-                      <a:tailEnd len="sm" w="sm" type="none"/>
+                      <a:headEnd type="none" w="sm" len="sm"/>
+                      <a:tailEnd type="none" w="sm" len="sm"/>
                     </a:lnL>
-                    <a:lnR cap="flat" cmpd="sng" w="9525">
+                    <a:lnR w="9525" cap="flat" cmpd="sng">
                       <a:solidFill>
                         <a:srgbClr val="9E9E9E">
                           <a:alpha val="0"/>
@@ -13113,10 +13250,10 @@
                       </a:solidFill>
                       <a:prstDash val="solid"/>
                       <a:round/>
-                      <a:headEnd len="sm" w="sm" type="none"/>
-                      <a:tailEnd len="sm" w="sm" type="none"/>
+                      <a:headEnd type="none" w="sm" len="sm"/>
+                      <a:tailEnd type="none" w="sm" len="sm"/>
                     </a:lnR>
-                    <a:lnT cap="flat" cmpd="sng" w="9525">
+                    <a:lnT w="9525" cap="flat" cmpd="sng">
                       <a:solidFill>
                         <a:srgbClr val="9E9E9E">
                           <a:alpha val="0"/>
@@ -13124,10 +13261,10 @@
                       </a:solidFill>
                       <a:prstDash val="solid"/>
                       <a:round/>
-                      <a:headEnd len="sm" w="sm" type="none"/>
-                      <a:tailEnd len="sm" w="sm" type="none"/>
+                      <a:headEnd type="none" w="sm" len="sm"/>
+                      <a:tailEnd type="none" w="sm" len="sm"/>
                     </a:lnT>
-                    <a:lnB cap="flat" cmpd="sng" w="9525">
+                    <a:lnB w="9525" cap="flat" cmpd="sng">
                       <a:solidFill>
                         <a:srgbClr val="9E9E9E">
                           <a:alpha val="0"/>
@@ -13135,11 +13272,16 @@
                       </a:solidFill>
                       <a:prstDash val="solid"/>
                       <a:round/>
-                      <a:headEnd len="sm" w="sm" type="none"/>
-                      <a:tailEnd len="sm" w="sm" type="none"/>
+                      <a:headEnd type="none" w="sm" len="sm"/>
+                      <a:tailEnd type="none" w="sm" len="sm"/>
                     </a:lnB>
                   </a:tcPr>
                 </a:tc>
+                <a:extLst>
+                  <a:ext uri="{0D108BD9-81ED-4DB2-BD59-A6C34878D82A}">
+                    <a16:rowId xmlns:a16="http://schemas.microsoft.com/office/drawing/2014/main" val="10001"/>
+                  </a:ext>
+                </a:extLst>
               </a:tr>
               <a:tr h="665450">
                 <a:tc>
@@ -13147,7 +13289,7 @@
                     <a:bodyPr/>
                     <a:lstStyle/>
                     <a:p>
-                      <a:pPr indent="0" lvl="0" marL="0" rtl="0" algn="r">
+                      <a:pPr marL="0" lvl="0" indent="0" algn="r" rtl="0">
                         <a:spcBef>
                           <a:spcPts val="0"/>
                         </a:spcBef>
@@ -13157,14 +13299,14 @@
                         <a:buNone/>
                       </a:pPr>
                       <a:r>
-                        <a:rPr b="1" lang="en" sz="1700"/>
+                        <a:rPr lang="en" sz="1700" b="1"/>
                         <a:t>Major:</a:t>
                       </a:r>
-                      <a:endParaRPr b="1" sz="1700"/>
+                      <a:endParaRPr sz="1700" b="1"/>
                     </a:p>
                   </a:txBody>
-                  <a:tcPr marT="91425" marB="91425" marR="91425" marL="91425">
-                    <a:lnL cap="flat" cmpd="sng" w="9525">
+                  <a:tcPr marL="91425" marR="91425" marT="91425" marB="91425">
+                    <a:lnL w="9525" cap="flat" cmpd="sng">
                       <a:solidFill>
                         <a:srgbClr val="9E9E9E">
                           <a:alpha val="0"/>
@@ -13172,10 +13314,10 @@
                       </a:solidFill>
                       <a:prstDash val="solid"/>
                       <a:round/>
-                      <a:headEnd len="sm" w="sm" type="none"/>
-                      <a:tailEnd len="sm" w="sm" type="none"/>
+                      <a:headEnd type="none" w="sm" len="sm"/>
+                      <a:tailEnd type="none" w="sm" len="sm"/>
                     </a:lnL>
-                    <a:lnR cap="flat" cmpd="sng" w="9525">
+                    <a:lnR w="9525" cap="flat" cmpd="sng">
                       <a:solidFill>
                         <a:srgbClr val="9E9E9E">
                           <a:alpha val="0"/>
@@ -13183,10 +13325,10 @@
                       </a:solidFill>
                       <a:prstDash val="solid"/>
                       <a:round/>
-                      <a:headEnd len="sm" w="sm" type="none"/>
-                      <a:tailEnd len="sm" w="sm" type="none"/>
+                      <a:headEnd type="none" w="sm" len="sm"/>
+                      <a:tailEnd type="none" w="sm" len="sm"/>
                     </a:lnR>
-                    <a:lnT cap="flat" cmpd="sng" w="9525">
+                    <a:lnT w="9525" cap="flat" cmpd="sng">
                       <a:solidFill>
                         <a:srgbClr val="9E9E9E">
                           <a:alpha val="0"/>
@@ -13194,10 +13336,10 @@
                       </a:solidFill>
                       <a:prstDash val="solid"/>
                       <a:round/>
-                      <a:headEnd len="sm" w="sm" type="none"/>
-                      <a:tailEnd len="sm" w="sm" type="none"/>
+                      <a:headEnd type="none" w="sm" len="sm"/>
+                      <a:tailEnd type="none" w="sm" len="sm"/>
                     </a:lnT>
-                    <a:lnB cap="flat" cmpd="sng" w="9525">
+                    <a:lnB w="9525" cap="flat" cmpd="sng">
                       <a:solidFill>
                         <a:srgbClr val="9E9E9E">
                           <a:alpha val="0"/>
@@ -13205,8 +13347,8 @@
                       </a:solidFill>
                       <a:prstDash val="solid"/>
                       <a:round/>
-                      <a:headEnd len="sm" w="sm" type="none"/>
-                      <a:tailEnd len="sm" w="sm" type="none"/>
+                      <a:headEnd type="none" w="sm" len="sm"/>
+                      <a:tailEnd type="none" w="sm" len="sm"/>
                     </a:lnB>
                   </a:tcPr>
                 </a:tc>
@@ -13215,7 +13357,7 @@
                     <a:bodyPr/>
                     <a:lstStyle/>
                     <a:p>
-                      <a:pPr indent="0" lvl="0" marL="0" rtl="0" algn="l">
+                      <a:pPr marL="0" lvl="0" indent="0" algn="l" rtl="0">
                         <a:spcBef>
                           <a:spcPts val="0"/>
                         </a:spcBef>
@@ -13231,8 +13373,8 @@
                       <a:endParaRPr sz="1700"/>
                     </a:p>
                   </a:txBody>
-                  <a:tcPr marT="91425" marB="91425" marR="91425" marL="91425">
-                    <a:lnL cap="flat" cmpd="sng" w="9525">
+                  <a:tcPr marL="91425" marR="91425" marT="91425" marB="91425">
+                    <a:lnL w="9525" cap="flat" cmpd="sng">
                       <a:solidFill>
                         <a:srgbClr val="9E9E9E">
                           <a:alpha val="0"/>
@@ -13240,10 +13382,10 @@
                       </a:solidFill>
                       <a:prstDash val="solid"/>
                       <a:round/>
-                      <a:headEnd len="sm" w="sm" type="none"/>
-                      <a:tailEnd len="sm" w="sm" type="none"/>
+                      <a:headEnd type="none" w="sm" len="sm"/>
+                      <a:tailEnd type="none" w="sm" len="sm"/>
                     </a:lnL>
-                    <a:lnR cap="flat" cmpd="sng" w="9525">
+                    <a:lnR w="9525" cap="flat" cmpd="sng">
                       <a:solidFill>
                         <a:srgbClr val="9E9E9E">
                           <a:alpha val="0"/>
@@ -13251,10 +13393,10 @@
                       </a:solidFill>
                       <a:prstDash val="solid"/>
                       <a:round/>
-                      <a:headEnd len="sm" w="sm" type="none"/>
-                      <a:tailEnd len="sm" w="sm" type="none"/>
+                      <a:headEnd type="none" w="sm" len="sm"/>
+                      <a:tailEnd type="none" w="sm" len="sm"/>
                     </a:lnR>
-                    <a:lnT cap="flat" cmpd="sng" w="9525">
+                    <a:lnT w="9525" cap="flat" cmpd="sng">
                       <a:solidFill>
                         <a:srgbClr val="9E9E9E">
                           <a:alpha val="0"/>
@@ -13262,10 +13404,10 @@
                       </a:solidFill>
                       <a:prstDash val="solid"/>
                       <a:round/>
-                      <a:headEnd len="sm" w="sm" type="none"/>
-                      <a:tailEnd len="sm" w="sm" type="none"/>
+                      <a:headEnd type="none" w="sm" len="sm"/>
+                      <a:tailEnd type="none" w="sm" len="sm"/>
                     </a:lnT>
-                    <a:lnB cap="flat" cmpd="sng" w="9525">
+                    <a:lnB w="9525" cap="flat" cmpd="sng">
                       <a:solidFill>
                         <a:srgbClr val="9E9E9E">
                           <a:alpha val="0"/>
@@ -13273,11 +13415,16 @@
                       </a:solidFill>
                       <a:prstDash val="solid"/>
                       <a:round/>
-                      <a:headEnd len="sm" w="sm" type="none"/>
-                      <a:tailEnd len="sm" w="sm" type="none"/>
+                      <a:headEnd type="none" w="sm" len="sm"/>
+                      <a:tailEnd type="none" w="sm" len="sm"/>
                     </a:lnB>
                   </a:tcPr>
                 </a:tc>
+                <a:extLst>
+                  <a:ext uri="{0D108BD9-81ED-4DB2-BD59-A6C34878D82A}">
+                    <a16:rowId xmlns:a16="http://schemas.microsoft.com/office/drawing/2014/main" val="10002"/>
+                  </a:ext>
+                </a:extLst>
               </a:tr>
               <a:tr h="665450">
                 <a:tc>
@@ -13285,7 +13432,7 @@
                     <a:bodyPr/>
                     <a:lstStyle/>
                     <a:p>
-                      <a:pPr indent="0" lvl="0" marL="0" rtl="0" algn="r">
+                      <a:pPr marL="0" lvl="0" indent="0" algn="r" rtl="0">
                         <a:spcBef>
                           <a:spcPts val="0"/>
                         </a:spcBef>
@@ -13295,14 +13442,14 @@
                         <a:buNone/>
                       </a:pPr>
                       <a:r>
-                        <a:rPr b="1" lang="en" sz="1700"/>
+                        <a:rPr lang="en" sz="1700" b="1"/>
                         <a:t>Hobbies:</a:t>
                       </a:r>
-                      <a:endParaRPr b="1" sz="1700"/>
+                      <a:endParaRPr sz="1700" b="1"/>
                     </a:p>
                   </a:txBody>
-                  <a:tcPr marT="91425" marB="91425" marR="91425" marL="91425">
-                    <a:lnL cap="flat" cmpd="sng" w="9525">
+                  <a:tcPr marL="91425" marR="91425" marT="91425" marB="91425">
+                    <a:lnL w="9525" cap="flat" cmpd="sng">
                       <a:solidFill>
                         <a:srgbClr val="9E9E9E">
                           <a:alpha val="0"/>
@@ -13310,10 +13457,10 @@
                       </a:solidFill>
                       <a:prstDash val="solid"/>
                       <a:round/>
-                      <a:headEnd len="sm" w="sm" type="none"/>
-                      <a:tailEnd len="sm" w="sm" type="none"/>
+                      <a:headEnd type="none" w="sm" len="sm"/>
+                      <a:tailEnd type="none" w="sm" len="sm"/>
                     </a:lnL>
-                    <a:lnR cap="flat" cmpd="sng" w="9525">
+                    <a:lnR w="9525" cap="flat" cmpd="sng">
                       <a:solidFill>
                         <a:srgbClr val="9E9E9E">
                           <a:alpha val="0"/>
@@ -13321,10 +13468,10 @@
                       </a:solidFill>
                       <a:prstDash val="solid"/>
                       <a:round/>
-                      <a:headEnd len="sm" w="sm" type="none"/>
-                      <a:tailEnd len="sm" w="sm" type="none"/>
+                      <a:headEnd type="none" w="sm" len="sm"/>
+                      <a:tailEnd type="none" w="sm" len="sm"/>
                     </a:lnR>
-                    <a:lnT cap="flat" cmpd="sng" w="9525">
+                    <a:lnT w="9525" cap="flat" cmpd="sng">
                       <a:solidFill>
                         <a:srgbClr val="9E9E9E">
                           <a:alpha val="0"/>
@@ -13332,10 +13479,10 @@
                       </a:solidFill>
                       <a:prstDash val="solid"/>
                       <a:round/>
-                      <a:headEnd len="sm" w="sm" type="none"/>
-                      <a:tailEnd len="sm" w="sm" type="none"/>
+                      <a:headEnd type="none" w="sm" len="sm"/>
+                      <a:tailEnd type="none" w="sm" len="sm"/>
                     </a:lnT>
-                    <a:lnB cap="flat" cmpd="sng" w="9525">
+                    <a:lnB w="9525" cap="flat" cmpd="sng">
                       <a:solidFill>
                         <a:srgbClr val="9E9E9E">
                           <a:alpha val="0"/>
@@ -13343,8 +13490,8 @@
                       </a:solidFill>
                       <a:prstDash val="solid"/>
                       <a:round/>
-                      <a:headEnd len="sm" w="sm" type="none"/>
-                      <a:tailEnd len="sm" w="sm" type="none"/>
+                      <a:headEnd type="none" w="sm" len="sm"/>
+                      <a:tailEnd type="none" w="sm" len="sm"/>
                     </a:lnB>
                   </a:tcPr>
                 </a:tc>
@@ -13353,7 +13500,7 @@
                     <a:bodyPr/>
                     <a:lstStyle/>
                     <a:p>
-                      <a:pPr indent="0" lvl="0" marL="0" rtl="0" algn="l">
+                      <a:pPr marL="0" lvl="0" indent="0" algn="l" rtl="0">
                         <a:spcBef>
                           <a:spcPts val="0"/>
                         </a:spcBef>
@@ -13369,7 +13516,7 @@
                       <a:endParaRPr sz="1700"/>
                     </a:p>
                     <a:p>
-                      <a:pPr indent="0" lvl="0" marL="0" rtl="0" algn="l">
+                      <a:pPr marL="0" lvl="0" indent="0" algn="l" rtl="0">
                         <a:spcBef>
                           <a:spcPts val="0"/>
                         </a:spcBef>
@@ -13385,7 +13532,7 @@
                       <a:endParaRPr sz="1700"/>
                     </a:p>
                     <a:p>
-                      <a:pPr indent="0" lvl="0" marL="0" rtl="0" algn="l">
+                      <a:pPr marL="0" lvl="0" indent="0" algn="l" rtl="0">
                         <a:spcBef>
                           <a:spcPts val="0"/>
                         </a:spcBef>
@@ -13401,8 +13548,8 @@
                       <a:endParaRPr sz="1700"/>
                     </a:p>
                   </a:txBody>
-                  <a:tcPr marT="91425" marB="91425" marR="91425" marL="91425">
-                    <a:lnL cap="flat" cmpd="sng" w="9525">
+                  <a:tcPr marL="91425" marR="91425" marT="91425" marB="91425">
+                    <a:lnL w="9525" cap="flat" cmpd="sng">
                       <a:solidFill>
                         <a:srgbClr val="9E9E9E">
                           <a:alpha val="0"/>
@@ -13410,10 +13557,10 @@
                       </a:solidFill>
                       <a:prstDash val="solid"/>
                       <a:round/>
-                      <a:headEnd len="sm" w="sm" type="none"/>
-                      <a:tailEnd len="sm" w="sm" type="none"/>
+                      <a:headEnd type="none" w="sm" len="sm"/>
+                      <a:tailEnd type="none" w="sm" len="sm"/>
                     </a:lnL>
-                    <a:lnR cap="flat" cmpd="sng" w="9525">
+                    <a:lnR w="9525" cap="flat" cmpd="sng">
                       <a:solidFill>
                         <a:srgbClr val="9E9E9E">
                           <a:alpha val="0"/>
@@ -13421,10 +13568,10 @@
                       </a:solidFill>
                       <a:prstDash val="solid"/>
                       <a:round/>
-                      <a:headEnd len="sm" w="sm" type="none"/>
-                      <a:tailEnd len="sm" w="sm" type="none"/>
+                      <a:headEnd type="none" w="sm" len="sm"/>
+                      <a:tailEnd type="none" w="sm" len="sm"/>
                     </a:lnR>
-                    <a:lnT cap="flat" cmpd="sng" w="9525">
+                    <a:lnT w="9525" cap="flat" cmpd="sng">
                       <a:solidFill>
                         <a:srgbClr val="9E9E9E">
                           <a:alpha val="0"/>
@@ -13432,10 +13579,10 @@
                       </a:solidFill>
                       <a:prstDash val="solid"/>
                       <a:round/>
-                      <a:headEnd len="sm" w="sm" type="none"/>
-                      <a:tailEnd len="sm" w="sm" type="none"/>
+                      <a:headEnd type="none" w="sm" len="sm"/>
+                      <a:tailEnd type="none" w="sm" len="sm"/>
                     </a:lnT>
-                    <a:lnB cap="flat" cmpd="sng" w="9525">
+                    <a:lnB w="9525" cap="flat" cmpd="sng">
                       <a:solidFill>
                         <a:srgbClr val="9E9E9E">
                           <a:alpha val="0"/>
@@ -13443,11 +13590,16 @@
                       </a:solidFill>
                       <a:prstDash val="solid"/>
                       <a:round/>
-                      <a:headEnd len="sm" w="sm" type="none"/>
-                      <a:tailEnd len="sm" w="sm" type="none"/>
+                      <a:headEnd type="none" w="sm" len="sm"/>
+                      <a:tailEnd type="none" w="sm" len="sm"/>
                     </a:lnB>
                   </a:tcPr>
                 </a:tc>
+                <a:extLst>
+                  <a:ext uri="{0D108BD9-81ED-4DB2-BD59-A6C34878D82A}">
+                    <a16:rowId xmlns:a16="http://schemas.microsoft.com/office/drawing/2014/main" val="10003"/>
+                  </a:ext>
+                </a:extLst>
               </a:tr>
             </a:tbl>
           </a:graphicData>
@@ -13518,11 +13670,11 @@
 </file>
 
 <file path=ppt/slides/slide5.xml><?xml version="1.0" encoding="utf-8"?>
-<p:sld xmlns:a="http://schemas.openxmlformats.org/drawingml/2006/main" xmlns:r="http://schemas.openxmlformats.org/officeDocument/2006/relationships" xmlns:mc="http://schemas.openxmlformats.org/markup-compatibility/2006" xmlns:mv="urn:schemas-microsoft-com:mac:vml" xmlns:p="http://schemas.openxmlformats.org/presentationml/2006/main" xmlns:c="http://schemas.openxmlformats.org/drawingml/2006/chart" xmlns:dgm="http://schemas.openxmlformats.org/drawingml/2006/diagram" xmlns:o="urn:schemas-microsoft-com:office:office" xmlns:v="urn:schemas-microsoft-com:vml" xmlns:pvml="urn:schemas-microsoft-com:office:powerpoint" xmlns:com="http://schemas.openxmlformats.org/drawingml/2006/compatibility" xmlns:p14="http://schemas.microsoft.com/office/powerpoint/2010/main" xmlns:p15="http://schemas.microsoft.com/office/powerpoint/2012/main">
+<p:sld xmlns:a="http://schemas.openxmlformats.org/drawingml/2006/main" xmlns:r="http://schemas.openxmlformats.org/officeDocument/2006/relationships" xmlns:p="http://schemas.openxmlformats.org/presentationml/2006/main">
   <p:cSld>
     <p:spTree>
       <p:nvGrpSpPr>
-        <p:cNvPr id="155" name="Shape 155"/>
+        <p:cNvPr id="1" name="Shape 155"/>
         <p:cNvGrpSpPr/>
         <p:nvPr/>
       </p:nvGrpSpPr>
@@ -13537,7 +13689,9 @@
       <p:sp>
         <p:nvSpPr>
           <p:cNvPr id="156" name="Google Shape;156;p17"/>
-          <p:cNvSpPr txBox="1"/>
+          <p:cNvSpPr txBox="1">
+            <a:spLocks noGrp="1"/>
+          </p:cNvSpPr>
           <p:nvPr>
             <p:ph type="title"/>
           </p:nvPr>
@@ -13552,12 +13706,12 @@
           </a:prstGeom>
         </p:spPr>
         <p:txBody>
-          <a:bodyPr anchorCtr="0" anchor="ctr" bIns="91425" lIns="91425" spcFirstLastPara="1" rIns="91425" wrap="square" tIns="91425">
+          <a:bodyPr spcFirstLastPara="1" wrap="square" lIns="91425" tIns="91425" rIns="91425" bIns="91425" anchor="ctr" anchorCtr="0">
             <a:noAutofit/>
           </a:bodyPr>
           <a:lstStyle/>
           <a:p>
-            <a:pPr indent="0" lvl="0" marL="0" rtl="0" algn="ctr">
+            <a:pPr marL="0" lvl="0" indent="0" algn="ctr" rtl="0">
               <a:spcBef>
                 <a:spcPts val="0"/>
               </a:spcBef>
@@ -13583,11 +13737,11 @@
 </file>
 
 <file path=ppt/slides/slide6.xml><?xml version="1.0" encoding="utf-8"?>
-<p:sld xmlns:a="http://schemas.openxmlformats.org/drawingml/2006/main" xmlns:r="http://schemas.openxmlformats.org/officeDocument/2006/relationships" xmlns:mc="http://schemas.openxmlformats.org/markup-compatibility/2006" xmlns:mv="urn:schemas-microsoft-com:mac:vml" xmlns:p="http://schemas.openxmlformats.org/presentationml/2006/main" xmlns:c="http://schemas.openxmlformats.org/drawingml/2006/chart" xmlns:dgm="http://schemas.openxmlformats.org/drawingml/2006/diagram" xmlns:o="urn:schemas-microsoft-com:office:office" xmlns:v="urn:schemas-microsoft-com:vml" xmlns:pvml="urn:schemas-microsoft-com:office:powerpoint" xmlns:com="http://schemas.openxmlformats.org/drawingml/2006/compatibility" xmlns:p14="http://schemas.microsoft.com/office/powerpoint/2010/main" xmlns:p15="http://schemas.microsoft.com/office/powerpoint/2012/main">
+<p:sld xmlns:a="http://schemas.openxmlformats.org/drawingml/2006/main" xmlns:r="http://schemas.openxmlformats.org/officeDocument/2006/relationships" xmlns:p="http://schemas.openxmlformats.org/presentationml/2006/main">
   <p:cSld>
     <p:spTree>
       <p:nvGrpSpPr>
-        <p:cNvPr id="160" name="Shape 160"/>
+        <p:cNvPr id="1" name="Shape 160"/>
         <p:cNvGrpSpPr/>
         <p:nvPr/>
       </p:nvGrpSpPr>
@@ -13602,7 +13756,9 @@
       <p:sp>
         <p:nvSpPr>
           <p:cNvPr id="161" name="Google Shape;161;p18"/>
-          <p:cNvSpPr txBox="1"/>
+          <p:cNvSpPr txBox="1">
+            <a:spLocks noGrp="1"/>
+          </p:cNvSpPr>
           <p:nvPr>
             <p:ph type="title"/>
           </p:nvPr>
@@ -13617,12 +13773,12 @@
           </a:prstGeom>
         </p:spPr>
         <p:txBody>
-          <a:bodyPr anchorCtr="0" anchor="t" bIns="91425" lIns="91425" spcFirstLastPara="1" rIns="91425" wrap="square" tIns="91425">
+          <a:bodyPr spcFirstLastPara="1" wrap="square" lIns="91425" tIns="91425" rIns="91425" bIns="91425" anchor="t" anchorCtr="0">
             <a:noAutofit/>
           </a:bodyPr>
           <a:lstStyle/>
           <a:p>
-            <a:pPr indent="0" lvl="0" marL="0" rtl="0" algn="l">
+            <a:pPr marL="0" lvl="0" indent="0" algn="l" rtl="0">
               <a:spcBef>
                 <a:spcPts val="0"/>
               </a:spcBef>
@@ -13642,9 +13798,11 @@
       <p:sp>
         <p:nvSpPr>
           <p:cNvPr id="162" name="Google Shape;162;p18"/>
-          <p:cNvSpPr txBox="1"/>
+          <p:cNvSpPr txBox="1">
+            <a:spLocks noGrp="1"/>
+          </p:cNvSpPr>
           <p:nvPr>
-            <p:ph idx="1" type="subTitle"/>
+            <p:ph type="subTitle" idx="1"/>
           </p:nvPr>
         </p:nvSpPr>
         <p:spPr>
@@ -13657,12 +13815,12 @@
           </a:prstGeom>
         </p:spPr>
         <p:txBody>
-          <a:bodyPr anchorCtr="0" anchor="t" bIns="91425" lIns="91425" spcFirstLastPara="1" rIns="91425" wrap="square" tIns="91425">
+          <a:bodyPr spcFirstLastPara="1" wrap="square" lIns="91425" tIns="91425" rIns="91425" bIns="91425" anchor="t" anchorCtr="0">
             <a:noAutofit/>
           </a:bodyPr>
           <a:lstStyle/>
           <a:p>
-            <a:pPr indent="0" lvl="0" marL="0" rtl="0" algn="l">
+            <a:pPr marL="0" lvl="0" indent="0" algn="l" rtl="0">
               <a:spcBef>
                 <a:spcPts val="0"/>
               </a:spcBef>
@@ -13716,7 +13874,7 @@
 </file>
 
 <file path=ppt/slides/slide7.xml><?xml version="1.0" encoding="utf-8"?>
-<p:sld xmlns:a="http://schemas.openxmlformats.org/drawingml/2006/main" xmlns:r="http://schemas.openxmlformats.org/officeDocument/2006/relationships" xmlns:mc="http://schemas.openxmlformats.org/markup-compatibility/2006" xmlns:mv="urn:schemas-microsoft-com:mac:vml" xmlns:p="http://schemas.openxmlformats.org/presentationml/2006/main" xmlns:c="http://schemas.openxmlformats.org/drawingml/2006/chart" xmlns:dgm="http://schemas.openxmlformats.org/drawingml/2006/diagram" xmlns:o="urn:schemas-microsoft-com:office:office" xmlns:v="urn:schemas-microsoft-com:vml" xmlns:pvml="urn:schemas-microsoft-com:office:powerpoint" xmlns:com="http://schemas.openxmlformats.org/drawingml/2006/compatibility" xmlns:p14="http://schemas.microsoft.com/office/powerpoint/2010/main" xmlns:p15="http://schemas.microsoft.com/office/powerpoint/2012/main">
+<p:sld xmlns:a="http://schemas.openxmlformats.org/drawingml/2006/main" xmlns:r="http://schemas.openxmlformats.org/officeDocument/2006/relationships" xmlns:p="http://schemas.openxmlformats.org/presentationml/2006/main">
   <p:cSld>
     <p:bg>
       <p:bgPr>
@@ -13728,11 +13886,12 @@
             <a:fillRect/>
           </a:stretch>
         </a:blipFill>
+        <a:effectLst/>
       </p:bgPr>
     </p:bg>
     <p:spTree>
       <p:nvGrpSpPr>
-        <p:cNvPr id="167" name="Shape 167"/>
+        <p:cNvPr id="1" name="Shape 167"/>
         <p:cNvGrpSpPr/>
         <p:nvPr/>
       </p:nvGrpSpPr>
@@ -13753,11 +13912,11 @@
 </file>
 
 <file path=ppt/slides/slide8.xml><?xml version="1.0" encoding="utf-8"?>
-<p:sld xmlns:a="http://schemas.openxmlformats.org/drawingml/2006/main" xmlns:r="http://schemas.openxmlformats.org/officeDocument/2006/relationships" xmlns:mc="http://schemas.openxmlformats.org/markup-compatibility/2006" xmlns:mv="urn:schemas-microsoft-com:mac:vml" xmlns:p="http://schemas.openxmlformats.org/presentationml/2006/main" xmlns:c="http://schemas.openxmlformats.org/drawingml/2006/chart" xmlns:dgm="http://schemas.openxmlformats.org/drawingml/2006/diagram" xmlns:o="urn:schemas-microsoft-com:office:office" xmlns:v="urn:schemas-microsoft-com:vml" xmlns:pvml="urn:schemas-microsoft-com:office:powerpoint" xmlns:com="http://schemas.openxmlformats.org/drawingml/2006/compatibility" xmlns:p14="http://schemas.microsoft.com/office/powerpoint/2010/main" xmlns:p15="http://schemas.microsoft.com/office/powerpoint/2012/main">
+<p:sld xmlns:a="http://schemas.openxmlformats.org/drawingml/2006/main" xmlns:r="http://schemas.openxmlformats.org/officeDocument/2006/relationships" xmlns:p="http://schemas.openxmlformats.org/presentationml/2006/main">
   <p:cSld>
     <p:spTree>
       <p:nvGrpSpPr>
-        <p:cNvPr id="171" name="Shape 171"/>
+        <p:cNvPr id="1" name="Shape 171"/>
         <p:cNvGrpSpPr/>
         <p:nvPr/>
       </p:nvGrpSpPr>
@@ -13772,7 +13931,9 @@
       <p:sp>
         <p:nvSpPr>
           <p:cNvPr id="172" name="Google Shape;172;p20"/>
-          <p:cNvSpPr txBox="1"/>
+          <p:cNvSpPr txBox="1">
+            <a:spLocks noGrp="1"/>
+          </p:cNvSpPr>
           <p:nvPr>
             <p:ph type="title"/>
           </p:nvPr>
@@ -13787,12 +13948,12 @@
           </a:prstGeom>
         </p:spPr>
         <p:txBody>
-          <a:bodyPr anchorCtr="0" anchor="ctr" bIns="91425" lIns="91425" spcFirstLastPara="1" rIns="91425" wrap="square" tIns="91425">
+          <a:bodyPr spcFirstLastPara="1" wrap="square" lIns="91425" tIns="91425" rIns="91425" bIns="91425" anchor="ctr" anchorCtr="0">
             <a:noAutofit/>
           </a:bodyPr>
           <a:lstStyle/>
           <a:p>
-            <a:pPr indent="0" lvl="0" marL="0" rtl="0" algn="ctr">
+            <a:pPr marL="0" lvl="0" indent="0" algn="ctr" rtl="0">
               <a:spcBef>
                 <a:spcPts val="0"/>
               </a:spcBef>
@@ -13818,11 +13979,11 @@
 </file>
 
 <file path=ppt/slides/slide9.xml><?xml version="1.0" encoding="utf-8"?>
-<p:sld xmlns:a="http://schemas.openxmlformats.org/drawingml/2006/main" xmlns:r="http://schemas.openxmlformats.org/officeDocument/2006/relationships" xmlns:mc="http://schemas.openxmlformats.org/markup-compatibility/2006" xmlns:mv="urn:schemas-microsoft-com:mac:vml" xmlns:p="http://schemas.openxmlformats.org/presentationml/2006/main" xmlns:c="http://schemas.openxmlformats.org/drawingml/2006/chart" xmlns:dgm="http://schemas.openxmlformats.org/drawingml/2006/diagram" xmlns:o="urn:schemas-microsoft-com:office:office" xmlns:v="urn:schemas-microsoft-com:vml" xmlns:pvml="urn:schemas-microsoft-com:office:powerpoint" xmlns:com="http://schemas.openxmlformats.org/drawingml/2006/compatibility" xmlns:p14="http://schemas.microsoft.com/office/powerpoint/2010/main" xmlns:p15="http://schemas.microsoft.com/office/powerpoint/2012/main">
+<p:sld xmlns:a="http://schemas.openxmlformats.org/drawingml/2006/main" xmlns:r="http://schemas.openxmlformats.org/officeDocument/2006/relationships" xmlns:p="http://schemas.openxmlformats.org/presentationml/2006/main">
   <p:cSld>
     <p:spTree>
       <p:nvGrpSpPr>
-        <p:cNvPr id="176" name="Shape 176"/>
+        <p:cNvPr id="1" name="Shape 176"/>
         <p:cNvGrpSpPr/>
         <p:nvPr/>
       </p:nvGrpSpPr>
@@ -13837,7 +13998,9 @@
       <p:sp>
         <p:nvSpPr>
           <p:cNvPr id="177" name="Google Shape;177;p21"/>
-          <p:cNvSpPr txBox="1"/>
+          <p:cNvSpPr txBox="1">
+            <a:spLocks noGrp="1"/>
+          </p:cNvSpPr>
           <p:nvPr>
             <p:ph type="title"/>
           </p:nvPr>
@@ -13852,12 +14015,12 @@
           </a:prstGeom>
         </p:spPr>
         <p:txBody>
-          <a:bodyPr anchorCtr="0" anchor="ctr" bIns="91425" lIns="91425" spcFirstLastPara="1" rIns="91425" wrap="square" tIns="91425">
+          <a:bodyPr spcFirstLastPara="1" wrap="square" lIns="91425" tIns="91425" rIns="91425" bIns="91425" anchor="ctr" anchorCtr="0">
             <a:noAutofit/>
           </a:bodyPr>
           <a:lstStyle/>
           <a:p>
-            <a:pPr indent="0" lvl="0" marL="0" rtl="0" algn="ctr">
+            <a:pPr marL="0" lvl="0" indent="0" algn="ctr" rtl="0">
               <a:spcBef>
                 <a:spcPts val="0"/>
               </a:spcBef>
@@ -13883,7 +14046,7 @@
 </file>
 
 <file path=ppt/theme/theme1.xml><?xml version="1.0" encoding="utf-8"?>
-<a:theme xmlns:a="http://schemas.openxmlformats.org/drawingml/2006/main" xmlns:r="http://schemas.openxmlformats.org/officeDocument/2006/relationships" name="Shift">
+<a:theme xmlns:a="http://schemas.openxmlformats.org/drawingml/2006/main" name="Shift">
   <a:themeElements>
     <a:clrScheme name="Shift">
       <a:dk1>
@@ -14158,11 +14321,13 @@
       </a:bgFillStyleLst>
     </a:fmtScheme>
   </a:themeElements>
+  <a:objectDefaults/>
+  <a:extraClrSchemeLst/>
 </a:theme>
 </file>
 
 <file path=ppt/theme/theme2.xml><?xml version="1.0" encoding="utf-8"?>
-<a:theme xmlns:a="http://schemas.openxmlformats.org/drawingml/2006/main" xmlns:r="http://schemas.openxmlformats.org/officeDocument/2006/relationships">
+<a:theme xmlns:a="http://schemas.openxmlformats.org/drawingml/2006/main">
   <a:themeElements>
     <a:clrScheme name="Default">
       <a:dk1>
@@ -14437,5 +14602,7 @@
       </a:bgFillStyleLst>
     </a:fmtScheme>
   </a:themeElements>
+  <a:objectDefaults/>
+  <a:extraClrSchemeLst/>
 </a:theme>
 </file>